--- a/期末程式報告.pptx
+++ b/期末程式報告.pptx
@@ -123,10 +123,10 @@
   </p:defaultTextStyle>
   <p:extLst>
     <p:ext uri="{EFAFB233-063F-42B5-8137-9DF3F51BA10A}">
-      <p15:sldGuideLst xmlns="" xmlns:p15="http://schemas.microsoft.com/office/powerpoint/2012/main"/>
+      <p15:sldGuideLst xmlns:p15="http://schemas.microsoft.com/office/powerpoint/2012/main" xmlns=""/>
     </p:ext>
     <p:ext uri="{2D200454-40CA-4A62-9FC3-DE9A4176ACB9}">
-      <p15:notesGuideLst xmlns="" xmlns:p15="http://schemas.microsoft.com/office/powerpoint/2012/main"/>
+      <p15:notesGuideLst xmlns:p15="http://schemas.microsoft.com/office/powerpoint/2012/main" xmlns=""/>
     </p:ext>
   </p:extLst>
 </p:presentation>
@@ -163,7 +163,7 @@
           <p:cNvPr id="3" name="Date Placeholder 2">
             <a:extLst>
               <a:ext uri="{FF2B5EF4-FFF2-40B4-BE49-F238E27FC236}">
-                <a16:creationId xmlns="" xmlns:a16="http://schemas.microsoft.com/office/drawing/2014/main" id="{9F961A05-2721-40C2-B8C2-7BCE475E6AC0}"/>
+                <a16:creationId xmlns:a16="http://schemas.microsoft.com/office/drawing/2014/main" xmlns="" id="{9F961A05-2721-40C2-B8C2-7BCE475E6AC0}"/>
               </a:ext>
             </a:extLst>
           </p:cNvPr>
@@ -204,7 +204,7 @@
           <p:cNvPr id="4" name="Footer Placeholder 3">
             <a:extLst>
               <a:ext uri="{FF2B5EF4-FFF2-40B4-BE49-F238E27FC236}">
-                <a16:creationId xmlns="" xmlns:a16="http://schemas.microsoft.com/office/drawing/2014/main" id="{994F89ED-19FF-448D-9637-AB3A68F3EEF8}"/>
+                <a16:creationId xmlns:a16="http://schemas.microsoft.com/office/drawing/2014/main" xmlns="" id="{994F89ED-19FF-448D-9637-AB3A68F3EEF8}"/>
               </a:ext>
             </a:extLst>
           </p:cNvPr>
@@ -241,7 +241,7 @@
           <p:cNvPr id="5" name="Slide Number Placeholder 4">
             <a:extLst>
               <a:ext uri="{FF2B5EF4-FFF2-40B4-BE49-F238E27FC236}">
-                <a16:creationId xmlns="" xmlns:a16="http://schemas.microsoft.com/office/drawing/2014/main" id="{E9C22E37-F0B4-44B7-8973-6E792D97CBB9}"/>
+                <a16:creationId xmlns:a16="http://schemas.microsoft.com/office/drawing/2014/main" xmlns="" id="{E9C22E37-F0B4-44B7-8973-6E792D97CBB9}"/>
               </a:ext>
             </a:extLst>
           </p:cNvPr>
@@ -659,7 +659,7 @@
           <p:cNvPr id="3" name="Subtitle 2">
             <a:extLst>
               <a:ext uri="{FF2B5EF4-FFF2-40B4-BE49-F238E27FC236}">
-                <a16:creationId xmlns="" xmlns:a16="http://schemas.microsoft.com/office/drawing/2014/main" id="{4B98249C-54A9-48C7-8E90-5D127DF45ADF}"/>
+                <a16:creationId xmlns:a16="http://schemas.microsoft.com/office/drawing/2014/main" xmlns="" id="{4B98249C-54A9-48C7-8E90-5D127DF45ADF}"/>
               </a:ext>
             </a:extLst>
           </p:cNvPr>
@@ -741,7 +741,7 @@
           <p:cNvPr id="8" name="Footer Placeholder 7">
             <a:extLst>
               <a:ext uri="{FF2B5EF4-FFF2-40B4-BE49-F238E27FC236}">
-                <a16:creationId xmlns="" xmlns:a16="http://schemas.microsoft.com/office/drawing/2014/main" id="{4552F197-B265-4A24-B3B2-579047097227}"/>
+                <a16:creationId xmlns:a16="http://schemas.microsoft.com/office/drawing/2014/main" xmlns="" id="{4552F197-B265-4A24-B3B2-579047097227}"/>
               </a:ext>
             </a:extLst>
           </p:cNvPr>
@@ -769,7 +769,7 @@
           <p:cNvPr id="9" name="Slide Number Placeholder 8">
             <a:extLst>
               <a:ext uri="{FF2B5EF4-FFF2-40B4-BE49-F238E27FC236}">
-                <a16:creationId xmlns="" xmlns:a16="http://schemas.microsoft.com/office/drawing/2014/main" id="{5CEA28D6-30E3-4853-9DDB-89073BC25F8D}"/>
+                <a16:creationId xmlns:a16="http://schemas.microsoft.com/office/drawing/2014/main" xmlns="" id="{5CEA28D6-30E3-4853-9DDB-89073BC25F8D}"/>
               </a:ext>
             </a:extLst>
           </p:cNvPr>
@@ -799,7 +799,7 @@
           <p:cNvPr id="2" name="Title 1">
             <a:extLst>
               <a:ext uri="{FF2B5EF4-FFF2-40B4-BE49-F238E27FC236}">
-                <a16:creationId xmlns="" xmlns:a16="http://schemas.microsoft.com/office/drawing/2014/main" id="{3F716540-A5BD-4AEC-AAD5-035D9A1A123C}"/>
+                <a16:creationId xmlns:a16="http://schemas.microsoft.com/office/drawing/2014/main" xmlns="" id="{3F716540-A5BD-4AEC-AAD5-035D9A1A123C}"/>
               </a:ext>
             </a:extLst>
           </p:cNvPr>
@@ -857,7 +857,7 @@
           <p:cNvPr id="7" name="Rectangle 6">
             <a:extLst>
               <a:ext uri="{FF2B5EF4-FFF2-40B4-BE49-F238E27FC236}">
-                <a16:creationId xmlns="" xmlns:a16="http://schemas.microsoft.com/office/drawing/2014/main" id="{D465B9C0-64E1-4F10-A420-57946092E904}"/>
+                <a16:creationId xmlns:a16="http://schemas.microsoft.com/office/drawing/2014/main" xmlns="" id="{D465B9C0-64E1-4F10-A420-57946092E904}"/>
               </a:ext>
             </a:extLst>
           </p:cNvPr>
@@ -939,7 +939,7 @@
           <p:cNvPr id="7" name="Rectangle 6">
             <a:extLst>
               <a:ext uri="{FF2B5EF4-FFF2-40B4-BE49-F238E27FC236}">
-                <a16:creationId xmlns="" xmlns:a16="http://schemas.microsoft.com/office/drawing/2014/main" id="{D465B9C0-64E1-4F10-A420-57946092E904}"/>
+                <a16:creationId xmlns:a16="http://schemas.microsoft.com/office/drawing/2014/main" xmlns="" id="{D465B9C0-64E1-4F10-A420-57946092E904}"/>
               </a:ext>
             </a:extLst>
           </p:cNvPr>
@@ -991,7 +991,7 @@
           <p:cNvPr id="5" name="Picture Placeholder 8">
             <a:extLst>
               <a:ext uri="{FF2B5EF4-FFF2-40B4-BE49-F238E27FC236}">
-                <a16:creationId xmlns="" xmlns:a16="http://schemas.microsoft.com/office/drawing/2014/main" id="{7D039519-A727-4FF2-8F74-0AF3845678C6}"/>
+                <a16:creationId xmlns:a16="http://schemas.microsoft.com/office/drawing/2014/main" xmlns="" id="{7D039519-A727-4FF2-8F74-0AF3845678C6}"/>
               </a:ext>
             </a:extLst>
           </p:cNvPr>
@@ -1039,7 +1039,7 @@
           <p:cNvPr id="6" name="Picture Placeholder 8">
             <a:extLst>
               <a:ext uri="{FF2B5EF4-FFF2-40B4-BE49-F238E27FC236}">
-                <a16:creationId xmlns="" xmlns:a16="http://schemas.microsoft.com/office/drawing/2014/main" id="{545FD064-C03C-4C2E-85E5-14614705C967}"/>
+                <a16:creationId xmlns:a16="http://schemas.microsoft.com/office/drawing/2014/main" xmlns="" id="{545FD064-C03C-4C2E-85E5-14614705C967}"/>
               </a:ext>
             </a:extLst>
           </p:cNvPr>
@@ -1117,7 +1117,7 @@
           <p:cNvPr id="7" name="Rectangle 6">
             <a:extLst>
               <a:ext uri="{FF2B5EF4-FFF2-40B4-BE49-F238E27FC236}">
-                <a16:creationId xmlns="" xmlns:a16="http://schemas.microsoft.com/office/drawing/2014/main" id="{D465B9C0-64E1-4F10-A420-57946092E904}"/>
+                <a16:creationId xmlns:a16="http://schemas.microsoft.com/office/drawing/2014/main" xmlns="" id="{D465B9C0-64E1-4F10-A420-57946092E904}"/>
               </a:ext>
             </a:extLst>
           </p:cNvPr>
@@ -1169,7 +1169,7 @@
           <p:cNvPr id="4" name="Picture Placeholder 8">
             <a:extLst>
               <a:ext uri="{FF2B5EF4-FFF2-40B4-BE49-F238E27FC236}">
-                <a16:creationId xmlns="" xmlns:a16="http://schemas.microsoft.com/office/drawing/2014/main" id="{D5FD3DBC-3546-4719-AA0A-93CB838582CB}"/>
+                <a16:creationId xmlns:a16="http://schemas.microsoft.com/office/drawing/2014/main" xmlns="" id="{D5FD3DBC-3546-4719-AA0A-93CB838582CB}"/>
               </a:ext>
             </a:extLst>
           </p:cNvPr>
@@ -1247,7 +1247,7 @@
           <p:cNvPr id="7" name="Rectangle 6">
             <a:extLst>
               <a:ext uri="{FF2B5EF4-FFF2-40B4-BE49-F238E27FC236}">
-                <a16:creationId xmlns="" xmlns:a16="http://schemas.microsoft.com/office/drawing/2014/main" id="{D465B9C0-64E1-4F10-A420-57946092E904}"/>
+                <a16:creationId xmlns:a16="http://schemas.microsoft.com/office/drawing/2014/main" xmlns="" id="{D465B9C0-64E1-4F10-A420-57946092E904}"/>
               </a:ext>
             </a:extLst>
           </p:cNvPr>
@@ -1299,7 +1299,7 @@
           <p:cNvPr id="4" name="Picture Placeholder 8">
             <a:extLst>
               <a:ext uri="{FF2B5EF4-FFF2-40B4-BE49-F238E27FC236}">
-                <a16:creationId xmlns="" xmlns:a16="http://schemas.microsoft.com/office/drawing/2014/main" id="{D5FD3DBC-3546-4719-AA0A-93CB838582CB}"/>
+                <a16:creationId xmlns:a16="http://schemas.microsoft.com/office/drawing/2014/main" xmlns="" id="{D5FD3DBC-3546-4719-AA0A-93CB838582CB}"/>
               </a:ext>
             </a:extLst>
           </p:cNvPr>
@@ -1377,7 +1377,7 @@
           <p:cNvPr id="7" name="Rectangle 6">
             <a:extLst>
               <a:ext uri="{FF2B5EF4-FFF2-40B4-BE49-F238E27FC236}">
-                <a16:creationId xmlns="" xmlns:a16="http://schemas.microsoft.com/office/drawing/2014/main" id="{D465B9C0-64E1-4F10-A420-57946092E904}"/>
+                <a16:creationId xmlns:a16="http://schemas.microsoft.com/office/drawing/2014/main" xmlns="" id="{D465B9C0-64E1-4F10-A420-57946092E904}"/>
               </a:ext>
             </a:extLst>
           </p:cNvPr>
@@ -1429,7 +1429,7 @@
           <p:cNvPr id="13" name="Picture Placeholder 12">
             <a:extLst>
               <a:ext uri="{FF2B5EF4-FFF2-40B4-BE49-F238E27FC236}">
-                <a16:creationId xmlns="" xmlns:a16="http://schemas.microsoft.com/office/drawing/2014/main" id="{A3E0B2AB-0616-41DC-8B9F-32CF68E061D8}"/>
+                <a16:creationId xmlns:a16="http://schemas.microsoft.com/office/drawing/2014/main" xmlns="" id="{A3E0B2AB-0616-41DC-8B9F-32CF68E061D8}"/>
               </a:ext>
             </a:extLst>
           </p:cNvPr>
@@ -1602,7 +1602,7 @@
           <p:cNvPr id="3" name="Subtitle 2">
             <a:extLst>
               <a:ext uri="{FF2B5EF4-FFF2-40B4-BE49-F238E27FC236}">
-                <a16:creationId xmlns="" xmlns:a16="http://schemas.microsoft.com/office/drawing/2014/main" id="{4B98249C-54A9-48C7-8E90-5D127DF45ADF}"/>
+                <a16:creationId xmlns:a16="http://schemas.microsoft.com/office/drawing/2014/main" xmlns="" id="{4B98249C-54A9-48C7-8E90-5D127DF45ADF}"/>
               </a:ext>
             </a:extLst>
           </p:cNvPr>
@@ -1684,7 +1684,7 @@
           <p:cNvPr id="8" name="Footer Placeholder 7">
             <a:extLst>
               <a:ext uri="{FF2B5EF4-FFF2-40B4-BE49-F238E27FC236}">
-                <a16:creationId xmlns="" xmlns:a16="http://schemas.microsoft.com/office/drawing/2014/main" id="{4552F197-B265-4A24-B3B2-579047097227}"/>
+                <a16:creationId xmlns:a16="http://schemas.microsoft.com/office/drawing/2014/main" xmlns="" id="{4552F197-B265-4A24-B3B2-579047097227}"/>
               </a:ext>
             </a:extLst>
           </p:cNvPr>
@@ -1712,7 +1712,7 @@
           <p:cNvPr id="9" name="Slide Number Placeholder 8">
             <a:extLst>
               <a:ext uri="{FF2B5EF4-FFF2-40B4-BE49-F238E27FC236}">
-                <a16:creationId xmlns="" xmlns:a16="http://schemas.microsoft.com/office/drawing/2014/main" id="{5CEA28D6-30E3-4853-9DDB-89073BC25F8D}"/>
+                <a16:creationId xmlns:a16="http://schemas.microsoft.com/office/drawing/2014/main" xmlns="" id="{5CEA28D6-30E3-4853-9DDB-89073BC25F8D}"/>
               </a:ext>
             </a:extLst>
           </p:cNvPr>
@@ -1742,7 +1742,7 @@
           <p:cNvPr id="2" name="Title 1">
             <a:extLst>
               <a:ext uri="{FF2B5EF4-FFF2-40B4-BE49-F238E27FC236}">
-                <a16:creationId xmlns="" xmlns:a16="http://schemas.microsoft.com/office/drawing/2014/main" id="{3F716540-A5BD-4AEC-AAD5-035D9A1A123C}"/>
+                <a16:creationId xmlns:a16="http://schemas.microsoft.com/office/drawing/2014/main" xmlns="" id="{3F716540-A5BD-4AEC-AAD5-035D9A1A123C}"/>
               </a:ext>
             </a:extLst>
           </p:cNvPr>
@@ -1770,7 +1770,7 @@
           <p:cNvPr id="6" name="Picture Placeholder 5">
             <a:extLst>
               <a:ext uri="{FF2B5EF4-FFF2-40B4-BE49-F238E27FC236}">
-                <a16:creationId xmlns="" xmlns:a16="http://schemas.microsoft.com/office/drawing/2014/main" id="{D8BCFB33-3647-4BF9-8FDF-27333E3F21DF}"/>
+                <a16:creationId xmlns:a16="http://schemas.microsoft.com/office/drawing/2014/main" xmlns="" id="{D8BCFB33-3647-4BF9-8FDF-27333E3F21DF}"/>
               </a:ext>
             </a:extLst>
           </p:cNvPr>
@@ -1880,7 +1880,7 @@
           <p:cNvPr id="7" name="Picture Placeholder 6">
             <a:extLst>
               <a:ext uri="{FF2B5EF4-FFF2-40B4-BE49-F238E27FC236}">
-                <a16:creationId xmlns="" xmlns:a16="http://schemas.microsoft.com/office/drawing/2014/main" id="{F09BA534-2A81-4355-9727-510CB23705E9}"/>
+                <a16:creationId xmlns:a16="http://schemas.microsoft.com/office/drawing/2014/main" xmlns="" id="{F09BA534-2A81-4355-9727-510CB23705E9}"/>
               </a:ext>
             </a:extLst>
           </p:cNvPr>
@@ -1990,7 +1990,7 @@
           <p:cNvPr id="10" name="Picture Placeholder 9">
             <a:extLst>
               <a:ext uri="{FF2B5EF4-FFF2-40B4-BE49-F238E27FC236}">
-                <a16:creationId xmlns="" xmlns:a16="http://schemas.microsoft.com/office/drawing/2014/main" id="{2BFA08BC-0A6F-4CF4-9C4F-8CDF503A5450}"/>
+                <a16:creationId xmlns:a16="http://schemas.microsoft.com/office/drawing/2014/main" xmlns="" id="{2BFA08BC-0A6F-4CF4-9C4F-8CDF503A5450}"/>
               </a:ext>
             </a:extLst>
           </p:cNvPr>
@@ -2130,7 +2130,7 @@
           <p:cNvPr id="14" name="Picture Placeholder 8">
             <a:extLst>
               <a:ext uri="{FF2B5EF4-FFF2-40B4-BE49-F238E27FC236}">
-                <a16:creationId xmlns="" xmlns:a16="http://schemas.microsoft.com/office/drawing/2014/main" id="{9A8D0AFE-6092-49C3-A838-187A0F3ABEE0}"/>
+                <a16:creationId xmlns:a16="http://schemas.microsoft.com/office/drawing/2014/main" xmlns="" id="{9A8D0AFE-6092-49C3-A838-187A0F3ABEE0}"/>
               </a:ext>
             </a:extLst>
           </p:cNvPr>
@@ -2178,7 +2178,7 @@
           <p:cNvPr id="15" name="Picture Placeholder 8">
             <a:extLst>
               <a:ext uri="{FF2B5EF4-FFF2-40B4-BE49-F238E27FC236}">
-                <a16:creationId xmlns="" xmlns:a16="http://schemas.microsoft.com/office/drawing/2014/main" id="{42E56542-5696-4A54-8F64-F829DBA217BD}"/>
+                <a16:creationId xmlns:a16="http://schemas.microsoft.com/office/drawing/2014/main" xmlns="" id="{42E56542-5696-4A54-8F64-F829DBA217BD}"/>
               </a:ext>
             </a:extLst>
           </p:cNvPr>
@@ -2226,7 +2226,7 @@
           <p:cNvPr id="16" name="Picture Placeholder 8">
             <a:extLst>
               <a:ext uri="{FF2B5EF4-FFF2-40B4-BE49-F238E27FC236}">
-                <a16:creationId xmlns="" xmlns:a16="http://schemas.microsoft.com/office/drawing/2014/main" id="{D593B9C8-165D-4543-8ED0-D4A78A0B6F7E}"/>
+                <a16:creationId xmlns:a16="http://schemas.microsoft.com/office/drawing/2014/main" xmlns="" id="{D593B9C8-165D-4543-8ED0-D4A78A0B6F7E}"/>
               </a:ext>
             </a:extLst>
           </p:cNvPr>
@@ -2274,7 +2274,7 @@
           <p:cNvPr id="3" name="Subtitle 2">
             <a:extLst>
               <a:ext uri="{FF2B5EF4-FFF2-40B4-BE49-F238E27FC236}">
-                <a16:creationId xmlns="" xmlns:a16="http://schemas.microsoft.com/office/drawing/2014/main" id="{4B98249C-54A9-48C7-8E90-5D127DF45ADF}"/>
+                <a16:creationId xmlns:a16="http://schemas.microsoft.com/office/drawing/2014/main" xmlns="" id="{4B98249C-54A9-48C7-8E90-5D127DF45ADF}"/>
               </a:ext>
             </a:extLst>
           </p:cNvPr>
@@ -2356,7 +2356,7 @@
           <p:cNvPr id="8" name="Footer Placeholder 7">
             <a:extLst>
               <a:ext uri="{FF2B5EF4-FFF2-40B4-BE49-F238E27FC236}">
-                <a16:creationId xmlns="" xmlns:a16="http://schemas.microsoft.com/office/drawing/2014/main" id="{4552F197-B265-4A24-B3B2-579047097227}"/>
+                <a16:creationId xmlns:a16="http://schemas.microsoft.com/office/drawing/2014/main" xmlns="" id="{4552F197-B265-4A24-B3B2-579047097227}"/>
               </a:ext>
             </a:extLst>
           </p:cNvPr>
@@ -2384,7 +2384,7 @@
           <p:cNvPr id="9" name="Slide Number Placeholder 8">
             <a:extLst>
               <a:ext uri="{FF2B5EF4-FFF2-40B4-BE49-F238E27FC236}">
-                <a16:creationId xmlns="" xmlns:a16="http://schemas.microsoft.com/office/drawing/2014/main" id="{5CEA28D6-30E3-4853-9DDB-89073BC25F8D}"/>
+                <a16:creationId xmlns:a16="http://schemas.microsoft.com/office/drawing/2014/main" xmlns="" id="{5CEA28D6-30E3-4853-9DDB-89073BC25F8D}"/>
               </a:ext>
             </a:extLst>
           </p:cNvPr>
@@ -2414,7 +2414,7 @@
           <p:cNvPr id="2" name="Title 1">
             <a:extLst>
               <a:ext uri="{FF2B5EF4-FFF2-40B4-BE49-F238E27FC236}">
-                <a16:creationId xmlns="" xmlns:a16="http://schemas.microsoft.com/office/drawing/2014/main" id="{3F716540-A5BD-4AEC-AAD5-035D9A1A123C}"/>
+                <a16:creationId xmlns:a16="http://schemas.microsoft.com/office/drawing/2014/main" xmlns="" id="{3F716540-A5BD-4AEC-AAD5-035D9A1A123C}"/>
               </a:ext>
             </a:extLst>
           </p:cNvPr>
@@ -2472,7 +2472,7 @@
           <p:cNvPr id="16" name="Picture Placeholder 8">
             <a:extLst>
               <a:ext uri="{FF2B5EF4-FFF2-40B4-BE49-F238E27FC236}">
-                <a16:creationId xmlns="" xmlns:a16="http://schemas.microsoft.com/office/drawing/2014/main" id="{D593B9C8-165D-4543-8ED0-D4A78A0B6F7E}"/>
+                <a16:creationId xmlns:a16="http://schemas.microsoft.com/office/drawing/2014/main" xmlns="" id="{D593B9C8-165D-4543-8ED0-D4A78A0B6F7E}"/>
               </a:ext>
             </a:extLst>
           </p:cNvPr>
@@ -2520,7 +2520,7 @@
           <p:cNvPr id="17" name="Picture Placeholder 8">
             <a:extLst>
               <a:ext uri="{FF2B5EF4-FFF2-40B4-BE49-F238E27FC236}">
-                <a16:creationId xmlns="" xmlns:a16="http://schemas.microsoft.com/office/drawing/2014/main" id="{9AFBF35A-ABCF-4A5C-8FEC-0FF0517160BE}"/>
+                <a16:creationId xmlns:a16="http://schemas.microsoft.com/office/drawing/2014/main" xmlns="" id="{9AFBF35A-ABCF-4A5C-8FEC-0FF0517160BE}"/>
               </a:ext>
             </a:extLst>
           </p:cNvPr>
@@ -2568,7 +2568,7 @@
           <p:cNvPr id="18" name="Picture Placeholder 8">
             <a:extLst>
               <a:ext uri="{FF2B5EF4-FFF2-40B4-BE49-F238E27FC236}">
-                <a16:creationId xmlns="" xmlns:a16="http://schemas.microsoft.com/office/drawing/2014/main" id="{1A333BC9-2C2C-4CB3-BE1F-9123563F1074}"/>
+                <a16:creationId xmlns:a16="http://schemas.microsoft.com/office/drawing/2014/main" xmlns="" id="{1A333BC9-2C2C-4CB3-BE1F-9123563F1074}"/>
               </a:ext>
             </a:extLst>
           </p:cNvPr>
@@ -2616,7 +2616,7 @@
           <p:cNvPr id="19" name="Picture Placeholder 8">
             <a:extLst>
               <a:ext uri="{FF2B5EF4-FFF2-40B4-BE49-F238E27FC236}">
-                <a16:creationId xmlns="" xmlns:a16="http://schemas.microsoft.com/office/drawing/2014/main" id="{7343F12E-DB52-4FE3-936E-776F48EDE8CC}"/>
+                <a16:creationId xmlns:a16="http://schemas.microsoft.com/office/drawing/2014/main" xmlns="" id="{7343F12E-DB52-4FE3-936E-776F48EDE8CC}"/>
               </a:ext>
             </a:extLst>
           </p:cNvPr>
@@ -2664,7 +2664,7 @@
           <p:cNvPr id="3" name="Subtitle 2">
             <a:extLst>
               <a:ext uri="{FF2B5EF4-FFF2-40B4-BE49-F238E27FC236}">
-                <a16:creationId xmlns="" xmlns:a16="http://schemas.microsoft.com/office/drawing/2014/main" id="{4B98249C-54A9-48C7-8E90-5D127DF45ADF}"/>
+                <a16:creationId xmlns:a16="http://schemas.microsoft.com/office/drawing/2014/main" xmlns="" id="{4B98249C-54A9-48C7-8E90-5D127DF45ADF}"/>
               </a:ext>
             </a:extLst>
           </p:cNvPr>
@@ -2746,7 +2746,7 @@
           <p:cNvPr id="8" name="Footer Placeholder 7">
             <a:extLst>
               <a:ext uri="{FF2B5EF4-FFF2-40B4-BE49-F238E27FC236}">
-                <a16:creationId xmlns="" xmlns:a16="http://schemas.microsoft.com/office/drawing/2014/main" id="{4552F197-B265-4A24-B3B2-579047097227}"/>
+                <a16:creationId xmlns:a16="http://schemas.microsoft.com/office/drawing/2014/main" xmlns="" id="{4552F197-B265-4A24-B3B2-579047097227}"/>
               </a:ext>
             </a:extLst>
           </p:cNvPr>
@@ -2774,7 +2774,7 @@
           <p:cNvPr id="9" name="Slide Number Placeholder 8">
             <a:extLst>
               <a:ext uri="{FF2B5EF4-FFF2-40B4-BE49-F238E27FC236}">
-                <a16:creationId xmlns="" xmlns:a16="http://schemas.microsoft.com/office/drawing/2014/main" id="{5CEA28D6-30E3-4853-9DDB-89073BC25F8D}"/>
+                <a16:creationId xmlns:a16="http://schemas.microsoft.com/office/drawing/2014/main" xmlns="" id="{5CEA28D6-30E3-4853-9DDB-89073BC25F8D}"/>
               </a:ext>
             </a:extLst>
           </p:cNvPr>
@@ -2804,7 +2804,7 @@
           <p:cNvPr id="2" name="Title 1">
             <a:extLst>
               <a:ext uri="{FF2B5EF4-FFF2-40B4-BE49-F238E27FC236}">
-                <a16:creationId xmlns="" xmlns:a16="http://schemas.microsoft.com/office/drawing/2014/main" id="{3F716540-A5BD-4AEC-AAD5-035D9A1A123C}"/>
+                <a16:creationId xmlns:a16="http://schemas.microsoft.com/office/drawing/2014/main" xmlns="" id="{3F716540-A5BD-4AEC-AAD5-035D9A1A123C}"/>
               </a:ext>
             </a:extLst>
           </p:cNvPr>
@@ -2862,7 +2862,7 @@
           <p:cNvPr id="3" name="Subtitle 2">
             <a:extLst>
               <a:ext uri="{FF2B5EF4-FFF2-40B4-BE49-F238E27FC236}">
-                <a16:creationId xmlns="" xmlns:a16="http://schemas.microsoft.com/office/drawing/2014/main" id="{4B98249C-54A9-48C7-8E90-5D127DF45ADF}"/>
+                <a16:creationId xmlns:a16="http://schemas.microsoft.com/office/drawing/2014/main" xmlns="" id="{4B98249C-54A9-48C7-8E90-5D127DF45ADF}"/>
               </a:ext>
             </a:extLst>
           </p:cNvPr>
@@ -2944,7 +2944,7 @@
           <p:cNvPr id="8" name="Footer Placeholder 7">
             <a:extLst>
               <a:ext uri="{FF2B5EF4-FFF2-40B4-BE49-F238E27FC236}">
-                <a16:creationId xmlns="" xmlns:a16="http://schemas.microsoft.com/office/drawing/2014/main" id="{4552F197-B265-4A24-B3B2-579047097227}"/>
+                <a16:creationId xmlns:a16="http://schemas.microsoft.com/office/drawing/2014/main" xmlns="" id="{4552F197-B265-4A24-B3B2-579047097227}"/>
               </a:ext>
             </a:extLst>
           </p:cNvPr>
@@ -2972,7 +2972,7 @@
           <p:cNvPr id="9" name="Slide Number Placeholder 8">
             <a:extLst>
               <a:ext uri="{FF2B5EF4-FFF2-40B4-BE49-F238E27FC236}">
-                <a16:creationId xmlns="" xmlns:a16="http://schemas.microsoft.com/office/drawing/2014/main" id="{5CEA28D6-30E3-4853-9DDB-89073BC25F8D}"/>
+                <a16:creationId xmlns:a16="http://schemas.microsoft.com/office/drawing/2014/main" xmlns="" id="{5CEA28D6-30E3-4853-9DDB-89073BC25F8D}"/>
               </a:ext>
             </a:extLst>
           </p:cNvPr>
@@ -3002,7 +3002,7 @@
           <p:cNvPr id="2" name="Title 1">
             <a:extLst>
               <a:ext uri="{FF2B5EF4-FFF2-40B4-BE49-F238E27FC236}">
-                <a16:creationId xmlns="" xmlns:a16="http://schemas.microsoft.com/office/drawing/2014/main" id="{3F716540-A5BD-4AEC-AAD5-035D9A1A123C}"/>
+                <a16:creationId xmlns:a16="http://schemas.microsoft.com/office/drawing/2014/main" xmlns="" id="{3F716540-A5BD-4AEC-AAD5-035D9A1A123C}"/>
               </a:ext>
             </a:extLst>
           </p:cNvPr>
@@ -3030,7 +3030,7 @@
           <p:cNvPr id="6" name="Picture Placeholder 8">
             <a:extLst>
               <a:ext uri="{FF2B5EF4-FFF2-40B4-BE49-F238E27FC236}">
-                <a16:creationId xmlns="" xmlns:a16="http://schemas.microsoft.com/office/drawing/2014/main" id="{3498751F-B73B-4503-BEE6-6CD3DFE8E472}"/>
+                <a16:creationId xmlns:a16="http://schemas.microsoft.com/office/drawing/2014/main" xmlns="" id="{3498751F-B73B-4503-BEE6-6CD3DFE8E472}"/>
               </a:ext>
             </a:extLst>
           </p:cNvPr>
@@ -3078,7 +3078,7 @@
           <p:cNvPr id="7" name="Picture Placeholder 8">
             <a:extLst>
               <a:ext uri="{FF2B5EF4-FFF2-40B4-BE49-F238E27FC236}">
-                <a16:creationId xmlns="" xmlns:a16="http://schemas.microsoft.com/office/drawing/2014/main" id="{4EEB3E60-30F3-4B70-9B7A-36401D24F103}"/>
+                <a16:creationId xmlns:a16="http://schemas.microsoft.com/office/drawing/2014/main" xmlns="" id="{4EEB3E60-30F3-4B70-9B7A-36401D24F103}"/>
               </a:ext>
             </a:extLst>
           </p:cNvPr>
@@ -3126,7 +3126,7 @@
           <p:cNvPr id="10" name="Picture Placeholder 8">
             <a:extLst>
               <a:ext uri="{FF2B5EF4-FFF2-40B4-BE49-F238E27FC236}">
-                <a16:creationId xmlns="" xmlns:a16="http://schemas.microsoft.com/office/drawing/2014/main" id="{BA9F6DAE-E6E4-4C7B-A7D7-E5D6012FE8AD}"/>
+                <a16:creationId xmlns:a16="http://schemas.microsoft.com/office/drawing/2014/main" xmlns="" id="{BA9F6DAE-E6E4-4C7B-A7D7-E5D6012FE8AD}"/>
               </a:ext>
             </a:extLst>
           </p:cNvPr>
@@ -3204,7 +3204,7 @@
           <p:cNvPr id="3" name="Subtitle 2">
             <a:extLst>
               <a:ext uri="{FF2B5EF4-FFF2-40B4-BE49-F238E27FC236}">
-                <a16:creationId xmlns="" xmlns:a16="http://schemas.microsoft.com/office/drawing/2014/main" id="{4B98249C-54A9-48C7-8E90-5D127DF45ADF}"/>
+                <a16:creationId xmlns:a16="http://schemas.microsoft.com/office/drawing/2014/main" xmlns="" id="{4B98249C-54A9-48C7-8E90-5D127DF45ADF}"/>
               </a:ext>
             </a:extLst>
           </p:cNvPr>
@@ -3286,7 +3286,7 @@
           <p:cNvPr id="8" name="Footer Placeholder 7">
             <a:extLst>
               <a:ext uri="{FF2B5EF4-FFF2-40B4-BE49-F238E27FC236}">
-                <a16:creationId xmlns="" xmlns:a16="http://schemas.microsoft.com/office/drawing/2014/main" id="{4552F197-B265-4A24-B3B2-579047097227}"/>
+                <a16:creationId xmlns:a16="http://schemas.microsoft.com/office/drawing/2014/main" xmlns="" id="{4552F197-B265-4A24-B3B2-579047097227}"/>
               </a:ext>
             </a:extLst>
           </p:cNvPr>
@@ -3314,7 +3314,7 @@
           <p:cNvPr id="9" name="Slide Number Placeholder 8">
             <a:extLst>
               <a:ext uri="{FF2B5EF4-FFF2-40B4-BE49-F238E27FC236}">
-                <a16:creationId xmlns="" xmlns:a16="http://schemas.microsoft.com/office/drawing/2014/main" id="{5CEA28D6-30E3-4853-9DDB-89073BC25F8D}"/>
+                <a16:creationId xmlns:a16="http://schemas.microsoft.com/office/drawing/2014/main" xmlns="" id="{5CEA28D6-30E3-4853-9DDB-89073BC25F8D}"/>
               </a:ext>
             </a:extLst>
           </p:cNvPr>
@@ -3344,7 +3344,7 @@
           <p:cNvPr id="2" name="Title 1">
             <a:extLst>
               <a:ext uri="{FF2B5EF4-FFF2-40B4-BE49-F238E27FC236}">
-                <a16:creationId xmlns="" xmlns:a16="http://schemas.microsoft.com/office/drawing/2014/main" id="{3F716540-A5BD-4AEC-AAD5-035D9A1A123C}"/>
+                <a16:creationId xmlns:a16="http://schemas.microsoft.com/office/drawing/2014/main" xmlns="" id="{3F716540-A5BD-4AEC-AAD5-035D9A1A123C}"/>
               </a:ext>
             </a:extLst>
           </p:cNvPr>
@@ -3406,7 +3406,7 @@
           <p:cNvPr id="3" name="Subtitle 2">
             <a:extLst>
               <a:ext uri="{FF2B5EF4-FFF2-40B4-BE49-F238E27FC236}">
-                <a16:creationId xmlns="" xmlns:a16="http://schemas.microsoft.com/office/drawing/2014/main" id="{4B98249C-54A9-48C7-8E90-5D127DF45ADF}"/>
+                <a16:creationId xmlns:a16="http://schemas.microsoft.com/office/drawing/2014/main" xmlns="" id="{4B98249C-54A9-48C7-8E90-5D127DF45ADF}"/>
               </a:ext>
             </a:extLst>
           </p:cNvPr>
@@ -3488,7 +3488,7 @@
           <p:cNvPr id="8" name="Footer Placeholder 7">
             <a:extLst>
               <a:ext uri="{FF2B5EF4-FFF2-40B4-BE49-F238E27FC236}">
-                <a16:creationId xmlns="" xmlns:a16="http://schemas.microsoft.com/office/drawing/2014/main" id="{4552F197-B265-4A24-B3B2-579047097227}"/>
+                <a16:creationId xmlns:a16="http://schemas.microsoft.com/office/drawing/2014/main" xmlns="" id="{4552F197-B265-4A24-B3B2-579047097227}"/>
               </a:ext>
             </a:extLst>
           </p:cNvPr>
@@ -3516,7 +3516,7 @@
           <p:cNvPr id="9" name="Slide Number Placeholder 8">
             <a:extLst>
               <a:ext uri="{FF2B5EF4-FFF2-40B4-BE49-F238E27FC236}">
-                <a16:creationId xmlns="" xmlns:a16="http://schemas.microsoft.com/office/drawing/2014/main" id="{5CEA28D6-30E3-4853-9DDB-89073BC25F8D}"/>
+                <a16:creationId xmlns:a16="http://schemas.microsoft.com/office/drawing/2014/main" xmlns="" id="{5CEA28D6-30E3-4853-9DDB-89073BC25F8D}"/>
               </a:ext>
             </a:extLst>
           </p:cNvPr>
@@ -3546,7 +3546,7 @@
           <p:cNvPr id="2" name="Title 1">
             <a:extLst>
               <a:ext uri="{FF2B5EF4-FFF2-40B4-BE49-F238E27FC236}">
-                <a16:creationId xmlns="" xmlns:a16="http://schemas.microsoft.com/office/drawing/2014/main" id="{3F716540-A5BD-4AEC-AAD5-035D9A1A123C}"/>
+                <a16:creationId xmlns:a16="http://schemas.microsoft.com/office/drawing/2014/main" xmlns="" id="{3F716540-A5BD-4AEC-AAD5-035D9A1A123C}"/>
               </a:ext>
             </a:extLst>
           </p:cNvPr>
@@ -3578,7 +3578,7 @@
           <p:cNvPr id="13" name="Picture Placeholder 12">
             <a:extLst>
               <a:ext uri="{FF2B5EF4-FFF2-40B4-BE49-F238E27FC236}">
-                <a16:creationId xmlns="" xmlns:a16="http://schemas.microsoft.com/office/drawing/2014/main" id="{63285DB2-16D4-4066-85DE-02C160F50027}"/>
+                <a16:creationId xmlns:a16="http://schemas.microsoft.com/office/drawing/2014/main" xmlns="" id="{63285DB2-16D4-4066-85DE-02C160F50027}"/>
               </a:ext>
             </a:extLst>
           </p:cNvPr>
@@ -3688,7 +3688,7 @@
           <p:cNvPr id="14" name="Picture Placeholder 13">
             <a:extLst>
               <a:ext uri="{FF2B5EF4-FFF2-40B4-BE49-F238E27FC236}">
-                <a16:creationId xmlns="" xmlns:a16="http://schemas.microsoft.com/office/drawing/2014/main" id="{94F06A3E-C574-42DC-8DF5-A3F8339BEFAC}"/>
+                <a16:creationId xmlns:a16="http://schemas.microsoft.com/office/drawing/2014/main" xmlns="" id="{94F06A3E-C574-42DC-8DF5-A3F8339BEFAC}"/>
               </a:ext>
             </a:extLst>
           </p:cNvPr>
@@ -3798,7 +3798,7 @@
           <p:cNvPr id="12" name="Picture Placeholder 11">
             <a:extLst>
               <a:ext uri="{FF2B5EF4-FFF2-40B4-BE49-F238E27FC236}">
-                <a16:creationId xmlns="" xmlns:a16="http://schemas.microsoft.com/office/drawing/2014/main" id="{72448CCE-F1A8-41AB-9BDB-BD336D83CDDE}"/>
+                <a16:creationId xmlns:a16="http://schemas.microsoft.com/office/drawing/2014/main" xmlns="" id="{72448CCE-F1A8-41AB-9BDB-BD336D83CDDE}"/>
               </a:ext>
             </a:extLst>
           </p:cNvPr>
@@ -3938,7 +3938,7 @@
           <p:cNvPr id="3" name="Subtitle 2">
             <a:extLst>
               <a:ext uri="{FF2B5EF4-FFF2-40B4-BE49-F238E27FC236}">
-                <a16:creationId xmlns="" xmlns:a16="http://schemas.microsoft.com/office/drawing/2014/main" id="{4B98249C-54A9-48C7-8E90-5D127DF45ADF}"/>
+                <a16:creationId xmlns:a16="http://schemas.microsoft.com/office/drawing/2014/main" xmlns="" id="{4B98249C-54A9-48C7-8E90-5D127DF45ADF}"/>
               </a:ext>
             </a:extLst>
           </p:cNvPr>
@@ -4020,7 +4020,7 @@
           <p:cNvPr id="8" name="Footer Placeholder 7">
             <a:extLst>
               <a:ext uri="{FF2B5EF4-FFF2-40B4-BE49-F238E27FC236}">
-                <a16:creationId xmlns="" xmlns:a16="http://schemas.microsoft.com/office/drawing/2014/main" id="{4552F197-B265-4A24-B3B2-579047097227}"/>
+                <a16:creationId xmlns:a16="http://schemas.microsoft.com/office/drawing/2014/main" xmlns="" id="{4552F197-B265-4A24-B3B2-579047097227}"/>
               </a:ext>
             </a:extLst>
           </p:cNvPr>
@@ -4048,7 +4048,7 @@
           <p:cNvPr id="9" name="Slide Number Placeholder 8">
             <a:extLst>
               <a:ext uri="{FF2B5EF4-FFF2-40B4-BE49-F238E27FC236}">
-                <a16:creationId xmlns="" xmlns:a16="http://schemas.microsoft.com/office/drawing/2014/main" id="{5CEA28D6-30E3-4853-9DDB-89073BC25F8D}"/>
+                <a16:creationId xmlns:a16="http://schemas.microsoft.com/office/drawing/2014/main" xmlns="" id="{5CEA28D6-30E3-4853-9DDB-89073BC25F8D}"/>
               </a:ext>
             </a:extLst>
           </p:cNvPr>
@@ -4078,7 +4078,7 @@
           <p:cNvPr id="2" name="Title 1">
             <a:extLst>
               <a:ext uri="{FF2B5EF4-FFF2-40B4-BE49-F238E27FC236}">
-                <a16:creationId xmlns="" xmlns:a16="http://schemas.microsoft.com/office/drawing/2014/main" id="{3F716540-A5BD-4AEC-AAD5-035D9A1A123C}"/>
+                <a16:creationId xmlns:a16="http://schemas.microsoft.com/office/drawing/2014/main" xmlns="" id="{3F716540-A5BD-4AEC-AAD5-035D9A1A123C}"/>
               </a:ext>
             </a:extLst>
           </p:cNvPr>
@@ -4106,7 +4106,7 @@
           <p:cNvPr id="11" name="Picture Placeholder 8">
             <a:extLst>
               <a:ext uri="{FF2B5EF4-FFF2-40B4-BE49-F238E27FC236}">
-                <a16:creationId xmlns="" xmlns:a16="http://schemas.microsoft.com/office/drawing/2014/main" id="{61EF1044-4E78-47EA-8224-81E06A6BCAF5}"/>
+                <a16:creationId xmlns:a16="http://schemas.microsoft.com/office/drawing/2014/main" xmlns="" id="{61EF1044-4E78-47EA-8224-81E06A6BCAF5}"/>
               </a:ext>
             </a:extLst>
           </p:cNvPr>
@@ -4154,7 +4154,7 @@
           <p:cNvPr id="12" name="Picture Placeholder 8">
             <a:extLst>
               <a:ext uri="{FF2B5EF4-FFF2-40B4-BE49-F238E27FC236}">
-                <a16:creationId xmlns="" xmlns:a16="http://schemas.microsoft.com/office/drawing/2014/main" id="{A05C934D-FD96-4400-992B-42B15F514B75}"/>
+                <a16:creationId xmlns:a16="http://schemas.microsoft.com/office/drawing/2014/main" xmlns="" id="{A05C934D-FD96-4400-992B-42B15F514B75}"/>
               </a:ext>
             </a:extLst>
           </p:cNvPr>
@@ -4202,7 +4202,7 @@
           <p:cNvPr id="13" name="Picture Placeholder 8">
             <a:extLst>
               <a:ext uri="{FF2B5EF4-FFF2-40B4-BE49-F238E27FC236}">
-                <a16:creationId xmlns="" xmlns:a16="http://schemas.microsoft.com/office/drawing/2014/main" id="{E27C15EC-0545-49BD-95FB-265B988A545D}"/>
+                <a16:creationId xmlns:a16="http://schemas.microsoft.com/office/drawing/2014/main" xmlns="" id="{E27C15EC-0545-49BD-95FB-265B988A545D}"/>
               </a:ext>
             </a:extLst>
           </p:cNvPr>
@@ -4280,7 +4280,7 @@
           <p:cNvPr id="8" name="Footer Placeholder 7">
             <a:extLst>
               <a:ext uri="{FF2B5EF4-FFF2-40B4-BE49-F238E27FC236}">
-                <a16:creationId xmlns="" xmlns:a16="http://schemas.microsoft.com/office/drawing/2014/main" id="{4552F197-B265-4A24-B3B2-579047097227}"/>
+                <a16:creationId xmlns:a16="http://schemas.microsoft.com/office/drawing/2014/main" xmlns="" id="{4552F197-B265-4A24-B3B2-579047097227}"/>
               </a:ext>
             </a:extLst>
           </p:cNvPr>
@@ -4308,7 +4308,7 @@
           <p:cNvPr id="9" name="Slide Number Placeholder 8">
             <a:extLst>
               <a:ext uri="{FF2B5EF4-FFF2-40B4-BE49-F238E27FC236}">
-                <a16:creationId xmlns="" xmlns:a16="http://schemas.microsoft.com/office/drawing/2014/main" id="{5CEA28D6-30E3-4853-9DDB-89073BC25F8D}"/>
+                <a16:creationId xmlns:a16="http://schemas.microsoft.com/office/drawing/2014/main" xmlns="" id="{5CEA28D6-30E3-4853-9DDB-89073BC25F8D}"/>
               </a:ext>
             </a:extLst>
           </p:cNvPr>
@@ -4368,7 +4368,7 @@
           <p:cNvPr id="8" name="Footer Placeholder 7">
             <a:extLst>
               <a:ext uri="{FF2B5EF4-FFF2-40B4-BE49-F238E27FC236}">
-                <a16:creationId xmlns="" xmlns:a16="http://schemas.microsoft.com/office/drawing/2014/main" id="{4552F197-B265-4A24-B3B2-579047097227}"/>
+                <a16:creationId xmlns:a16="http://schemas.microsoft.com/office/drawing/2014/main" xmlns="" id="{4552F197-B265-4A24-B3B2-579047097227}"/>
               </a:ext>
             </a:extLst>
           </p:cNvPr>
@@ -4396,7 +4396,7 @@
           <p:cNvPr id="9" name="Slide Number Placeholder 8">
             <a:extLst>
               <a:ext uri="{FF2B5EF4-FFF2-40B4-BE49-F238E27FC236}">
-                <a16:creationId xmlns="" xmlns:a16="http://schemas.microsoft.com/office/drawing/2014/main" id="{5CEA28D6-30E3-4853-9DDB-89073BC25F8D}"/>
+                <a16:creationId xmlns:a16="http://schemas.microsoft.com/office/drawing/2014/main" xmlns="" id="{5CEA28D6-30E3-4853-9DDB-89073BC25F8D}"/>
               </a:ext>
             </a:extLst>
           </p:cNvPr>
@@ -4426,7 +4426,7 @@
           <p:cNvPr id="7" name="Picture Placeholder 8">
             <a:extLst>
               <a:ext uri="{FF2B5EF4-FFF2-40B4-BE49-F238E27FC236}">
-                <a16:creationId xmlns="" xmlns:a16="http://schemas.microsoft.com/office/drawing/2014/main" id="{02645CC7-9008-43C7-9F6A-208D5C9AAEAD}"/>
+                <a16:creationId xmlns:a16="http://schemas.microsoft.com/office/drawing/2014/main" xmlns="" id="{02645CC7-9008-43C7-9F6A-208D5C9AAEAD}"/>
               </a:ext>
             </a:extLst>
           </p:cNvPr>
@@ -4474,7 +4474,7 @@
           <p:cNvPr id="10" name="Picture Placeholder 8">
             <a:extLst>
               <a:ext uri="{FF2B5EF4-FFF2-40B4-BE49-F238E27FC236}">
-                <a16:creationId xmlns="" xmlns:a16="http://schemas.microsoft.com/office/drawing/2014/main" id="{374C708F-FA3C-44DC-B88B-A0F13DD9CA38}"/>
+                <a16:creationId xmlns:a16="http://schemas.microsoft.com/office/drawing/2014/main" xmlns="" id="{374C708F-FA3C-44DC-B88B-A0F13DD9CA38}"/>
               </a:ext>
             </a:extLst>
           </p:cNvPr>
@@ -4522,7 +4522,7 @@
           <p:cNvPr id="11" name="Picture Placeholder 8">
             <a:extLst>
               <a:ext uri="{FF2B5EF4-FFF2-40B4-BE49-F238E27FC236}">
-                <a16:creationId xmlns="" xmlns:a16="http://schemas.microsoft.com/office/drawing/2014/main" id="{E18D6A70-DFB4-4667-A33D-962CF09D502A}"/>
+                <a16:creationId xmlns:a16="http://schemas.microsoft.com/office/drawing/2014/main" xmlns="" id="{E18D6A70-DFB4-4667-A33D-962CF09D502A}"/>
               </a:ext>
             </a:extLst>
           </p:cNvPr>
@@ -4600,7 +4600,7 @@
           <p:cNvPr id="14" name="Picture Placeholder 8">
             <a:extLst>
               <a:ext uri="{FF2B5EF4-FFF2-40B4-BE49-F238E27FC236}">
-                <a16:creationId xmlns="" xmlns:a16="http://schemas.microsoft.com/office/drawing/2014/main" id="{F55C59B5-C1A5-4D6C-B717-5B178B360DD5}"/>
+                <a16:creationId xmlns:a16="http://schemas.microsoft.com/office/drawing/2014/main" xmlns="" id="{F55C59B5-C1A5-4D6C-B717-5B178B360DD5}"/>
               </a:ext>
             </a:extLst>
           </p:cNvPr>
@@ -4648,7 +4648,7 @@
           <p:cNvPr id="15" name="Picture Placeholder 8">
             <a:extLst>
               <a:ext uri="{FF2B5EF4-FFF2-40B4-BE49-F238E27FC236}">
-                <a16:creationId xmlns="" xmlns:a16="http://schemas.microsoft.com/office/drawing/2014/main" id="{498DE3BD-A7E9-4BC1-93A6-48E11F9F1334}"/>
+                <a16:creationId xmlns:a16="http://schemas.microsoft.com/office/drawing/2014/main" xmlns="" id="{498DE3BD-A7E9-4BC1-93A6-48E11F9F1334}"/>
               </a:ext>
             </a:extLst>
           </p:cNvPr>
@@ -4696,7 +4696,7 @@
           <p:cNvPr id="16" name="Picture Placeholder 8">
             <a:extLst>
               <a:ext uri="{FF2B5EF4-FFF2-40B4-BE49-F238E27FC236}">
-                <a16:creationId xmlns="" xmlns:a16="http://schemas.microsoft.com/office/drawing/2014/main" id="{1012C6EC-E639-4792-994F-EA59C6570399}"/>
+                <a16:creationId xmlns:a16="http://schemas.microsoft.com/office/drawing/2014/main" xmlns="" id="{1012C6EC-E639-4792-994F-EA59C6570399}"/>
               </a:ext>
             </a:extLst>
           </p:cNvPr>
@@ -4744,7 +4744,7 @@
           <p:cNvPr id="17" name="Picture Placeholder 8">
             <a:extLst>
               <a:ext uri="{FF2B5EF4-FFF2-40B4-BE49-F238E27FC236}">
-                <a16:creationId xmlns="" xmlns:a16="http://schemas.microsoft.com/office/drawing/2014/main" id="{45F68E46-3D96-451B-9159-6192F0C2325E}"/>
+                <a16:creationId xmlns:a16="http://schemas.microsoft.com/office/drawing/2014/main" xmlns="" id="{45F68E46-3D96-451B-9159-6192F0C2325E}"/>
               </a:ext>
             </a:extLst>
           </p:cNvPr>
@@ -4792,7 +4792,7 @@
           <p:cNvPr id="18" name="Picture Placeholder 8">
             <a:extLst>
               <a:ext uri="{FF2B5EF4-FFF2-40B4-BE49-F238E27FC236}">
-                <a16:creationId xmlns="" xmlns:a16="http://schemas.microsoft.com/office/drawing/2014/main" id="{DA24B683-FF84-4D67-8A27-7BCA9369DF04}"/>
+                <a16:creationId xmlns:a16="http://schemas.microsoft.com/office/drawing/2014/main" xmlns="" id="{DA24B683-FF84-4D67-8A27-7BCA9369DF04}"/>
               </a:ext>
             </a:extLst>
           </p:cNvPr>
@@ -4840,7 +4840,7 @@
           <p:cNvPr id="19" name="Picture Placeholder 8">
             <a:extLst>
               <a:ext uri="{FF2B5EF4-FFF2-40B4-BE49-F238E27FC236}">
-                <a16:creationId xmlns="" xmlns:a16="http://schemas.microsoft.com/office/drawing/2014/main" id="{E6C2322D-54B9-477F-8EDE-4A2F6A754285}"/>
+                <a16:creationId xmlns:a16="http://schemas.microsoft.com/office/drawing/2014/main" xmlns="" id="{E6C2322D-54B9-477F-8EDE-4A2F6A754285}"/>
               </a:ext>
             </a:extLst>
           </p:cNvPr>
@@ -4888,7 +4888,7 @@
           <p:cNvPr id="20" name="Picture Placeholder 8">
             <a:extLst>
               <a:ext uri="{FF2B5EF4-FFF2-40B4-BE49-F238E27FC236}">
-                <a16:creationId xmlns="" xmlns:a16="http://schemas.microsoft.com/office/drawing/2014/main" id="{F00232C2-3442-48B1-B5C7-7965A5839695}"/>
+                <a16:creationId xmlns:a16="http://schemas.microsoft.com/office/drawing/2014/main" xmlns="" id="{F00232C2-3442-48B1-B5C7-7965A5839695}"/>
               </a:ext>
             </a:extLst>
           </p:cNvPr>
@@ -4936,7 +4936,7 @@
           <p:cNvPr id="21" name="Picture Placeholder 8">
             <a:extLst>
               <a:ext uri="{FF2B5EF4-FFF2-40B4-BE49-F238E27FC236}">
-                <a16:creationId xmlns="" xmlns:a16="http://schemas.microsoft.com/office/drawing/2014/main" id="{13D20D93-78CA-4269-B522-74E542A5B9C8}"/>
+                <a16:creationId xmlns:a16="http://schemas.microsoft.com/office/drawing/2014/main" xmlns="" id="{13D20D93-78CA-4269-B522-74E542A5B9C8}"/>
               </a:ext>
             </a:extLst>
           </p:cNvPr>
@@ -4984,7 +4984,7 @@
           <p:cNvPr id="8" name="Footer Placeholder 7">
             <a:extLst>
               <a:ext uri="{FF2B5EF4-FFF2-40B4-BE49-F238E27FC236}">
-                <a16:creationId xmlns="" xmlns:a16="http://schemas.microsoft.com/office/drawing/2014/main" id="{4552F197-B265-4A24-B3B2-579047097227}"/>
+                <a16:creationId xmlns:a16="http://schemas.microsoft.com/office/drawing/2014/main" xmlns="" id="{4552F197-B265-4A24-B3B2-579047097227}"/>
               </a:ext>
             </a:extLst>
           </p:cNvPr>
@@ -5012,7 +5012,7 @@
           <p:cNvPr id="9" name="Slide Number Placeholder 8">
             <a:extLst>
               <a:ext uri="{FF2B5EF4-FFF2-40B4-BE49-F238E27FC236}">
-                <a16:creationId xmlns="" xmlns:a16="http://schemas.microsoft.com/office/drawing/2014/main" id="{5CEA28D6-30E3-4853-9DDB-89073BC25F8D}"/>
+                <a16:creationId xmlns:a16="http://schemas.microsoft.com/office/drawing/2014/main" xmlns="" id="{5CEA28D6-30E3-4853-9DDB-89073BC25F8D}"/>
               </a:ext>
             </a:extLst>
           </p:cNvPr>
@@ -5072,7 +5072,7 @@
           <p:cNvPr id="7" name="Rectangle 6">
             <a:extLst>
               <a:ext uri="{FF2B5EF4-FFF2-40B4-BE49-F238E27FC236}">
-                <a16:creationId xmlns="" xmlns:a16="http://schemas.microsoft.com/office/drawing/2014/main" id="{D465B9C0-64E1-4F10-A420-57946092E904}"/>
+                <a16:creationId xmlns:a16="http://schemas.microsoft.com/office/drawing/2014/main" xmlns="" id="{D465B9C0-64E1-4F10-A420-57946092E904}"/>
               </a:ext>
             </a:extLst>
           </p:cNvPr>
@@ -5124,7 +5124,7 @@
           <p:cNvPr id="9" name="Picture Placeholder 8">
             <a:extLst>
               <a:ext uri="{FF2B5EF4-FFF2-40B4-BE49-F238E27FC236}">
-                <a16:creationId xmlns="" xmlns:a16="http://schemas.microsoft.com/office/drawing/2014/main" id="{C411D86D-6464-4193-B9C7-01E2210AF2C2}"/>
+                <a16:creationId xmlns:a16="http://schemas.microsoft.com/office/drawing/2014/main" xmlns="" id="{C411D86D-6464-4193-B9C7-01E2210AF2C2}"/>
               </a:ext>
             </a:extLst>
           </p:cNvPr>
@@ -5207,7 +5207,7 @@
           <p:cNvPr id="2" name="Title Placeholder 1">
             <a:extLst>
               <a:ext uri="{FF2B5EF4-FFF2-40B4-BE49-F238E27FC236}">
-                <a16:creationId xmlns="" xmlns:a16="http://schemas.microsoft.com/office/drawing/2014/main" id="{04B13DFB-4D42-49ED-89E4-4F0D5E151C4C}"/>
+                <a16:creationId xmlns:a16="http://schemas.microsoft.com/office/drawing/2014/main" xmlns="" id="{04B13DFB-4D42-49ED-89E4-4F0D5E151C4C}"/>
               </a:ext>
             </a:extLst>
           </p:cNvPr>
@@ -5245,7 +5245,7 @@
           <p:cNvPr id="3" name="Text Placeholder 2">
             <a:extLst>
               <a:ext uri="{FF2B5EF4-FFF2-40B4-BE49-F238E27FC236}">
-                <a16:creationId xmlns="" xmlns:a16="http://schemas.microsoft.com/office/drawing/2014/main" id="{AA8CE2F2-50B7-45A7-A752-331D60C05B56}"/>
+                <a16:creationId xmlns:a16="http://schemas.microsoft.com/office/drawing/2014/main" xmlns="" id="{AA8CE2F2-50B7-45A7-A752-331D60C05B56}"/>
               </a:ext>
             </a:extLst>
           </p:cNvPr>
@@ -5312,7 +5312,7 @@
           <p:cNvPr id="11" name="Oval 10">
             <a:extLst>
               <a:ext uri="{FF2B5EF4-FFF2-40B4-BE49-F238E27FC236}">
-                <a16:creationId xmlns="" xmlns:a16="http://schemas.microsoft.com/office/drawing/2014/main" id="{6B5FF849-AD70-4FFB-B722-87B9A2304A17}"/>
+                <a16:creationId xmlns:a16="http://schemas.microsoft.com/office/drawing/2014/main" xmlns="" id="{6B5FF849-AD70-4FFB-B722-87B9A2304A17}"/>
               </a:ext>
             </a:extLst>
           </p:cNvPr>
@@ -5368,7 +5368,7 @@
           <p:cNvPr id="12" name="Chevron 16">
             <a:extLst>
               <a:ext uri="{FF2B5EF4-FFF2-40B4-BE49-F238E27FC236}">
-                <a16:creationId xmlns="" xmlns:a16="http://schemas.microsoft.com/office/drawing/2014/main" id="{54D81A09-25D7-49A0-BFF0-B0FAA8FC9B85}"/>
+                <a16:creationId xmlns:a16="http://schemas.microsoft.com/office/drawing/2014/main" xmlns="" id="{54D81A09-25D7-49A0-BFF0-B0FAA8FC9B85}"/>
               </a:ext>
             </a:extLst>
           </p:cNvPr>
@@ -5426,7 +5426,7 @@
           <p:cNvPr id="13" name="Oval 12">
             <a:extLst>
               <a:ext uri="{FF2B5EF4-FFF2-40B4-BE49-F238E27FC236}">
-                <a16:creationId xmlns="" xmlns:a16="http://schemas.microsoft.com/office/drawing/2014/main" id="{0164A0E9-5313-4004-96D2-E9320B6987A5}"/>
+                <a16:creationId xmlns:a16="http://schemas.microsoft.com/office/drawing/2014/main" xmlns="" id="{0164A0E9-5313-4004-96D2-E9320B6987A5}"/>
               </a:ext>
             </a:extLst>
           </p:cNvPr>
@@ -5482,7 +5482,7 @@
           <p:cNvPr id="14" name="Chevron 19">
             <a:extLst>
               <a:ext uri="{FF2B5EF4-FFF2-40B4-BE49-F238E27FC236}">
-                <a16:creationId xmlns="" xmlns:a16="http://schemas.microsoft.com/office/drawing/2014/main" id="{087EA94F-9EE3-4BB4-A44F-9E30426305DC}"/>
+                <a16:creationId xmlns:a16="http://schemas.microsoft.com/office/drawing/2014/main" xmlns="" id="{087EA94F-9EE3-4BB4-A44F-9E30426305DC}"/>
               </a:ext>
             </a:extLst>
           </p:cNvPr>
@@ -5540,7 +5540,7 @@
           <p:cNvPr id="15" name="Rectangle 14">
             <a:extLst>
               <a:ext uri="{FF2B5EF4-FFF2-40B4-BE49-F238E27FC236}">
-                <a16:creationId xmlns="" xmlns:a16="http://schemas.microsoft.com/office/drawing/2014/main" id="{FEAF94C3-1D8C-42D8-A345-1034DB5DE3FB}"/>
+                <a16:creationId xmlns:a16="http://schemas.microsoft.com/office/drawing/2014/main" xmlns="" id="{FEAF94C3-1D8C-42D8-A345-1034DB5DE3FB}"/>
               </a:ext>
             </a:extLst>
           </p:cNvPr>
@@ -5592,7 +5592,7 @@
           <p:cNvPr id="16" name="Slide Number Placeholder 5">
             <a:extLst>
               <a:ext uri="{FF2B5EF4-FFF2-40B4-BE49-F238E27FC236}">
-                <a16:creationId xmlns="" xmlns:a16="http://schemas.microsoft.com/office/drawing/2014/main" id="{62DF5369-DAAC-4977-A00C-27A3C3821667}"/>
+                <a16:creationId xmlns:a16="http://schemas.microsoft.com/office/drawing/2014/main" xmlns="" id="{62DF5369-DAAC-4977-A00C-27A3C3821667}"/>
               </a:ext>
             </a:extLst>
           </p:cNvPr>
@@ -5728,7 +5728,7 @@
           <p:cNvPr id="6" name="Slide Number Placeholder 5">
             <a:extLst>
               <a:ext uri="{FF2B5EF4-FFF2-40B4-BE49-F238E27FC236}">
-                <a16:creationId xmlns="" xmlns:a16="http://schemas.microsoft.com/office/drawing/2014/main" id="{EEC439DD-3853-4254-9CC6-141635332CE3}"/>
+                <a16:creationId xmlns:a16="http://schemas.microsoft.com/office/drawing/2014/main" xmlns="" id="{EEC439DD-3853-4254-9CC6-141635332CE3}"/>
               </a:ext>
             </a:extLst>
           </p:cNvPr>
@@ -5777,7 +5777,7 @@
           <p:cNvPr id="5" name="Footer Placeholder 4">
             <a:extLst>
               <a:ext uri="{FF2B5EF4-FFF2-40B4-BE49-F238E27FC236}">
-                <a16:creationId xmlns="" xmlns:a16="http://schemas.microsoft.com/office/drawing/2014/main" id="{77E25A1A-F191-4308-9847-26E21CFF8B64}"/>
+                <a16:creationId xmlns:a16="http://schemas.microsoft.com/office/drawing/2014/main" xmlns="" id="{77E25A1A-F191-4308-9847-26E21CFF8B64}"/>
               </a:ext>
             </a:extLst>
           </p:cNvPr>
@@ -6152,7 +6152,7 @@
           <p:cNvPr id="24" name="Rectangle 23">
             <a:extLst>
               <a:ext uri="{FF2B5EF4-FFF2-40B4-BE49-F238E27FC236}">
-                <a16:creationId xmlns="" xmlns:a16="http://schemas.microsoft.com/office/drawing/2014/main" id="{9AB1D167-998A-45D7-BA24-D81886C9ECB0}"/>
+                <a16:creationId xmlns:a16="http://schemas.microsoft.com/office/drawing/2014/main" xmlns="" id="{9AB1D167-998A-45D7-BA24-D81886C9ECB0}"/>
               </a:ext>
             </a:extLst>
           </p:cNvPr>
@@ -6522,7 +6522,7 @@
           <p:cNvPr id="24" name="Rectangle 23">
             <a:extLst>
               <a:ext uri="{FF2B5EF4-FFF2-40B4-BE49-F238E27FC236}">
-                <a16:creationId xmlns="" xmlns:a16="http://schemas.microsoft.com/office/drawing/2014/main" id="{9AB1D167-998A-45D7-BA24-D81886C9ECB0}"/>
+                <a16:creationId xmlns:a16="http://schemas.microsoft.com/office/drawing/2014/main" xmlns="" id="{9AB1D167-998A-45D7-BA24-D81886C9ECB0}"/>
               </a:ext>
             </a:extLst>
           </p:cNvPr>
@@ -6580,7 +6580,7 @@
           <p:cNvPr id="8" name="Freeform: Shape 7">
             <a:extLst>
               <a:ext uri="{FF2B5EF4-FFF2-40B4-BE49-F238E27FC236}">
-                <a16:creationId xmlns="" xmlns:a16="http://schemas.microsoft.com/office/drawing/2014/main" id="{4BA40D94-E0A7-4C36-928C-B5FBF48FAA98}"/>
+                <a16:creationId xmlns:a16="http://schemas.microsoft.com/office/drawing/2014/main" xmlns="" id="{4BA40D94-E0A7-4C36-928C-B5FBF48FAA98}"/>
               </a:ext>
             </a:extLst>
           </p:cNvPr>
@@ -6714,7 +6714,7 @@
           <p:cNvPr id="9" name="Freeform: Shape 8">
             <a:extLst>
               <a:ext uri="{FF2B5EF4-FFF2-40B4-BE49-F238E27FC236}">
-                <a16:creationId xmlns="" xmlns:a16="http://schemas.microsoft.com/office/drawing/2014/main" id="{6A16AEE4-04D8-4FF7-AA27-E6A8BFBC114D}"/>
+                <a16:creationId xmlns:a16="http://schemas.microsoft.com/office/drawing/2014/main" xmlns="" id="{6A16AEE4-04D8-4FF7-AA27-E6A8BFBC114D}"/>
               </a:ext>
             </a:extLst>
           </p:cNvPr>
@@ -6984,7 +6984,7 @@
           <p:cNvPr id="24" name="Rectangle 23">
             <a:extLst>
               <a:ext uri="{FF2B5EF4-FFF2-40B4-BE49-F238E27FC236}">
-                <a16:creationId xmlns="" xmlns:a16="http://schemas.microsoft.com/office/drawing/2014/main" id="{9AB1D167-998A-45D7-BA24-D81886C9ECB0}"/>
+                <a16:creationId xmlns:a16="http://schemas.microsoft.com/office/drawing/2014/main" xmlns="" id="{9AB1D167-998A-45D7-BA24-D81886C9ECB0}"/>
               </a:ext>
             </a:extLst>
           </p:cNvPr>
@@ -7042,7 +7042,7 @@
           <p:cNvPr id="8" name="Freeform: Shape 7">
             <a:extLst>
               <a:ext uri="{FF2B5EF4-FFF2-40B4-BE49-F238E27FC236}">
-                <a16:creationId xmlns="" xmlns:a16="http://schemas.microsoft.com/office/drawing/2014/main" id="{4BA40D94-E0A7-4C36-928C-B5FBF48FAA98}"/>
+                <a16:creationId xmlns:a16="http://schemas.microsoft.com/office/drawing/2014/main" xmlns="" id="{4BA40D94-E0A7-4C36-928C-B5FBF48FAA98}"/>
               </a:ext>
             </a:extLst>
           </p:cNvPr>
@@ -7176,7 +7176,7 @@
           <p:cNvPr id="9" name="Freeform: Shape 8">
             <a:extLst>
               <a:ext uri="{FF2B5EF4-FFF2-40B4-BE49-F238E27FC236}">
-                <a16:creationId xmlns="" xmlns:a16="http://schemas.microsoft.com/office/drawing/2014/main" id="{6A16AEE4-04D8-4FF7-AA27-E6A8BFBC114D}"/>
+                <a16:creationId xmlns:a16="http://schemas.microsoft.com/office/drawing/2014/main" xmlns="" id="{6A16AEE4-04D8-4FF7-AA27-E6A8BFBC114D}"/>
               </a:ext>
             </a:extLst>
           </p:cNvPr>
@@ -7435,7 +7435,7 @@
           <p:cNvPr id="24" name="Rectangle 23">
             <a:extLst>
               <a:ext uri="{FF2B5EF4-FFF2-40B4-BE49-F238E27FC236}">
-                <a16:creationId xmlns="" xmlns:a16="http://schemas.microsoft.com/office/drawing/2014/main" id="{9AB1D167-998A-45D7-BA24-D81886C9ECB0}"/>
+                <a16:creationId xmlns:a16="http://schemas.microsoft.com/office/drawing/2014/main" xmlns="" id="{9AB1D167-998A-45D7-BA24-D81886C9ECB0}"/>
               </a:ext>
             </a:extLst>
           </p:cNvPr>
@@ -7493,7 +7493,7 @@
           <p:cNvPr id="8" name="Freeform: Shape 7">
             <a:extLst>
               <a:ext uri="{FF2B5EF4-FFF2-40B4-BE49-F238E27FC236}">
-                <a16:creationId xmlns="" xmlns:a16="http://schemas.microsoft.com/office/drawing/2014/main" id="{4BA40D94-E0A7-4C36-928C-B5FBF48FAA98}"/>
+                <a16:creationId xmlns:a16="http://schemas.microsoft.com/office/drawing/2014/main" xmlns="" id="{4BA40D94-E0A7-4C36-928C-B5FBF48FAA98}"/>
               </a:ext>
             </a:extLst>
           </p:cNvPr>
@@ -7627,7 +7627,7 @@
           <p:cNvPr id="9" name="Freeform: Shape 8">
             <a:extLst>
               <a:ext uri="{FF2B5EF4-FFF2-40B4-BE49-F238E27FC236}">
-                <a16:creationId xmlns="" xmlns:a16="http://schemas.microsoft.com/office/drawing/2014/main" id="{6A16AEE4-04D8-4FF7-AA27-E6A8BFBC114D}"/>
+                <a16:creationId xmlns:a16="http://schemas.microsoft.com/office/drawing/2014/main" xmlns="" id="{6A16AEE4-04D8-4FF7-AA27-E6A8BFBC114D}"/>
               </a:ext>
             </a:extLst>
           </p:cNvPr>
@@ -7886,7 +7886,7 @@
           <p:cNvPr id="24" name="Rectangle 23">
             <a:extLst>
               <a:ext uri="{FF2B5EF4-FFF2-40B4-BE49-F238E27FC236}">
-                <a16:creationId xmlns="" xmlns:a16="http://schemas.microsoft.com/office/drawing/2014/main" id="{9AB1D167-998A-45D7-BA24-D81886C9ECB0}"/>
+                <a16:creationId xmlns:a16="http://schemas.microsoft.com/office/drawing/2014/main" xmlns="" id="{9AB1D167-998A-45D7-BA24-D81886C9ECB0}"/>
               </a:ext>
             </a:extLst>
           </p:cNvPr>
@@ -7940,7 +7940,7 @@
           <p:cNvPr id="8" name="Freeform: Shape 7">
             <a:extLst>
               <a:ext uri="{FF2B5EF4-FFF2-40B4-BE49-F238E27FC236}">
-                <a16:creationId xmlns="" xmlns:a16="http://schemas.microsoft.com/office/drawing/2014/main" id="{4BA40D94-E0A7-4C36-928C-B5FBF48FAA98}"/>
+                <a16:creationId xmlns:a16="http://schemas.microsoft.com/office/drawing/2014/main" xmlns="" id="{4BA40D94-E0A7-4C36-928C-B5FBF48FAA98}"/>
               </a:ext>
             </a:extLst>
           </p:cNvPr>
@@ -8070,7 +8070,7 @@
           <p:cNvPr id="9" name="Freeform: Shape 8">
             <a:extLst>
               <a:ext uri="{FF2B5EF4-FFF2-40B4-BE49-F238E27FC236}">
-                <a16:creationId xmlns="" xmlns:a16="http://schemas.microsoft.com/office/drawing/2014/main" id="{6A16AEE4-04D8-4FF7-AA27-E6A8BFBC114D}"/>
+                <a16:creationId xmlns:a16="http://schemas.microsoft.com/office/drawing/2014/main" xmlns="" id="{6A16AEE4-04D8-4FF7-AA27-E6A8BFBC114D}"/>
               </a:ext>
             </a:extLst>
           </p:cNvPr>
@@ -8379,7 +8379,7 @@
         <p:spPr>
           <a:xfrm>
             <a:off x="100618" y="3344982"/>
-            <a:ext cx="6201570" cy="646331"/>
+            <a:ext cx="6201570" cy="923330"/>
           </a:xfrm>
           <a:prstGeom prst="rect">
             <a:avLst/>
@@ -8394,7 +8394,19 @@
           <a:p>
             <a:r>
               <a:rPr kumimoji="1" lang="zh-TW" altLang="en-US" dirty="0" smtClean="0"/>
-              <a:t>點選開始遊戲後按點擊，遊戲即可開始，基本的點選上下左右來操作貪吃蛇的位置。</a:t>
+              <a:t>點選開始遊戲後按點擊，遊戲即可開始，基本的點選上下左右來操作貪吃蛇的</a:t>
+            </a:r>
+            <a:r>
+              <a:rPr kumimoji="1" lang="zh-TW" altLang="en-US" dirty="0" smtClean="0"/>
+              <a:t>位置，當吃到東西時會變長，如果讓自己撞到自己時就</a:t>
+            </a:r>
+            <a:r>
+              <a:rPr kumimoji="1" lang="en-US" altLang="zh-TW" dirty="0" smtClean="0"/>
+              <a:t>Game over</a:t>
+            </a:r>
+            <a:r>
+              <a:rPr kumimoji="1" lang="zh-TW" altLang="en-US" dirty="0" smtClean="0"/>
+              <a:t>，可以選擇重新來一次或結束。</a:t>
             </a:r>
             <a:endParaRPr kumimoji="1" lang="zh-TW" altLang="en-US" dirty="0"/>
           </a:p>
@@ -8442,7 +8454,7 @@
           <p:cNvPr id="24" name="Rectangle 23">
             <a:extLst>
               <a:ext uri="{FF2B5EF4-FFF2-40B4-BE49-F238E27FC236}">
-                <a16:creationId xmlns="" xmlns:a16="http://schemas.microsoft.com/office/drawing/2014/main" id="{9AB1D167-998A-45D7-BA24-D81886C9ECB0}"/>
+                <a16:creationId xmlns:a16="http://schemas.microsoft.com/office/drawing/2014/main" xmlns="" id="{9AB1D167-998A-45D7-BA24-D81886C9ECB0}"/>
               </a:ext>
             </a:extLst>
           </p:cNvPr>
@@ -8487,7 +8499,428 @@
           <a:lstStyle/>
           <a:p>
             <a:pPr algn="ctr"/>
-            <a:endParaRPr lang="en-US"/>
+            <a:r>
+              <a:rPr lang="en-US" altLang="zh-TW" dirty="0"/>
+              <a:t>$</a:t>
+            </a:r>
+            <a:r>
+              <a:rPr lang="en-US" altLang="zh-TW" dirty="0" smtClean="0"/>
+              <a:t>g</a:t>
+            </a:r>
+            <a:endParaRPr lang="en-US" dirty="0"/>
+          </a:p>
+        </p:txBody>
+      </p:sp>
+      <p:sp>
+        <p:nvSpPr>
+          <p:cNvPr id="6" name="矩形 5"/>
+          <p:cNvSpPr/>
+          <p:nvPr/>
+        </p:nvSpPr>
+        <p:spPr>
+          <a:xfrm>
+            <a:off x="1255231" y="1508431"/>
+            <a:ext cx="1532965" cy="914400"/>
+          </a:xfrm>
+          <a:prstGeom prst="rect">
+            <a:avLst/>
+          </a:prstGeom>
+          <a:solidFill>
+            <a:schemeClr val="accent5"/>
+          </a:solidFill>
+        </p:spPr>
+        <p:style>
+          <a:lnRef idx="2">
+            <a:schemeClr val="accent1">
+              <a:shade val="50000"/>
+            </a:schemeClr>
+          </a:lnRef>
+          <a:fillRef idx="1">
+            <a:schemeClr val="accent1"/>
+          </a:fillRef>
+          <a:effectRef idx="0">
+            <a:schemeClr val="accent1"/>
+          </a:effectRef>
+          <a:fontRef idx="minor">
+            <a:schemeClr val="lt1"/>
+          </a:fontRef>
+        </p:style>
+        <p:txBody>
+          <a:bodyPr rtlCol="0" anchor="ctr"/>
+          <a:lstStyle/>
+          <a:p>
+            <a:pPr algn="ctr"/>
+            <a:r>
+              <a:rPr lang="zh-TW" altLang="en-US" dirty="0"/>
+              <a:t>開始遊戲</a:t>
+            </a:r>
+          </a:p>
+        </p:txBody>
+      </p:sp>
+      <p:cxnSp>
+        <p:nvCxnSpPr>
+          <p:cNvPr id="12" name="直線單箭頭接點 11"/>
+          <p:cNvCxnSpPr>
+            <a:stCxn id="6" idx="3"/>
+          </p:cNvCxnSpPr>
+          <p:nvPr/>
+        </p:nvCxnSpPr>
+        <p:spPr>
+          <a:xfrm>
+            <a:off x="2788196" y="1965631"/>
+            <a:ext cx="663388" cy="0"/>
+          </a:xfrm>
+          <a:prstGeom prst="straightConnector1">
+            <a:avLst/>
+          </a:prstGeom>
+          <a:ln>
+            <a:tailEnd type="arrow"/>
+          </a:ln>
+        </p:spPr>
+        <p:style>
+          <a:lnRef idx="1">
+            <a:schemeClr val="accent1"/>
+          </a:lnRef>
+          <a:fillRef idx="0">
+            <a:schemeClr val="accent1"/>
+          </a:fillRef>
+          <a:effectRef idx="0">
+            <a:schemeClr val="accent1"/>
+          </a:effectRef>
+          <a:fontRef idx="minor">
+            <a:schemeClr val="tx1"/>
+          </a:fontRef>
+        </p:style>
+      </p:cxnSp>
+      <p:sp>
+        <p:nvSpPr>
+          <p:cNvPr id="15" name="矩形 14"/>
+          <p:cNvSpPr/>
+          <p:nvPr/>
+        </p:nvSpPr>
+        <p:spPr>
+          <a:xfrm>
+            <a:off x="3451584" y="1508431"/>
+            <a:ext cx="1532965" cy="914400"/>
+          </a:xfrm>
+          <a:prstGeom prst="rect">
+            <a:avLst/>
+          </a:prstGeom>
+          <a:solidFill>
+            <a:schemeClr val="accent5"/>
+          </a:solidFill>
+        </p:spPr>
+        <p:style>
+          <a:lnRef idx="2">
+            <a:schemeClr val="accent1">
+              <a:shade val="50000"/>
+            </a:schemeClr>
+          </a:lnRef>
+          <a:fillRef idx="1">
+            <a:schemeClr val="accent1"/>
+          </a:fillRef>
+          <a:effectRef idx="0">
+            <a:schemeClr val="accent1"/>
+          </a:effectRef>
+          <a:fontRef idx="minor">
+            <a:schemeClr val="lt1"/>
+          </a:fontRef>
+        </p:style>
+        <p:txBody>
+          <a:bodyPr rtlCol="0" anchor="ctr"/>
+          <a:lstStyle/>
+          <a:p>
+            <a:pPr algn="ctr"/>
+            <a:r>
+              <a:rPr lang="zh-TW" altLang="en-US" dirty="0" smtClean="0"/>
+              <a:t>點擊</a:t>
+            </a:r>
+            <a:endParaRPr lang="zh-TW" altLang="en-US" dirty="0"/>
+          </a:p>
+        </p:txBody>
+      </p:sp>
+      <p:cxnSp>
+        <p:nvCxnSpPr>
+          <p:cNvPr id="7" name="直線單箭頭接點 6"/>
+          <p:cNvCxnSpPr/>
+          <p:nvPr/>
+        </p:nvCxnSpPr>
+        <p:spPr>
+          <a:xfrm>
+            <a:off x="4989891" y="1966155"/>
+            <a:ext cx="663388" cy="0"/>
+          </a:xfrm>
+          <a:prstGeom prst="straightConnector1">
+            <a:avLst/>
+          </a:prstGeom>
+          <a:ln>
+            <a:tailEnd type="arrow"/>
+          </a:ln>
+        </p:spPr>
+        <p:style>
+          <a:lnRef idx="1">
+            <a:schemeClr val="accent1"/>
+          </a:lnRef>
+          <a:fillRef idx="0">
+            <a:schemeClr val="accent1"/>
+          </a:fillRef>
+          <a:effectRef idx="0">
+            <a:schemeClr val="accent1"/>
+          </a:effectRef>
+          <a:fontRef idx="minor">
+            <a:schemeClr val="tx1"/>
+          </a:fontRef>
+        </p:style>
+      </p:cxnSp>
+      <p:sp>
+        <p:nvSpPr>
+          <p:cNvPr id="9" name="矩形 8"/>
+          <p:cNvSpPr/>
+          <p:nvPr/>
+        </p:nvSpPr>
+        <p:spPr>
+          <a:xfrm>
+            <a:off x="5653279" y="1508431"/>
+            <a:ext cx="1532965" cy="914400"/>
+          </a:xfrm>
+          <a:prstGeom prst="rect">
+            <a:avLst/>
+          </a:prstGeom>
+          <a:solidFill>
+            <a:schemeClr val="accent5"/>
+          </a:solidFill>
+        </p:spPr>
+        <p:style>
+          <a:lnRef idx="2">
+            <a:schemeClr val="accent1">
+              <a:shade val="50000"/>
+            </a:schemeClr>
+          </a:lnRef>
+          <a:fillRef idx="1">
+            <a:schemeClr val="accent1"/>
+          </a:fillRef>
+          <a:effectRef idx="0">
+            <a:schemeClr val="accent1"/>
+          </a:effectRef>
+          <a:fontRef idx="minor">
+            <a:schemeClr val="lt1"/>
+          </a:fontRef>
+        </p:style>
+        <p:txBody>
+          <a:bodyPr rtlCol="0" anchor="ctr"/>
+          <a:lstStyle/>
+          <a:p>
+            <a:pPr algn="ctr"/>
+            <a:r>
+              <a:rPr lang="zh-TW" altLang="en-US" dirty="0" smtClean="0"/>
+              <a:t>遊戲執行</a:t>
+            </a:r>
+            <a:endParaRPr lang="zh-TW" altLang="en-US" dirty="0"/>
+          </a:p>
+        </p:txBody>
+      </p:sp>
+      <p:sp>
+        <p:nvSpPr>
+          <p:cNvPr id="2" name="文字方塊 1"/>
+          <p:cNvSpPr txBox="1"/>
+          <p:nvPr/>
+        </p:nvSpPr>
+        <p:spPr>
+          <a:xfrm>
+            <a:off x="2520073" y="1024827"/>
+            <a:ext cx="1199634" cy="369332"/>
+          </a:xfrm>
+          <a:prstGeom prst="rect">
+            <a:avLst/>
+          </a:prstGeom>
+          <a:noFill/>
+        </p:spPr>
+        <p:txBody>
+          <a:bodyPr wrap="square" rtlCol="0">
+            <a:spAutoFit/>
+          </a:bodyPr>
+          <a:lstStyle/>
+          <a:p>
+            <a:r>
+              <a:rPr lang="zh-TW" altLang="en-US" dirty="0" smtClean="0"/>
+              <a:t>到主畫面</a:t>
+            </a:r>
+            <a:endParaRPr lang="zh-TW" altLang="en-US" dirty="0"/>
+          </a:p>
+        </p:txBody>
+      </p:sp>
+      <p:sp>
+        <p:nvSpPr>
+          <p:cNvPr id="17" name="矩形 16"/>
+          <p:cNvSpPr/>
+          <p:nvPr/>
+        </p:nvSpPr>
+        <p:spPr>
+          <a:xfrm>
+            <a:off x="5653279" y="3167240"/>
+            <a:ext cx="1532965" cy="914400"/>
+          </a:xfrm>
+          <a:prstGeom prst="rect">
+            <a:avLst/>
+          </a:prstGeom>
+          <a:solidFill>
+            <a:schemeClr val="accent5"/>
+          </a:solidFill>
+        </p:spPr>
+        <p:style>
+          <a:lnRef idx="2">
+            <a:schemeClr val="accent1">
+              <a:shade val="50000"/>
+            </a:schemeClr>
+          </a:lnRef>
+          <a:fillRef idx="1">
+            <a:schemeClr val="accent1"/>
+          </a:fillRef>
+          <a:effectRef idx="0">
+            <a:schemeClr val="accent1"/>
+          </a:effectRef>
+          <a:fontRef idx="minor">
+            <a:schemeClr val="lt1"/>
+          </a:fontRef>
+        </p:style>
+        <p:txBody>
+          <a:bodyPr rtlCol="0" anchor="ctr"/>
+          <a:lstStyle/>
+          <a:p>
+            <a:pPr algn="ctr"/>
+            <a:r>
+              <a:rPr lang="zh-TW" altLang="en-US" dirty="0" smtClean="0"/>
+              <a:t>吃到食物</a:t>
+            </a:r>
+            <a:endParaRPr lang="zh-TW" altLang="en-US" dirty="0"/>
+          </a:p>
+        </p:txBody>
+      </p:sp>
+      <p:cxnSp>
+        <p:nvCxnSpPr>
+          <p:cNvPr id="19" name="直線單箭頭接點 18"/>
+          <p:cNvCxnSpPr/>
+          <p:nvPr/>
+        </p:nvCxnSpPr>
+        <p:spPr>
+          <a:xfrm>
+            <a:off x="6419761" y="2422831"/>
+            <a:ext cx="1" cy="744409"/>
+          </a:xfrm>
+          <a:prstGeom prst="straightConnector1">
+            <a:avLst/>
+          </a:prstGeom>
+          <a:ln>
+            <a:tailEnd type="arrow"/>
+          </a:ln>
+        </p:spPr>
+        <p:style>
+          <a:lnRef idx="1">
+            <a:schemeClr val="accent1"/>
+          </a:lnRef>
+          <a:fillRef idx="0">
+            <a:schemeClr val="accent1"/>
+          </a:fillRef>
+          <a:effectRef idx="0">
+            <a:schemeClr val="accent1"/>
+          </a:effectRef>
+          <a:fontRef idx="minor">
+            <a:schemeClr val="tx1"/>
+          </a:fontRef>
+        </p:style>
+      </p:cxnSp>
+    </p:spTree>
+    <p:extLst>
+      <p:ext uri="{BB962C8B-B14F-4D97-AF65-F5344CB8AC3E}">
+        <p14:creationId xmlns:p14="http://schemas.microsoft.com/office/powerpoint/2010/main" val="1494280406"/>
+      </p:ext>
+    </p:extLst>
+  </p:cSld>
+  <p:clrMapOvr>
+    <a:masterClrMapping/>
+  </p:clrMapOvr>
+  <p:timing>
+    <p:tnLst>
+      <p:par>
+        <p:cTn id="1" dur="indefinite" restart="never" nodeType="tmRoot"/>
+      </p:par>
+    </p:tnLst>
+  </p:timing>
+</p:sld>
+</file>
+
+<file path=ppt/slides/slide4.xml><?xml version="1.0" encoding="utf-8"?>
+<p:sld xmlns:a="http://schemas.openxmlformats.org/drawingml/2006/main" xmlns:r="http://schemas.openxmlformats.org/officeDocument/2006/relationships" xmlns:p="http://schemas.openxmlformats.org/presentationml/2006/main">
+  <p:cSld>
+    <p:spTree>
+      <p:nvGrpSpPr>
+        <p:cNvPr id="1" name=""/>
+        <p:cNvGrpSpPr/>
+        <p:nvPr/>
+      </p:nvGrpSpPr>
+      <p:grpSpPr>
+        <a:xfrm>
+          <a:off x="0" y="0"/>
+          <a:ext cx="0" cy="0"/>
+          <a:chOff x="0" y="0"/>
+          <a:chExt cx="0" cy="0"/>
+        </a:xfrm>
+      </p:grpSpPr>
+      <p:sp>
+        <p:nvSpPr>
+          <p:cNvPr id="24" name="Rectangle 23">
+            <a:extLst>
+              <a:ext uri="{FF2B5EF4-FFF2-40B4-BE49-F238E27FC236}">
+                <a16:creationId xmlns:a16="http://schemas.microsoft.com/office/drawing/2014/main" xmlns="" id="{9AB1D167-998A-45D7-BA24-D81886C9ECB0}"/>
+              </a:ext>
+            </a:extLst>
+          </p:cNvPr>
+          <p:cNvSpPr/>
+          <p:nvPr/>
+        </p:nvSpPr>
+        <p:spPr>
+          <a:xfrm>
+            <a:off x="0" y="0"/>
+            <a:ext cx="12192000" cy="6858000"/>
+          </a:xfrm>
+          <a:prstGeom prst="rect">
+            <a:avLst/>
+          </a:prstGeom>
+          <a:solidFill>
+            <a:schemeClr val="bg1">
+              <a:lumMod val="85000"/>
+            </a:schemeClr>
+          </a:solidFill>
+          <a:ln>
+            <a:noFill/>
+          </a:ln>
+        </p:spPr>
+        <p:style>
+          <a:lnRef idx="2">
+            <a:schemeClr val="accent1">
+              <a:shade val="50000"/>
+            </a:schemeClr>
+          </a:lnRef>
+          <a:fillRef idx="1">
+            <a:schemeClr val="accent1"/>
+          </a:fillRef>
+          <a:effectRef idx="0">
+            <a:schemeClr val="accent1"/>
+          </a:effectRef>
+          <a:fontRef idx="minor">
+            <a:schemeClr val="lt1"/>
+          </a:fontRef>
+        </p:style>
+        <p:txBody>
+          <a:bodyPr rtlCol="0" anchor="ctr"/>
+          <a:lstStyle/>
+          <a:p>
+            <a:pPr algn="ctr"/>
+            <a:endParaRPr lang="en-US">
+              <a:solidFill>
+                <a:prstClr val="white"/>
+              </a:solidFill>
+            </a:endParaRPr>
           </a:p>
         </p:txBody>
       </p:sp>
@@ -8496,7 +8929,7 @@
           <p:cNvPr id="8" name="Freeform: Shape 7">
             <a:extLst>
               <a:ext uri="{FF2B5EF4-FFF2-40B4-BE49-F238E27FC236}">
-                <a16:creationId xmlns="" xmlns:a16="http://schemas.microsoft.com/office/drawing/2014/main" id="{4BA40D94-E0A7-4C36-928C-B5FBF48FAA98}"/>
+                <a16:creationId xmlns:a16="http://schemas.microsoft.com/office/drawing/2014/main" xmlns="" id="{4BA40D94-E0A7-4C36-928C-B5FBF48FAA98}"/>
               </a:ext>
             </a:extLst>
           </p:cNvPr>
@@ -8617,27 +9050,101 @@
           <a:lstStyle/>
           <a:p>
             <a:pPr algn="ctr"/>
-            <a:endParaRPr lang="en-US"/>
-          </a:p>
-        </p:txBody>
-      </p:sp>
-      <p:sp>
-        <p:nvSpPr>
-          <p:cNvPr id="6" name="矩形 5"/>
+            <a:endParaRPr lang="en-US">
+              <a:solidFill>
+                <a:prstClr val="white"/>
+              </a:solidFill>
+            </a:endParaRPr>
+          </a:p>
+        </p:txBody>
+      </p:sp>
+      <p:sp>
+        <p:nvSpPr>
+          <p:cNvPr id="9" name="Freeform: Shape 8">
+            <a:extLst>
+              <a:ext uri="{FF2B5EF4-FFF2-40B4-BE49-F238E27FC236}">
+                <a16:creationId xmlns:a16="http://schemas.microsoft.com/office/drawing/2014/main" xmlns="" id="{6A16AEE4-04D8-4FF7-AA27-E6A8BFBC114D}"/>
+              </a:ext>
+            </a:extLst>
+          </p:cNvPr>
           <p:cNvSpPr/>
           <p:nvPr/>
         </p:nvSpPr>
         <p:spPr>
-          <a:xfrm>
-            <a:off x="349623" y="2608730"/>
-            <a:ext cx="1532965" cy="914400"/>
-          </a:xfrm>
-          <a:prstGeom prst="rect">
+          <a:xfrm flipH="1" flipV="1">
+            <a:off x="0" y="-1"/>
+            <a:ext cx="7823199" cy="6857999"/>
+          </a:xfrm>
+          <a:custGeom>
             <a:avLst/>
-          </a:prstGeom>
+            <a:gdLst>
+              <a:gd name="connsiteX0" fmla="*/ 0 w 7823199"/>
+              <a:gd name="connsiteY0" fmla="*/ 0 h 6858001"/>
+              <a:gd name="connsiteX1" fmla="*/ 7823199 w 7823199"/>
+              <a:gd name="connsiteY1" fmla="*/ 0 h 6858001"/>
+              <a:gd name="connsiteX2" fmla="*/ 7823199 w 7823199"/>
+              <a:gd name="connsiteY2" fmla="*/ 6858001 h 6858001"/>
+              <a:gd name="connsiteX3" fmla="*/ 6857999 w 7823199"/>
+              <a:gd name="connsiteY3" fmla="*/ 6858001 h 6858001"/>
+              <a:gd name="connsiteX4" fmla="*/ 0 w 7823199"/>
+              <a:gd name="connsiteY4" fmla="*/ 0 h 6858001"/>
+            </a:gdLst>
+            <a:ahLst/>
+            <a:cxnLst>
+              <a:cxn ang="0">
+                <a:pos x="connsiteX0" y="connsiteY0"/>
+              </a:cxn>
+              <a:cxn ang="0">
+                <a:pos x="connsiteX1" y="connsiteY1"/>
+              </a:cxn>
+              <a:cxn ang="0">
+                <a:pos x="connsiteX2" y="connsiteY2"/>
+              </a:cxn>
+              <a:cxn ang="0">
+                <a:pos x="connsiteX3" y="connsiteY3"/>
+              </a:cxn>
+              <a:cxn ang="0">
+                <a:pos x="connsiteX4" y="connsiteY4"/>
+              </a:cxn>
+            </a:cxnLst>
+            <a:rect l="l" t="t" r="r" b="b"/>
+            <a:pathLst>
+              <a:path w="7823199" h="6858001">
+                <a:moveTo>
+                  <a:pt x="0" y="0"/>
+                </a:moveTo>
+                <a:lnTo>
+                  <a:pt x="7823199" y="0"/>
+                </a:lnTo>
+                <a:lnTo>
+                  <a:pt x="7823199" y="6858001"/>
+                </a:lnTo>
+                <a:lnTo>
+                  <a:pt x="6857999" y="6858001"/>
+                </a:lnTo>
+                <a:lnTo>
+                  <a:pt x="0" y="0"/>
+                </a:lnTo>
+                <a:close/>
+              </a:path>
+            </a:pathLst>
+          </a:custGeom>
           <a:solidFill>
-            <a:schemeClr val="accent5"/>
+            <a:schemeClr val="bg1">
+              <a:lumMod val="95000"/>
+              <a:alpha val="20000"/>
+            </a:schemeClr>
           </a:solidFill>
+          <a:ln>
+            <a:noFill/>
+          </a:ln>
+          <a:effectLst>
+            <a:outerShdw blurRad="152400" dist="38100" algn="l" rotWithShape="0">
+              <a:prstClr val="black">
+                <a:alpha val="40000"/>
+              </a:prstClr>
+            </a:outerShdw>
+          </a:effectLst>
         </p:spPr>
         <p:style>
           <a:lnRef idx="2">
@@ -8660,65 +9167,146 @@
           <a:lstStyle/>
           <a:p>
             <a:pPr algn="ctr"/>
-            <a:r>
-              <a:rPr lang="zh-TW" altLang="en-US" dirty="0"/>
-              <a:t>開始遊戲</a:t>
-            </a:r>
-          </a:p>
-        </p:txBody>
-      </p:sp>
-      <p:cxnSp>
-        <p:nvCxnSpPr>
-          <p:cNvPr id="12" name="直線單箭頭接點 11"/>
-          <p:cNvCxnSpPr>
-            <a:stCxn id="6" idx="3"/>
-          </p:cNvCxnSpPr>
+            <a:endParaRPr lang="en-US">
+              <a:solidFill>
+                <a:prstClr val="white"/>
+              </a:solidFill>
+            </a:endParaRPr>
+          </a:p>
+        </p:txBody>
+      </p:sp>
+      <p:sp>
+        <p:nvSpPr>
+          <p:cNvPr id="2" name="文字方塊 1"/>
+          <p:cNvSpPr txBox="1"/>
           <p:nvPr/>
-        </p:nvCxnSpPr>
+        </p:nvSpPr>
         <p:spPr>
           <a:xfrm>
-            <a:off x="1882588" y="3065930"/>
-            <a:ext cx="663388" cy="0"/>
-          </a:xfrm>
-          <a:prstGeom prst="straightConnector1">
+            <a:off x="-164813" y="2579350"/>
+            <a:ext cx="4076412" cy="707886"/>
+          </a:xfrm>
+          <a:prstGeom prst="rect">
             <a:avLst/>
           </a:prstGeom>
-          <a:ln>
-            <a:tailEnd type="arrow"/>
-          </a:ln>
-        </p:spPr>
-        <p:style>
-          <a:lnRef idx="1">
-            <a:schemeClr val="accent1"/>
-          </a:lnRef>
-          <a:fillRef idx="0">
-            <a:schemeClr val="accent1"/>
-          </a:fillRef>
-          <a:effectRef idx="0">
-            <a:schemeClr val="accent1"/>
-          </a:effectRef>
-          <a:fontRef idx="minor">
-            <a:schemeClr val="tx1"/>
-          </a:fontRef>
-        </p:style>
-      </p:cxnSp>
-      <p:sp>
-        <p:nvSpPr>
-          <p:cNvPr id="15" name="矩形 14"/>
+          <a:noFill/>
+        </p:spPr>
+        <p:txBody>
+          <a:bodyPr wrap="square" rtlCol="0">
+            <a:spAutoFit/>
+          </a:bodyPr>
+          <a:lstStyle/>
+          <a:p>
+            <a:pPr algn="ctr"/>
+            <a:r>
+              <a:rPr kumimoji="1" lang="zh-TW" altLang="en-US" sz="4000" dirty="0">
+                <a:solidFill>
+                  <a:srgbClr val="4F5050"/>
+                </a:solidFill>
+                <a:latin typeface="微軟正黑體"/>
+                <a:ea typeface="微軟正黑體"/>
+                <a:cs typeface="微軟正黑體"/>
+              </a:rPr>
+              <a:t>流程圖</a:t>
+            </a:r>
+          </a:p>
+        </p:txBody>
+      </p:sp>
+      <p:pic>
+        <p:nvPicPr>
+          <p:cNvPr id="3" name="圖片 2"/>
+          <p:cNvPicPr>
+            <a:picLocks noChangeAspect="1"/>
+          </p:cNvPicPr>
+          <p:nvPr/>
+        </p:nvPicPr>
+        <p:blipFill>
+          <a:blip r:embed="rId2">
+            <a:extLst>
+              <a:ext uri="{28A0092B-C50C-407E-A947-70E740481C1C}">
+                <a14:useLocalDpi xmlns:a14="http://schemas.microsoft.com/office/drawing/2010/main" val="0"/>
+              </a:ext>
+            </a:extLst>
+          </a:blip>
+          <a:stretch>
+            <a:fillRect/>
+          </a:stretch>
+        </p:blipFill>
+        <p:spPr>
+          <a:xfrm>
+            <a:off x="2936878" y="149295"/>
+            <a:ext cx="4428564" cy="6559409"/>
+          </a:xfrm>
+          <a:prstGeom prst="rect">
+            <a:avLst/>
+          </a:prstGeom>
+        </p:spPr>
+      </p:pic>
+    </p:spTree>
+    <p:extLst>
+      <p:ext uri="{BB962C8B-B14F-4D97-AF65-F5344CB8AC3E}">
+        <p14:creationId xmlns:p14="http://schemas.microsoft.com/office/powerpoint/2010/main" val="856147898"/>
+      </p:ext>
+    </p:extLst>
+  </p:cSld>
+  <p:clrMapOvr>
+    <a:masterClrMapping/>
+  </p:clrMapOvr>
+  <p:timing>
+    <p:tnLst>
+      <p:par>
+        <p:cTn id="1" dur="indefinite" restart="never" nodeType="tmRoot"/>
+      </p:par>
+    </p:tnLst>
+  </p:timing>
+</p:sld>
+</file>
+
+<file path=ppt/slides/slide5.xml><?xml version="1.0" encoding="utf-8"?>
+<p:sld xmlns:a="http://schemas.openxmlformats.org/drawingml/2006/main" xmlns:r="http://schemas.openxmlformats.org/officeDocument/2006/relationships" xmlns:p="http://schemas.openxmlformats.org/presentationml/2006/main">
+  <p:cSld>
+    <p:spTree>
+      <p:nvGrpSpPr>
+        <p:cNvPr id="1" name=""/>
+        <p:cNvGrpSpPr/>
+        <p:nvPr/>
+      </p:nvGrpSpPr>
+      <p:grpSpPr>
+        <a:xfrm>
+          <a:off x="0" y="0"/>
+          <a:ext cx="0" cy="0"/>
+          <a:chOff x="0" y="0"/>
+          <a:chExt cx="0" cy="0"/>
+        </a:xfrm>
+      </p:grpSpPr>
+      <p:sp>
+        <p:nvSpPr>
+          <p:cNvPr id="24" name="Rectangle 23">
+            <a:extLst>
+              <a:ext uri="{FF2B5EF4-FFF2-40B4-BE49-F238E27FC236}">
+                <a16:creationId xmlns:a16="http://schemas.microsoft.com/office/drawing/2014/main" xmlns="" id="{9AB1D167-998A-45D7-BA24-D81886C9ECB0}"/>
+              </a:ext>
+            </a:extLst>
+          </p:cNvPr>
           <p:cNvSpPr/>
           <p:nvPr/>
         </p:nvSpPr>
         <p:spPr>
           <a:xfrm>
-            <a:off x="2545976" y="2617695"/>
-            <a:ext cx="1532965" cy="914400"/>
+            <a:off x="0" y="-107577"/>
+            <a:ext cx="12192000" cy="6858000"/>
           </a:xfrm>
           <a:prstGeom prst="rect">
             <a:avLst/>
           </a:prstGeom>
           <a:solidFill>
-            <a:schemeClr val="accent5"/>
+            <a:schemeClr val="bg1">
+              <a:lumMod val="85000"/>
+            </a:schemeClr>
           </a:solidFill>
+          <a:ln>
+            <a:noFill/>
+          </a:ln>
         </p:spPr>
         <p:style>
           <a:lnRef idx="2">
@@ -8741,98 +9329,7 @@
           <a:lstStyle/>
           <a:p>
             <a:pPr algn="ctr"/>
-            <a:endParaRPr lang="zh-TW" altLang="en-US" dirty="0"/>
-          </a:p>
-        </p:txBody>
-      </p:sp>
-    </p:spTree>
-    <p:extLst>
-      <p:ext uri="{BB962C8B-B14F-4D97-AF65-F5344CB8AC3E}">
-        <p14:creationId xmlns:p14="http://schemas.microsoft.com/office/powerpoint/2010/main" val="1494280406"/>
-      </p:ext>
-    </p:extLst>
-  </p:cSld>
-  <p:clrMapOvr>
-    <a:masterClrMapping/>
-  </p:clrMapOvr>
-  <p:timing>
-    <p:tnLst>
-      <p:par>
-        <p:cTn id="1" dur="indefinite" restart="never" nodeType="tmRoot"/>
-      </p:par>
-    </p:tnLst>
-  </p:timing>
-</p:sld>
-</file>
-
-<file path=ppt/slides/slide4.xml><?xml version="1.0" encoding="utf-8"?>
-<p:sld xmlns:a="http://schemas.openxmlformats.org/drawingml/2006/main" xmlns:r="http://schemas.openxmlformats.org/officeDocument/2006/relationships" xmlns:p="http://schemas.openxmlformats.org/presentationml/2006/main">
-  <p:cSld>
-    <p:spTree>
-      <p:nvGrpSpPr>
-        <p:cNvPr id="1" name=""/>
-        <p:cNvGrpSpPr/>
-        <p:nvPr/>
-      </p:nvGrpSpPr>
-      <p:grpSpPr>
-        <a:xfrm>
-          <a:off x="0" y="0"/>
-          <a:ext cx="0" cy="0"/>
-          <a:chOff x="0" y="0"/>
-          <a:chExt cx="0" cy="0"/>
-        </a:xfrm>
-      </p:grpSpPr>
-      <p:sp>
-        <p:nvSpPr>
-          <p:cNvPr id="24" name="Rectangle 23">
-            <a:extLst>
-              <a:ext uri="{FF2B5EF4-FFF2-40B4-BE49-F238E27FC236}">
-                <a16:creationId xmlns="" xmlns:a16="http://schemas.microsoft.com/office/drawing/2014/main" id="{9AB1D167-998A-45D7-BA24-D81886C9ECB0}"/>
-              </a:ext>
-            </a:extLst>
-          </p:cNvPr>
-          <p:cNvSpPr/>
-          <p:nvPr/>
-        </p:nvSpPr>
-        <p:spPr>
-          <a:xfrm>
-            <a:off x="0" y="0"/>
-            <a:ext cx="12192000" cy="6858000"/>
-          </a:xfrm>
-          <a:prstGeom prst="rect">
-            <a:avLst/>
-          </a:prstGeom>
-          <a:solidFill>
-            <a:schemeClr val="bg1">
-              <a:lumMod val="85000"/>
-            </a:schemeClr>
-          </a:solidFill>
-          <a:ln>
-            <a:noFill/>
-          </a:ln>
-        </p:spPr>
-        <p:style>
-          <a:lnRef idx="2">
-            <a:schemeClr val="accent1">
-              <a:shade val="50000"/>
-            </a:schemeClr>
-          </a:lnRef>
-          <a:fillRef idx="1">
-            <a:schemeClr val="accent1"/>
-          </a:fillRef>
-          <a:effectRef idx="0">
-            <a:schemeClr val="accent1"/>
-          </a:effectRef>
-          <a:fontRef idx="minor">
-            <a:schemeClr val="lt1"/>
-          </a:fontRef>
-        </p:style>
-        <p:txBody>
-          <a:bodyPr rtlCol="0" anchor="ctr"/>
-          <a:lstStyle/>
-          <a:p>
-            <a:pPr algn="ctr"/>
-            <a:endParaRPr lang="en-US">
+            <a:endParaRPr lang="en-US" dirty="0">
               <a:solidFill>
                 <a:prstClr val="white"/>
               </a:solidFill>
@@ -8845,7 +9342,7 @@
           <p:cNvPr id="8" name="Freeform: Shape 7">
             <a:extLst>
               <a:ext uri="{FF2B5EF4-FFF2-40B4-BE49-F238E27FC236}">
-                <a16:creationId xmlns="" xmlns:a16="http://schemas.microsoft.com/office/drawing/2014/main" id="{4BA40D94-E0A7-4C36-928C-B5FBF48FAA98}"/>
+                <a16:creationId xmlns:a16="http://schemas.microsoft.com/office/drawing/2014/main" xmlns="" id="{4BA40D94-E0A7-4C36-928C-B5FBF48FAA98}"/>
               </a:ext>
             </a:extLst>
           </p:cNvPr>
@@ -8979,7 +9476,7 @@
           <p:cNvPr id="9" name="Freeform: Shape 8">
             <a:extLst>
               <a:ext uri="{FF2B5EF4-FFF2-40B4-BE49-F238E27FC236}">
-                <a16:creationId xmlns="" xmlns:a16="http://schemas.microsoft.com/office/drawing/2014/main" id="{6A16AEE4-04D8-4FF7-AA27-E6A8BFBC114D}"/>
+                <a16:creationId xmlns:a16="http://schemas.microsoft.com/office/drawing/2014/main" xmlns="" id="{6A16AEE4-04D8-4FF7-AA27-E6A8BFBC114D}"/>
               </a:ext>
             </a:extLst>
           </p:cNvPr>
@@ -8988,7 +9485,7 @@
         </p:nvSpPr>
         <p:spPr>
           <a:xfrm flipH="1" flipV="1">
-            <a:off x="0" y="-1"/>
+            <a:off x="-591671" y="-197225"/>
             <a:ext cx="7823199" cy="6857999"/>
           </a:xfrm>
           <a:custGeom>
@@ -9099,7 +9596,7 @@
         </p:nvSpPr>
         <p:spPr>
           <a:xfrm>
-            <a:off x="0" y="2579350"/>
+            <a:off x="71718" y="69232"/>
             <a:ext cx="4076412" cy="707886"/>
           </a:xfrm>
           <a:prstGeom prst="rect">
@@ -9115,7 +9612,7 @@
           <a:p>
             <a:pPr algn="ctr"/>
             <a:r>
-              <a:rPr kumimoji="1" lang="zh-TW" altLang="en-US" sz="4000" dirty="0">
+              <a:rPr kumimoji="1" lang="zh-TW" altLang="en-US" sz="4000" dirty="0" smtClean="0">
                 <a:solidFill>
                   <a:srgbClr val="4F5050"/>
                 </a:solidFill>
@@ -9123,21 +9620,59 @@
                 <a:ea typeface="微軟正黑體"/>
                 <a:cs typeface="微軟正黑體"/>
               </a:rPr>
-              <a:t>流程圖</a:t>
+              <a:t>程式介紹</a:t>
             </a:r>
+            <a:endParaRPr kumimoji="1" lang="zh-TW" altLang="en-US" sz="4000" dirty="0">
+              <a:solidFill>
+                <a:srgbClr val="4F5050"/>
+              </a:solidFill>
+              <a:latin typeface="微軟正黑體"/>
+              <a:ea typeface="微軟正黑體"/>
+              <a:cs typeface="微軟正黑體"/>
+            </a:endParaRPr>
           </a:p>
         </p:txBody>
       </p:sp>
       <p:pic>
         <p:nvPicPr>
-          <p:cNvPr id="3" name="圖片 2"/>
+          <p:cNvPr id="5" name="圖片 4"/>
+          <p:cNvPicPr>
+            <a:picLocks/>
+          </p:cNvPicPr>
+          <p:nvPr/>
+        </p:nvPicPr>
+        <p:blipFill>
+          <a:blip r:embed="rId2">
+            <a:extLst>
+              <a:ext uri="{28A0092B-C50C-407E-A947-70E740481C1C}">
+                <a14:useLocalDpi xmlns:a14="http://schemas.microsoft.com/office/drawing/2010/main" val="0"/>
+              </a:ext>
+            </a:extLst>
+          </a:blip>
+          <a:stretch>
+            <a:fillRect/>
+          </a:stretch>
+        </p:blipFill>
+        <p:spPr>
+          <a:xfrm>
+            <a:off x="679711" y="1797662"/>
+            <a:ext cx="4964400" cy="3812400"/>
+          </a:xfrm>
+          <a:prstGeom prst="rect">
+            <a:avLst/>
+          </a:prstGeom>
+        </p:spPr>
+      </p:pic>
+      <p:pic>
+        <p:nvPicPr>
+          <p:cNvPr id="4" name="圖片 3"/>
           <p:cNvPicPr>
             <a:picLocks noChangeAspect="1"/>
           </p:cNvPicPr>
           <p:nvPr/>
         </p:nvPicPr>
         <p:blipFill>
-          <a:blip r:embed="rId2">
+          <a:blip r:embed="rId3">
             <a:extLst>
               <a:ext uri="{28A0092B-C50C-407E-A947-70E740481C1C}">
                 <a14:useLocalDpi xmlns:a14="http://schemas.microsoft.com/office/drawing/2010/main" val="0"/>
@@ -9150,8 +9685,8 @@
         </p:blipFill>
         <p:spPr>
           <a:xfrm>
-            <a:off x="2936878" y="149295"/>
-            <a:ext cx="4428564" cy="6559409"/>
+            <a:off x="6526306" y="1799530"/>
+            <a:ext cx="4963218" cy="3810532"/>
           </a:xfrm>
           <a:prstGeom prst="rect">
             <a:avLst/>
@@ -9161,7 +9696,7 @@
     </p:spTree>
     <p:extLst>
       <p:ext uri="{BB962C8B-B14F-4D97-AF65-F5344CB8AC3E}">
-        <p14:creationId xmlns:p14="http://schemas.microsoft.com/office/powerpoint/2010/main" val="856147898"/>
+        <p14:creationId xmlns:p14="http://schemas.microsoft.com/office/powerpoint/2010/main" val="2524810442"/>
       </p:ext>
     </p:extLst>
   </p:cSld>
@@ -9178,7 +9713,7 @@
 </p:sld>
 </file>
 
-<file path=ppt/slides/slide5.xml><?xml version="1.0" encoding="utf-8"?>
+<file path=ppt/slides/slide6.xml><?xml version="1.0" encoding="utf-8"?>
 <p:sld xmlns:a="http://schemas.openxmlformats.org/drawingml/2006/main" xmlns:r="http://schemas.openxmlformats.org/officeDocument/2006/relationships" xmlns:p="http://schemas.openxmlformats.org/presentationml/2006/main">
   <p:cSld>
     <p:spTree>
@@ -9200,7 +9735,7 @@
           <p:cNvPr id="24" name="Rectangle 23">
             <a:extLst>
               <a:ext uri="{FF2B5EF4-FFF2-40B4-BE49-F238E27FC236}">
-                <a16:creationId xmlns="" xmlns:a16="http://schemas.microsoft.com/office/drawing/2014/main" id="{9AB1D167-998A-45D7-BA24-D81886C9ECB0}"/>
+                <a16:creationId xmlns:a16="http://schemas.microsoft.com/office/drawing/2014/main" xmlns="" id="{9AB1D167-998A-45D7-BA24-D81886C9ECB0}"/>
               </a:ext>
             </a:extLst>
           </p:cNvPr>
@@ -9258,7 +9793,7 @@
           <p:cNvPr id="8" name="Freeform: Shape 7">
             <a:extLst>
               <a:ext uri="{FF2B5EF4-FFF2-40B4-BE49-F238E27FC236}">
-                <a16:creationId xmlns="" xmlns:a16="http://schemas.microsoft.com/office/drawing/2014/main" id="{4BA40D94-E0A7-4C36-928C-B5FBF48FAA98}"/>
+                <a16:creationId xmlns:a16="http://schemas.microsoft.com/office/drawing/2014/main" xmlns="" id="{4BA40D94-E0A7-4C36-928C-B5FBF48FAA98}"/>
               </a:ext>
             </a:extLst>
           </p:cNvPr>
@@ -9392,7 +9927,7 @@
           <p:cNvPr id="9" name="Freeform: Shape 8">
             <a:extLst>
               <a:ext uri="{FF2B5EF4-FFF2-40B4-BE49-F238E27FC236}">
-                <a16:creationId xmlns="" xmlns:a16="http://schemas.microsoft.com/office/drawing/2014/main" id="{6A16AEE4-04D8-4FF7-AA27-E6A8BFBC114D}"/>
+                <a16:creationId xmlns:a16="http://schemas.microsoft.com/office/drawing/2014/main" xmlns="" id="{6A16AEE4-04D8-4FF7-AA27-E6A8BFBC114D}"/>
               </a:ext>
             </a:extLst>
           </p:cNvPr>
@@ -9551,7 +10086,7 @@
       </p:sp>
       <p:pic>
         <p:nvPicPr>
-          <p:cNvPr id="5" name="圖片 4"/>
+          <p:cNvPr id="3" name="圖片 2"/>
           <p:cNvPicPr>
             <a:picLocks/>
           </p:cNvPicPr>
@@ -9571,7 +10106,7 @@
         </p:blipFill>
         <p:spPr>
           <a:xfrm>
-            <a:off x="679711" y="1797662"/>
+            <a:off x="735105" y="1858547"/>
             <a:ext cx="4964400" cy="3812400"/>
           </a:xfrm>
           <a:prstGeom prst="rect">
@@ -9581,9 +10116,9 @@
       </p:pic>
       <p:pic>
         <p:nvPicPr>
-          <p:cNvPr id="4" name="圖片 3"/>
+          <p:cNvPr id="6" name="圖片 5"/>
           <p:cNvPicPr>
-            <a:picLocks noChangeAspect="1"/>
+            <a:picLocks/>
           </p:cNvPicPr>
           <p:nvPr/>
         </p:nvPicPr>
@@ -9601,8 +10136,8 @@
         </p:blipFill>
         <p:spPr>
           <a:xfrm>
-            <a:off x="6526306" y="1799530"/>
-            <a:ext cx="4963218" cy="3810532"/>
+            <a:off x="6613365" y="1858547"/>
+            <a:ext cx="4964400" cy="3812400"/>
           </a:xfrm>
           <a:prstGeom prst="rect">
             <a:avLst/>
@@ -9612,7 +10147,7 @@
     </p:spTree>
     <p:extLst>
       <p:ext uri="{BB962C8B-B14F-4D97-AF65-F5344CB8AC3E}">
-        <p14:creationId xmlns:p14="http://schemas.microsoft.com/office/powerpoint/2010/main" val="2524810442"/>
+        <p14:creationId xmlns:p14="http://schemas.microsoft.com/office/powerpoint/2010/main" val="909869995"/>
       </p:ext>
     </p:extLst>
   </p:cSld>
@@ -9629,7 +10164,7 @@
 </p:sld>
 </file>
 
-<file path=ppt/slides/slide6.xml><?xml version="1.0" encoding="utf-8"?>
+<file path=ppt/slides/slide7.xml><?xml version="1.0" encoding="utf-8"?>
 <p:sld xmlns:a="http://schemas.openxmlformats.org/drawingml/2006/main" xmlns:r="http://schemas.openxmlformats.org/officeDocument/2006/relationships" xmlns:p="http://schemas.openxmlformats.org/presentationml/2006/main">
   <p:cSld>
     <p:spTree>
@@ -9651,7 +10186,7 @@
           <p:cNvPr id="24" name="Rectangle 23">
             <a:extLst>
               <a:ext uri="{FF2B5EF4-FFF2-40B4-BE49-F238E27FC236}">
-                <a16:creationId xmlns="" xmlns:a16="http://schemas.microsoft.com/office/drawing/2014/main" id="{9AB1D167-998A-45D7-BA24-D81886C9ECB0}"/>
+                <a16:creationId xmlns:a16="http://schemas.microsoft.com/office/drawing/2014/main" xmlns="" id="{9AB1D167-998A-45D7-BA24-D81886C9ECB0}"/>
               </a:ext>
             </a:extLst>
           </p:cNvPr>
@@ -9709,7 +10244,7 @@
           <p:cNvPr id="8" name="Freeform: Shape 7">
             <a:extLst>
               <a:ext uri="{FF2B5EF4-FFF2-40B4-BE49-F238E27FC236}">
-                <a16:creationId xmlns="" xmlns:a16="http://schemas.microsoft.com/office/drawing/2014/main" id="{4BA40D94-E0A7-4C36-928C-B5FBF48FAA98}"/>
+                <a16:creationId xmlns:a16="http://schemas.microsoft.com/office/drawing/2014/main" xmlns="" id="{4BA40D94-E0A7-4C36-928C-B5FBF48FAA98}"/>
               </a:ext>
             </a:extLst>
           </p:cNvPr>
@@ -9843,7 +10378,7 @@
           <p:cNvPr id="9" name="Freeform: Shape 8">
             <a:extLst>
               <a:ext uri="{FF2B5EF4-FFF2-40B4-BE49-F238E27FC236}">
-                <a16:creationId xmlns="" xmlns:a16="http://schemas.microsoft.com/office/drawing/2014/main" id="{6A16AEE4-04D8-4FF7-AA27-E6A8BFBC114D}"/>
+                <a16:creationId xmlns:a16="http://schemas.microsoft.com/office/drawing/2014/main" xmlns="" id="{6A16AEE4-04D8-4FF7-AA27-E6A8BFBC114D}"/>
               </a:ext>
             </a:extLst>
           </p:cNvPr>
@@ -10002,7 +10537,7 @@
       </p:sp>
       <p:pic>
         <p:nvPicPr>
-          <p:cNvPr id="3" name="圖片 2"/>
+          <p:cNvPr id="4" name="圖片 3"/>
           <p:cNvPicPr>
             <a:picLocks/>
           </p:cNvPicPr>
@@ -10022,7 +10557,7 @@
         </p:blipFill>
         <p:spPr>
           <a:xfrm>
-            <a:off x="735105" y="1858547"/>
+            <a:off x="1018991" y="1682412"/>
             <a:ext cx="4964400" cy="3812400"/>
           </a:xfrm>
           <a:prstGeom prst="rect">
@@ -10032,7 +10567,7 @@
       </p:pic>
       <p:pic>
         <p:nvPicPr>
-          <p:cNvPr id="6" name="圖片 5"/>
+          <p:cNvPr id="7" name="圖片 6"/>
           <p:cNvPicPr>
             <a:picLocks/>
           </p:cNvPicPr>
@@ -10052,7 +10587,7 @@
         </p:blipFill>
         <p:spPr>
           <a:xfrm>
-            <a:off x="6613365" y="1858547"/>
+            <a:off x="6803921" y="1682412"/>
             <a:ext cx="4964400" cy="3812400"/>
           </a:xfrm>
           <a:prstGeom prst="rect">
@@ -10063,7 +10598,7 @@
     </p:spTree>
     <p:extLst>
       <p:ext uri="{BB962C8B-B14F-4D97-AF65-F5344CB8AC3E}">
-        <p14:creationId xmlns:p14="http://schemas.microsoft.com/office/powerpoint/2010/main" val="909869995"/>
+        <p14:creationId xmlns:p14="http://schemas.microsoft.com/office/powerpoint/2010/main" val="317729918"/>
       </p:ext>
     </p:extLst>
   </p:cSld>
@@ -10080,7 +10615,7 @@
 </p:sld>
 </file>
 
-<file path=ppt/slides/slide7.xml><?xml version="1.0" encoding="utf-8"?>
+<file path=ppt/slides/slide8.xml><?xml version="1.0" encoding="utf-8"?>
 <p:sld xmlns:a="http://schemas.openxmlformats.org/drawingml/2006/main" xmlns:r="http://schemas.openxmlformats.org/officeDocument/2006/relationships" xmlns:p="http://schemas.openxmlformats.org/presentationml/2006/main">
   <p:cSld>
     <p:spTree>
@@ -10102,7 +10637,7 @@
           <p:cNvPr id="24" name="Rectangle 23">
             <a:extLst>
               <a:ext uri="{FF2B5EF4-FFF2-40B4-BE49-F238E27FC236}">
-                <a16:creationId xmlns="" xmlns:a16="http://schemas.microsoft.com/office/drawing/2014/main" id="{9AB1D167-998A-45D7-BA24-D81886C9ECB0}"/>
+                <a16:creationId xmlns:a16="http://schemas.microsoft.com/office/drawing/2014/main" xmlns="" id="{9AB1D167-998A-45D7-BA24-D81886C9ECB0}"/>
               </a:ext>
             </a:extLst>
           </p:cNvPr>
@@ -10160,7 +10695,7 @@
           <p:cNvPr id="8" name="Freeform: Shape 7">
             <a:extLst>
               <a:ext uri="{FF2B5EF4-FFF2-40B4-BE49-F238E27FC236}">
-                <a16:creationId xmlns="" xmlns:a16="http://schemas.microsoft.com/office/drawing/2014/main" id="{4BA40D94-E0A7-4C36-928C-B5FBF48FAA98}"/>
+                <a16:creationId xmlns:a16="http://schemas.microsoft.com/office/drawing/2014/main" xmlns="" id="{4BA40D94-E0A7-4C36-928C-B5FBF48FAA98}"/>
               </a:ext>
             </a:extLst>
           </p:cNvPr>
@@ -10294,7 +10829,7 @@
           <p:cNvPr id="9" name="Freeform: Shape 8">
             <a:extLst>
               <a:ext uri="{FF2B5EF4-FFF2-40B4-BE49-F238E27FC236}">
-                <a16:creationId xmlns="" xmlns:a16="http://schemas.microsoft.com/office/drawing/2014/main" id="{6A16AEE4-04D8-4FF7-AA27-E6A8BFBC114D}"/>
+                <a16:creationId xmlns:a16="http://schemas.microsoft.com/office/drawing/2014/main" xmlns="" id="{6A16AEE4-04D8-4FF7-AA27-E6A8BFBC114D}"/>
               </a:ext>
             </a:extLst>
           </p:cNvPr>
@@ -10453,7 +10988,7 @@
       </p:sp>
       <p:pic>
         <p:nvPicPr>
-          <p:cNvPr id="4" name="圖片 3"/>
+          <p:cNvPr id="7" name="圖片 6"/>
           <p:cNvPicPr>
             <a:picLocks/>
           </p:cNvPicPr>
@@ -10473,7 +11008,7 @@
         </p:blipFill>
         <p:spPr>
           <a:xfrm>
-            <a:off x="1018991" y="1682412"/>
+            <a:off x="6449634" y="1415223"/>
             <a:ext cx="4964400" cy="3812400"/>
           </a:xfrm>
           <a:prstGeom prst="rect">
@@ -10483,9 +11018,9 @@
       </p:pic>
       <p:pic>
         <p:nvPicPr>
-          <p:cNvPr id="7" name="圖片 6"/>
+          <p:cNvPr id="1026" name="Picture 2" descr="C:\Users\李小羊\Desktop\圖片\蛇的初始.PNG"/>
           <p:cNvPicPr>
-            <a:picLocks/>
+            <a:picLocks noChangeArrowheads="1"/>
           </p:cNvPicPr>
           <p:nvPr/>
         </p:nvPicPr>
@@ -10497,24 +11032,35 @@
               </a:ext>
             </a:extLst>
           </a:blip>
+          <a:srcRect/>
           <a:stretch>
             <a:fillRect/>
           </a:stretch>
         </p:blipFill>
-        <p:spPr>
+        <p:spPr bwMode="auto">
           <a:xfrm>
-            <a:off x="6803921" y="1682412"/>
+            <a:off x="837728" y="1415223"/>
             <a:ext cx="4964400" cy="3812400"/>
           </a:xfrm>
           <a:prstGeom prst="rect">
             <a:avLst/>
           </a:prstGeom>
+          <a:noFill/>
+          <a:extLst>
+            <a:ext uri="{909E8E84-426E-40DD-AFC4-6F175D3DCCD1}">
+              <a14:hiddenFill xmlns:a14="http://schemas.microsoft.com/office/drawing/2010/main">
+                <a:solidFill>
+                  <a:srgbClr val="FFFFFF"/>
+                </a:solidFill>
+              </a14:hiddenFill>
+            </a:ext>
+          </a:extLst>
         </p:spPr>
       </p:pic>
     </p:spTree>
     <p:extLst>
       <p:ext uri="{BB962C8B-B14F-4D97-AF65-F5344CB8AC3E}">
-        <p14:creationId xmlns:p14="http://schemas.microsoft.com/office/powerpoint/2010/main" val="317729918"/>
+        <p14:creationId xmlns:p14="http://schemas.microsoft.com/office/powerpoint/2010/main" val="1536256942"/>
       </p:ext>
     </p:extLst>
   </p:cSld>
@@ -10531,7 +11077,7 @@
 </p:sld>
 </file>
 
-<file path=ppt/slides/slide8.xml><?xml version="1.0" encoding="utf-8"?>
+<file path=ppt/slides/slide9.xml><?xml version="1.0" encoding="utf-8"?>
 <p:sld xmlns:a="http://schemas.openxmlformats.org/drawingml/2006/main" xmlns:r="http://schemas.openxmlformats.org/officeDocument/2006/relationships" xmlns:p="http://schemas.openxmlformats.org/presentationml/2006/main">
   <p:cSld>
     <p:spTree>
@@ -10553,7 +11099,7 @@
           <p:cNvPr id="24" name="Rectangle 23">
             <a:extLst>
               <a:ext uri="{FF2B5EF4-FFF2-40B4-BE49-F238E27FC236}">
-                <a16:creationId xmlns="" xmlns:a16="http://schemas.microsoft.com/office/drawing/2014/main" id="{9AB1D167-998A-45D7-BA24-D81886C9ECB0}"/>
+                <a16:creationId xmlns:a16="http://schemas.microsoft.com/office/drawing/2014/main" xmlns="" id="{9AB1D167-998A-45D7-BA24-D81886C9ECB0}"/>
               </a:ext>
             </a:extLst>
           </p:cNvPr>
@@ -10611,7 +11157,7 @@
           <p:cNvPr id="8" name="Freeform: Shape 7">
             <a:extLst>
               <a:ext uri="{FF2B5EF4-FFF2-40B4-BE49-F238E27FC236}">
-                <a16:creationId xmlns="" xmlns:a16="http://schemas.microsoft.com/office/drawing/2014/main" id="{4BA40D94-E0A7-4C36-928C-B5FBF48FAA98}"/>
+                <a16:creationId xmlns:a16="http://schemas.microsoft.com/office/drawing/2014/main" xmlns="" id="{4BA40D94-E0A7-4C36-928C-B5FBF48FAA98}"/>
               </a:ext>
             </a:extLst>
           </p:cNvPr>
@@ -10745,469 +11291,7 @@
           <p:cNvPr id="9" name="Freeform: Shape 8">
             <a:extLst>
               <a:ext uri="{FF2B5EF4-FFF2-40B4-BE49-F238E27FC236}">
-                <a16:creationId xmlns="" xmlns:a16="http://schemas.microsoft.com/office/drawing/2014/main" id="{6A16AEE4-04D8-4FF7-AA27-E6A8BFBC114D}"/>
-              </a:ext>
-            </a:extLst>
-          </p:cNvPr>
-          <p:cNvSpPr/>
-          <p:nvPr/>
-        </p:nvSpPr>
-        <p:spPr>
-          <a:xfrm flipH="1" flipV="1">
-            <a:off x="-591671" y="-197225"/>
-            <a:ext cx="7823199" cy="6857999"/>
-          </a:xfrm>
-          <a:custGeom>
-            <a:avLst/>
-            <a:gdLst>
-              <a:gd name="connsiteX0" fmla="*/ 0 w 7823199"/>
-              <a:gd name="connsiteY0" fmla="*/ 0 h 6858001"/>
-              <a:gd name="connsiteX1" fmla="*/ 7823199 w 7823199"/>
-              <a:gd name="connsiteY1" fmla="*/ 0 h 6858001"/>
-              <a:gd name="connsiteX2" fmla="*/ 7823199 w 7823199"/>
-              <a:gd name="connsiteY2" fmla="*/ 6858001 h 6858001"/>
-              <a:gd name="connsiteX3" fmla="*/ 6857999 w 7823199"/>
-              <a:gd name="connsiteY3" fmla="*/ 6858001 h 6858001"/>
-              <a:gd name="connsiteX4" fmla="*/ 0 w 7823199"/>
-              <a:gd name="connsiteY4" fmla="*/ 0 h 6858001"/>
-            </a:gdLst>
-            <a:ahLst/>
-            <a:cxnLst>
-              <a:cxn ang="0">
-                <a:pos x="connsiteX0" y="connsiteY0"/>
-              </a:cxn>
-              <a:cxn ang="0">
-                <a:pos x="connsiteX1" y="connsiteY1"/>
-              </a:cxn>
-              <a:cxn ang="0">
-                <a:pos x="connsiteX2" y="connsiteY2"/>
-              </a:cxn>
-              <a:cxn ang="0">
-                <a:pos x="connsiteX3" y="connsiteY3"/>
-              </a:cxn>
-              <a:cxn ang="0">
-                <a:pos x="connsiteX4" y="connsiteY4"/>
-              </a:cxn>
-            </a:cxnLst>
-            <a:rect l="l" t="t" r="r" b="b"/>
-            <a:pathLst>
-              <a:path w="7823199" h="6858001">
-                <a:moveTo>
-                  <a:pt x="0" y="0"/>
-                </a:moveTo>
-                <a:lnTo>
-                  <a:pt x="7823199" y="0"/>
-                </a:lnTo>
-                <a:lnTo>
-                  <a:pt x="7823199" y="6858001"/>
-                </a:lnTo>
-                <a:lnTo>
-                  <a:pt x="6857999" y="6858001"/>
-                </a:lnTo>
-                <a:lnTo>
-                  <a:pt x="0" y="0"/>
-                </a:lnTo>
-                <a:close/>
-              </a:path>
-            </a:pathLst>
-          </a:custGeom>
-          <a:solidFill>
-            <a:schemeClr val="bg1">
-              <a:lumMod val="95000"/>
-              <a:alpha val="20000"/>
-            </a:schemeClr>
-          </a:solidFill>
-          <a:ln>
-            <a:noFill/>
-          </a:ln>
-          <a:effectLst>
-            <a:outerShdw blurRad="152400" dist="38100" algn="l" rotWithShape="0">
-              <a:prstClr val="black">
-                <a:alpha val="40000"/>
-              </a:prstClr>
-            </a:outerShdw>
-          </a:effectLst>
-        </p:spPr>
-        <p:style>
-          <a:lnRef idx="2">
-            <a:schemeClr val="accent1">
-              <a:shade val="50000"/>
-            </a:schemeClr>
-          </a:lnRef>
-          <a:fillRef idx="1">
-            <a:schemeClr val="accent1"/>
-          </a:fillRef>
-          <a:effectRef idx="0">
-            <a:schemeClr val="accent1"/>
-          </a:effectRef>
-          <a:fontRef idx="minor">
-            <a:schemeClr val="lt1"/>
-          </a:fontRef>
-        </p:style>
-        <p:txBody>
-          <a:bodyPr rtlCol="0" anchor="ctr"/>
-          <a:lstStyle/>
-          <a:p>
-            <a:pPr algn="ctr"/>
-            <a:endParaRPr lang="en-US">
-              <a:solidFill>
-                <a:prstClr val="white"/>
-              </a:solidFill>
-            </a:endParaRPr>
-          </a:p>
-        </p:txBody>
-      </p:sp>
-      <p:sp>
-        <p:nvSpPr>
-          <p:cNvPr id="2" name="文字方塊 1"/>
-          <p:cNvSpPr txBox="1"/>
-          <p:nvPr/>
-        </p:nvSpPr>
-        <p:spPr>
-          <a:xfrm>
-            <a:off x="71718" y="69232"/>
-            <a:ext cx="4076412" cy="707886"/>
-          </a:xfrm>
-          <a:prstGeom prst="rect">
-            <a:avLst/>
-          </a:prstGeom>
-          <a:noFill/>
-        </p:spPr>
-        <p:txBody>
-          <a:bodyPr wrap="square" rtlCol="0">
-            <a:spAutoFit/>
-          </a:bodyPr>
-          <a:lstStyle/>
-          <a:p>
-            <a:pPr algn="ctr"/>
-            <a:r>
-              <a:rPr kumimoji="1" lang="zh-TW" altLang="en-US" sz="4000" dirty="0" smtClean="0">
-                <a:solidFill>
-                  <a:srgbClr val="4F5050"/>
-                </a:solidFill>
-                <a:latin typeface="微軟正黑體"/>
-                <a:ea typeface="微軟正黑體"/>
-                <a:cs typeface="微軟正黑體"/>
-              </a:rPr>
-              <a:t>程式介紹</a:t>
-            </a:r>
-            <a:endParaRPr kumimoji="1" lang="zh-TW" altLang="en-US" sz="4000" dirty="0">
-              <a:solidFill>
-                <a:srgbClr val="4F5050"/>
-              </a:solidFill>
-              <a:latin typeface="微軟正黑體"/>
-              <a:ea typeface="微軟正黑體"/>
-              <a:cs typeface="微軟正黑體"/>
-            </a:endParaRPr>
-          </a:p>
-        </p:txBody>
-      </p:sp>
-      <p:pic>
-        <p:nvPicPr>
-          <p:cNvPr id="7" name="圖片 6"/>
-          <p:cNvPicPr>
-            <a:picLocks/>
-          </p:cNvPicPr>
-          <p:nvPr/>
-        </p:nvPicPr>
-        <p:blipFill>
-          <a:blip r:embed="rId2">
-            <a:extLst>
-              <a:ext uri="{28A0092B-C50C-407E-A947-70E740481C1C}">
-                <a14:useLocalDpi xmlns:a14="http://schemas.microsoft.com/office/drawing/2010/main" val="0"/>
-              </a:ext>
-            </a:extLst>
-          </a:blip>
-          <a:stretch>
-            <a:fillRect/>
-          </a:stretch>
-        </p:blipFill>
-        <p:spPr>
-          <a:xfrm>
-            <a:off x="6449634" y="1415223"/>
-            <a:ext cx="4964400" cy="3812400"/>
-          </a:xfrm>
-          <a:prstGeom prst="rect">
-            <a:avLst/>
-          </a:prstGeom>
-        </p:spPr>
-      </p:pic>
-      <p:pic>
-        <p:nvPicPr>
-          <p:cNvPr id="1026" name="Picture 2" descr="C:\Users\李小羊\Desktop\圖片\蛇的初始.PNG"/>
-          <p:cNvPicPr>
-            <a:picLocks noChangeArrowheads="1"/>
-          </p:cNvPicPr>
-          <p:nvPr/>
-        </p:nvPicPr>
-        <p:blipFill>
-          <a:blip r:embed="rId3">
-            <a:extLst>
-              <a:ext uri="{28A0092B-C50C-407E-A947-70E740481C1C}">
-                <a14:useLocalDpi xmlns:a14="http://schemas.microsoft.com/office/drawing/2010/main" val="0"/>
-              </a:ext>
-            </a:extLst>
-          </a:blip>
-          <a:srcRect/>
-          <a:stretch>
-            <a:fillRect/>
-          </a:stretch>
-        </p:blipFill>
-        <p:spPr bwMode="auto">
-          <a:xfrm>
-            <a:off x="837728" y="1415223"/>
-            <a:ext cx="4964400" cy="3812400"/>
-          </a:xfrm>
-          <a:prstGeom prst="rect">
-            <a:avLst/>
-          </a:prstGeom>
-          <a:noFill/>
-          <a:extLst>
-            <a:ext uri="{909E8E84-426E-40DD-AFC4-6F175D3DCCD1}">
-              <a14:hiddenFill xmlns:a14="http://schemas.microsoft.com/office/drawing/2010/main">
-                <a:solidFill>
-                  <a:srgbClr val="FFFFFF"/>
-                </a:solidFill>
-              </a14:hiddenFill>
-            </a:ext>
-          </a:extLst>
-        </p:spPr>
-      </p:pic>
-    </p:spTree>
-    <p:extLst>
-      <p:ext uri="{BB962C8B-B14F-4D97-AF65-F5344CB8AC3E}">
-        <p14:creationId xmlns:p14="http://schemas.microsoft.com/office/powerpoint/2010/main" val="1536256942"/>
-      </p:ext>
-    </p:extLst>
-  </p:cSld>
-  <p:clrMapOvr>
-    <a:masterClrMapping/>
-  </p:clrMapOvr>
-  <p:timing>
-    <p:tnLst>
-      <p:par>
-        <p:cTn id="1" dur="indefinite" restart="never" nodeType="tmRoot"/>
-      </p:par>
-    </p:tnLst>
-  </p:timing>
-</p:sld>
-</file>
-
-<file path=ppt/slides/slide9.xml><?xml version="1.0" encoding="utf-8"?>
-<p:sld xmlns:a="http://schemas.openxmlformats.org/drawingml/2006/main" xmlns:r="http://schemas.openxmlformats.org/officeDocument/2006/relationships" xmlns:p="http://schemas.openxmlformats.org/presentationml/2006/main">
-  <p:cSld>
-    <p:spTree>
-      <p:nvGrpSpPr>
-        <p:cNvPr id="1" name=""/>
-        <p:cNvGrpSpPr/>
-        <p:nvPr/>
-      </p:nvGrpSpPr>
-      <p:grpSpPr>
-        <a:xfrm>
-          <a:off x="0" y="0"/>
-          <a:ext cx="0" cy="0"/>
-          <a:chOff x="0" y="0"/>
-          <a:chExt cx="0" cy="0"/>
-        </a:xfrm>
-      </p:grpSpPr>
-      <p:sp>
-        <p:nvSpPr>
-          <p:cNvPr id="24" name="Rectangle 23">
-            <a:extLst>
-              <a:ext uri="{FF2B5EF4-FFF2-40B4-BE49-F238E27FC236}">
-                <a16:creationId xmlns="" xmlns:a16="http://schemas.microsoft.com/office/drawing/2014/main" id="{9AB1D167-998A-45D7-BA24-D81886C9ECB0}"/>
-              </a:ext>
-            </a:extLst>
-          </p:cNvPr>
-          <p:cNvSpPr/>
-          <p:nvPr/>
-        </p:nvSpPr>
-        <p:spPr>
-          <a:xfrm>
-            <a:off x="0" y="-107577"/>
-            <a:ext cx="12192000" cy="6858000"/>
-          </a:xfrm>
-          <a:prstGeom prst="rect">
-            <a:avLst/>
-          </a:prstGeom>
-          <a:solidFill>
-            <a:schemeClr val="bg1">
-              <a:lumMod val="85000"/>
-            </a:schemeClr>
-          </a:solidFill>
-          <a:ln>
-            <a:noFill/>
-          </a:ln>
-        </p:spPr>
-        <p:style>
-          <a:lnRef idx="2">
-            <a:schemeClr val="accent1">
-              <a:shade val="50000"/>
-            </a:schemeClr>
-          </a:lnRef>
-          <a:fillRef idx="1">
-            <a:schemeClr val="accent1"/>
-          </a:fillRef>
-          <a:effectRef idx="0">
-            <a:schemeClr val="accent1"/>
-          </a:effectRef>
-          <a:fontRef idx="minor">
-            <a:schemeClr val="lt1"/>
-          </a:fontRef>
-        </p:style>
-        <p:txBody>
-          <a:bodyPr rtlCol="0" anchor="ctr"/>
-          <a:lstStyle/>
-          <a:p>
-            <a:pPr algn="ctr"/>
-            <a:endParaRPr lang="en-US" dirty="0">
-              <a:solidFill>
-                <a:prstClr val="white"/>
-              </a:solidFill>
-            </a:endParaRPr>
-          </a:p>
-        </p:txBody>
-      </p:sp>
-      <p:sp>
-        <p:nvSpPr>
-          <p:cNvPr id="8" name="Freeform: Shape 7">
-            <a:extLst>
-              <a:ext uri="{FF2B5EF4-FFF2-40B4-BE49-F238E27FC236}">
-                <a16:creationId xmlns="" xmlns:a16="http://schemas.microsoft.com/office/drawing/2014/main" id="{4BA40D94-E0A7-4C36-928C-B5FBF48FAA98}"/>
-              </a:ext>
-            </a:extLst>
-          </p:cNvPr>
-          <p:cNvSpPr/>
-          <p:nvPr/>
-        </p:nvSpPr>
-        <p:spPr>
-          <a:xfrm rot="10800000" flipH="1" flipV="1">
-            <a:off x="6380244" y="0"/>
-            <a:ext cx="5811755" cy="6857999"/>
-          </a:xfrm>
-          <a:custGeom>
-            <a:avLst/>
-            <a:gdLst>
-              <a:gd name="connsiteX0" fmla="*/ 5498487 w 5811756"/>
-              <a:gd name="connsiteY0" fmla="*/ 0 h 6858000"/>
-              <a:gd name="connsiteX1" fmla="*/ 5811756 w 5811756"/>
-              <a:gd name="connsiteY1" fmla="*/ 0 h 6858000"/>
-              <a:gd name="connsiteX2" fmla="*/ 5811756 w 5811756"/>
-              <a:gd name="connsiteY2" fmla="*/ 2889136 h 6858000"/>
-              <a:gd name="connsiteX3" fmla="*/ 1781734 w 5811756"/>
-              <a:gd name="connsiteY3" fmla="*/ 6858000 h 6858000"/>
-              <a:gd name="connsiteX4" fmla="*/ 1442956 w 5811756"/>
-              <a:gd name="connsiteY4" fmla="*/ 6858000 h 6858000"/>
-              <a:gd name="connsiteX5" fmla="*/ 0 w 5811756"/>
-              <a:gd name="connsiteY5" fmla="*/ 5415044 h 6858000"/>
-              <a:gd name="connsiteX6" fmla="*/ 5498487 w 5811756"/>
-              <a:gd name="connsiteY6" fmla="*/ 0 h 6858000"/>
-            </a:gdLst>
-            <a:ahLst/>
-            <a:cxnLst>
-              <a:cxn ang="0">
-                <a:pos x="connsiteX0" y="connsiteY0"/>
-              </a:cxn>
-              <a:cxn ang="0">
-                <a:pos x="connsiteX1" y="connsiteY1"/>
-              </a:cxn>
-              <a:cxn ang="0">
-                <a:pos x="connsiteX2" y="connsiteY2"/>
-              </a:cxn>
-              <a:cxn ang="0">
-                <a:pos x="connsiteX3" y="connsiteY3"/>
-              </a:cxn>
-              <a:cxn ang="0">
-                <a:pos x="connsiteX4" y="connsiteY4"/>
-              </a:cxn>
-              <a:cxn ang="0">
-                <a:pos x="connsiteX5" y="connsiteY5"/>
-              </a:cxn>
-              <a:cxn ang="0">
-                <a:pos x="connsiteX6" y="connsiteY6"/>
-              </a:cxn>
-            </a:cxnLst>
-            <a:rect l="l" t="t" r="r" b="b"/>
-            <a:pathLst>
-              <a:path w="5811756" h="6858000">
-                <a:moveTo>
-                  <a:pt x="5498487" y="0"/>
-                </a:moveTo>
-                <a:lnTo>
-                  <a:pt x="5811756" y="0"/>
-                </a:lnTo>
-                <a:lnTo>
-                  <a:pt x="5811756" y="2889136"/>
-                </a:lnTo>
-                <a:lnTo>
-                  <a:pt x="1781734" y="6858000"/>
-                </a:lnTo>
-                <a:lnTo>
-                  <a:pt x="1442956" y="6858000"/>
-                </a:lnTo>
-                <a:lnTo>
-                  <a:pt x="0" y="5415044"/>
-                </a:lnTo>
-                <a:lnTo>
-                  <a:pt x="5498487" y="0"/>
-                </a:lnTo>
-                <a:close/>
-              </a:path>
-            </a:pathLst>
-          </a:custGeom>
-          <a:solidFill>
-            <a:schemeClr val="bg2">
-              <a:lumMod val="20000"/>
-              <a:lumOff val="80000"/>
-              <a:alpha val="20000"/>
-            </a:schemeClr>
-          </a:solidFill>
-          <a:ln>
-            <a:noFill/>
-          </a:ln>
-          <a:effectLst>
-            <a:outerShdw blurRad="50800" dist="38100" dir="13500000" algn="br" rotWithShape="0">
-              <a:prstClr val="black">
-                <a:alpha val="22000"/>
-              </a:prstClr>
-            </a:outerShdw>
-          </a:effectLst>
-        </p:spPr>
-        <p:style>
-          <a:lnRef idx="2">
-            <a:schemeClr val="accent1">
-              <a:shade val="50000"/>
-            </a:schemeClr>
-          </a:lnRef>
-          <a:fillRef idx="1">
-            <a:schemeClr val="accent1"/>
-          </a:fillRef>
-          <a:effectRef idx="0">
-            <a:schemeClr val="accent1"/>
-          </a:effectRef>
-          <a:fontRef idx="minor">
-            <a:schemeClr val="lt1"/>
-          </a:fontRef>
-        </p:style>
-        <p:txBody>
-          <a:bodyPr rtlCol="0" anchor="ctr"/>
-          <a:lstStyle/>
-          <a:p>
-            <a:pPr algn="ctr"/>
-            <a:endParaRPr lang="en-US">
-              <a:solidFill>
-                <a:prstClr val="white"/>
-              </a:solidFill>
-            </a:endParaRPr>
-          </a:p>
-        </p:txBody>
-      </p:sp>
-      <p:sp>
-        <p:nvSpPr>
-          <p:cNvPr id="9" name="Freeform: Shape 8">
-            <a:extLst>
-              <a:ext uri="{FF2B5EF4-FFF2-40B4-BE49-F238E27FC236}">
-                <a16:creationId xmlns="" xmlns:a16="http://schemas.microsoft.com/office/drawing/2014/main" id="{6A16AEE4-04D8-4FF7-AA27-E6A8BFBC114D}"/>
+                <a16:creationId xmlns:a16="http://schemas.microsoft.com/office/drawing/2014/main" xmlns="" id="{6A16AEE4-04D8-4FF7-AA27-E6A8BFBC114D}"/>
               </a:ext>
             </a:extLst>
           </p:cNvPr>
@@ -11755,7 +11839,7 @@
   <a:extraClrSchemeLst/>
   <a:extLst>
     <a:ext uri="{05A4C25C-085E-4340-85A3-A5531E510DB2}">
-      <thm15:themeFamily xmlns="" xmlns:thm15="http://schemas.microsoft.com/office/thememl/2012/main" name="Office Theme" id="{62F939B6-93AF-4DB8-9C6B-D6C7DFDC589F}" vid="{4A3C46E8-61CC-4603-A589-7422A47A8E4A}"/>
+      <thm15:themeFamily xmlns:thm15="http://schemas.microsoft.com/office/thememl/2012/main" xmlns="" name="Office Theme" id="{62F939B6-93AF-4DB8-9C6B-D6C7DFDC589F}" vid="{4A3C46E8-61CC-4603-A589-7422A47A8E4A}"/>
     </a:ext>
   </a:extLst>
 </a:theme>
@@ -12050,7 +12134,7 @@
   <a:extraClrSchemeLst/>
   <a:extLst>
     <a:ext uri="{05A4C25C-085E-4340-85A3-A5531E510DB2}">
-      <thm15:themeFamily xmlns="" xmlns:thm15="http://schemas.microsoft.com/office/thememl/2012/main" name="Office Theme" id="{62F939B6-93AF-4DB8-9C6B-D6C7DFDC589F}" vid="{4A3C46E8-61CC-4603-A589-7422A47A8E4A}"/>
+      <thm15:themeFamily xmlns:thm15="http://schemas.microsoft.com/office/thememl/2012/main" xmlns="" name="Office Theme" id="{62F939B6-93AF-4DB8-9C6B-D6C7DFDC589F}" vid="{4A3C46E8-61CC-4603-A589-7422A47A8E4A}"/>
     </a:ext>
   </a:extLst>
 </a:theme>
@@ -12345,7 +12429,7 @@
   <a:extraClrSchemeLst/>
   <a:extLst>
     <a:ext uri="{05A4C25C-085E-4340-85A3-A5531E510DB2}">
-      <thm15:themeFamily xmlns="" xmlns:thm15="http://schemas.microsoft.com/office/thememl/2012/main" name="Office Theme" id="{62F939B6-93AF-4DB8-9C6B-D6C7DFDC589F}" vid="{4A3C46E8-61CC-4603-A589-7422A47A8E4A}"/>
+      <thm15:themeFamily xmlns:thm15="http://schemas.microsoft.com/office/thememl/2012/main" xmlns="" name="Office Theme" id="{62F939B6-93AF-4DB8-9C6B-D6C7DFDC589F}" vid="{4A3C46E8-61CC-4603-A589-7422A47A8E4A}"/>
     </a:ext>
   </a:extLst>
 </a:theme>

--- a/期末程式報告.pptx
+++ b/期末程式報告.pptx
@@ -5,10 +5,10 @@
     <p:sldMasterId id="2147483648" r:id="rId1"/>
   </p:sldMasterIdLst>
   <p:notesMasterIdLst>
-    <p:notesMasterId r:id="rId14"/>
+    <p:notesMasterId r:id="rId15"/>
   </p:notesMasterIdLst>
   <p:handoutMasterIdLst>
-    <p:handoutMasterId r:id="rId15"/>
+    <p:handoutMasterId r:id="rId16"/>
   </p:handoutMasterIdLst>
   <p:sldIdLst>
     <p:sldId id="272" r:id="rId2"/>
@@ -23,6 +23,7 @@
     <p:sldId id="285" r:id="rId11"/>
     <p:sldId id="287" r:id="rId12"/>
     <p:sldId id="289" r:id="rId13"/>
+    <p:sldId id="292" r:id="rId14"/>
   </p:sldIdLst>
   <p:sldSz cx="12192000" cy="6858000"/>
   <p:notesSz cx="6858000" cy="9144000"/>
@@ -123,10 +124,10 @@
   </p:defaultTextStyle>
   <p:extLst>
     <p:ext uri="{EFAFB233-063F-42B5-8137-9DF3F51BA10A}">
-      <p15:sldGuideLst xmlns:p15="http://schemas.microsoft.com/office/powerpoint/2012/main" xmlns=""/>
+      <p15:sldGuideLst xmlns="" xmlns:p15="http://schemas.microsoft.com/office/powerpoint/2012/main"/>
     </p:ext>
     <p:ext uri="{2D200454-40CA-4A62-9FC3-DE9A4176ACB9}">
-      <p15:notesGuideLst xmlns:p15="http://schemas.microsoft.com/office/powerpoint/2012/main" xmlns=""/>
+      <p15:notesGuideLst xmlns="" xmlns:p15="http://schemas.microsoft.com/office/powerpoint/2012/main"/>
     </p:ext>
   </p:extLst>
 </p:presentation>
@@ -163,7 +164,7 @@
           <p:cNvPr id="3" name="Date Placeholder 2">
             <a:extLst>
               <a:ext uri="{FF2B5EF4-FFF2-40B4-BE49-F238E27FC236}">
-                <a16:creationId xmlns:a16="http://schemas.microsoft.com/office/drawing/2014/main" xmlns="" id="{9F961A05-2721-40C2-B8C2-7BCE475E6AC0}"/>
+                <a16:creationId xmlns="" xmlns:a16="http://schemas.microsoft.com/office/drawing/2014/main" id="{9F961A05-2721-40C2-B8C2-7BCE475E6AC0}"/>
               </a:ext>
             </a:extLst>
           </p:cNvPr>
@@ -204,7 +205,7 @@
           <p:cNvPr id="4" name="Footer Placeholder 3">
             <a:extLst>
               <a:ext uri="{FF2B5EF4-FFF2-40B4-BE49-F238E27FC236}">
-                <a16:creationId xmlns:a16="http://schemas.microsoft.com/office/drawing/2014/main" xmlns="" id="{994F89ED-19FF-448D-9637-AB3A68F3EEF8}"/>
+                <a16:creationId xmlns="" xmlns:a16="http://schemas.microsoft.com/office/drawing/2014/main" id="{994F89ED-19FF-448D-9637-AB3A68F3EEF8}"/>
               </a:ext>
             </a:extLst>
           </p:cNvPr>
@@ -241,7 +242,7 @@
           <p:cNvPr id="5" name="Slide Number Placeholder 4">
             <a:extLst>
               <a:ext uri="{FF2B5EF4-FFF2-40B4-BE49-F238E27FC236}">
-                <a16:creationId xmlns:a16="http://schemas.microsoft.com/office/drawing/2014/main" xmlns="" id="{E9C22E37-F0B4-44B7-8973-6E792D97CBB9}"/>
+                <a16:creationId xmlns="" xmlns:a16="http://schemas.microsoft.com/office/drawing/2014/main" id="{E9C22E37-F0B4-44B7-8973-6E792D97CBB9}"/>
               </a:ext>
             </a:extLst>
           </p:cNvPr>
@@ -659,7 +660,7 @@
           <p:cNvPr id="3" name="Subtitle 2">
             <a:extLst>
               <a:ext uri="{FF2B5EF4-FFF2-40B4-BE49-F238E27FC236}">
-                <a16:creationId xmlns:a16="http://schemas.microsoft.com/office/drawing/2014/main" xmlns="" id="{4B98249C-54A9-48C7-8E90-5D127DF45ADF}"/>
+                <a16:creationId xmlns="" xmlns:a16="http://schemas.microsoft.com/office/drawing/2014/main" id="{4B98249C-54A9-48C7-8E90-5D127DF45ADF}"/>
               </a:ext>
             </a:extLst>
           </p:cNvPr>
@@ -741,7 +742,7 @@
           <p:cNvPr id="8" name="Footer Placeholder 7">
             <a:extLst>
               <a:ext uri="{FF2B5EF4-FFF2-40B4-BE49-F238E27FC236}">
-                <a16:creationId xmlns:a16="http://schemas.microsoft.com/office/drawing/2014/main" xmlns="" id="{4552F197-B265-4A24-B3B2-579047097227}"/>
+                <a16:creationId xmlns="" xmlns:a16="http://schemas.microsoft.com/office/drawing/2014/main" id="{4552F197-B265-4A24-B3B2-579047097227}"/>
               </a:ext>
             </a:extLst>
           </p:cNvPr>
@@ -769,7 +770,7 @@
           <p:cNvPr id="9" name="Slide Number Placeholder 8">
             <a:extLst>
               <a:ext uri="{FF2B5EF4-FFF2-40B4-BE49-F238E27FC236}">
-                <a16:creationId xmlns:a16="http://schemas.microsoft.com/office/drawing/2014/main" xmlns="" id="{5CEA28D6-30E3-4853-9DDB-89073BC25F8D}"/>
+                <a16:creationId xmlns="" xmlns:a16="http://schemas.microsoft.com/office/drawing/2014/main" id="{5CEA28D6-30E3-4853-9DDB-89073BC25F8D}"/>
               </a:ext>
             </a:extLst>
           </p:cNvPr>
@@ -799,7 +800,7 @@
           <p:cNvPr id="2" name="Title 1">
             <a:extLst>
               <a:ext uri="{FF2B5EF4-FFF2-40B4-BE49-F238E27FC236}">
-                <a16:creationId xmlns:a16="http://schemas.microsoft.com/office/drawing/2014/main" xmlns="" id="{3F716540-A5BD-4AEC-AAD5-035D9A1A123C}"/>
+                <a16:creationId xmlns="" xmlns:a16="http://schemas.microsoft.com/office/drawing/2014/main" id="{3F716540-A5BD-4AEC-AAD5-035D9A1A123C}"/>
               </a:ext>
             </a:extLst>
           </p:cNvPr>
@@ -857,7 +858,7 @@
           <p:cNvPr id="7" name="Rectangle 6">
             <a:extLst>
               <a:ext uri="{FF2B5EF4-FFF2-40B4-BE49-F238E27FC236}">
-                <a16:creationId xmlns:a16="http://schemas.microsoft.com/office/drawing/2014/main" xmlns="" id="{D465B9C0-64E1-4F10-A420-57946092E904}"/>
+                <a16:creationId xmlns="" xmlns:a16="http://schemas.microsoft.com/office/drawing/2014/main" id="{D465B9C0-64E1-4F10-A420-57946092E904}"/>
               </a:ext>
             </a:extLst>
           </p:cNvPr>
@@ -939,7 +940,7 @@
           <p:cNvPr id="7" name="Rectangle 6">
             <a:extLst>
               <a:ext uri="{FF2B5EF4-FFF2-40B4-BE49-F238E27FC236}">
-                <a16:creationId xmlns:a16="http://schemas.microsoft.com/office/drawing/2014/main" xmlns="" id="{D465B9C0-64E1-4F10-A420-57946092E904}"/>
+                <a16:creationId xmlns="" xmlns:a16="http://schemas.microsoft.com/office/drawing/2014/main" id="{D465B9C0-64E1-4F10-A420-57946092E904}"/>
               </a:ext>
             </a:extLst>
           </p:cNvPr>
@@ -991,7 +992,7 @@
           <p:cNvPr id="5" name="Picture Placeholder 8">
             <a:extLst>
               <a:ext uri="{FF2B5EF4-FFF2-40B4-BE49-F238E27FC236}">
-                <a16:creationId xmlns:a16="http://schemas.microsoft.com/office/drawing/2014/main" xmlns="" id="{7D039519-A727-4FF2-8F74-0AF3845678C6}"/>
+                <a16:creationId xmlns="" xmlns:a16="http://schemas.microsoft.com/office/drawing/2014/main" id="{7D039519-A727-4FF2-8F74-0AF3845678C6}"/>
               </a:ext>
             </a:extLst>
           </p:cNvPr>
@@ -1039,7 +1040,7 @@
           <p:cNvPr id="6" name="Picture Placeholder 8">
             <a:extLst>
               <a:ext uri="{FF2B5EF4-FFF2-40B4-BE49-F238E27FC236}">
-                <a16:creationId xmlns:a16="http://schemas.microsoft.com/office/drawing/2014/main" xmlns="" id="{545FD064-C03C-4C2E-85E5-14614705C967}"/>
+                <a16:creationId xmlns="" xmlns:a16="http://schemas.microsoft.com/office/drawing/2014/main" id="{545FD064-C03C-4C2E-85E5-14614705C967}"/>
               </a:ext>
             </a:extLst>
           </p:cNvPr>
@@ -1117,7 +1118,7 @@
           <p:cNvPr id="7" name="Rectangle 6">
             <a:extLst>
               <a:ext uri="{FF2B5EF4-FFF2-40B4-BE49-F238E27FC236}">
-                <a16:creationId xmlns:a16="http://schemas.microsoft.com/office/drawing/2014/main" xmlns="" id="{D465B9C0-64E1-4F10-A420-57946092E904}"/>
+                <a16:creationId xmlns="" xmlns:a16="http://schemas.microsoft.com/office/drawing/2014/main" id="{D465B9C0-64E1-4F10-A420-57946092E904}"/>
               </a:ext>
             </a:extLst>
           </p:cNvPr>
@@ -1169,7 +1170,7 @@
           <p:cNvPr id="4" name="Picture Placeholder 8">
             <a:extLst>
               <a:ext uri="{FF2B5EF4-FFF2-40B4-BE49-F238E27FC236}">
-                <a16:creationId xmlns:a16="http://schemas.microsoft.com/office/drawing/2014/main" xmlns="" id="{D5FD3DBC-3546-4719-AA0A-93CB838582CB}"/>
+                <a16:creationId xmlns="" xmlns:a16="http://schemas.microsoft.com/office/drawing/2014/main" id="{D5FD3DBC-3546-4719-AA0A-93CB838582CB}"/>
               </a:ext>
             </a:extLst>
           </p:cNvPr>
@@ -1247,7 +1248,7 @@
           <p:cNvPr id="7" name="Rectangle 6">
             <a:extLst>
               <a:ext uri="{FF2B5EF4-FFF2-40B4-BE49-F238E27FC236}">
-                <a16:creationId xmlns:a16="http://schemas.microsoft.com/office/drawing/2014/main" xmlns="" id="{D465B9C0-64E1-4F10-A420-57946092E904}"/>
+                <a16:creationId xmlns="" xmlns:a16="http://schemas.microsoft.com/office/drawing/2014/main" id="{D465B9C0-64E1-4F10-A420-57946092E904}"/>
               </a:ext>
             </a:extLst>
           </p:cNvPr>
@@ -1299,7 +1300,7 @@
           <p:cNvPr id="4" name="Picture Placeholder 8">
             <a:extLst>
               <a:ext uri="{FF2B5EF4-FFF2-40B4-BE49-F238E27FC236}">
-                <a16:creationId xmlns:a16="http://schemas.microsoft.com/office/drawing/2014/main" xmlns="" id="{D5FD3DBC-3546-4719-AA0A-93CB838582CB}"/>
+                <a16:creationId xmlns="" xmlns:a16="http://schemas.microsoft.com/office/drawing/2014/main" id="{D5FD3DBC-3546-4719-AA0A-93CB838582CB}"/>
               </a:ext>
             </a:extLst>
           </p:cNvPr>
@@ -1377,7 +1378,7 @@
           <p:cNvPr id="7" name="Rectangle 6">
             <a:extLst>
               <a:ext uri="{FF2B5EF4-FFF2-40B4-BE49-F238E27FC236}">
-                <a16:creationId xmlns:a16="http://schemas.microsoft.com/office/drawing/2014/main" xmlns="" id="{D465B9C0-64E1-4F10-A420-57946092E904}"/>
+                <a16:creationId xmlns="" xmlns:a16="http://schemas.microsoft.com/office/drawing/2014/main" id="{D465B9C0-64E1-4F10-A420-57946092E904}"/>
               </a:ext>
             </a:extLst>
           </p:cNvPr>
@@ -1429,7 +1430,7 @@
           <p:cNvPr id="13" name="Picture Placeholder 12">
             <a:extLst>
               <a:ext uri="{FF2B5EF4-FFF2-40B4-BE49-F238E27FC236}">
-                <a16:creationId xmlns:a16="http://schemas.microsoft.com/office/drawing/2014/main" xmlns="" id="{A3E0B2AB-0616-41DC-8B9F-32CF68E061D8}"/>
+                <a16:creationId xmlns="" xmlns:a16="http://schemas.microsoft.com/office/drawing/2014/main" id="{A3E0B2AB-0616-41DC-8B9F-32CF68E061D8}"/>
               </a:ext>
             </a:extLst>
           </p:cNvPr>
@@ -1602,7 +1603,7 @@
           <p:cNvPr id="3" name="Subtitle 2">
             <a:extLst>
               <a:ext uri="{FF2B5EF4-FFF2-40B4-BE49-F238E27FC236}">
-                <a16:creationId xmlns:a16="http://schemas.microsoft.com/office/drawing/2014/main" xmlns="" id="{4B98249C-54A9-48C7-8E90-5D127DF45ADF}"/>
+                <a16:creationId xmlns="" xmlns:a16="http://schemas.microsoft.com/office/drawing/2014/main" id="{4B98249C-54A9-48C7-8E90-5D127DF45ADF}"/>
               </a:ext>
             </a:extLst>
           </p:cNvPr>
@@ -1684,7 +1685,7 @@
           <p:cNvPr id="8" name="Footer Placeholder 7">
             <a:extLst>
               <a:ext uri="{FF2B5EF4-FFF2-40B4-BE49-F238E27FC236}">
-                <a16:creationId xmlns:a16="http://schemas.microsoft.com/office/drawing/2014/main" xmlns="" id="{4552F197-B265-4A24-B3B2-579047097227}"/>
+                <a16:creationId xmlns="" xmlns:a16="http://schemas.microsoft.com/office/drawing/2014/main" id="{4552F197-B265-4A24-B3B2-579047097227}"/>
               </a:ext>
             </a:extLst>
           </p:cNvPr>
@@ -1712,7 +1713,7 @@
           <p:cNvPr id="9" name="Slide Number Placeholder 8">
             <a:extLst>
               <a:ext uri="{FF2B5EF4-FFF2-40B4-BE49-F238E27FC236}">
-                <a16:creationId xmlns:a16="http://schemas.microsoft.com/office/drawing/2014/main" xmlns="" id="{5CEA28D6-30E3-4853-9DDB-89073BC25F8D}"/>
+                <a16:creationId xmlns="" xmlns:a16="http://schemas.microsoft.com/office/drawing/2014/main" id="{5CEA28D6-30E3-4853-9DDB-89073BC25F8D}"/>
               </a:ext>
             </a:extLst>
           </p:cNvPr>
@@ -1742,7 +1743,7 @@
           <p:cNvPr id="2" name="Title 1">
             <a:extLst>
               <a:ext uri="{FF2B5EF4-FFF2-40B4-BE49-F238E27FC236}">
-                <a16:creationId xmlns:a16="http://schemas.microsoft.com/office/drawing/2014/main" xmlns="" id="{3F716540-A5BD-4AEC-AAD5-035D9A1A123C}"/>
+                <a16:creationId xmlns="" xmlns:a16="http://schemas.microsoft.com/office/drawing/2014/main" id="{3F716540-A5BD-4AEC-AAD5-035D9A1A123C}"/>
               </a:ext>
             </a:extLst>
           </p:cNvPr>
@@ -1770,7 +1771,7 @@
           <p:cNvPr id="6" name="Picture Placeholder 5">
             <a:extLst>
               <a:ext uri="{FF2B5EF4-FFF2-40B4-BE49-F238E27FC236}">
-                <a16:creationId xmlns:a16="http://schemas.microsoft.com/office/drawing/2014/main" xmlns="" id="{D8BCFB33-3647-4BF9-8FDF-27333E3F21DF}"/>
+                <a16:creationId xmlns="" xmlns:a16="http://schemas.microsoft.com/office/drawing/2014/main" id="{D8BCFB33-3647-4BF9-8FDF-27333E3F21DF}"/>
               </a:ext>
             </a:extLst>
           </p:cNvPr>
@@ -1880,7 +1881,7 @@
           <p:cNvPr id="7" name="Picture Placeholder 6">
             <a:extLst>
               <a:ext uri="{FF2B5EF4-FFF2-40B4-BE49-F238E27FC236}">
-                <a16:creationId xmlns:a16="http://schemas.microsoft.com/office/drawing/2014/main" xmlns="" id="{F09BA534-2A81-4355-9727-510CB23705E9}"/>
+                <a16:creationId xmlns="" xmlns:a16="http://schemas.microsoft.com/office/drawing/2014/main" id="{F09BA534-2A81-4355-9727-510CB23705E9}"/>
               </a:ext>
             </a:extLst>
           </p:cNvPr>
@@ -1990,7 +1991,7 @@
           <p:cNvPr id="10" name="Picture Placeholder 9">
             <a:extLst>
               <a:ext uri="{FF2B5EF4-FFF2-40B4-BE49-F238E27FC236}">
-                <a16:creationId xmlns:a16="http://schemas.microsoft.com/office/drawing/2014/main" xmlns="" id="{2BFA08BC-0A6F-4CF4-9C4F-8CDF503A5450}"/>
+                <a16:creationId xmlns="" xmlns:a16="http://schemas.microsoft.com/office/drawing/2014/main" id="{2BFA08BC-0A6F-4CF4-9C4F-8CDF503A5450}"/>
               </a:ext>
             </a:extLst>
           </p:cNvPr>
@@ -2130,7 +2131,7 @@
           <p:cNvPr id="14" name="Picture Placeholder 8">
             <a:extLst>
               <a:ext uri="{FF2B5EF4-FFF2-40B4-BE49-F238E27FC236}">
-                <a16:creationId xmlns:a16="http://schemas.microsoft.com/office/drawing/2014/main" xmlns="" id="{9A8D0AFE-6092-49C3-A838-187A0F3ABEE0}"/>
+                <a16:creationId xmlns="" xmlns:a16="http://schemas.microsoft.com/office/drawing/2014/main" id="{9A8D0AFE-6092-49C3-A838-187A0F3ABEE0}"/>
               </a:ext>
             </a:extLst>
           </p:cNvPr>
@@ -2178,7 +2179,7 @@
           <p:cNvPr id="15" name="Picture Placeholder 8">
             <a:extLst>
               <a:ext uri="{FF2B5EF4-FFF2-40B4-BE49-F238E27FC236}">
-                <a16:creationId xmlns:a16="http://schemas.microsoft.com/office/drawing/2014/main" xmlns="" id="{42E56542-5696-4A54-8F64-F829DBA217BD}"/>
+                <a16:creationId xmlns="" xmlns:a16="http://schemas.microsoft.com/office/drawing/2014/main" id="{42E56542-5696-4A54-8F64-F829DBA217BD}"/>
               </a:ext>
             </a:extLst>
           </p:cNvPr>
@@ -2226,7 +2227,7 @@
           <p:cNvPr id="16" name="Picture Placeholder 8">
             <a:extLst>
               <a:ext uri="{FF2B5EF4-FFF2-40B4-BE49-F238E27FC236}">
-                <a16:creationId xmlns:a16="http://schemas.microsoft.com/office/drawing/2014/main" xmlns="" id="{D593B9C8-165D-4543-8ED0-D4A78A0B6F7E}"/>
+                <a16:creationId xmlns="" xmlns:a16="http://schemas.microsoft.com/office/drawing/2014/main" id="{D593B9C8-165D-4543-8ED0-D4A78A0B6F7E}"/>
               </a:ext>
             </a:extLst>
           </p:cNvPr>
@@ -2274,7 +2275,7 @@
           <p:cNvPr id="3" name="Subtitle 2">
             <a:extLst>
               <a:ext uri="{FF2B5EF4-FFF2-40B4-BE49-F238E27FC236}">
-                <a16:creationId xmlns:a16="http://schemas.microsoft.com/office/drawing/2014/main" xmlns="" id="{4B98249C-54A9-48C7-8E90-5D127DF45ADF}"/>
+                <a16:creationId xmlns="" xmlns:a16="http://schemas.microsoft.com/office/drawing/2014/main" id="{4B98249C-54A9-48C7-8E90-5D127DF45ADF}"/>
               </a:ext>
             </a:extLst>
           </p:cNvPr>
@@ -2356,7 +2357,7 @@
           <p:cNvPr id="8" name="Footer Placeholder 7">
             <a:extLst>
               <a:ext uri="{FF2B5EF4-FFF2-40B4-BE49-F238E27FC236}">
-                <a16:creationId xmlns:a16="http://schemas.microsoft.com/office/drawing/2014/main" xmlns="" id="{4552F197-B265-4A24-B3B2-579047097227}"/>
+                <a16:creationId xmlns="" xmlns:a16="http://schemas.microsoft.com/office/drawing/2014/main" id="{4552F197-B265-4A24-B3B2-579047097227}"/>
               </a:ext>
             </a:extLst>
           </p:cNvPr>
@@ -2384,7 +2385,7 @@
           <p:cNvPr id="9" name="Slide Number Placeholder 8">
             <a:extLst>
               <a:ext uri="{FF2B5EF4-FFF2-40B4-BE49-F238E27FC236}">
-                <a16:creationId xmlns:a16="http://schemas.microsoft.com/office/drawing/2014/main" xmlns="" id="{5CEA28D6-30E3-4853-9DDB-89073BC25F8D}"/>
+                <a16:creationId xmlns="" xmlns:a16="http://schemas.microsoft.com/office/drawing/2014/main" id="{5CEA28D6-30E3-4853-9DDB-89073BC25F8D}"/>
               </a:ext>
             </a:extLst>
           </p:cNvPr>
@@ -2414,7 +2415,7 @@
           <p:cNvPr id="2" name="Title 1">
             <a:extLst>
               <a:ext uri="{FF2B5EF4-FFF2-40B4-BE49-F238E27FC236}">
-                <a16:creationId xmlns:a16="http://schemas.microsoft.com/office/drawing/2014/main" xmlns="" id="{3F716540-A5BD-4AEC-AAD5-035D9A1A123C}"/>
+                <a16:creationId xmlns="" xmlns:a16="http://schemas.microsoft.com/office/drawing/2014/main" id="{3F716540-A5BD-4AEC-AAD5-035D9A1A123C}"/>
               </a:ext>
             </a:extLst>
           </p:cNvPr>
@@ -2472,7 +2473,7 @@
           <p:cNvPr id="16" name="Picture Placeholder 8">
             <a:extLst>
               <a:ext uri="{FF2B5EF4-FFF2-40B4-BE49-F238E27FC236}">
-                <a16:creationId xmlns:a16="http://schemas.microsoft.com/office/drawing/2014/main" xmlns="" id="{D593B9C8-165D-4543-8ED0-D4A78A0B6F7E}"/>
+                <a16:creationId xmlns="" xmlns:a16="http://schemas.microsoft.com/office/drawing/2014/main" id="{D593B9C8-165D-4543-8ED0-D4A78A0B6F7E}"/>
               </a:ext>
             </a:extLst>
           </p:cNvPr>
@@ -2520,7 +2521,7 @@
           <p:cNvPr id="17" name="Picture Placeholder 8">
             <a:extLst>
               <a:ext uri="{FF2B5EF4-FFF2-40B4-BE49-F238E27FC236}">
-                <a16:creationId xmlns:a16="http://schemas.microsoft.com/office/drawing/2014/main" xmlns="" id="{9AFBF35A-ABCF-4A5C-8FEC-0FF0517160BE}"/>
+                <a16:creationId xmlns="" xmlns:a16="http://schemas.microsoft.com/office/drawing/2014/main" id="{9AFBF35A-ABCF-4A5C-8FEC-0FF0517160BE}"/>
               </a:ext>
             </a:extLst>
           </p:cNvPr>
@@ -2568,7 +2569,7 @@
           <p:cNvPr id="18" name="Picture Placeholder 8">
             <a:extLst>
               <a:ext uri="{FF2B5EF4-FFF2-40B4-BE49-F238E27FC236}">
-                <a16:creationId xmlns:a16="http://schemas.microsoft.com/office/drawing/2014/main" xmlns="" id="{1A333BC9-2C2C-4CB3-BE1F-9123563F1074}"/>
+                <a16:creationId xmlns="" xmlns:a16="http://schemas.microsoft.com/office/drawing/2014/main" id="{1A333BC9-2C2C-4CB3-BE1F-9123563F1074}"/>
               </a:ext>
             </a:extLst>
           </p:cNvPr>
@@ -2616,7 +2617,7 @@
           <p:cNvPr id="19" name="Picture Placeholder 8">
             <a:extLst>
               <a:ext uri="{FF2B5EF4-FFF2-40B4-BE49-F238E27FC236}">
-                <a16:creationId xmlns:a16="http://schemas.microsoft.com/office/drawing/2014/main" xmlns="" id="{7343F12E-DB52-4FE3-936E-776F48EDE8CC}"/>
+                <a16:creationId xmlns="" xmlns:a16="http://schemas.microsoft.com/office/drawing/2014/main" id="{7343F12E-DB52-4FE3-936E-776F48EDE8CC}"/>
               </a:ext>
             </a:extLst>
           </p:cNvPr>
@@ -2664,7 +2665,7 @@
           <p:cNvPr id="3" name="Subtitle 2">
             <a:extLst>
               <a:ext uri="{FF2B5EF4-FFF2-40B4-BE49-F238E27FC236}">
-                <a16:creationId xmlns:a16="http://schemas.microsoft.com/office/drawing/2014/main" xmlns="" id="{4B98249C-54A9-48C7-8E90-5D127DF45ADF}"/>
+                <a16:creationId xmlns="" xmlns:a16="http://schemas.microsoft.com/office/drawing/2014/main" id="{4B98249C-54A9-48C7-8E90-5D127DF45ADF}"/>
               </a:ext>
             </a:extLst>
           </p:cNvPr>
@@ -2746,7 +2747,7 @@
           <p:cNvPr id="8" name="Footer Placeholder 7">
             <a:extLst>
               <a:ext uri="{FF2B5EF4-FFF2-40B4-BE49-F238E27FC236}">
-                <a16:creationId xmlns:a16="http://schemas.microsoft.com/office/drawing/2014/main" xmlns="" id="{4552F197-B265-4A24-B3B2-579047097227}"/>
+                <a16:creationId xmlns="" xmlns:a16="http://schemas.microsoft.com/office/drawing/2014/main" id="{4552F197-B265-4A24-B3B2-579047097227}"/>
               </a:ext>
             </a:extLst>
           </p:cNvPr>
@@ -2774,7 +2775,7 @@
           <p:cNvPr id="9" name="Slide Number Placeholder 8">
             <a:extLst>
               <a:ext uri="{FF2B5EF4-FFF2-40B4-BE49-F238E27FC236}">
-                <a16:creationId xmlns:a16="http://schemas.microsoft.com/office/drawing/2014/main" xmlns="" id="{5CEA28D6-30E3-4853-9DDB-89073BC25F8D}"/>
+                <a16:creationId xmlns="" xmlns:a16="http://schemas.microsoft.com/office/drawing/2014/main" id="{5CEA28D6-30E3-4853-9DDB-89073BC25F8D}"/>
               </a:ext>
             </a:extLst>
           </p:cNvPr>
@@ -2804,7 +2805,7 @@
           <p:cNvPr id="2" name="Title 1">
             <a:extLst>
               <a:ext uri="{FF2B5EF4-FFF2-40B4-BE49-F238E27FC236}">
-                <a16:creationId xmlns:a16="http://schemas.microsoft.com/office/drawing/2014/main" xmlns="" id="{3F716540-A5BD-4AEC-AAD5-035D9A1A123C}"/>
+                <a16:creationId xmlns="" xmlns:a16="http://schemas.microsoft.com/office/drawing/2014/main" id="{3F716540-A5BD-4AEC-AAD5-035D9A1A123C}"/>
               </a:ext>
             </a:extLst>
           </p:cNvPr>
@@ -2862,7 +2863,7 @@
           <p:cNvPr id="3" name="Subtitle 2">
             <a:extLst>
               <a:ext uri="{FF2B5EF4-FFF2-40B4-BE49-F238E27FC236}">
-                <a16:creationId xmlns:a16="http://schemas.microsoft.com/office/drawing/2014/main" xmlns="" id="{4B98249C-54A9-48C7-8E90-5D127DF45ADF}"/>
+                <a16:creationId xmlns="" xmlns:a16="http://schemas.microsoft.com/office/drawing/2014/main" id="{4B98249C-54A9-48C7-8E90-5D127DF45ADF}"/>
               </a:ext>
             </a:extLst>
           </p:cNvPr>
@@ -2944,7 +2945,7 @@
           <p:cNvPr id="8" name="Footer Placeholder 7">
             <a:extLst>
               <a:ext uri="{FF2B5EF4-FFF2-40B4-BE49-F238E27FC236}">
-                <a16:creationId xmlns:a16="http://schemas.microsoft.com/office/drawing/2014/main" xmlns="" id="{4552F197-B265-4A24-B3B2-579047097227}"/>
+                <a16:creationId xmlns="" xmlns:a16="http://schemas.microsoft.com/office/drawing/2014/main" id="{4552F197-B265-4A24-B3B2-579047097227}"/>
               </a:ext>
             </a:extLst>
           </p:cNvPr>
@@ -2972,7 +2973,7 @@
           <p:cNvPr id="9" name="Slide Number Placeholder 8">
             <a:extLst>
               <a:ext uri="{FF2B5EF4-FFF2-40B4-BE49-F238E27FC236}">
-                <a16:creationId xmlns:a16="http://schemas.microsoft.com/office/drawing/2014/main" xmlns="" id="{5CEA28D6-30E3-4853-9DDB-89073BC25F8D}"/>
+                <a16:creationId xmlns="" xmlns:a16="http://schemas.microsoft.com/office/drawing/2014/main" id="{5CEA28D6-30E3-4853-9DDB-89073BC25F8D}"/>
               </a:ext>
             </a:extLst>
           </p:cNvPr>
@@ -3002,7 +3003,7 @@
           <p:cNvPr id="2" name="Title 1">
             <a:extLst>
               <a:ext uri="{FF2B5EF4-FFF2-40B4-BE49-F238E27FC236}">
-                <a16:creationId xmlns:a16="http://schemas.microsoft.com/office/drawing/2014/main" xmlns="" id="{3F716540-A5BD-4AEC-AAD5-035D9A1A123C}"/>
+                <a16:creationId xmlns="" xmlns:a16="http://schemas.microsoft.com/office/drawing/2014/main" id="{3F716540-A5BD-4AEC-AAD5-035D9A1A123C}"/>
               </a:ext>
             </a:extLst>
           </p:cNvPr>
@@ -3030,7 +3031,7 @@
           <p:cNvPr id="6" name="Picture Placeholder 8">
             <a:extLst>
               <a:ext uri="{FF2B5EF4-FFF2-40B4-BE49-F238E27FC236}">
-                <a16:creationId xmlns:a16="http://schemas.microsoft.com/office/drawing/2014/main" xmlns="" id="{3498751F-B73B-4503-BEE6-6CD3DFE8E472}"/>
+                <a16:creationId xmlns="" xmlns:a16="http://schemas.microsoft.com/office/drawing/2014/main" id="{3498751F-B73B-4503-BEE6-6CD3DFE8E472}"/>
               </a:ext>
             </a:extLst>
           </p:cNvPr>
@@ -3078,7 +3079,7 @@
           <p:cNvPr id="7" name="Picture Placeholder 8">
             <a:extLst>
               <a:ext uri="{FF2B5EF4-FFF2-40B4-BE49-F238E27FC236}">
-                <a16:creationId xmlns:a16="http://schemas.microsoft.com/office/drawing/2014/main" xmlns="" id="{4EEB3E60-30F3-4B70-9B7A-36401D24F103}"/>
+                <a16:creationId xmlns="" xmlns:a16="http://schemas.microsoft.com/office/drawing/2014/main" id="{4EEB3E60-30F3-4B70-9B7A-36401D24F103}"/>
               </a:ext>
             </a:extLst>
           </p:cNvPr>
@@ -3126,7 +3127,7 @@
           <p:cNvPr id="10" name="Picture Placeholder 8">
             <a:extLst>
               <a:ext uri="{FF2B5EF4-FFF2-40B4-BE49-F238E27FC236}">
-                <a16:creationId xmlns:a16="http://schemas.microsoft.com/office/drawing/2014/main" xmlns="" id="{BA9F6DAE-E6E4-4C7B-A7D7-E5D6012FE8AD}"/>
+                <a16:creationId xmlns="" xmlns:a16="http://schemas.microsoft.com/office/drawing/2014/main" id="{BA9F6DAE-E6E4-4C7B-A7D7-E5D6012FE8AD}"/>
               </a:ext>
             </a:extLst>
           </p:cNvPr>
@@ -3204,7 +3205,7 @@
           <p:cNvPr id="3" name="Subtitle 2">
             <a:extLst>
               <a:ext uri="{FF2B5EF4-FFF2-40B4-BE49-F238E27FC236}">
-                <a16:creationId xmlns:a16="http://schemas.microsoft.com/office/drawing/2014/main" xmlns="" id="{4B98249C-54A9-48C7-8E90-5D127DF45ADF}"/>
+                <a16:creationId xmlns="" xmlns:a16="http://schemas.microsoft.com/office/drawing/2014/main" id="{4B98249C-54A9-48C7-8E90-5D127DF45ADF}"/>
               </a:ext>
             </a:extLst>
           </p:cNvPr>
@@ -3286,7 +3287,7 @@
           <p:cNvPr id="8" name="Footer Placeholder 7">
             <a:extLst>
               <a:ext uri="{FF2B5EF4-FFF2-40B4-BE49-F238E27FC236}">
-                <a16:creationId xmlns:a16="http://schemas.microsoft.com/office/drawing/2014/main" xmlns="" id="{4552F197-B265-4A24-B3B2-579047097227}"/>
+                <a16:creationId xmlns="" xmlns:a16="http://schemas.microsoft.com/office/drawing/2014/main" id="{4552F197-B265-4A24-B3B2-579047097227}"/>
               </a:ext>
             </a:extLst>
           </p:cNvPr>
@@ -3314,7 +3315,7 @@
           <p:cNvPr id="9" name="Slide Number Placeholder 8">
             <a:extLst>
               <a:ext uri="{FF2B5EF4-FFF2-40B4-BE49-F238E27FC236}">
-                <a16:creationId xmlns:a16="http://schemas.microsoft.com/office/drawing/2014/main" xmlns="" id="{5CEA28D6-30E3-4853-9DDB-89073BC25F8D}"/>
+                <a16:creationId xmlns="" xmlns:a16="http://schemas.microsoft.com/office/drawing/2014/main" id="{5CEA28D6-30E3-4853-9DDB-89073BC25F8D}"/>
               </a:ext>
             </a:extLst>
           </p:cNvPr>
@@ -3344,7 +3345,7 @@
           <p:cNvPr id="2" name="Title 1">
             <a:extLst>
               <a:ext uri="{FF2B5EF4-FFF2-40B4-BE49-F238E27FC236}">
-                <a16:creationId xmlns:a16="http://schemas.microsoft.com/office/drawing/2014/main" xmlns="" id="{3F716540-A5BD-4AEC-AAD5-035D9A1A123C}"/>
+                <a16:creationId xmlns="" xmlns:a16="http://schemas.microsoft.com/office/drawing/2014/main" id="{3F716540-A5BD-4AEC-AAD5-035D9A1A123C}"/>
               </a:ext>
             </a:extLst>
           </p:cNvPr>
@@ -3406,7 +3407,7 @@
           <p:cNvPr id="3" name="Subtitle 2">
             <a:extLst>
               <a:ext uri="{FF2B5EF4-FFF2-40B4-BE49-F238E27FC236}">
-                <a16:creationId xmlns:a16="http://schemas.microsoft.com/office/drawing/2014/main" xmlns="" id="{4B98249C-54A9-48C7-8E90-5D127DF45ADF}"/>
+                <a16:creationId xmlns="" xmlns:a16="http://schemas.microsoft.com/office/drawing/2014/main" id="{4B98249C-54A9-48C7-8E90-5D127DF45ADF}"/>
               </a:ext>
             </a:extLst>
           </p:cNvPr>
@@ -3488,7 +3489,7 @@
           <p:cNvPr id="8" name="Footer Placeholder 7">
             <a:extLst>
               <a:ext uri="{FF2B5EF4-FFF2-40B4-BE49-F238E27FC236}">
-                <a16:creationId xmlns:a16="http://schemas.microsoft.com/office/drawing/2014/main" xmlns="" id="{4552F197-B265-4A24-B3B2-579047097227}"/>
+                <a16:creationId xmlns="" xmlns:a16="http://schemas.microsoft.com/office/drawing/2014/main" id="{4552F197-B265-4A24-B3B2-579047097227}"/>
               </a:ext>
             </a:extLst>
           </p:cNvPr>
@@ -3516,7 +3517,7 @@
           <p:cNvPr id="9" name="Slide Number Placeholder 8">
             <a:extLst>
               <a:ext uri="{FF2B5EF4-FFF2-40B4-BE49-F238E27FC236}">
-                <a16:creationId xmlns:a16="http://schemas.microsoft.com/office/drawing/2014/main" xmlns="" id="{5CEA28D6-30E3-4853-9DDB-89073BC25F8D}"/>
+                <a16:creationId xmlns="" xmlns:a16="http://schemas.microsoft.com/office/drawing/2014/main" id="{5CEA28D6-30E3-4853-9DDB-89073BC25F8D}"/>
               </a:ext>
             </a:extLst>
           </p:cNvPr>
@@ -3546,7 +3547,7 @@
           <p:cNvPr id="2" name="Title 1">
             <a:extLst>
               <a:ext uri="{FF2B5EF4-FFF2-40B4-BE49-F238E27FC236}">
-                <a16:creationId xmlns:a16="http://schemas.microsoft.com/office/drawing/2014/main" xmlns="" id="{3F716540-A5BD-4AEC-AAD5-035D9A1A123C}"/>
+                <a16:creationId xmlns="" xmlns:a16="http://schemas.microsoft.com/office/drawing/2014/main" id="{3F716540-A5BD-4AEC-AAD5-035D9A1A123C}"/>
               </a:ext>
             </a:extLst>
           </p:cNvPr>
@@ -3578,7 +3579,7 @@
           <p:cNvPr id="13" name="Picture Placeholder 12">
             <a:extLst>
               <a:ext uri="{FF2B5EF4-FFF2-40B4-BE49-F238E27FC236}">
-                <a16:creationId xmlns:a16="http://schemas.microsoft.com/office/drawing/2014/main" xmlns="" id="{63285DB2-16D4-4066-85DE-02C160F50027}"/>
+                <a16:creationId xmlns="" xmlns:a16="http://schemas.microsoft.com/office/drawing/2014/main" id="{63285DB2-16D4-4066-85DE-02C160F50027}"/>
               </a:ext>
             </a:extLst>
           </p:cNvPr>
@@ -3688,7 +3689,7 @@
           <p:cNvPr id="14" name="Picture Placeholder 13">
             <a:extLst>
               <a:ext uri="{FF2B5EF4-FFF2-40B4-BE49-F238E27FC236}">
-                <a16:creationId xmlns:a16="http://schemas.microsoft.com/office/drawing/2014/main" xmlns="" id="{94F06A3E-C574-42DC-8DF5-A3F8339BEFAC}"/>
+                <a16:creationId xmlns="" xmlns:a16="http://schemas.microsoft.com/office/drawing/2014/main" id="{94F06A3E-C574-42DC-8DF5-A3F8339BEFAC}"/>
               </a:ext>
             </a:extLst>
           </p:cNvPr>
@@ -3798,7 +3799,7 @@
           <p:cNvPr id="12" name="Picture Placeholder 11">
             <a:extLst>
               <a:ext uri="{FF2B5EF4-FFF2-40B4-BE49-F238E27FC236}">
-                <a16:creationId xmlns:a16="http://schemas.microsoft.com/office/drawing/2014/main" xmlns="" id="{72448CCE-F1A8-41AB-9BDB-BD336D83CDDE}"/>
+                <a16:creationId xmlns="" xmlns:a16="http://schemas.microsoft.com/office/drawing/2014/main" id="{72448CCE-F1A8-41AB-9BDB-BD336D83CDDE}"/>
               </a:ext>
             </a:extLst>
           </p:cNvPr>
@@ -3938,7 +3939,7 @@
           <p:cNvPr id="3" name="Subtitle 2">
             <a:extLst>
               <a:ext uri="{FF2B5EF4-FFF2-40B4-BE49-F238E27FC236}">
-                <a16:creationId xmlns:a16="http://schemas.microsoft.com/office/drawing/2014/main" xmlns="" id="{4B98249C-54A9-48C7-8E90-5D127DF45ADF}"/>
+                <a16:creationId xmlns="" xmlns:a16="http://schemas.microsoft.com/office/drawing/2014/main" id="{4B98249C-54A9-48C7-8E90-5D127DF45ADF}"/>
               </a:ext>
             </a:extLst>
           </p:cNvPr>
@@ -4020,7 +4021,7 @@
           <p:cNvPr id="8" name="Footer Placeholder 7">
             <a:extLst>
               <a:ext uri="{FF2B5EF4-FFF2-40B4-BE49-F238E27FC236}">
-                <a16:creationId xmlns:a16="http://schemas.microsoft.com/office/drawing/2014/main" xmlns="" id="{4552F197-B265-4A24-B3B2-579047097227}"/>
+                <a16:creationId xmlns="" xmlns:a16="http://schemas.microsoft.com/office/drawing/2014/main" id="{4552F197-B265-4A24-B3B2-579047097227}"/>
               </a:ext>
             </a:extLst>
           </p:cNvPr>
@@ -4048,7 +4049,7 @@
           <p:cNvPr id="9" name="Slide Number Placeholder 8">
             <a:extLst>
               <a:ext uri="{FF2B5EF4-FFF2-40B4-BE49-F238E27FC236}">
-                <a16:creationId xmlns:a16="http://schemas.microsoft.com/office/drawing/2014/main" xmlns="" id="{5CEA28D6-30E3-4853-9DDB-89073BC25F8D}"/>
+                <a16:creationId xmlns="" xmlns:a16="http://schemas.microsoft.com/office/drawing/2014/main" id="{5CEA28D6-30E3-4853-9DDB-89073BC25F8D}"/>
               </a:ext>
             </a:extLst>
           </p:cNvPr>
@@ -4078,7 +4079,7 @@
           <p:cNvPr id="2" name="Title 1">
             <a:extLst>
               <a:ext uri="{FF2B5EF4-FFF2-40B4-BE49-F238E27FC236}">
-                <a16:creationId xmlns:a16="http://schemas.microsoft.com/office/drawing/2014/main" xmlns="" id="{3F716540-A5BD-4AEC-AAD5-035D9A1A123C}"/>
+                <a16:creationId xmlns="" xmlns:a16="http://schemas.microsoft.com/office/drawing/2014/main" id="{3F716540-A5BD-4AEC-AAD5-035D9A1A123C}"/>
               </a:ext>
             </a:extLst>
           </p:cNvPr>
@@ -4106,7 +4107,7 @@
           <p:cNvPr id="11" name="Picture Placeholder 8">
             <a:extLst>
               <a:ext uri="{FF2B5EF4-FFF2-40B4-BE49-F238E27FC236}">
-                <a16:creationId xmlns:a16="http://schemas.microsoft.com/office/drawing/2014/main" xmlns="" id="{61EF1044-4E78-47EA-8224-81E06A6BCAF5}"/>
+                <a16:creationId xmlns="" xmlns:a16="http://schemas.microsoft.com/office/drawing/2014/main" id="{61EF1044-4E78-47EA-8224-81E06A6BCAF5}"/>
               </a:ext>
             </a:extLst>
           </p:cNvPr>
@@ -4154,7 +4155,7 @@
           <p:cNvPr id="12" name="Picture Placeholder 8">
             <a:extLst>
               <a:ext uri="{FF2B5EF4-FFF2-40B4-BE49-F238E27FC236}">
-                <a16:creationId xmlns:a16="http://schemas.microsoft.com/office/drawing/2014/main" xmlns="" id="{A05C934D-FD96-4400-992B-42B15F514B75}"/>
+                <a16:creationId xmlns="" xmlns:a16="http://schemas.microsoft.com/office/drawing/2014/main" id="{A05C934D-FD96-4400-992B-42B15F514B75}"/>
               </a:ext>
             </a:extLst>
           </p:cNvPr>
@@ -4202,7 +4203,7 @@
           <p:cNvPr id="13" name="Picture Placeholder 8">
             <a:extLst>
               <a:ext uri="{FF2B5EF4-FFF2-40B4-BE49-F238E27FC236}">
-                <a16:creationId xmlns:a16="http://schemas.microsoft.com/office/drawing/2014/main" xmlns="" id="{E27C15EC-0545-49BD-95FB-265B988A545D}"/>
+                <a16:creationId xmlns="" xmlns:a16="http://schemas.microsoft.com/office/drawing/2014/main" id="{E27C15EC-0545-49BD-95FB-265B988A545D}"/>
               </a:ext>
             </a:extLst>
           </p:cNvPr>
@@ -4280,7 +4281,7 @@
           <p:cNvPr id="8" name="Footer Placeholder 7">
             <a:extLst>
               <a:ext uri="{FF2B5EF4-FFF2-40B4-BE49-F238E27FC236}">
-                <a16:creationId xmlns:a16="http://schemas.microsoft.com/office/drawing/2014/main" xmlns="" id="{4552F197-B265-4A24-B3B2-579047097227}"/>
+                <a16:creationId xmlns="" xmlns:a16="http://schemas.microsoft.com/office/drawing/2014/main" id="{4552F197-B265-4A24-B3B2-579047097227}"/>
               </a:ext>
             </a:extLst>
           </p:cNvPr>
@@ -4308,7 +4309,7 @@
           <p:cNvPr id="9" name="Slide Number Placeholder 8">
             <a:extLst>
               <a:ext uri="{FF2B5EF4-FFF2-40B4-BE49-F238E27FC236}">
-                <a16:creationId xmlns:a16="http://schemas.microsoft.com/office/drawing/2014/main" xmlns="" id="{5CEA28D6-30E3-4853-9DDB-89073BC25F8D}"/>
+                <a16:creationId xmlns="" xmlns:a16="http://schemas.microsoft.com/office/drawing/2014/main" id="{5CEA28D6-30E3-4853-9DDB-89073BC25F8D}"/>
               </a:ext>
             </a:extLst>
           </p:cNvPr>
@@ -4368,7 +4369,7 @@
           <p:cNvPr id="8" name="Footer Placeholder 7">
             <a:extLst>
               <a:ext uri="{FF2B5EF4-FFF2-40B4-BE49-F238E27FC236}">
-                <a16:creationId xmlns:a16="http://schemas.microsoft.com/office/drawing/2014/main" xmlns="" id="{4552F197-B265-4A24-B3B2-579047097227}"/>
+                <a16:creationId xmlns="" xmlns:a16="http://schemas.microsoft.com/office/drawing/2014/main" id="{4552F197-B265-4A24-B3B2-579047097227}"/>
               </a:ext>
             </a:extLst>
           </p:cNvPr>
@@ -4396,7 +4397,7 @@
           <p:cNvPr id="9" name="Slide Number Placeholder 8">
             <a:extLst>
               <a:ext uri="{FF2B5EF4-FFF2-40B4-BE49-F238E27FC236}">
-                <a16:creationId xmlns:a16="http://schemas.microsoft.com/office/drawing/2014/main" xmlns="" id="{5CEA28D6-30E3-4853-9DDB-89073BC25F8D}"/>
+                <a16:creationId xmlns="" xmlns:a16="http://schemas.microsoft.com/office/drawing/2014/main" id="{5CEA28D6-30E3-4853-9DDB-89073BC25F8D}"/>
               </a:ext>
             </a:extLst>
           </p:cNvPr>
@@ -4426,7 +4427,7 @@
           <p:cNvPr id="7" name="Picture Placeholder 8">
             <a:extLst>
               <a:ext uri="{FF2B5EF4-FFF2-40B4-BE49-F238E27FC236}">
-                <a16:creationId xmlns:a16="http://schemas.microsoft.com/office/drawing/2014/main" xmlns="" id="{02645CC7-9008-43C7-9F6A-208D5C9AAEAD}"/>
+                <a16:creationId xmlns="" xmlns:a16="http://schemas.microsoft.com/office/drawing/2014/main" id="{02645CC7-9008-43C7-9F6A-208D5C9AAEAD}"/>
               </a:ext>
             </a:extLst>
           </p:cNvPr>
@@ -4474,7 +4475,7 @@
           <p:cNvPr id="10" name="Picture Placeholder 8">
             <a:extLst>
               <a:ext uri="{FF2B5EF4-FFF2-40B4-BE49-F238E27FC236}">
-                <a16:creationId xmlns:a16="http://schemas.microsoft.com/office/drawing/2014/main" xmlns="" id="{374C708F-FA3C-44DC-B88B-A0F13DD9CA38}"/>
+                <a16:creationId xmlns="" xmlns:a16="http://schemas.microsoft.com/office/drawing/2014/main" id="{374C708F-FA3C-44DC-B88B-A0F13DD9CA38}"/>
               </a:ext>
             </a:extLst>
           </p:cNvPr>
@@ -4522,7 +4523,7 @@
           <p:cNvPr id="11" name="Picture Placeholder 8">
             <a:extLst>
               <a:ext uri="{FF2B5EF4-FFF2-40B4-BE49-F238E27FC236}">
-                <a16:creationId xmlns:a16="http://schemas.microsoft.com/office/drawing/2014/main" xmlns="" id="{E18D6A70-DFB4-4667-A33D-962CF09D502A}"/>
+                <a16:creationId xmlns="" xmlns:a16="http://schemas.microsoft.com/office/drawing/2014/main" id="{E18D6A70-DFB4-4667-A33D-962CF09D502A}"/>
               </a:ext>
             </a:extLst>
           </p:cNvPr>
@@ -4600,7 +4601,7 @@
           <p:cNvPr id="14" name="Picture Placeholder 8">
             <a:extLst>
               <a:ext uri="{FF2B5EF4-FFF2-40B4-BE49-F238E27FC236}">
-                <a16:creationId xmlns:a16="http://schemas.microsoft.com/office/drawing/2014/main" xmlns="" id="{F55C59B5-C1A5-4D6C-B717-5B178B360DD5}"/>
+                <a16:creationId xmlns="" xmlns:a16="http://schemas.microsoft.com/office/drawing/2014/main" id="{F55C59B5-C1A5-4D6C-B717-5B178B360DD5}"/>
               </a:ext>
             </a:extLst>
           </p:cNvPr>
@@ -4648,7 +4649,7 @@
           <p:cNvPr id="15" name="Picture Placeholder 8">
             <a:extLst>
               <a:ext uri="{FF2B5EF4-FFF2-40B4-BE49-F238E27FC236}">
-                <a16:creationId xmlns:a16="http://schemas.microsoft.com/office/drawing/2014/main" xmlns="" id="{498DE3BD-A7E9-4BC1-93A6-48E11F9F1334}"/>
+                <a16:creationId xmlns="" xmlns:a16="http://schemas.microsoft.com/office/drawing/2014/main" id="{498DE3BD-A7E9-4BC1-93A6-48E11F9F1334}"/>
               </a:ext>
             </a:extLst>
           </p:cNvPr>
@@ -4696,7 +4697,7 @@
           <p:cNvPr id="16" name="Picture Placeholder 8">
             <a:extLst>
               <a:ext uri="{FF2B5EF4-FFF2-40B4-BE49-F238E27FC236}">
-                <a16:creationId xmlns:a16="http://schemas.microsoft.com/office/drawing/2014/main" xmlns="" id="{1012C6EC-E639-4792-994F-EA59C6570399}"/>
+                <a16:creationId xmlns="" xmlns:a16="http://schemas.microsoft.com/office/drawing/2014/main" id="{1012C6EC-E639-4792-994F-EA59C6570399}"/>
               </a:ext>
             </a:extLst>
           </p:cNvPr>
@@ -4744,7 +4745,7 @@
           <p:cNvPr id="17" name="Picture Placeholder 8">
             <a:extLst>
               <a:ext uri="{FF2B5EF4-FFF2-40B4-BE49-F238E27FC236}">
-                <a16:creationId xmlns:a16="http://schemas.microsoft.com/office/drawing/2014/main" xmlns="" id="{45F68E46-3D96-451B-9159-6192F0C2325E}"/>
+                <a16:creationId xmlns="" xmlns:a16="http://schemas.microsoft.com/office/drawing/2014/main" id="{45F68E46-3D96-451B-9159-6192F0C2325E}"/>
               </a:ext>
             </a:extLst>
           </p:cNvPr>
@@ -4792,7 +4793,7 @@
           <p:cNvPr id="18" name="Picture Placeholder 8">
             <a:extLst>
               <a:ext uri="{FF2B5EF4-FFF2-40B4-BE49-F238E27FC236}">
-                <a16:creationId xmlns:a16="http://schemas.microsoft.com/office/drawing/2014/main" xmlns="" id="{DA24B683-FF84-4D67-8A27-7BCA9369DF04}"/>
+                <a16:creationId xmlns="" xmlns:a16="http://schemas.microsoft.com/office/drawing/2014/main" id="{DA24B683-FF84-4D67-8A27-7BCA9369DF04}"/>
               </a:ext>
             </a:extLst>
           </p:cNvPr>
@@ -4840,7 +4841,7 @@
           <p:cNvPr id="19" name="Picture Placeholder 8">
             <a:extLst>
               <a:ext uri="{FF2B5EF4-FFF2-40B4-BE49-F238E27FC236}">
-                <a16:creationId xmlns:a16="http://schemas.microsoft.com/office/drawing/2014/main" xmlns="" id="{E6C2322D-54B9-477F-8EDE-4A2F6A754285}"/>
+                <a16:creationId xmlns="" xmlns:a16="http://schemas.microsoft.com/office/drawing/2014/main" id="{E6C2322D-54B9-477F-8EDE-4A2F6A754285}"/>
               </a:ext>
             </a:extLst>
           </p:cNvPr>
@@ -4888,7 +4889,7 @@
           <p:cNvPr id="20" name="Picture Placeholder 8">
             <a:extLst>
               <a:ext uri="{FF2B5EF4-FFF2-40B4-BE49-F238E27FC236}">
-                <a16:creationId xmlns:a16="http://schemas.microsoft.com/office/drawing/2014/main" xmlns="" id="{F00232C2-3442-48B1-B5C7-7965A5839695}"/>
+                <a16:creationId xmlns="" xmlns:a16="http://schemas.microsoft.com/office/drawing/2014/main" id="{F00232C2-3442-48B1-B5C7-7965A5839695}"/>
               </a:ext>
             </a:extLst>
           </p:cNvPr>
@@ -4936,7 +4937,7 @@
           <p:cNvPr id="21" name="Picture Placeholder 8">
             <a:extLst>
               <a:ext uri="{FF2B5EF4-FFF2-40B4-BE49-F238E27FC236}">
-                <a16:creationId xmlns:a16="http://schemas.microsoft.com/office/drawing/2014/main" xmlns="" id="{13D20D93-78CA-4269-B522-74E542A5B9C8}"/>
+                <a16:creationId xmlns="" xmlns:a16="http://schemas.microsoft.com/office/drawing/2014/main" id="{13D20D93-78CA-4269-B522-74E542A5B9C8}"/>
               </a:ext>
             </a:extLst>
           </p:cNvPr>
@@ -4984,7 +4985,7 @@
           <p:cNvPr id="8" name="Footer Placeholder 7">
             <a:extLst>
               <a:ext uri="{FF2B5EF4-FFF2-40B4-BE49-F238E27FC236}">
-                <a16:creationId xmlns:a16="http://schemas.microsoft.com/office/drawing/2014/main" xmlns="" id="{4552F197-B265-4A24-B3B2-579047097227}"/>
+                <a16:creationId xmlns="" xmlns:a16="http://schemas.microsoft.com/office/drawing/2014/main" id="{4552F197-B265-4A24-B3B2-579047097227}"/>
               </a:ext>
             </a:extLst>
           </p:cNvPr>
@@ -5012,7 +5013,7 @@
           <p:cNvPr id="9" name="Slide Number Placeholder 8">
             <a:extLst>
               <a:ext uri="{FF2B5EF4-FFF2-40B4-BE49-F238E27FC236}">
-                <a16:creationId xmlns:a16="http://schemas.microsoft.com/office/drawing/2014/main" xmlns="" id="{5CEA28D6-30E3-4853-9DDB-89073BC25F8D}"/>
+                <a16:creationId xmlns="" xmlns:a16="http://schemas.microsoft.com/office/drawing/2014/main" id="{5CEA28D6-30E3-4853-9DDB-89073BC25F8D}"/>
               </a:ext>
             </a:extLst>
           </p:cNvPr>
@@ -5072,7 +5073,7 @@
           <p:cNvPr id="7" name="Rectangle 6">
             <a:extLst>
               <a:ext uri="{FF2B5EF4-FFF2-40B4-BE49-F238E27FC236}">
-                <a16:creationId xmlns:a16="http://schemas.microsoft.com/office/drawing/2014/main" xmlns="" id="{D465B9C0-64E1-4F10-A420-57946092E904}"/>
+                <a16:creationId xmlns="" xmlns:a16="http://schemas.microsoft.com/office/drawing/2014/main" id="{D465B9C0-64E1-4F10-A420-57946092E904}"/>
               </a:ext>
             </a:extLst>
           </p:cNvPr>
@@ -5124,7 +5125,7 @@
           <p:cNvPr id="9" name="Picture Placeholder 8">
             <a:extLst>
               <a:ext uri="{FF2B5EF4-FFF2-40B4-BE49-F238E27FC236}">
-                <a16:creationId xmlns:a16="http://schemas.microsoft.com/office/drawing/2014/main" xmlns="" id="{C411D86D-6464-4193-B9C7-01E2210AF2C2}"/>
+                <a16:creationId xmlns="" xmlns:a16="http://schemas.microsoft.com/office/drawing/2014/main" id="{C411D86D-6464-4193-B9C7-01E2210AF2C2}"/>
               </a:ext>
             </a:extLst>
           </p:cNvPr>
@@ -5207,7 +5208,7 @@
           <p:cNvPr id="2" name="Title Placeholder 1">
             <a:extLst>
               <a:ext uri="{FF2B5EF4-FFF2-40B4-BE49-F238E27FC236}">
-                <a16:creationId xmlns:a16="http://schemas.microsoft.com/office/drawing/2014/main" xmlns="" id="{04B13DFB-4D42-49ED-89E4-4F0D5E151C4C}"/>
+                <a16:creationId xmlns="" xmlns:a16="http://schemas.microsoft.com/office/drawing/2014/main" id="{04B13DFB-4D42-49ED-89E4-4F0D5E151C4C}"/>
               </a:ext>
             </a:extLst>
           </p:cNvPr>
@@ -5245,7 +5246,7 @@
           <p:cNvPr id="3" name="Text Placeholder 2">
             <a:extLst>
               <a:ext uri="{FF2B5EF4-FFF2-40B4-BE49-F238E27FC236}">
-                <a16:creationId xmlns:a16="http://schemas.microsoft.com/office/drawing/2014/main" xmlns="" id="{AA8CE2F2-50B7-45A7-A752-331D60C05B56}"/>
+                <a16:creationId xmlns="" xmlns:a16="http://schemas.microsoft.com/office/drawing/2014/main" id="{AA8CE2F2-50B7-45A7-A752-331D60C05B56}"/>
               </a:ext>
             </a:extLst>
           </p:cNvPr>
@@ -5312,7 +5313,7 @@
           <p:cNvPr id="11" name="Oval 10">
             <a:extLst>
               <a:ext uri="{FF2B5EF4-FFF2-40B4-BE49-F238E27FC236}">
-                <a16:creationId xmlns:a16="http://schemas.microsoft.com/office/drawing/2014/main" xmlns="" id="{6B5FF849-AD70-4FFB-B722-87B9A2304A17}"/>
+                <a16:creationId xmlns="" xmlns:a16="http://schemas.microsoft.com/office/drawing/2014/main" id="{6B5FF849-AD70-4FFB-B722-87B9A2304A17}"/>
               </a:ext>
             </a:extLst>
           </p:cNvPr>
@@ -5368,7 +5369,7 @@
           <p:cNvPr id="12" name="Chevron 16">
             <a:extLst>
               <a:ext uri="{FF2B5EF4-FFF2-40B4-BE49-F238E27FC236}">
-                <a16:creationId xmlns:a16="http://schemas.microsoft.com/office/drawing/2014/main" xmlns="" id="{54D81A09-25D7-49A0-BFF0-B0FAA8FC9B85}"/>
+                <a16:creationId xmlns="" xmlns:a16="http://schemas.microsoft.com/office/drawing/2014/main" id="{54D81A09-25D7-49A0-BFF0-B0FAA8FC9B85}"/>
               </a:ext>
             </a:extLst>
           </p:cNvPr>
@@ -5426,7 +5427,7 @@
           <p:cNvPr id="13" name="Oval 12">
             <a:extLst>
               <a:ext uri="{FF2B5EF4-FFF2-40B4-BE49-F238E27FC236}">
-                <a16:creationId xmlns:a16="http://schemas.microsoft.com/office/drawing/2014/main" xmlns="" id="{0164A0E9-5313-4004-96D2-E9320B6987A5}"/>
+                <a16:creationId xmlns="" xmlns:a16="http://schemas.microsoft.com/office/drawing/2014/main" id="{0164A0E9-5313-4004-96D2-E9320B6987A5}"/>
               </a:ext>
             </a:extLst>
           </p:cNvPr>
@@ -5482,7 +5483,7 @@
           <p:cNvPr id="14" name="Chevron 19">
             <a:extLst>
               <a:ext uri="{FF2B5EF4-FFF2-40B4-BE49-F238E27FC236}">
-                <a16:creationId xmlns:a16="http://schemas.microsoft.com/office/drawing/2014/main" xmlns="" id="{087EA94F-9EE3-4BB4-A44F-9E30426305DC}"/>
+                <a16:creationId xmlns="" xmlns:a16="http://schemas.microsoft.com/office/drawing/2014/main" id="{087EA94F-9EE3-4BB4-A44F-9E30426305DC}"/>
               </a:ext>
             </a:extLst>
           </p:cNvPr>
@@ -5540,7 +5541,7 @@
           <p:cNvPr id="15" name="Rectangle 14">
             <a:extLst>
               <a:ext uri="{FF2B5EF4-FFF2-40B4-BE49-F238E27FC236}">
-                <a16:creationId xmlns:a16="http://schemas.microsoft.com/office/drawing/2014/main" xmlns="" id="{FEAF94C3-1D8C-42D8-A345-1034DB5DE3FB}"/>
+                <a16:creationId xmlns="" xmlns:a16="http://schemas.microsoft.com/office/drawing/2014/main" id="{FEAF94C3-1D8C-42D8-A345-1034DB5DE3FB}"/>
               </a:ext>
             </a:extLst>
           </p:cNvPr>
@@ -5592,7 +5593,7 @@
           <p:cNvPr id="16" name="Slide Number Placeholder 5">
             <a:extLst>
               <a:ext uri="{FF2B5EF4-FFF2-40B4-BE49-F238E27FC236}">
-                <a16:creationId xmlns:a16="http://schemas.microsoft.com/office/drawing/2014/main" xmlns="" id="{62DF5369-DAAC-4977-A00C-27A3C3821667}"/>
+                <a16:creationId xmlns="" xmlns:a16="http://schemas.microsoft.com/office/drawing/2014/main" id="{62DF5369-DAAC-4977-A00C-27A3C3821667}"/>
               </a:ext>
             </a:extLst>
           </p:cNvPr>
@@ -5728,7 +5729,7 @@
           <p:cNvPr id="6" name="Slide Number Placeholder 5">
             <a:extLst>
               <a:ext uri="{FF2B5EF4-FFF2-40B4-BE49-F238E27FC236}">
-                <a16:creationId xmlns:a16="http://schemas.microsoft.com/office/drawing/2014/main" xmlns="" id="{EEC439DD-3853-4254-9CC6-141635332CE3}"/>
+                <a16:creationId xmlns="" xmlns:a16="http://schemas.microsoft.com/office/drawing/2014/main" id="{EEC439DD-3853-4254-9CC6-141635332CE3}"/>
               </a:ext>
             </a:extLst>
           </p:cNvPr>
@@ -5777,7 +5778,7 @@
           <p:cNvPr id="5" name="Footer Placeholder 4">
             <a:extLst>
               <a:ext uri="{FF2B5EF4-FFF2-40B4-BE49-F238E27FC236}">
-                <a16:creationId xmlns:a16="http://schemas.microsoft.com/office/drawing/2014/main" xmlns="" id="{77E25A1A-F191-4308-9847-26E21CFF8B64}"/>
+                <a16:creationId xmlns="" xmlns:a16="http://schemas.microsoft.com/office/drawing/2014/main" id="{77E25A1A-F191-4308-9847-26E21CFF8B64}"/>
               </a:ext>
             </a:extLst>
           </p:cNvPr>
@@ -6152,7 +6153,7 @@
           <p:cNvPr id="24" name="Rectangle 23">
             <a:extLst>
               <a:ext uri="{FF2B5EF4-FFF2-40B4-BE49-F238E27FC236}">
-                <a16:creationId xmlns:a16="http://schemas.microsoft.com/office/drawing/2014/main" xmlns="" id="{9AB1D167-998A-45D7-BA24-D81886C9ECB0}"/>
+                <a16:creationId xmlns="" xmlns:a16="http://schemas.microsoft.com/office/drawing/2014/main" id="{9AB1D167-998A-45D7-BA24-D81886C9ECB0}"/>
               </a:ext>
             </a:extLst>
           </p:cNvPr>
@@ -6522,7 +6523,7 @@
           <p:cNvPr id="24" name="Rectangle 23">
             <a:extLst>
               <a:ext uri="{FF2B5EF4-FFF2-40B4-BE49-F238E27FC236}">
-                <a16:creationId xmlns:a16="http://schemas.microsoft.com/office/drawing/2014/main" xmlns="" id="{9AB1D167-998A-45D7-BA24-D81886C9ECB0}"/>
+                <a16:creationId xmlns="" xmlns:a16="http://schemas.microsoft.com/office/drawing/2014/main" id="{9AB1D167-998A-45D7-BA24-D81886C9ECB0}"/>
               </a:ext>
             </a:extLst>
           </p:cNvPr>
@@ -6580,7 +6581,7 @@
           <p:cNvPr id="8" name="Freeform: Shape 7">
             <a:extLst>
               <a:ext uri="{FF2B5EF4-FFF2-40B4-BE49-F238E27FC236}">
-                <a16:creationId xmlns:a16="http://schemas.microsoft.com/office/drawing/2014/main" xmlns="" id="{4BA40D94-E0A7-4C36-928C-B5FBF48FAA98}"/>
+                <a16:creationId xmlns="" xmlns:a16="http://schemas.microsoft.com/office/drawing/2014/main" id="{4BA40D94-E0A7-4C36-928C-B5FBF48FAA98}"/>
               </a:ext>
             </a:extLst>
           </p:cNvPr>
@@ -6714,7 +6715,7 @@
           <p:cNvPr id="9" name="Freeform: Shape 8">
             <a:extLst>
               <a:ext uri="{FF2B5EF4-FFF2-40B4-BE49-F238E27FC236}">
-                <a16:creationId xmlns:a16="http://schemas.microsoft.com/office/drawing/2014/main" xmlns="" id="{6A16AEE4-04D8-4FF7-AA27-E6A8BFBC114D}"/>
+                <a16:creationId xmlns="" xmlns:a16="http://schemas.microsoft.com/office/drawing/2014/main" id="{6A16AEE4-04D8-4FF7-AA27-E6A8BFBC114D}"/>
               </a:ext>
             </a:extLst>
           </p:cNvPr>
@@ -6984,7 +6985,7 @@
           <p:cNvPr id="24" name="Rectangle 23">
             <a:extLst>
               <a:ext uri="{FF2B5EF4-FFF2-40B4-BE49-F238E27FC236}">
-                <a16:creationId xmlns:a16="http://schemas.microsoft.com/office/drawing/2014/main" xmlns="" id="{9AB1D167-998A-45D7-BA24-D81886C9ECB0}"/>
+                <a16:creationId xmlns="" xmlns:a16="http://schemas.microsoft.com/office/drawing/2014/main" id="{9AB1D167-998A-45D7-BA24-D81886C9ECB0}"/>
               </a:ext>
             </a:extLst>
           </p:cNvPr>
@@ -7042,7 +7043,7 @@
           <p:cNvPr id="8" name="Freeform: Shape 7">
             <a:extLst>
               <a:ext uri="{FF2B5EF4-FFF2-40B4-BE49-F238E27FC236}">
-                <a16:creationId xmlns:a16="http://schemas.microsoft.com/office/drawing/2014/main" xmlns="" id="{4BA40D94-E0A7-4C36-928C-B5FBF48FAA98}"/>
+                <a16:creationId xmlns="" xmlns:a16="http://schemas.microsoft.com/office/drawing/2014/main" id="{4BA40D94-E0A7-4C36-928C-B5FBF48FAA98}"/>
               </a:ext>
             </a:extLst>
           </p:cNvPr>
@@ -7176,7 +7177,7 @@
           <p:cNvPr id="9" name="Freeform: Shape 8">
             <a:extLst>
               <a:ext uri="{FF2B5EF4-FFF2-40B4-BE49-F238E27FC236}">
-                <a16:creationId xmlns:a16="http://schemas.microsoft.com/office/drawing/2014/main" xmlns="" id="{6A16AEE4-04D8-4FF7-AA27-E6A8BFBC114D}"/>
+                <a16:creationId xmlns="" xmlns:a16="http://schemas.microsoft.com/office/drawing/2014/main" id="{6A16AEE4-04D8-4FF7-AA27-E6A8BFBC114D}"/>
               </a:ext>
             </a:extLst>
           </p:cNvPr>
@@ -7435,7 +7436,7 @@
           <p:cNvPr id="24" name="Rectangle 23">
             <a:extLst>
               <a:ext uri="{FF2B5EF4-FFF2-40B4-BE49-F238E27FC236}">
-                <a16:creationId xmlns:a16="http://schemas.microsoft.com/office/drawing/2014/main" xmlns="" id="{9AB1D167-998A-45D7-BA24-D81886C9ECB0}"/>
+                <a16:creationId xmlns="" xmlns:a16="http://schemas.microsoft.com/office/drawing/2014/main" id="{9AB1D167-998A-45D7-BA24-D81886C9ECB0}"/>
               </a:ext>
             </a:extLst>
           </p:cNvPr>
@@ -7493,7 +7494,7 @@
           <p:cNvPr id="8" name="Freeform: Shape 7">
             <a:extLst>
               <a:ext uri="{FF2B5EF4-FFF2-40B4-BE49-F238E27FC236}">
-                <a16:creationId xmlns:a16="http://schemas.microsoft.com/office/drawing/2014/main" xmlns="" id="{4BA40D94-E0A7-4C36-928C-B5FBF48FAA98}"/>
+                <a16:creationId xmlns="" xmlns:a16="http://schemas.microsoft.com/office/drawing/2014/main" id="{4BA40D94-E0A7-4C36-928C-B5FBF48FAA98}"/>
               </a:ext>
             </a:extLst>
           </p:cNvPr>
@@ -7627,7 +7628,7 @@
           <p:cNvPr id="9" name="Freeform: Shape 8">
             <a:extLst>
               <a:ext uri="{FF2B5EF4-FFF2-40B4-BE49-F238E27FC236}">
-                <a16:creationId xmlns:a16="http://schemas.microsoft.com/office/drawing/2014/main" xmlns="" id="{6A16AEE4-04D8-4FF7-AA27-E6A8BFBC114D}"/>
+                <a16:creationId xmlns="" xmlns:a16="http://schemas.microsoft.com/office/drawing/2014/main" id="{6A16AEE4-04D8-4FF7-AA27-E6A8BFBC114D}"/>
               </a:ext>
             </a:extLst>
           </p:cNvPr>
@@ -7864,7 +7865,7 @@
 </p:sld>
 </file>
 
-<file path=ppt/slides/slide2.xml><?xml version="1.0" encoding="utf-8"?>
+<file path=ppt/slides/slide13.xml><?xml version="1.0" encoding="utf-8"?>
 <p:sld xmlns:a="http://schemas.openxmlformats.org/drawingml/2006/main" xmlns:r="http://schemas.openxmlformats.org/officeDocument/2006/relationships" xmlns:p="http://schemas.openxmlformats.org/presentationml/2006/main">
   <p:cSld>
     <p:spTree>
@@ -7886,7 +7887,7 @@
           <p:cNvPr id="24" name="Rectangle 23">
             <a:extLst>
               <a:ext uri="{FF2B5EF4-FFF2-40B4-BE49-F238E27FC236}">
-                <a16:creationId xmlns:a16="http://schemas.microsoft.com/office/drawing/2014/main" xmlns="" id="{9AB1D167-998A-45D7-BA24-D81886C9ECB0}"/>
+                <a16:creationId xmlns="" xmlns:a16="http://schemas.microsoft.com/office/drawing/2014/main" id="{9AB1D167-998A-45D7-BA24-D81886C9ECB0}"/>
               </a:ext>
             </a:extLst>
           </p:cNvPr>
@@ -7895,7 +7896,7 @@
         </p:nvSpPr>
         <p:spPr>
           <a:xfrm>
-            <a:off x="0" y="0"/>
+            <a:off x="0" y="-107577"/>
             <a:ext cx="12192000" cy="6858000"/>
           </a:xfrm>
           <a:prstGeom prst="rect">
@@ -7931,7 +7932,11 @@
           <a:lstStyle/>
           <a:p>
             <a:pPr algn="ctr"/>
-            <a:endParaRPr lang="en-US"/>
+            <a:endParaRPr lang="en-US" dirty="0">
+              <a:solidFill>
+                <a:prstClr val="white"/>
+              </a:solidFill>
+            </a:endParaRPr>
           </a:p>
         </p:txBody>
       </p:sp>
@@ -7940,7 +7945,7 @@
           <p:cNvPr id="8" name="Freeform: Shape 7">
             <a:extLst>
               <a:ext uri="{FF2B5EF4-FFF2-40B4-BE49-F238E27FC236}">
-                <a16:creationId xmlns:a16="http://schemas.microsoft.com/office/drawing/2014/main" xmlns="" id="{4BA40D94-E0A7-4C36-928C-B5FBF48FAA98}"/>
+                <a16:creationId xmlns="" xmlns:a16="http://schemas.microsoft.com/office/drawing/2014/main" id="{4BA40D94-E0A7-4C36-928C-B5FBF48FAA98}"/>
               </a:ext>
             </a:extLst>
           </p:cNvPr>
@@ -8061,7 +8066,11 @@
           <a:lstStyle/>
           <a:p>
             <a:pPr algn="ctr"/>
-            <a:endParaRPr lang="en-US"/>
+            <a:endParaRPr lang="en-US">
+              <a:solidFill>
+                <a:prstClr val="white"/>
+              </a:solidFill>
+            </a:endParaRPr>
           </a:p>
         </p:txBody>
       </p:sp>
@@ -8070,7 +8079,7 @@
           <p:cNvPr id="9" name="Freeform: Shape 8">
             <a:extLst>
               <a:ext uri="{FF2B5EF4-FFF2-40B4-BE49-F238E27FC236}">
-                <a16:creationId xmlns:a16="http://schemas.microsoft.com/office/drawing/2014/main" xmlns="" id="{6A16AEE4-04D8-4FF7-AA27-E6A8BFBC114D}"/>
+                <a16:creationId xmlns="" xmlns:a16="http://schemas.microsoft.com/office/drawing/2014/main" id="{6A16AEE4-04D8-4FF7-AA27-E6A8BFBC114D}"/>
               </a:ext>
             </a:extLst>
           </p:cNvPr>
@@ -8079,7 +8088,7 @@
         </p:nvSpPr>
         <p:spPr>
           <a:xfrm flipH="1" flipV="1">
-            <a:off x="0" y="-1"/>
+            <a:off x="-591671" y="-128318"/>
             <a:ext cx="7823199" cy="6857999"/>
           </a:xfrm>
           <a:custGeom>
@@ -8174,7 +8183,11 @@
           <a:lstStyle/>
           <a:p>
             <a:pPr algn="ctr"/>
-            <a:endParaRPr lang="en-US" dirty="0"/>
+            <a:endParaRPr lang="en-US" sz="2500" dirty="0">
+              <a:solidFill>
+                <a:prstClr val="white"/>
+              </a:solidFill>
+            </a:endParaRPr>
           </a:p>
         </p:txBody>
       </p:sp>
@@ -8186,7 +8199,7 @@
         </p:nvSpPr>
         <p:spPr>
           <a:xfrm>
-            <a:off x="815282" y="454715"/>
+            <a:off x="29832" y="69232"/>
             <a:ext cx="4076412" cy="707886"/>
           </a:xfrm>
           <a:prstGeom prst="rect">
@@ -8202,7 +8215,7 @@
           <a:p>
             <a:pPr algn="ctr"/>
             <a:r>
-              <a:rPr kumimoji="1" lang="zh-TW" altLang="en-US" sz="4000" dirty="0" smtClean="0">
+              <a:rPr kumimoji="1" lang="zh-TW" altLang="en-US" sz="4000" dirty="0">
                 <a:solidFill>
                   <a:srgbClr val="4F5050"/>
                 </a:solidFill>
@@ -8210,7 +8223,7 @@
                 <a:ea typeface="微軟正黑體"/>
                 <a:cs typeface="微軟正黑體"/>
               </a:rPr>
-              <a:t>動 機</a:t>
+              <a:t>分工</a:t>
             </a:r>
             <a:endParaRPr kumimoji="1" lang="zh-TW" altLang="en-US" sz="4000" dirty="0">
               <a:solidFill>
@@ -8225,14 +8238,14 @@
       </p:sp>
       <p:sp>
         <p:nvSpPr>
-          <p:cNvPr id="5" name="文字方塊 4"/>
+          <p:cNvPr id="4" name="文字方塊 3"/>
           <p:cNvSpPr txBox="1"/>
           <p:nvPr/>
         </p:nvSpPr>
         <p:spPr>
           <a:xfrm>
-            <a:off x="100618" y="1162601"/>
-            <a:ext cx="6201570" cy="923330"/>
+            <a:off x="519952" y="1238001"/>
+            <a:ext cx="9717741" cy="954107"/>
           </a:xfrm>
           <a:prstGeom prst="rect">
             <a:avLst/>
@@ -8246,34 +8259,45 @@
           <a:lstStyle/>
           <a:p>
             <a:r>
-              <a:rPr kumimoji="1" lang="zh-TW" altLang="en-US" dirty="0"/>
-              <a:t>一開始做專題就想到以遊戲類</a:t>
+              <a:rPr lang="zh-TW" altLang="en-US" sz="2800" dirty="0" smtClean="0"/>
+              <a:t>李珀賢</a:t>
             </a:r>
             <a:r>
-              <a:rPr kumimoji="1" lang="zh-TW" altLang="en-US" dirty="0" smtClean="0"/>
-              <a:t>為主，就想要做經典的網頁遊戲</a:t>
+              <a:rPr lang="en-US" altLang="zh-TW" sz="2800" dirty="0" smtClean="0"/>
+              <a:t>:</a:t>
             </a:r>
             <a:r>
-              <a:rPr kumimoji="1" lang="en-US" altLang="zh-TW" dirty="0" smtClean="0"/>
-              <a:t>-</a:t>
+              <a:rPr lang="zh-TW" altLang="en-US" sz="2800" dirty="0" smtClean="0"/>
+              <a:t>設定版面、主頁面設定、切換設定、設定初始值。</a:t>
+            </a:r>
+            <a:endParaRPr lang="en-US" altLang="zh-TW" sz="2800" dirty="0" smtClean="0"/>
+          </a:p>
+          <a:p>
+            <a:r>
+              <a:rPr lang="zh-TW" altLang="en-US" sz="2800" dirty="0" smtClean="0"/>
+              <a:t>梁哲誌</a:t>
             </a:r>
             <a:r>
-              <a:rPr kumimoji="1" lang="zh-TW" altLang="en-US" dirty="0" smtClean="0"/>
-              <a:t>貪吃蛇，大家對於這遊戲一定不會很陌生，所以操作上也不會覺得不容易上手。</a:t>
+              <a:rPr lang="en-US" altLang="zh-TW" sz="2800" dirty="0" smtClean="0"/>
+              <a:t>:</a:t>
             </a:r>
-            <a:endParaRPr kumimoji="1" lang="zh-TW" altLang="en-US" dirty="0"/>
-          </a:p>
-        </p:txBody>
-      </p:sp>
-      <p:sp>
-        <p:nvSpPr>
-          <p:cNvPr id="7" name="文字方塊 6"/>
+            <a:r>
+              <a:rPr lang="zh-TW" altLang="en-US" sz="2800" dirty="0" smtClean="0"/>
+              <a:t>檢測遊戲自撞、隨機產生設定、穿過邊界後設定。</a:t>
+            </a:r>
+            <a:endParaRPr lang="zh-TW" altLang="en-US" sz="2800" dirty="0"/>
+          </a:p>
+        </p:txBody>
+      </p:sp>
+      <p:sp>
+        <p:nvSpPr>
+          <p:cNvPr id="10" name="文字方塊 9"/>
           <p:cNvSpPr txBox="1"/>
           <p:nvPr/>
         </p:nvSpPr>
         <p:spPr>
           <a:xfrm>
-            <a:off x="815282" y="2374996"/>
+            <a:off x="29832" y="2435915"/>
             <a:ext cx="4076412" cy="707886"/>
           </a:xfrm>
           <a:prstGeom prst="rect">
@@ -8289,7 +8313,7 @@
           <a:p>
             <a:pPr algn="ctr"/>
             <a:r>
-              <a:rPr kumimoji="1" lang="zh-TW" altLang="en-US" sz="4000" dirty="0" smtClean="0">
+              <a:rPr kumimoji="1" lang="en-US" altLang="zh-TW" sz="4000" dirty="0" err="1" smtClean="0">
                 <a:solidFill>
                   <a:srgbClr val="4F5050"/>
                 </a:solidFill>
@@ -8297,7 +8321,18 @@
                 <a:ea typeface="微軟正黑體"/>
                 <a:cs typeface="微軟正黑體"/>
               </a:rPr>
-              <a:t>功 能 介 紹</a:t>
+              <a:t>Git</a:t>
+            </a:r>
+            <a:r>
+              <a:rPr kumimoji="1" lang="en-US" altLang="zh-TW" sz="4000" dirty="0" smtClean="0">
+                <a:solidFill>
+                  <a:srgbClr val="4F5050"/>
+                </a:solidFill>
+                <a:latin typeface="微軟正黑體"/>
+                <a:ea typeface="微軟正黑體"/>
+                <a:cs typeface="微軟正黑體"/>
+              </a:rPr>
+              <a:t> Hub</a:t>
             </a:r>
             <a:endParaRPr kumimoji="1" lang="zh-TW" altLang="en-US" sz="4000" dirty="0">
               <a:solidFill>
@@ -8310,112 +8345,10 @@
           </a:p>
         </p:txBody>
       </p:sp>
-      <p:pic>
-        <p:nvPicPr>
-          <p:cNvPr id="3" name="圖片 2"/>
-          <p:cNvPicPr>
-            <a:picLocks noChangeAspect="1"/>
-          </p:cNvPicPr>
-          <p:nvPr/>
-        </p:nvPicPr>
-        <p:blipFill>
-          <a:blip r:embed="rId2">
-            <a:extLst>
-              <a:ext uri="{28A0092B-C50C-407E-A947-70E740481C1C}">
-                <a14:useLocalDpi xmlns:a14="http://schemas.microsoft.com/office/drawing/2010/main" val="0"/>
-              </a:ext>
-            </a:extLst>
-          </a:blip>
-          <a:stretch>
-            <a:fillRect/>
-          </a:stretch>
-        </p:blipFill>
-        <p:spPr>
-          <a:xfrm>
-            <a:off x="6380244" y="1505092"/>
-            <a:ext cx="2156543" cy="3685471"/>
-          </a:xfrm>
-          <a:prstGeom prst="rect">
-            <a:avLst/>
-          </a:prstGeom>
-        </p:spPr>
-      </p:pic>
-      <p:pic>
-        <p:nvPicPr>
-          <p:cNvPr id="4" name="圖片 3"/>
-          <p:cNvPicPr>
-            <a:picLocks noChangeAspect="1"/>
-          </p:cNvPicPr>
-          <p:nvPr/>
-        </p:nvPicPr>
-        <p:blipFill>
-          <a:blip r:embed="rId3">
-            <a:extLst>
-              <a:ext uri="{28A0092B-C50C-407E-A947-70E740481C1C}">
-                <a14:useLocalDpi xmlns:a14="http://schemas.microsoft.com/office/drawing/2010/main" val="0"/>
-              </a:ext>
-            </a:extLst>
-          </a:blip>
-          <a:stretch>
-            <a:fillRect/>
-          </a:stretch>
-        </p:blipFill>
-        <p:spPr>
-          <a:xfrm>
-            <a:off x="8943140" y="1505092"/>
-            <a:ext cx="2207231" cy="3686400"/>
-          </a:xfrm>
-          <a:prstGeom prst="rect">
-            <a:avLst/>
-          </a:prstGeom>
-        </p:spPr>
-      </p:pic>
-      <p:sp>
-        <p:nvSpPr>
-          <p:cNvPr id="11" name="文字方塊 10"/>
-          <p:cNvSpPr txBox="1"/>
-          <p:nvPr/>
-        </p:nvSpPr>
-        <p:spPr>
-          <a:xfrm>
-            <a:off x="100618" y="3344982"/>
-            <a:ext cx="6201570" cy="923330"/>
-          </a:xfrm>
-          <a:prstGeom prst="rect">
-            <a:avLst/>
-          </a:prstGeom>
-          <a:noFill/>
-        </p:spPr>
-        <p:txBody>
-          <a:bodyPr wrap="square" rtlCol="0">
-            <a:spAutoFit/>
-          </a:bodyPr>
-          <a:lstStyle/>
-          <a:p>
-            <a:r>
-              <a:rPr kumimoji="1" lang="zh-TW" altLang="en-US" dirty="0" smtClean="0"/>
-              <a:t>點選開始遊戲後按點擊，遊戲即可開始，基本的點選上下左右來操作貪吃蛇的</a:t>
-            </a:r>
-            <a:r>
-              <a:rPr kumimoji="1" lang="zh-TW" altLang="en-US" dirty="0" smtClean="0"/>
-              <a:t>位置，當吃到東西時會變長，如果讓自己撞到自己時就</a:t>
-            </a:r>
-            <a:r>
-              <a:rPr kumimoji="1" lang="en-US" altLang="zh-TW" dirty="0" smtClean="0"/>
-              <a:t>Game over</a:t>
-            </a:r>
-            <a:r>
-              <a:rPr kumimoji="1" lang="zh-TW" altLang="en-US" dirty="0" smtClean="0"/>
-              <a:t>，可以選擇重新來一次或結束。</a:t>
-            </a:r>
-            <a:endParaRPr kumimoji="1" lang="zh-TW" altLang="en-US" dirty="0"/>
-          </a:p>
-        </p:txBody>
-      </p:sp>
     </p:spTree>
     <p:extLst>
       <p:ext uri="{BB962C8B-B14F-4D97-AF65-F5344CB8AC3E}">
-        <p14:creationId xmlns:p14="http://schemas.microsoft.com/office/powerpoint/2010/main" val="3417016737"/>
+        <p14:creationId xmlns:p14="http://schemas.microsoft.com/office/powerpoint/2010/main" val="2184652265"/>
       </p:ext>
     </p:extLst>
   </p:cSld>
@@ -8432,7 +8365,7 @@
 </p:sld>
 </file>
 
-<file path=ppt/slides/slide3.xml><?xml version="1.0" encoding="utf-8"?>
+<file path=ppt/slides/slide2.xml><?xml version="1.0" encoding="utf-8"?>
 <p:sld xmlns:a="http://schemas.openxmlformats.org/drawingml/2006/main" xmlns:r="http://schemas.openxmlformats.org/officeDocument/2006/relationships" xmlns:p="http://schemas.openxmlformats.org/presentationml/2006/main">
   <p:cSld>
     <p:spTree>
@@ -8454,7 +8387,7 @@
           <p:cNvPr id="24" name="Rectangle 23">
             <a:extLst>
               <a:ext uri="{FF2B5EF4-FFF2-40B4-BE49-F238E27FC236}">
-                <a16:creationId xmlns:a16="http://schemas.microsoft.com/office/drawing/2014/main" xmlns="" id="{9AB1D167-998A-45D7-BA24-D81886C9ECB0}"/>
+                <a16:creationId xmlns="" xmlns:a16="http://schemas.microsoft.com/office/drawing/2014/main" id="{9AB1D167-998A-45D7-BA24-D81886C9ECB0}"/>
               </a:ext>
             </a:extLst>
           </p:cNvPr>
@@ -8499,437 +8432,16 @@
           <a:lstStyle/>
           <a:p>
             <a:pPr algn="ctr"/>
-            <a:r>
-              <a:rPr lang="en-US" altLang="zh-TW" dirty="0"/>
-              <a:t>$</a:t>
-            </a:r>
-            <a:r>
-              <a:rPr lang="en-US" altLang="zh-TW" dirty="0" smtClean="0"/>
-              <a:t>g</a:t>
-            </a:r>
-            <a:endParaRPr lang="en-US" dirty="0"/>
-          </a:p>
-        </p:txBody>
-      </p:sp>
-      <p:sp>
-        <p:nvSpPr>
-          <p:cNvPr id="6" name="矩形 5"/>
-          <p:cNvSpPr/>
-          <p:nvPr/>
-        </p:nvSpPr>
-        <p:spPr>
-          <a:xfrm>
-            <a:off x="1255231" y="1508431"/>
-            <a:ext cx="1532965" cy="914400"/>
-          </a:xfrm>
-          <a:prstGeom prst="rect">
-            <a:avLst/>
-          </a:prstGeom>
-          <a:solidFill>
-            <a:schemeClr val="accent5"/>
-          </a:solidFill>
-        </p:spPr>
-        <p:style>
-          <a:lnRef idx="2">
-            <a:schemeClr val="accent1">
-              <a:shade val="50000"/>
-            </a:schemeClr>
-          </a:lnRef>
-          <a:fillRef idx="1">
-            <a:schemeClr val="accent1"/>
-          </a:fillRef>
-          <a:effectRef idx="0">
-            <a:schemeClr val="accent1"/>
-          </a:effectRef>
-          <a:fontRef idx="minor">
-            <a:schemeClr val="lt1"/>
-          </a:fontRef>
-        </p:style>
-        <p:txBody>
-          <a:bodyPr rtlCol="0" anchor="ctr"/>
-          <a:lstStyle/>
-          <a:p>
-            <a:pPr algn="ctr"/>
-            <a:r>
-              <a:rPr lang="zh-TW" altLang="en-US" dirty="0"/>
-              <a:t>開始遊戲</a:t>
-            </a:r>
-          </a:p>
-        </p:txBody>
-      </p:sp>
-      <p:cxnSp>
-        <p:nvCxnSpPr>
-          <p:cNvPr id="12" name="直線單箭頭接點 11"/>
-          <p:cNvCxnSpPr>
-            <a:stCxn id="6" idx="3"/>
-          </p:cNvCxnSpPr>
-          <p:nvPr/>
-        </p:nvCxnSpPr>
-        <p:spPr>
-          <a:xfrm>
-            <a:off x="2788196" y="1965631"/>
-            <a:ext cx="663388" cy="0"/>
-          </a:xfrm>
-          <a:prstGeom prst="straightConnector1">
-            <a:avLst/>
-          </a:prstGeom>
-          <a:ln>
-            <a:tailEnd type="arrow"/>
-          </a:ln>
-        </p:spPr>
-        <p:style>
-          <a:lnRef idx="1">
-            <a:schemeClr val="accent1"/>
-          </a:lnRef>
-          <a:fillRef idx="0">
-            <a:schemeClr val="accent1"/>
-          </a:fillRef>
-          <a:effectRef idx="0">
-            <a:schemeClr val="accent1"/>
-          </a:effectRef>
-          <a:fontRef idx="minor">
-            <a:schemeClr val="tx1"/>
-          </a:fontRef>
-        </p:style>
-      </p:cxnSp>
-      <p:sp>
-        <p:nvSpPr>
-          <p:cNvPr id="15" name="矩形 14"/>
-          <p:cNvSpPr/>
-          <p:nvPr/>
-        </p:nvSpPr>
-        <p:spPr>
-          <a:xfrm>
-            <a:off x="3451584" y="1508431"/>
-            <a:ext cx="1532965" cy="914400"/>
-          </a:xfrm>
-          <a:prstGeom prst="rect">
-            <a:avLst/>
-          </a:prstGeom>
-          <a:solidFill>
-            <a:schemeClr val="accent5"/>
-          </a:solidFill>
-        </p:spPr>
-        <p:style>
-          <a:lnRef idx="2">
-            <a:schemeClr val="accent1">
-              <a:shade val="50000"/>
-            </a:schemeClr>
-          </a:lnRef>
-          <a:fillRef idx="1">
-            <a:schemeClr val="accent1"/>
-          </a:fillRef>
-          <a:effectRef idx="0">
-            <a:schemeClr val="accent1"/>
-          </a:effectRef>
-          <a:fontRef idx="minor">
-            <a:schemeClr val="lt1"/>
-          </a:fontRef>
-        </p:style>
-        <p:txBody>
-          <a:bodyPr rtlCol="0" anchor="ctr"/>
-          <a:lstStyle/>
-          <a:p>
-            <a:pPr algn="ctr"/>
-            <a:r>
-              <a:rPr lang="zh-TW" altLang="en-US" dirty="0" smtClean="0"/>
-              <a:t>點擊</a:t>
-            </a:r>
-            <a:endParaRPr lang="zh-TW" altLang="en-US" dirty="0"/>
-          </a:p>
-        </p:txBody>
-      </p:sp>
-      <p:cxnSp>
-        <p:nvCxnSpPr>
-          <p:cNvPr id="7" name="直線單箭頭接點 6"/>
-          <p:cNvCxnSpPr/>
-          <p:nvPr/>
-        </p:nvCxnSpPr>
-        <p:spPr>
-          <a:xfrm>
-            <a:off x="4989891" y="1966155"/>
-            <a:ext cx="663388" cy="0"/>
-          </a:xfrm>
-          <a:prstGeom prst="straightConnector1">
-            <a:avLst/>
-          </a:prstGeom>
-          <a:ln>
-            <a:tailEnd type="arrow"/>
-          </a:ln>
-        </p:spPr>
-        <p:style>
-          <a:lnRef idx="1">
-            <a:schemeClr val="accent1"/>
-          </a:lnRef>
-          <a:fillRef idx="0">
-            <a:schemeClr val="accent1"/>
-          </a:fillRef>
-          <a:effectRef idx="0">
-            <a:schemeClr val="accent1"/>
-          </a:effectRef>
-          <a:fontRef idx="minor">
-            <a:schemeClr val="tx1"/>
-          </a:fontRef>
-        </p:style>
-      </p:cxnSp>
-      <p:sp>
-        <p:nvSpPr>
-          <p:cNvPr id="9" name="矩形 8"/>
-          <p:cNvSpPr/>
-          <p:nvPr/>
-        </p:nvSpPr>
-        <p:spPr>
-          <a:xfrm>
-            <a:off x="5653279" y="1508431"/>
-            <a:ext cx="1532965" cy="914400"/>
-          </a:xfrm>
-          <a:prstGeom prst="rect">
-            <a:avLst/>
-          </a:prstGeom>
-          <a:solidFill>
-            <a:schemeClr val="accent5"/>
-          </a:solidFill>
-        </p:spPr>
-        <p:style>
-          <a:lnRef idx="2">
-            <a:schemeClr val="accent1">
-              <a:shade val="50000"/>
-            </a:schemeClr>
-          </a:lnRef>
-          <a:fillRef idx="1">
-            <a:schemeClr val="accent1"/>
-          </a:fillRef>
-          <a:effectRef idx="0">
-            <a:schemeClr val="accent1"/>
-          </a:effectRef>
-          <a:fontRef idx="minor">
-            <a:schemeClr val="lt1"/>
-          </a:fontRef>
-        </p:style>
-        <p:txBody>
-          <a:bodyPr rtlCol="0" anchor="ctr"/>
-          <a:lstStyle/>
-          <a:p>
-            <a:pPr algn="ctr"/>
-            <a:r>
-              <a:rPr lang="zh-TW" altLang="en-US" dirty="0" smtClean="0"/>
-              <a:t>遊戲執行</a:t>
-            </a:r>
-            <a:endParaRPr lang="zh-TW" altLang="en-US" dirty="0"/>
-          </a:p>
-        </p:txBody>
-      </p:sp>
-      <p:sp>
-        <p:nvSpPr>
-          <p:cNvPr id="2" name="文字方塊 1"/>
-          <p:cNvSpPr txBox="1"/>
-          <p:nvPr/>
-        </p:nvSpPr>
-        <p:spPr>
-          <a:xfrm>
-            <a:off x="2520073" y="1024827"/>
-            <a:ext cx="1199634" cy="369332"/>
-          </a:xfrm>
-          <a:prstGeom prst="rect">
-            <a:avLst/>
-          </a:prstGeom>
-          <a:noFill/>
-        </p:spPr>
-        <p:txBody>
-          <a:bodyPr wrap="square" rtlCol="0">
-            <a:spAutoFit/>
-          </a:bodyPr>
-          <a:lstStyle/>
-          <a:p>
-            <a:r>
-              <a:rPr lang="zh-TW" altLang="en-US" dirty="0" smtClean="0"/>
-              <a:t>到主畫面</a:t>
-            </a:r>
-            <a:endParaRPr lang="zh-TW" altLang="en-US" dirty="0"/>
-          </a:p>
-        </p:txBody>
-      </p:sp>
-      <p:sp>
-        <p:nvSpPr>
-          <p:cNvPr id="17" name="矩形 16"/>
-          <p:cNvSpPr/>
-          <p:nvPr/>
-        </p:nvSpPr>
-        <p:spPr>
-          <a:xfrm>
-            <a:off x="5653279" y="3167240"/>
-            <a:ext cx="1532965" cy="914400"/>
-          </a:xfrm>
-          <a:prstGeom prst="rect">
-            <a:avLst/>
-          </a:prstGeom>
-          <a:solidFill>
-            <a:schemeClr val="accent5"/>
-          </a:solidFill>
-        </p:spPr>
-        <p:style>
-          <a:lnRef idx="2">
-            <a:schemeClr val="accent1">
-              <a:shade val="50000"/>
-            </a:schemeClr>
-          </a:lnRef>
-          <a:fillRef idx="1">
-            <a:schemeClr val="accent1"/>
-          </a:fillRef>
-          <a:effectRef idx="0">
-            <a:schemeClr val="accent1"/>
-          </a:effectRef>
-          <a:fontRef idx="minor">
-            <a:schemeClr val="lt1"/>
-          </a:fontRef>
-        </p:style>
-        <p:txBody>
-          <a:bodyPr rtlCol="0" anchor="ctr"/>
-          <a:lstStyle/>
-          <a:p>
-            <a:pPr algn="ctr"/>
-            <a:r>
-              <a:rPr lang="zh-TW" altLang="en-US" dirty="0" smtClean="0"/>
-              <a:t>吃到食物</a:t>
-            </a:r>
-            <a:endParaRPr lang="zh-TW" altLang="en-US" dirty="0"/>
-          </a:p>
-        </p:txBody>
-      </p:sp>
-      <p:cxnSp>
-        <p:nvCxnSpPr>
-          <p:cNvPr id="19" name="直線單箭頭接點 18"/>
-          <p:cNvCxnSpPr/>
-          <p:nvPr/>
-        </p:nvCxnSpPr>
-        <p:spPr>
-          <a:xfrm>
-            <a:off x="6419761" y="2422831"/>
-            <a:ext cx="1" cy="744409"/>
-          </a:xfrm>
-          <a:prstGeom prst="straightConnector1">
-            <a:avLst/>
-          </a:prstGeom>
-          <a:ln>
-            <a:tailEnd type="arrow"/>
-          </a:ln>
-        </p:spPr>
-        <p:style>
-          <a:lnRef idx="1">
-            <a:schemeClr val="accent1"/>
-          </a:lnRef>
-          <a:fillRef idx="0">
-            <a:schemeClr val="accent1"/>
-          </a:fillRef>
-          <a:effectRef idx="0">
-            <a:schemeClr val="accent1"/>
-          </a:effectRef>
-          <a:fontRef idx="minor">
-            <a:schemeClr val="tx1"/>
-          </a:fontRef>
-        </p:style>
-      </p:cxnSp>
-    </p:spTree>
-    <p:extLst>
-      <p:ext uri="{BB962C8B-B14F-4D97-AF65-F5344CB8AC3E}">
-        <p14:creationId xmlns:p14="http://schemas.microsoft.com/office/powerpoint/2010/main" val="1494280406"/>
-      </p:ext>
-    </p:extLst>
-  </p:cSld>
-  <p:clrMapOvr>
-    <a:masterClrMapping/>
-  </p:clrMapOvr>
-  <p:timing>
-    <p:tnLst>
-      <p:par>
-        <p:cTn id="1" dur="indefinite" restart="never" nodeType="tmRoot"/>
-      </p:par>
-    </p:tnLst>
-  </p:timing>
-</p:sld>
-</file>
-
-<file path=ppt/slides/slide4.xml><?xml version="1.0" encoding="utf-8"?>
-<p:sld xmlns:a="http://schemas.openxmlformats.org/drawingml/2006/main" xmlns:r="http://schemas.openxmlformats.org/officeDocument/2006/relationships" xmlns:p="http://schemas.openxmlformats.org/presentationml/2006/main">
-  <p:cSld>
-    <p:spTree>
-      <p:nvGrpSpPr>
-        <p:cNvPr id="1" name=""/>
-        <p:cNvGrpSpPr/>
-        <p:nvPr/>
-      </p:nvGrpSpPr>
-      <p:grpSpPr>
-        <a:xfrm>
-          <a:off x="0" y="0"/>
-          <a:ext cx="0" cy="0"/>
-          <a:chOff x="0" y="0"/>
-          <a:chExt cx="0" cy="0"/>
-        </a:xfrm>
-      </p:grpSpPr>
-      <p:sp>
-        <p:nvSpPr>
-          <p:cNvPr id="24" name="Rectangle 23">
+            <a:endParaRPr lang="en-US"/>
+          </a:p>
+        </p:txBody>
+      </p:sp>
+      <p:sp>
+        <p:nvSpPr>
+          <p:cNvPr id="8" name="Freeform: Shape 7">
             <a:extLst>
               <a:ext uri="{FF2B5EF4-FFF2-40B4-BE49-F238E27FC236}">
-                <a16:creationId xmlns:a16="http://schemas.microsoft.com/office/drawing/2014/main" xmlns="" id="{9AB1D167-998A-45D7-BA24-D81886C9ECB0}"/>
-              </a:ext>
-            </a:extLst>
-          </p:cNvPr>
-          <p:cNvSpPr/>
-          <p:nvPr/>
-        </p:nvSpPr>
-        <p:spPr>
-          <a:xfrm>
-            <a:off x="0" y="0"/>
-            <a:ext cx="12192000" cy="6858000"/>
-          </a:xfrm>
-          <a:prstGeom prst="rect">
-            <a:avLst/>
-          </a:prstGeom>
-          <a:solidFill>
-            <a:schemeClr val="bg1">
-              <a:lumMod val="85000"/>
-            </a:schemeClr>
-          </a:solidFill>
-          <a:ln>
-            <a:noFill/>
-          </a:ln>
-        </p:spPr>
-        <p:style>
-          <a:lnRef idx="2">
-            <a:schemeClr val="accent1">
-              <a:shade val="50000"/>
-            </a:schemeClr>
-          </a:lnRef>
-          <a:fillRef idx="1">
-            <a:schemeClr val="accent1"/>
-          </a:fillRef>
-          <a:effectRef idx="0">
-            <a:schemeClr val="accent1"/>
-          </a:effectRef>
-          <a:fontRef idx="minor">
-            <a:schemeClr val="lt1"/>
-          </a:fontRef>
-        </p:style>
-        <p:txBody>
-          <a:bodyPr rtlCol="0" anchor="ctr"/>
-          <a:lstStyle/>
-          <a:p>
-            <a:pPr algn="ctr"/>
-            <a:endParaRPr lang="en-US">
-              <a:solidFill>
-                <a:prstClr val="white"/>
-              </a:solidFill>
-            </a:endParaRPr>
-          </a:p>
-        </p:txBody>
-      </p:sp>
-      <p:sp>
-        <p:nvSpPr>
-          <p:cNvPr id="8" name="Freeform: Shape 7">
-            <a:extLst>
-              <a:ext uri="{FF2B5EF4-FFF2-40B4-BE49-F238E27FC236}">
-                <a16:creationId xmlns:a16="http://schemas.microsoft.com/office/drawing/2014/main" xmlns="" id="{4BA40D94-E0A7-4C36-928C-B5FBF48FAA98}"/>
+                <a16:creationId xmlns="" xmlns:a16="http://schemas.microsoft.com/office/drawing/2014/main" id="{4BA40D94-E0A7-4C36-928C-B5FBF48FAA98}"/>
               </a:ext>
             </a:extLst>
           </p:cNvPr>
@@ -9050,11 +8562,7 @@
           <a:lstStyle/>
           <a:p>
             <a:pPr algn="ctr"/>
-            <a:endParaRPr lang="en-US">
-              <a:solidFill>
-                <a:prstClr val="white"/>
-              </a:solidFill>
-            </a:endParaRPr>
+            <a:endParaRPr lang="en-US"/>
           </a:p>
         </p:txBody>
       </p:sp>
@@ -9063,7 +8571,7 @@
           <p:cNvPr id="9" name="Freeform: Shape 8">
             <a:extLst>
               <a:ext uri="{FF2B5EF4-FFF2-40B4-BE49-F238E27FC236}">
-                <a16:creationId xmlns:a16="http://schemas.microsoft.com/office/drawing/2014/main" xmlns="" id="{6A16AEE4-04D8-4FF7-AA27-E6A8BFBC114D}"/>
+                <a16:creationId xmlns="" xmlns:a16="http://schemas.microsoft.com/office/drawing/2014/main" id="{6A16AEE4-04D8-4FF7-AA27-E6A8BFBC114D}"/>
               </a:ext>
             </a:extLst>
           </p:cNvPr>
@@ -9167,11 +8675,7 @@
           <a:lstStyle/>
           <a:p>
             <a:pPr algn="ctr"/>
-            <a:endParaRPr lang="en-US">
-              <a:solidFill>
-                <a:prstClr val="white"/>
-              </a:solidFill>
-            </a:endParaRPr>
+            <a:endParaRPr lang="en-US" dirty="0"/>
           </a:p>
         </p:txBody>
       </p:sp>
@@ -9183,7 +8687,7 @@
         </p:nvSpPr>
         <p:spPr>
           <a:xfrm>
-            <a:off x="-164813" y="2579350"/>
+            <a:off x="815282" y="454715"/>
             <a:ext cx="4076412" cy="707886"/>
           </a:xfrm>
           <a:prstGeom prst="rect">
@@ -9199,7 +8703,7 @@
           <a:p>
             <a:pPr algn="ctr"/>
             <a:r>
-              <a:rPr kumimoji="1" lang="zh-TW" altLang="en-US" sz="4000" dirty="0">
+              <a:rPr kumimoji="1" lang="zh-TW" altLang="en-US" sz="4000" dirty="0" smtClean="0">
                 <a:solidFill>
                   <a:srgbClr val="4F5050"/>
                 </a:solidFill>
@@ -9207,8 +8711,103 @@
                 <a:ea typeface="微軟正黑體"/>
                 <a:cs typeface="微軟正黑體"/>
               </a:rPr>
-              <a:t>流程圖</a:t>
+              <a:t>動 機</a:t>
             </a:r>
+            <a:endParaRPr kumimoji="1" lang="zh-TW" altLang="en-US" sz="4000" dirty="0">
+              <a:solidFill>
+                <a:srgbClr val="4F5050"/>
+              </a:solidFill>
+              <a:latin typeface="微軟正黑體"/>
+              <a:ea typeface="微軟正黑體"/>
+              <a:cs typeface="微軟正黑體"/>
+            </a:endParaRPr>
+          </a:p>
+        </p:txBody>
+      </p:sp>
+      <p:sp>
+        <p:nvSpPr>
+          <p:cNvPr id="5" name="文字方塊 4"/>
+          <p:cNvSpPr txBox="1"/>
+          <p:nvPr/>
+        </p:nvSpPr>
+        <p:spPr>
+          <a:xfrm>
+            <a:off x="100618" y="1162601"/>
+            <a:ext cx="6201570" cy="923330"/>
+          </a:xfrm>
+          <a:prstGeom prst="rect">
+            <a:avLst/>
+          </a:prstGeom>
+          <a:noFill/>
+        </p:spPr>
+        <p:txBody>
+          <a:bodyPr wrap="square" rtlCol="0">
+            <a:spAutoFit/>
+          </a:bodyPr>
+          <a:lstStyle/>
+          <a:p>
+            <a:r>
+              <a:rPr kumimoji="1" lang="zh-TW" altLang="en-US" dirty="0"/>
+              <a:t>一開始做專題就想到以遊戲類</a:t>
+            </a:r>
+            <a:r>
+              <a:rPr kumimoji="1" lang="zh-TW" altLang="en-US" dirty="0" smtClean="0"/>
+              <a:t>為主，就想要做經典的網頁遊戲</a:t>
+            </a:r>
+            <a:r>
+              <a:rPr kumimoji="1" lang="en-US" altLang="zh-TW" dirty="0" smtClean="0"/>
+              <a:t>-</a:t>
+            </a:r>
+            <a:r>
+              <a:rPr kumimoji="1" lang="zh-TW" altLang="en-US" dirty="0" smtClean="0"/>
+              <a:t>貪吃蛇，大家對於這遊戲一定不會很陌生，所以操作上也不會覺得不容易上手。</a:t>
+            </a:r>
+            <a:endParaRPr kumimoji="1" lang="zh-TW" altLang="en-US" dirty="0"/>
+          </a:p>
+        </p:txBody>
+      </p:sp>
+      <p:sp>
+        <p:nvSpPr>
+          <p:cNvPr id="7" name="文字方塊 6"/>
+          <p:cNvSpPr txBox="1"/>
+          <p:nvPr/>
+        </p:nvSpPr>
+        <p:spPr>
+          <a:xfrm>
+            <a:off x="815282" y="2374996"/>
+            <a:ext cx="4076412" cy="707886"/>
+          </a:xfrm>
+          <a:prstGeom prst="rect">
+            <a:avLst/>
+          </a:prstGeom>
+          <a:noFill/>
+        </p:spPr>
+        <p:txBody>
+          <a:bodyPr wrap="square" rtlCol="0">
+            <a:spAutoFit/>
+          </a:bodyPr>
+          <a:lstStyle/>
+          <a:p>
+            <a:pPr algn="ctr"/>
+            <a:r>
+              <a:rPr kumimoji="1" lang="zh-TW" altLang="en-US" sz="4000" dirty="0" smtClean="0">
+                <a:solidFill>
+                  <a:srgbClr val="4F5050"/>
+                </a:solidFill>
+                <a:latin typeface="微軟正黑體"/>
+                <a:ea typeface="微軟正黑體"/>
+                <a:cs typeface="微軟正黑體"/>
+              </a:rPr>
+              <a:t>功 能 介 紹</a:t>
+            </a:r>
+            <a:endParaRPr kumimoji="1" lang="zh-TW" altLang="en-US" sz="4000" dirty="0">
+              <a:solidFill>
+                <a:srgbClr val="4F5050"/>
+              </a:solidFill>
+              <a:latin typeface="微軟正黑體"/>
+              <a:ea typeface="微軟正黑體"/>
+              <a:cs typeface="微軟正黑體"/>
+            </a:endParaRPr>
           </a:p>
         </p:txBody>
       </p:sp>
@@ -9234,18 +8833,86 @@
         </p:blipFill>
         <p:spPr>
           <a:xfrm>
-            <a:off x="2936878" y="149295"/>
-            <a:ext cx="4428564" cy="6559409"/>
+            <a:off x="6380243" y="886203"/>
+            <a:ext cx="2156543" cy="3685471"/>
           </a:xfrm>
           <a:prstGeom prst="rect">
             <a:avLst/>
           </a:prstGeom>
         </p:spPr>
       </p:pic>
+      <p:pic>
+        <p:nvPicPr>
+          <p:cNvPr id="4" name="圖片 3"/>
+          <p:cNvPicPr>
+            <a:picLocks noChangeAspect="1"/>
+          </p:cNvPicPr>
+          <p:nvPr/>
+        </p:nvPicPr>
+        <p:blipFill>
+          <a:blip r:embed="rId3">
+            <a:extLst>
+              <a:ext uri="{28A0092B-C50C-407E-A947-70E740481C1C}">
+                <a14:useLocalDpi xmlns:a14="http://schemas.microsoft.com/office/drawing/2010/main" val="0"/>
+              </a:ext>
+            </a:extLst>
+          </a:blip>
+          <a:stretch>
+            <a:fillRect/>
+          </a:stretch>
+        </p:blipFill>
+        <p:spPr>
+          <a:xfrm>
+            <a:off x="9023823" y="886203"/>
+            <a:ext cx="2207231" cy="3686400"/>
+          </a:xfrm>
+          <a:prstGeom prst="rect">
+            <a:avLst/>
+          </a:prstGeom>
+        </p:spPr>
+      </p:pic>
+      <p:sp>
+        <p:nvSpPr>
+          <p:cNvPr id="11" name="文字方塊 10"/>
+          <p:cNvSpPr txBox="1"/>
+          <p:nvPr/>
+        </p:nvSpPr>
+        <p:spPr>
+          <a:xfrm>
+            <a:off x="100618" y="3344982"/>
+            <a:ext cx="6201570" cy="923330"/>
+          </a:xfrm>
+          <a:prstGeom prst="rect">
+            <a:avLst/>
+          </a:prstGeom>
+          <a:noFill/>
+        </p:spPr>
+        <p:txBody>
+          <a:bodyPr wrap="square" rtlCol="0">
+            <a:spAutoFit/>
+          </a:bodyPr>
+          <a:lstStyle/>
+          <a:p>
+            <a:r>
+              <a:rPr kumimoji="1" lang="zh-TW" altLang="en-US" dirty="0" smtClean="0"/>
+              <a:t>點選開始遊戲後按點擊，遊戲即可開始，基本的點選上下左右來操作貪吃蛇的位置，當吃到東西時會變長，如果讓自己撞到自己時就</a:t>
+            </a:r>
+            <a:r>
+              <a:rPr kumimoji="1" lang="en-US" altLang="zh-TW" dirty="0" smtClean="0"/>
+              <a:t>Game over</a:t>
+            </a:r>
+            <a:r>
+              <a:rPr kumimoji="1" lang="zh-TW" altLang="en-US" dirty="0" smtClean="0"/>
+              <a:t>，可以選擇重新來一次或結束。</a:t>
+            </a:r>
+            <a:endParaRPr kumimoji="1" lang="zh-TW" altLang="en-US" dirty="0"/>
+          </a:p>
+        </p:txBody>
+      </p:sp>
     </p:spTree>
     <p:extLst>
       <p:ext uri="{BB962C8B-B14F-4D97-AF65-F5344CB8AC3E}">
-        <p14:creationId xmlns:p14="http://schemas.microsoft.com/office/powerpoint/2010/main" val="856147898"/>
+        <p14:creationId xmlns:p14="http://schemas.microsoft.com/office/powerpoint/2010/main" val="3417016737"/>
       </p:ext>
     </p:extLst>
   </p:cSld>
@@ -9262,7 +8929,7 @@
 </p:sld>
 </file>
 
-<file path=ppt/slides/slide5.xml><?xml version="1.0" encoding="utf-8"?>
+<file path=ppt/slides/slide3.xml><?xml version="1.0" encoding="utf-8"?>
 <p:sld xmlns:a="http://schemas.openxmlformats.org/drawingml/2006/main" xmlns:r="http://schemas.openxmlformats.org/officeDocument/2006/relationships" xmlns:p="http://schemas.openxmlformats.org/presentationml/2006/main">
   <p:cSld>
     <p:spTree>
@@ -9284,7 +8951,7 @@
           <p:cNvPr id="24" name="Rectangle 23">
             <a:extLst>
               <a:ext uri="{FF2B5EF4-FFF2-40B4-BE49-F238E27FC236}">
-                <a16:creationId xmlns:a16="http://schemas.microsoft.com/office/drawing/2014/main" xmlns="" id="{9AB1D167-998A-45D7-BA24-D81886C9ECB0}"/>
+                <a16:creationId xmlns="" xmlns:a16="http://schemas.microsoft.com/office/drawing/2014/main" id="{9AB1D167-998A-45D7-BA24-D81886C9ECB0}"/>
               </a:ext>
             </a:extLst>
           </p:cNvPr>
@@ -9293,7 +8960,7 @@
         </p:nvSpPr>
         <p:spPr>
           <a:xfrm>
-            <a:off x="0" y="-107577"/>
+            <a:off x="0" y="0"/>
             <a:ext cx="12192000" cy="6858000"/>
           </a:xfrm>
           <a:prstGeom prst="rect">
@@ -9329,7 +8996,1081 @@
           <a:lstStyle/>
           <a:p>
             <a:pPr algn="ctr"/>
-            <a:endParaRPr lang="en-US" dirty="0">
+            <a:r>
+              <a:rPr lang="en-US" altLang="zh-TW" dirty="0"/>
+              <a:t>$</a:t>
+            </a:r>
+            <a:r>
+              <a:rPr lang="en-US" altLang="zh-TW" dirty="0" smtClean="0"/>
+              <a:t>g</a:t>
+            </a:r>
+            <a:endParaRPr lang="en-US" dirty="0"/>
+          </a:p>
+        </p:txBody>
+      </p:sp>
+      <p:sp>
+        <p:nvSpPr>
+          <p:cNvPr id="6" name="矩形 5"/>
+          <p:cNvSpPr/>
+          <p:nvPr/>
+        </p:nvSpPr>
+        <p:spPr>
+          <a:xfrm>
+            <a:off x="1255231" y="1508431"/>
+            <a:ext cx="1532965" cy="914400"/>
+          </a:xfrm>
+          <a:prstGeom prst="rect">
+            <a:avLst/>
+          </a:prstGeom>
+          <a:solidFill>
+            <a:schemeClr val="accent5"/>
+          </a:solidFill>
+        </p:spPr>
+        <p:style>
+          <a:lnRef idx="2">
+            <a:schemeClr val="accent1">
+              <a:shade val="50000"/>
+            </a:schemeClr>
+          </a:lnRef>
+          <a:fillRef idx="1">
+            <a:schemeClr val="accent1"/>
+          </a:fillRef>
+          <a:effectRef idx="0">
+            <a:schemeClr val="accent1"/>
+          </a:effectRef>
+          <a:fontRef idx="minor">
+            <a:schemeClr val="lt1"/>
+          </a:fontRef>
+        </p:style>
+        <p:txBody>
+          <a:bodyPr rtlCol="0" anchor="ctr"/>
+          <a:lstStyle/>
+          <a:p>
+            <a:pPr algn="ctr"/>
+            <a:r>
+              <a:rPr lang="zh-TW" altLang="en-US" dirty="0"/>
+              <a:t>開始遊戲</a:t>
+            </a:r>
+          </a:p>
+        </p:txBody>
+      </p:sp>
+      <p:cxnSp>
+        <p:nvCxnSpPr>
+          <p:cNvPr id="12" name="直線單箭頭接點 11"/>
+          <p:cNvCxnSpPr>
+            <a:stCxn id="6" idx="3"/>
+          </p:cNvCxnSpPr>
+          <p:nvPr/>
+        </p:nvCxnSpPr>
+        <p:spPr>
+          <a:xfrm>
+            <a:off x="2788196" y="1965631"/>
+            <a:ext cx="663388" cy="0"/>
+          </a:xfrm>
+          <a:prstGeom prst="straightConnector1">
+            <a:avLst/>
+          </a:prstGeom>
+          <a:ln>
+            <a:tailEnd type="arrow"/>
+          </a:ln>
+        </p:spPr>
+        <p:style>
+          <a:lnRef idx="1">
+            <a:schemeClr val="accent1"/>
+          </a:lnRef>
+          <a:fillRef idx="0">
+            <a:schemeClr val="accent1"/>
+          </a:fillRef>
+          <a:effectRef idx="0">
+            <a:schemeClr val="accent1"/>
+          </a:effectRef>
+          <a:fontRef idx="minor">
+            <a:schemeClr val="tx1"/>
+          </a:fontRef>
+        </p:style>
+      </p:cxnSp>
+      <p:sp>
+        <p:nvSpPr>
+          <p:cNvPr id="15" name="矩形 14"/>
+          <p:cNvSpPr/>
+          <p:nvPr/>
+        </p:nvSpPr>
+        <p:spPr>
+          <a:xfrm>
+            <a:off x="3451584" y="1508431"/>
+            <a:ext cx="1532965" cy="914400"/>
+          </a:xfrm>
+          <a:prstGeom prst="rect">
+            <a:avLst/>
+          </a:prstGeom>
+          <a:solidFill>
+            <a:schemeClr val="accent5"/>
+          </a:solidFill>
+        </p:spPr>
+        <p:style>
+          <a:lnRef idx="2">
+            <a:schemeClr val="accent1">
+              <a:shade val="50000"/>
+            </a:schemeClr>
+          </a:lnRef>
+          <a:fillRef idx="1">
+            <a:schemeClr val="accent1"/>
+          </a:fillRef>
+          <a:effectRef idx="0">
+            <a:schemeClr val="accent1"/>
+          </a:effectRef>
+          <a:fontRef idx="minor">
+            <a:schemeClr val="lt1"/>
+          </a:fontRef>
+        </p:style>
+        <p:txBody>
+          <a:bodyPr rtlCol="0" anchor="ctr"/>
+          <a:lstStyle/>
+          <a:p>
+            <a:pPr algn="ctr"/>
+            <a:r>
+              <a:rPr lang="zh-TW" altLang="en-US" dirty="0" smtClean="0"/>
+              <a:t>點擊</a:t>
+            </a:r>
+            <a:endParaRPr lang="zh-TW" altLang="en-US" dirty="0"/>
+          </a:p>
+        </p:txBody>
+      </p:sp>
+      <p:cxnSp>
+        <p:nvCxnSpPr>
+          <p:cNvPr id="7" name="直線單箭頭接點 6"/>
+          <p:cNvCxnSpPr/>
+          <p:nvPr/>
+        </p:nvCxnSpPr>
+        <p:spPr>
+          <a:xfrm>
+            <a:off x="4989891" y="1966155"/>
+            <a:ext cx="663388" cy="0"/>
+          </a:xfrm>
+          <a:prstGeom prst="straightConnector1">
+            <a:avLst/>
+          </a:prstGeom>
+          <a:ln>
+            <a:tailEnd type="arrow"/>
+          </a:ln>
+        </p:spPr>
+        <p:style>
+          <a:lnRef idx="1">
+            <a:schemeClr val="accent1"/>
+          </a:lnRef>
+          <a:fillRef idx="0">
+            <a:schemeClr val="accent1"/>
+          </a:fillRef>
+          <a:effectRef idx="0">
+            <a:schemeClr val="accent1"/>
+          </a:effectRef>
+          <a:fontRef idx="minor">
+            <a:schemeClr val="tx1"/>
+          </a:fontRef>
+        </p:style>
+      </p:cxnSp>
+      <p:sp>
+        <p:nvSpPr>
+          <p:cNvPr id="9" name="矩形 8"/>
+          <p:cNvSpPr/>
+          <p:nvPr/>
+        </p:nvSpPr>
+        <p:spPr>
+          <a:xfrm>
+            <a:off x="5653279" y="1508431"/>
+            <a:ext cx="1532965" cy="914400"/>
+          </a:xfrm>
+          <a:prstGeom prst="rect">
+            <a:avLst/>
+          </a:prstGeom>
+          <a:solidFill>
+            <a:schemeClr val="accent5"/>
+          </a:solidFill>
+        </p:spPr>
+        <p:style>
+          <a:lnRef idx="2">
+            <a:schemeClr val="accent1">
+              <a:shade val="50000"/>
+            </a:schemeClr>
+          </a:lnRef>
+          <a:fillRef idx="1">
+            <a:schemeClr val="accent1"/>
+          </a:fillRef>
+          <a:effectRef idx="0">
+            <a:schemeClr val="accent1"/>
+          </a:effectRef>
+          <a:fontRef idx="minor">
+            <a:schemeClr val="lt1"/>
+          </a:fontRef>
+        </p:style>
+        <p:txBody>
+          <a:bodyPr rtlCol="0" anchor="ctr"/>
+          <a:lstStyle/>
+          <a:p>
+            <a:pPr algn="ctr"/>
+            <a:r>
+              <a:rPr lang="zh-TW" altLang="en-US" dirty="0" smtClean="0"/>
+              <a:t>遊戲執行</a:t>
+            </a:r>
+            <a:endParaRPr lang="zh-TW" altLang="en-US" dirty="0"/>
+          </a:p>
+        </p:txBody>
+      </p:sp>
+      <p:sp>
+        <p:nvSpPr>
+          <p:cNvPr id="2" name="文字方塊 1"/>
+          <p:cNvSpPr txBox="1"/>
+          <p:nvPr/>
+        </p:nvSpPr>
+        <p:spPr>
+          <a:xfrm>
+            <a:off x="2520073" y="1082472"/>
+            <a:ext cx="1199634" cy="369332"/>
+          </a:xfrm>
+          <a:prstGeom prst="rect">
+            <a:avLst/>
+          </a:prstGeom>
+          <a:noFill/>
+        </p:spPr>
+        <p:txBody>
+          <a:bodyPr wrap="square" rtlCol="0">
+            <a:spAutoFit/>
+          </a:bodyPr>
+          <a:lstStyle/>
+          <a:p>
+            <a:r>
+              <a:rPr lang="zh-TW" altLang="en-US" dirty="0" smtClean="0"/>
+              <a:t>到主畫面</a:t>
+            </a:r>
+            <a:endParaRPr lang="zh-TW" altLang="en-US" dirty="0"/>
+          </a:p>
+        </p:txBody>
+      </p:sp>
+      <p:sp>
+        <p:nvSpPr>
+          <p:cNvPr id="17" name="矩形 16"/>
+          <p:cNvSpPr/>
+          <p:nvPr/>
+        </p:nvSpPr>
+        <p:spPr>
+          <a:xfrm>
+            <a:off x="3456926" y="3167240"/>
+            <a:ext cx="1532965" cy="914400"/>
+          </a:xfrm>
+          <a:prstGeom prst="rect">
+            <a:avLst/>
+          </a:prstGeom>
+          <a:solidFill>
+            <a:schemeClr val="accent5"/>
+          </a:solidFill>
+        </p:spPr>
+        <p:style>
+          <a:lnRef idx="2">
+            <a:schemeClr val="accent1">
+              <a:shade val="50000"/>
+            </a:schemeClr>
+          </a:lnRef>
+          <a:fillRef idx="1">
+            <a:schemeClr val="accent1"/>
+          </a:fillRef>
+          <a:effectRef idx="0">
+            <a:schemeClr val="accent1"/>
+          </a:effectRef>
+          <a:fontRef idx="minor">
+            <a:schemeClr val="lt1"/>
+          </a:fontRef>
+        </p:style>
+        <p:txBody>
+          <a:bodyPr rtlCol="0" anchor="ctr"/>
+          <a:lstStyle/>
+          <a:p>
+            <a:pPr algn="ctr"/>
+            <a:r>
+              <a:rPr lang="zh-TW" altLang="en-US" dirty="0"/>
+              <a:t>變長</a:t>
+            </a:r>
+            <a:endParaRPr lang="zh-TW" altLang="en-US" dirty="0"/>
+          </a:p>
+        </p:txBody>
+      </p:sp>
+      <p:cxnSp>
+        <p:nvCxnSpPr>
+          <p:cNvPr id="19" name="直線單箭頭接點 18"/>
+          <p:cNvCxnSpPr/>
+          <p:nvPr/>
+        </p:nvCxnSpPr>
+        <p:spPr>
+          <a:xfrm>
+            <a:off x="6419761" y="2422831"/>
+            <a:ext cx="1" cy="744409"/>
+          </a:xfrm>
+          <a:prstGeom prst="straightConnector1">
+            <a:avLst/>
+          </a:prstGeom>
+          <a:ln>
+            <a:tailEnd type="arrow"/>
+          </a:ln>
+        </p:spPr>
+        <p:style>
+          <a:lnRef idx="1">
+            <a:schemeClr val="accent1"/>
+          </a:lnRef>
+          <a:fillRef idx="0">
+            <a:schemeClr val="accent1"/>
+          </a:fillRef>
+          <a:effectRef idx="0">
+            <a:schemeClr val="accent1"/>
+          </a:effectRef>
+          <a:fontRef idx="minor">
+            <a:schemeClr val="tx1"/>
+          </a:fontRef>
+        </p:style>
+      </p:cxnSp>
+      <p:cxnSp>
+        <p:nvCxnSpPr>
+          <p:cNvPr id="4" name="直線單箭頭接點 3"/>
+          <p:cNvCxnSpPr/>
+          <p:nvPr/>
+        </p:nvCxnSpPr>
+        <p:spPr>
+          <a:xfrm>
+            <a:off x="7186244" y="3624440"/>
+            <a:ext cx="674079" cy="0"/>
+          </a:xfrm>
+          <a:prstGeom prst="straightConnector1">
+            <a:avLst/>
+          </a:prstGeom>
+          <a:ln>
+            <a:tailEnd type="arrow"/>
+          </a:ln>
+        </p:spPr>
+        <p:style>
+          <a:lnRef idx="1">
+            <a:schemeClr val="accent1"/>
+          </a:lnRef>
+          <a:fillRef idx="0">
+            <a:schemeClr val="accent1"/>
+          </a:fillRef>
+          <a:effectRef idx="0">
+            <a:schemeClr val="accent1"/>
+          </a:effectRef>
+          <a:fontRef idx="minor">
+            <a:schemeClr val="tx1"/>
+          </a:fontRef>
+        </p:style>
+      </p:cxnSp>
+      <p:sp>
+        <p:nvSpPr>
+          <p:cNvPr id="13" name="矩形 12"/>
+          <p:cNvSpPr/>
+          <p:nvPr/>
+        </p:nvSpPr>
+        <p:spPr>
+          <a:xfrm>
+            <a:off x="7860323" y="3167240"/>
+            <a:ext cx="1532965" cy="914400"/>
+          </a:xfrm>
+          <a:prstGeom prst="rect">
+            <a:avLst/>
+          </a:prstGeom>
+          <a:solidFill>
+            <a:schemeClr val="accent5"/>
+          </a:solidFill>
+        </p:spPr>
+        <p:style>
+          <a:lnRef idx="2">
+            <a:schemeClr val="accent1">
+              <a:shade val="50000"/>
+            </a:schemeClr>
+          </a:lnRef>
+          <a:fillRef idx="1">
+            <a:schemeClr val="accent1"/>
+          </a:fillRef>
+          <a:effectRef idx="0">
+            <a:schemeClr val="accent1"/>
+          </a:effectRef>
+          <a:fontRef idx="minor">
+            <a:schemeClr val="lt1"/>
+          </a:fontRef>
+        </p:style>
+        <p:txBody>
+          <a:bodyPr rtlCol="0" anchor="ctr"/>
+          <a:lstStyle/>
+          <a:p>
+            <a:pPr algn="ctr"/>
+            <a:r>
+              <a:rPr lang="zh-TW" altLang="en-US" dirty="0" smtClean="0"/>
+              <a:t>吃到東西</a:t>
+            </a:r>
+            <a:endParaRPr lang="en-US" altLang="zh-TW" dirty="0"/>
+          </a:p>
+          <a:p>
+            <a:pPr algn="ctr"/>
+            <a:r>
+              <a:rPr lang="zh-TW" altLang="en-US" dirty="0" smtClean="0"/>
+              <a:t>為止</a:t>
+            </a:r>
+            <a:endParaRPr lang="zh-TW" altLang="en-US" dirty="0"/>
+          </a:p>
+        </p:txBody>
+      </p:sp>
+      <p:sp>
+        <p:nvSpPr>
+          <p:cNvPr id="14" name="文字方塊 13"/>
+          <p:cNvSpPr txBox="1"/>
+          <p:nvPr/>
+        </p:nvSpPr>
+        <p:spPr>
+          <a:xfrm>
+            <a:off x="6923466" y="2694395"/>
+            <a:ext cx="1199634" cy="369332"/>
+          </a:xfrm>
+          <a:prstGeom prst="rect">
+            <a:avLst/>
+          </a:prstGeom>
+          <a:noFill/>
+        </p:spPr>
+        <p:txBody>
+          <a:bodyPr wrap="square" rtlCol="0">
+            <a:spAutoFit/>
+          </a:bodyPr>
+          <a:lstStyle/>
+          <a:p>
+            <a:r>
+              <a:rPr lang="zh-TW" altLang="en-US" dirty="0" smtClean="0"/>
+              <a:t>       否</a:t>
+            </a:r>
+            <a:endParaRPr lang="zh-TW" altLang="en-US" dirty="0"/>
+          </a:p>
+        </p:txBody>
+      </p:sp>
+      <p:cxnSp>
+        <p:nvCxnSpPr>
+          <p:cNvPr id="8" name="直線單箭頭接點 7"/>
+          <p:cNvCxnSpPr/>
+          <p:nvPr/>
+        </p:nvCxnSpPr>
+        <p:spPr>
+          <a:xfrm flipH="1">
+            <a:off x="4989891" y="3624440"/>
+            <a:ext cx="663388" cy="0"/>
+          </a:xfrm>
+          <a:prstGeom prst="straightConnector1">
+            <a:avLst/>
+          </a:prstGeom>
+          <a:ln>
+            <a:tailEnd type="arrow"/>
+          </a:ln>
+        </p:spPr>
+        <p:style>
+          <a:lnRef idx="1">
+            <a:schemeClr val="accent1"/>
+          </a:lnRef>
+          <a:fillRef idx="0">
+            <a:schemeClr val="accent1"/>
+          </a:fillRef>
+          <a:effectRef idx="0">
+            <a:schemeClr val="accent1"/>
+          </a:effectRef>
+          <a:fontRef idx="minor">
+            <a:schemeClr val="tx1"/>
+          </a:fontRef>
+        </p:style>
+      </p:cxnSp>
+      <p:sp>
+        <p:nvSpPr>
+          <p:cNvPr id="18" name="矩形 17"/>
+          <p:cNvSpPr/>
+          <p:nvPr/>
+        </p:nvSpPr>
+        <p:spPr>
+          <a:xfrm>
+            <a:off x="5653279" y="3149655"/>
+            <a:ext cx="1532965" cy="914400"/>
+          </a:xfrm>
+          <a:prstGeom prst="rect">
+            <a:avLst/>
+          </a:prstGeom>
+          <a:solidFill>
+            <a:schemeClr val="accent5"/>
+          </a:solidFill>
+        </p:spPr>
+        <p:style>
+          <a:lnRef idx="2">
+            <a:schemeClr val="accent1">
+              <a:shade val="50000"/>
+            </a:schemeClr>
+          </a:lnRef>
+          <a:fillRef idx="1">
+            <a:schemeClr val="accent1"/>
+          </a:fillRef>
+          <a:effectRef idx="0">
+            <a:schemeClr val="accent1"/>
+          </a:effectRef>
+          <a:fontRef idx="minor">
+            <a:schemeClr val="lt1"/>
+          </a:fontRef>
+        </p:style>
+        <p:txBody>
+          <a:bodyPr rtlCol="0" anchor="ctr"/>
+          <a:lstStyle/>
+          <a:p>
+            <a:pPr algn="ctr"/>
+            <a:r>
+              <a:rPr lang="zh-TW" altLang="en-US" dirty="0" smtClean="0"/>
+              <a:t>吃到食物</a:t>
+            </a:r>
+            <a:endParaRPr lang="zh-TW" altLang="en-US" dirty="0"/>
+          </a:p>
+        </p:txBody>
+      </p:sp>
+      <p:sp>
+        <p:nvSpPr>
+          <p:cNvPr id="20" name="文字方塊 19"/>
+          <p:cNvSpPr txBox="1"/>
+          <p:nvPr/>
+        </p:nvSpPr>
+        <p:spPr>
+          <a:xfrm>
+            <a:off x="7260506" y="5547061"/>
+            <a:ext cx="1199634" cy="369332"/>
+          </a:xfrm>
+          <a:prstGeom prst="rect">
+            <a:avLst/>
+          </a:prstGeom>
+          <a:noFill/>
+        </p:spPr>
+        <p:txBody>
+          <a:bodyPr wrap="square" rtlCol="0">
+            <a:spAutoFit/>
+          </a:bodyPr>
+          <a:lstStyle/>
+          <a:p>
+            <a:r>
+              <a:rPr lang="zh-TW" altLang="en-US" dirty="0" smtClean="0"/>
+              <a:t>       是</a:t>
+            </a:r>
+            <a:endParaRPr lang="zh-TW" altLang="en-US" dirty="0"/>
+          </a:p>
+        </p:txBody>
+      </p:sp>
+      <p:sp>
+        <p:nvSpPr>
+          <p:cNvPr id="21" name="矩形 20"/>
+          <p:cNvSpPr/>
+          <p:nvPr/>
+        </p:nvSpPr>
+        <p:spPr>
+          <a:xfrm>
+            <a:off x="5653278" y="4594524"/>
+            <a:ext cx="1532965" cy="914400"/>
+          </a:xfrm>
+          <a:prstGeom prst="rect">
+            <a:avLst/>
+          </a:prstGeom>
+          <a:solidFill>
+            <a:schemeClr val="accent5"/>
+          </a:solidFill>
+        </p:spPr>
+        <p:style>
+          <a:lnRef idx="2">
+            <a:schemeClr val="accent1">
+              <a:shade val="50000"/>
+            </a:schemeClr>
+          </a:lnRef>
+          <a:fillRef idx="1">
+            <a:schemeClr val="accent1"/>
+          </a:fillRef>
+          <a:effectRef idx="0">
+            <a:schemeClr val="accent1"/>
+          </a:effectRef>
+          <a:fontRef idx="minor">
+            <a:schemeClr val="lt1"/>
+          </a:fontRef>
+        </p:style>
+        <p:txBody>
+          <a:bodyPr rtlCol="0" anchor="ctr"/>
+          <a:lstStyle/>
+          <a:p>
+            <a:pPr algn="ctr"/>
+            <a:r>
+              <a:rPr lang="zh-TW" altLang="en-US" dirty="0"/>
+              <a:t>撞到牆壁</a:t>
+            </a:r>
+            <a:endParaRPr lang="zh-TW" altLang="en-US" dirty="0"/>
+          </a:p>
+        </p:txBody>
+      </p:sp>
+      <p:cxnSp>
+        <p:nvCxnSpPr>
+          <p:cNvPr id="11" name="肘形接點 10"/>
+          <p:cNvCxnSpPr>
+            <a:stCxn id="17" idx="2"/>
+          </p:cNvCxnSpPr>
+          <p:nvPr/>
+        </p:nvCxnSpPr>
+        <p:spPr>
+          <a:xfrm rot="16200000" flipH="1">
+            <a:off x="4453301" y="3851747"/>
+            <a:ext cx="970084" cy="1429869"/>
+          </a:xfrm>
+          <a:prstGeom prst="bentConnector2">
+            <a:avLst/>
+          </a:prstGeom>
+          <a:ln>
+            <a:tailEnd type="arrow"/>
+          </a:ln>
+        </p:spPr>
+        <p:style>
+          <a:lnRef idx="1">
+            <a:schemeClr val="accent1"/>
+          </a:lnRef>
+          <a:fillRef idx="0">
+            <a:schemeClr val="accent1"/>
+          </a:fillRef>
+          <a:effectRef idx="0">
+            <a:schemeClr val="accent1"/>
+          </a:effectRef>
+          <a:fontRef idx="minor">
+            <a:schemeClr val="tx1"/>
+          </a:fontRef>
+        </p:style>
+      </p:cxnSp>
+      <p:cxnSp>
+        <p:nvCxnSpPr>
+          <p:cNvPr id="26" name="直線單箭頭接點 25"/>
+          <p:cNvCxnSpPr>
+            <a:stCxn id="18" idx="2"/>
+            <a:endCxn id="21" idx="0"/>
+          </p:cNvCxnSpPr>
+          <p:nvPr/>
+        </p:nvCxnSpPr>
+        <p:spPr>
+          <a:xfrm flipH="1">
+            <a:off x="6419761" y="4064055"/>
+            <a:ext cx="1" cy="530469"/>
+          </a:xfrm>
+          <a:prstGeom prst="straightConnector1">
+            <a:avLst/>
+          </a:prstGeom>
+          <a:ln>
+            <a:tailEnd type="arrow"/>
+          </a:ln>
+        </p:spPr>
+        <p:style>
+          <a:lnRef idx="1">
+            <a:schemeClr val="accent1"/>
+          </a:lnRef>
+          <a:fillRef idx="0">
+            <a:schemeClr val="accent1"/>
+          </a:fillRef>
+          <a:effectRef idx="0">
+            <a:schemeClr val="accent1"/>
+          </a:effectRef>
+          <a:fontRef idx="minor">
+            <a:schemeClr val="tx1"/>
+          </a:fontRef>
+        </p:style>
+      </p:cxnSp>
+      <p:cxnSp>
+        <p:nvCxnSpPr>
+          <p:cNvPr id="29" name="肘形接點 28"/>
+          <p:cNvCxnSpPr/>
+          <p:nvPr/>
+        </p:nvCxnSpPr>
+        <p:spPr>
+          <a:xfrm rot="10800000" flipV="1">
+            <a:off x="7186243" y="4081640"/>
+            <a:ext cx="2058261" cy="1061864"/>
+          </a:xfrm>
+          <a:prstGeom prst="bentConnector3">
+            <a:avLst>
+              <a:gd name="adj1" fmla="val 32913"/>
+            </a:avLst>
+          </a:prstGeom>
+          <a:ln>
+            <a:tailEnd type="arrow"/>
+          </a:ln>
+        </p:spPr>
+        <p:style>
+          <a:lnRef idx="1">
+            <a:schemeClr val="accent1"/>
+          </a:lnRef>
+          <a:fillRef idx="0">
+            <a:schemeClr val="accent1"/>
+          </a:fillRef>
+          <a:effectRef idx="0">
+            <a:schemeClr val="accent1"/>
+          </a:effectRef>
+          <a:fontRef idx="minor">
+            <a:schemeClr val="tx1"/>
+          </a:fontRef>
+        </p:style>
+      </p:cxnSp>
+      <p:sp>
+        <p:nvSpPr>
+          <p:cNvPr id="34" name="文字方塊 33"/>
+          <p:cNvSpPr txBox="1"/>
+          <p:nvPr/>
+        </p:nvSpPr>
+        <p:spPr>
+          <a:xfrm>
+            <a:off x="3615072" y="293350"/>
+            <a:ext cx="4076412" cy="707886"/>
+          </a:xfrm>
+          <a:prstGeom prst="rect">
+            <a:avLst/>
+          </a:prstGeom>
+          <a:noFill/>
+        </p:spPr>
+        <p:txBody>
+          <a:bodyPr wrap="square" rtlCol="0">
+            <a:spAutoFit/>
+          </a:bodyPr>
+          <a:lstStyle/>
+          <a:p>
+            <a:pPr algn="ctr"/>
+            <a:r>
+              <a:rPr kumimoji="1" lang="zh-TW" altLang="en-US" sz="4000" dirty="0">
+                <a:solidFill>
+                  <a:srgbClr val="4F5050"/>
+                </a:solidFill>
+                <a:latin typeface="微軟正黑體"/>
+                <a:ea typeface="微軟正黑體"/>
+                <a:cs typeface="微軟正黑體"/>
+              </a:rPr>
+              <a:t>程式架構</a:t>
+            </a:r>
+            <a:r>
+              <a:rPr kumimoji="1" lang="zh-TW" altLang="en-US" sz="4000" dirty="0" smtClean="0">
+                <a:solidFill>
+                  <a:srgbClr val="4F5050"/>
+                </a:solidFill>
+                <a:latin typeface="微軟正黑體"/>
+                <a:ea typeface="微軟正黑體"/>
+                <a:cs typeface="微軟正黑體"/>
+              </a:rPr>
+              <a:t>圖</a:t>
+            </a:r>
+            <a:endParaRPr kumimoji="1" lang="zh-TW" altLang="en-US" sz="4000" dirty="0">
+              <a:solidFill>
+                <a:srgbClr val="4F5050"/>
+              </a:solidFill>
+              <a:latin typeface="微軟正黑體"/>
+              <a:ea typeface="微軟正黑體"/>
+              <a:cs typeface="微軟正黑體"/>
+            </a:endParaRPr>
+          </a:p>
+        </p:txBody>
+      </p:sp>
+      <p:cxnSp>
+        <p:nvCxnSpPr>
+          <p:cNvPr id="35" name="直線單箭頭接點 34"/>
+          <p:cNvCxnSpPr/>
+          <p:nvPr/>
+        </p:nvCxnSpPr>
+        <p:spPr>
+          <a:xfrm flipH="1">
+            <a:off x="6393897" y="5454472"/>
+            <a:ext cx="1" cy="530469"/>
+          </a:xfrm>
+          <a:prstGeom prst="straightConnector1">
+            <a:avLst/>
+          </a:prstGeom>
+          <a:ln>
+            <a:tailEnd type="arrow"/>
+          </a:ln>
+        </p:spPr>
+        <p:style>
+          <a:lnRef idx="1">
+            <a:schemeClr val="accent1"/>
+          </a:lnRef>
+          <a:fillRef idx="0">
+            <a:schemeClr val="accent1"/>
+          </a:fillRef>
+          <a:effectRef idx="0">
+            <a:schemeClr val="accent1"/>
+          </a:effectRef>
+          <a:fontRef idx="minor">
+            <a:schemeClr val="tx1"/>
+          </a:fontRef>
+        </p:style>
+      </p:cxnSp>
+      <p:sp>
+        <p:nvSpPr>
+          <p:cNvPr id="36" name="矩形 35"/>
+          <p:cNvSpPr/>
+          <p:nvPr/>
+        </p:nvSpPr>
+        <p:spPr>
+          <a:xfrm>
+            <a:off x="5653279" y="5943600"/>
+            <a:ext cx="1532965" cy="914400"/>
+          </a:xfrm>
+          <a:prstGeom prst="rect">
+            <a:avLst/>
+          </a:prstGeom>
+          <a:solidFill>
+            <a:schemeClr val="accent5"/>
+          </a:solidFill>
+        </p:spPr>
+        <p:style>
+          <a:lnRef idx="2">
+            <a:schemeClr val="accent1">
+              <a:shade val="50000"/>
+            </a:schemeClr>
+          </a:lnRef>
+          <a:fillRef idx="1">
+            <a:schemeClr val="accent1"/>
+          </a:fillRef>
+          <a:effectRef idx="0">
+            <a:schemeClr val="accent1"/>
+          </a:effectRef>
+          <a:fontRef idx="minor">
+            <a:schemeClr val="lt1"/>
+          </a:fontRef>
+        </p:style>
+        <p:txBody>
+          <a:bodyPr rtlCol="0" anchor="ctr"/>
+          <a:lstStyle/>
+          <a:p>
+            <a:pPr algn="ctr"/>
+            <a:r>
+              <a:rPr lang="zh-TW" altLang="en-US" dirty="0" smtClean="0"/>
+              <a:t>遊戲結束</a:t>
+            </a:r>
+            <a:endParaRPr lang="zh-TW" altLang="en-US" dirty="0"/>
+          </a:p>
+        </p:txBody>
+      </p:sp>
+      <p:cxnSp>
+        <p:nvCxnSpPr>
+          <p:cNvPr id="38" name="直線單箭頭接點 37"/>
+          <p:cNvCxnSpPr/>
+          <p:nvPr/>
+        </p:nvCxnSpPr>
+        <p:spPr>
+          <a:xfrm flipH="1">
+            <a:off x="3935506" y="5280212"/>
+            <a:ext cx="1717773" cy="174260"/>
+          </a:xfrm>
+          <a:prstGeom prst="straightConnector1">
+            <a:avLst/>
+          </a:prstGeom>
+          <a:ln>
+            <a:tailEnd type="arrow"/>
+          </a:ln>
+        </p:spPr>
+        <p:style>
+          <a:lnRef idx="1">
+            <a:schemeClr val="accent1"/>
+          </a:lnRef>
+          <a:fillRef idx="0">
+            <a:schemeClr val="accent1"/>
+          </a:fillRef>
+          <a:effectRef idx="0">
+            <a:schemeClr val="accent1"/>
+          </a:effectRef>
+          <a:fontRef idx="minor">
+            <a:schemeClr val="tx1"/>
+          </a:fontRef>
+        </p:style>
+      </p:cxnSp>
+      <p:sp>
+        <p:nvSpPr>
+          <p:cNvPr id="39" name="矩形 38"/>
+          <p:cNvSpPr/>
+          <p:nvPr/>
+        </p:nvSpPr>
+        <p:spPr>
+          <a:xfrm>
+            <a:off x="2402541" y="5043647"/>
+            <a:ext cx="1532965" cy="914400"/>
+          </a:xfrm>
+          <a:prstGeom prst="rect">
+            <a:avLst/>
+          </a:prstGeom>
+          <a:solidFill>
+            <a:schemeClr val="accent5"/>
+          </a:solidFill>
+        </p:spPr>
+        <p:style>
+          <a:lnRef idx="2">
+            <a:schemeClr val="accent1">
+              <a:shade val="50000"/>
+            </a:schemeClr>
+          </a:lnRef>
+          <a:fillRef idx="1">
+            <a:schemeClr val="accent1"/>
+          </a:fillRef>
+          <a:effectRef idx="0">
+            <a:schemeClr val="accent1"/>
+          </a:effectRef>
+          <a:fontRef idx="minor">
+            <a:schemeClr val="lt1"/>
+          </a:fontRef>
+        </p:style>
+        <p:txBody>
+          <a:bodyPr rtlCol="0" anchor="ctr"/>
+          <a:lstStyle/>
+          <a:p>
+            <a:pPr algn="ctr"/>
+            <a:r>
+              <a:rPr lang="zh-TW" altLang="en-US" dirty="0"/>
+              <a:t>繼續遊戲</a:t>
+            </a:r>
+            <a:endParaRPr lang="zh-TW" altLang="en-US" dirty="0"/>
+          </a:p>
+        </p:txBody>
+      </p:sp>
+      <p:sp>
+        <p:nvSpPr>
+          <p:cNvPr id="40" name="文字方塊 39"/>
+          <p:cNvSpPr txBox="1"/>
+          <p:nvPr/>
+        </p:nvSpPr>
+        <p:spPr>
+          <a:xfrm>
+            <a:off x="4874168" y="3031461"/>
+            <a:ext cx="1199634" cy="369332"/>
+          </a:xfrm>
+          <a:prstGeom prst="rect">
+            <a:avLst/>
+          </a:prstGeom>
+          <a:noFill/>
+        </p:spPr>
+        <p:txBody>
+          <a:bodyPr wrap="square" rtlCol="0">
+            <a:spAutoFit/>
+          </a:bodyPr>
+          <a:lstStyle/>
+          <a:p>
+            <a:r>
+              <a:rPr lang="zh-TW" altLang="en-US" dirty="0" smtClean="0"/>
+              <a:t>       是</a:t>
+            </a:r>
+            <a:endParaRPr lang="zh-TW" altLang="en-US" dirty="0"/>
+          </a:p>
+        </p:txBody>
+      </p:sp>
+      <p:sp>
+        <p:nvSpPr>
+          <p:cNvPr id="41" name="文字方塊 40"/>
+          <p:cNvSpPr txBox="1"/>
+          <p:nvPr/>
+        </p:nvSpPr>
+        <p:spPr>
+          <a:xfrm>
+            <a:off x="4194575" y="5508924"/>
+            <a:ext cx="1199634" cy="369332"/>
+          </a:xfrm>
+          <a:prstGeom prst="rect">
+            <a:avLst/>
+          </a:prstGeom>
+          <a:noFill/>
+        </p:spPr>
+        <p:txBody>
+          <a:bodyPr wrap="square" rtlCol="0">
+            <a:spAutoFit/>
+          </a:bodyPr>
+          <a:lstStyle/>
+          <a:p>
+            <a:r>
+              <a:rPr lang="zh-TW" altLang="en-US" dirty="0" smtClean="0"/>
+              <a:t>       否</a:t>
+            </a:r>
+            <a:endParaRPr lang="zh-TW" altLang="en-US" dirty="0"/>
+          </a:p>
+        </p:txBody>
+      </p:sp>
+    </p:spTree>
+    <p:extLst>
+      <p:ext uri="{BB962C8B-B14F-4D97-AF65-F5344CB8AC3E}">
+        <p14:creationId xmlns:p14="http://schemas.microsoft.com/office/powerpoint/2010/main" val="1494280406"/>
+      </p:ext>
+    </p:extLst>
+  </p:cSld>
+  <p:clrMapOvr>
+    <a:masterClrMapping/>
+  </p:clrMapOvr>
+  <p:timing>
+    <p:tnLst>
+      <p:par>
+        <p:cTn id="1" dur="indefinite" restart="never" nodeType="tmRoot"/>
+      </p:par>
+    </p:tnLst>
+  </p:timing>
+</p:sld>
+</file>
+
+<file path=ppt/slides/slide4.xml><?xml version="1.0" encoding="utf-8"?>
+<p:sld xmlns:a="http://schemas.openxmlformats.org/drawingml/2006/main" xmlns:r="http://schemas.openxmlformats.org/officeDocument/2006/relationships" xmlns:p="http://schemas.openxmlformats.org/presentationml/2006/main">
+  <p:cSld>
+    <p:spTree>
+      <p:nvGrpSpPr>
+        <p:cNvPr id="1" name=""/>
+        <p:cNvGrpSpPr/>
+        <p:nvPr/>
+      </p:nvGrpSpPr>
+      <p:grpSpPr>
+        <a:xfrm>
+          <a:off x="0" y="0"/>
+          <a:ext cx="0" cy="0"/>
+          <a:chOff x="0" y="0"/>
+          <a:chExt cx="0" cy="0"/>
+        </a:xfrm>
+      </p:grpSpPr>
+      <p:sp>
+        <p:nvSpPr>
+          <p:cNvPr id="24" name="Rectangle 23">
+            <a:extLst>
+              <a:ext uri="{FF2B5EF4-FFF2-40B4-BE49-F238E27FC236}">
+                <a16:creationId xmlns="" xmlns:a16="http://schemas.microsoft.com/office/drawing/2014/main" id="{9AB1D167-998A-45D7-BA24-D81886C9ECB0}"/>
+              </a:ext>
+            </a:extLst>
+          </p:cNvPr>
+          <p:cNvSpPr/>
+          <p:nvPr/>
+        </p:nvSpPr>
+        <p:spPr>
+          <a:xfrm>
+            <a:off x="0" y="0"/>
+            <a:ext cx="12192000" cy="6858000"/>
+          </a:xfrm>
+          <a:prstGeom prst="rect">
+            <a:avLst/>
+          </a:prstGeom>
+          <a:solidFill>
+            <a:schemeClr val="bg1">
+              <a:lumMod val="85000"/>
+            </a:schemeClr>
+          </a:solidFill>
+          <a:ln>
+            <a:noFill/>
+          </a:ln>
+        </p:spPr>
+        <p:style>
+          <a:lnRef idx="2">
+            <a:schemeClr val="accent1">
+              <a:shade val="50000"/>
+            </a:schemeClr>
+          </a:lnRef>
+          <a:fillRef idx="1">
+            <a:schemeClr val="accent1"/>
+          </a:fillRef>
+          <a:effectRef idx="0">
+            <a:schemeClr val="accent1"/>
+          </a:effectRef>
+          <a:fontRef idx="minor">
+            <a:schemeClr val="lt1"/>
+          </a:fontRef>
+        </p:style>
+        <p:txBody>
+          <a:bodyPr rtlCol="0" anchor="ctr"/>
+          <a:lstStyle/>
+          <a:p>
+            <a:pPr algn="ctr"/>
+            <a:endParaRPr lang="en-US">
               <a:solidFill>
                 <a:prstClr val="white"/>
               </a:solidFill>
@@ -9342,7 +10083,7 @@
           <p:cNvPr id="8" name="Freeform: Shape 7">
             <a:extLst>
               <a:ext uri="{FF2B5EF4-FFF2-40B4-BE49-F238E27FC236}">
-                <a16:creationId xmlns:a16="http://schemas.microsoft.com/office/drawing/2014/main" xmlns="" id="{4BA40D94-E0A7-4C36-928C-B5FBF48FAA98}"/>
+                <a16:creationId xmlns="" xmlns:a16="http://schemas.microsoft.com/office/drawing/2014/main" id="{4BA40D94-E0A7-4C36-928C-B5FBF48FAA98}"/>
               </a:ext>
             </a:extLst>
           </p:cNvPr>
@@ -9476,7 +10217,7 @@
           <p:cNvPr id="9" name="Freeform: Shape 8">
             <a:extLst>
               <a:ext uri="{FF2B5EF4-FFF2-40B4-BE49-F238E27FC236}">
-                <a16:creationId xmlns:a16="http://schemas.microsoft.com/office/drawing/2014/main" xmlns="" id="{6A16AEE4-04D8-4FF7-AA27-E6A8BFBC114D}"/>
+                <a16:creationId xmlns="" xmlns:a16="http://schemas.microsoft.com/office/drawing/2014/main" id="{6A16AEE4-04D8-4FF7-AA27-E6A8BFBC114D}"/>
               </a:ext>
             </a:extLst>
           </p:cNvPr>
@@ -9485,7 +10226,7 @@
         </p:nvSpPr>
         <p:spPr>
           <a:xfrm flipH="1" flipV="1">
-            <a:off x="-591671" y="-197225"/>
+            <a:off x="0" y="-1"/>
             <a:ext cx="7823199" cy="6857999"/>
           </a:xfrm>
           <a:custGeom>
@@ -9596,7 +10337,7 @@
         </p:nvSpPr>
         <p:spPr>
           <a:xfrm>
-            <a:off x="71718" y="69232"/>
+            <a:off x="-164813" y="2579350"/>
             <a:ext cx="4076412" cy="707886"/>
           </a:xfrm>
           <a:prstGeom prst="rect">
@@ -9612,7 +10353,7 @@
           <a:p>
             <a:pPr algn="ctr"/>
             <a:r>
-              <a:rPr kumimoji="1" lang="zh-TW" altLang="en-US" sz="4000" dirty="0" smtClean="0">
+              <a:rPr kumimoji="1" lang="zh-TW" altLang="en-US" sz="4000" dirty="0">
                 <a:solidFill>
                   <a:srgbClr val="4F5050"/>
                 </a:solidFill>
@@ -9620,59 +10361,21 @@
                 <a:ea typeface="微軟正黑體"/>
                 <a:cs typeface="微軟正黑體"/>
               </a:rPr>
-              <a:t>程式介紹</a:t>
+              <a:t>流程圖</a:t>
             </a:r>
-            <a:endParaRPr kumimoji="1" lang="zh-TW" altLang="en-US" sz="4000" dirty="0">
-              <a:solidFill>
-                <a:srgbClr val="4F5050"/>
-              </a:solidFill>
-              <a:latin typeface="微軟正黑體"/>
-              <a:ea typeface="微軟正黑體"/>
-              <a:cs typeface="微軟正黑體"/>
-            </a:endParaRPr>
           </a:p>
         </p:txBody>
       </p:sp>
       <p:pic>
         <p:nvPicPr>
-          <p:cNvPr id="5" name="圖片 4"/>
-          <p:cNvPicPr>
-            <a:picLocks/>
-          </p:cNvPicPr>
-          <p:nvPr/>
-        </p:nvPicPr>
-        <p:blipFill>
-          <a:blip r:embed="rId2">
-            <a:extLst>
-              <a:ext uri="{28A0092B-C50C-407E-A947-70E740481C1C}">
-                <a14:useLocalDpi xmlns:a14="http://schemas.microsoft.com/office/drawing/2010/main" val="0"/>
-              </a:ext>
-            </a:extLst>
-          </a:blip>
-          <a:stretch>
-            <a:fillRect/>
-          </a:stretch>
-        </p:blipFill>
-        <p:spPr>
-          <a:xfrm>
-            <a:off x="679711" y="1797662"/>
-            <a:ext cx="4964400" cy="3812400"/>
-          </a:xfrm>
-          <a:prstGeom prst="rect">
-            <a:avLst/>
-          </a:prstGeom>
-        </p:spPr>
-      </p:pic>
-      <p:pic>
-        <p:nvPicPr>
-          <p:cNvPr id="4" name="圖片 3"/>
+          <p:cNvPr id="3" name="圖片 2"/>
           <p:cNvPicPr>
             <a:picLocks noChangeAspect="1"/>
           </p:cNvPicPr>
           <p:nvPr/>
         </p:nvPicPr>
         <p:blipFill>
-          <a:blip r:embed="rId3">
+          <a:blip r:embed="rId2">
             <a:extLst>
               <a:ext uri="{28A0092B-C50C-407E-A947-70E740481C1C}">
                 <a14:useLocalDpi xmlns:a14="http://schemas.microsoft.com/office/drawing/2010/main" val="0"/>
@@ -9685,8 +10388,8 @@
         </p:blipFill>
         <p:spPr>
           <a:xfrm>
-            <a:off x="6526306" y="1799530"/>
-            <a:ext cx="4963218" cy="3810532"/>
+            <a:off x="2936878" y="149295"/>
+            <a:ext cx="4428564" cy="6559409"/>
           </a:xfrm>
           <a:prstGeom prst="rect">
             <a:avLst/>
@@ -9696,7 +10399,7 @@
     </p:spTree>
     <p:extLst>
       <p:ext uri="{BB962C8B-B14F-4D97-AF65-F5344CB8AC3E}">
-        <p14:creationId xmlns:p14="http://schemas.microsoft.com/office/powerpoint/2010/main" val="2524810442"/>
+        <p14:creationId xmlns:p14="http://schemas.microsoft.com/office/powerpoint/2010/main" val="856147898"/>
       </p:ext>
     </p:extLst>
   </p:cSld>
@@ -9713,7 +10416,7 @@
 </p:sld>
 </file>
 
-<file path=ppt/slides/slide6.xml><?xml version="1.0" encoding="utf-8"?>
+<file path=ppt/slides/slide5.xml><?xml version="1.0" encoding="utf-8"?>
 <p:sld xmlns:a="http://schemas.openxmlformats.org/drawingml/2006/main" xmlns:r="http://schemas.openxmlformats.org/officeDocument/2006/relationships" xmlns:p="http://schemas.openxmlformats.org/presentationml/2006/main">
   <p:cSld>
     <p:spTree>
@@ -9735,7 +10438,7 @@
           <p:cNvPr id="24" name="Rectangle 23">
             <a:extLst>
               <a:ext uri="{FF2B5EF4-FFF2-40B4-BE49-F238E27FC236}">
-                <a16:creationId xmlns:a16="http://schemas.microsoft.com/office/drawing/2014/main" xmlns="" id="{9AB1D167-998A-45D7-BA24-D81886C9ECB0}"/>
+                <a16:creationId xmlns="" xmlns:a16="http://schemas.microsoft.com/office/drawing/2014/main" id="{9AB1D167-998A-45D7-BA24-D81886C9ECB0}"/>
               </a:ext>
             </a:extLst>
           </p:cNvPr>
@@ -9793,7 +10496,7 @@
           <p:cNvPr id="8" name="Freeform: Shape 7">
             <a:extLst>
               <a:ext uri="{FF2B5EF4-FFF2-40B4-BE49-F238E27FC236}">
-                <a16:creationId xmlns:a16="http://schemas.microsoft.com/office/drawing/2014/main" xmlns="" id="{4BA40D94-E0A7-4C36-928C-B5FBF48FAA98}"/>
+                <a16:creationId xmlns="" xmlns:a16="http://schemas.microsoft.com/office/drawing/2014/main" id="{4BA40D94-E0A7-4C36-928C-B5FBF48FAA98}"/>
               </a:ext>
             </a:extLst>
           </p:cNvPr>
@@ -9927,7 +10630,7 @@
           <p:cNvPr id="9" name="Freeform: Shape 8">
             <a:extLst>
               <a:ext uri="{FF2B5EF4-FFF2-40B4-BE49-F238E27FC236}">
-                <a16:creationId xmlns:a16="http://schemas.microsoft.com/office/drawing/2014/main" xmlns="" id="{6A16AEE4-04D8-4FF7-AA27-E6A8BFBC114D}"/>
+                <a16:creationId xmlns="" xmlns:a16="http://schemas.microsoft.com/office/drawing/2014/main" id="{6A16AEE4-04D8-4FF7-AA27-E6A8BFBC114D}"/>
               </a:ext>
             </a:extLst>
           </p:cNvPr>
@@ -10086,7 +10789,7 @@
       </p:sp>
       <p:pic>
         <p:nvPicPr>
-          <p:cNvPr id="3" name="圖片 2"/>
+          <p:cNvPr id="5" name="圖片 4"/>
           <p:cNvPicPr>
             <a:picLocks/>
           </p:cNvPicPr>
@@ -10106,7 +10809,7 @@
         </p:blipFill>
         <p:spPr>
           <a:xfrm>
-            <a:off x="735105" y="1858547"/>
+            <a:off x="679711" y="1797662"/>
             <a:ext cx="4964400" cy="3812400"/>
           </a:xfrm>
           <a:prstGeom prst="rect">
@@ -10116,9 +10819,9 @@
       </p:pic>
       <p:pic>
         <p:nvPicPr>
-          <p:cNvPr id="6" name="圖片 5"/>
+          <p:cNvPr id="4" name="圖片 3"/>
           <p:cNvPicPr>
-            <a:picLocks/>
+            <a:picLocks noChangeAspect="1"/>
           </p:cNvPicPr>
           <p:nvPr/>
         </p:nvPicPr>
@@ -10136,8 +10839,8 @@
         </p:blipFill>
         <p:spPr>
           <a:xfrm>
-            <a:off x="6613365" y="1858547"/>
-            <a:ext cx="4964400" cy="3812400"/>
+            <a:off x="6526306" y="1799530"/>
+            <a:ext cx="4963218" cy="3810532"/>
           </a:xfrm>
           <a:prstGeom prst="rect">
             <a:avLst/>
@@ -10147,7 +10850,7 @@
     </p:spTree>
     <p:extLst>
       <p:ext uri="{BB962C8B-B14F-4D97-AF65-F5344CB8AC3E}">
-        <p14:creationId xmlns:p14="http://schemas.microsoft.com/office/powerpoint/2010/main" val="909869995"/>
+        <p14:creationId xmlns:p14="http://schemas.microsoft.com/office/powerpoint/2010/main" val="2524810442"/>
       </p:ext>
     </p:extLst>
   </p:cSld>
@@ -10164,7 +10867,7 @@
 </p:sld>
 </file>
 
-<file path=ppt/slides/slide7.xml><?xml version="1.0" encoding="utf-8"?>
+<file path=ppt/slides/slide6.xml><?xml version="1.0" encoding="utf-8"?>
 <p:sld xmlns:a="http://schemas.openxmlformats.org/drawingml/2006/main" xmlns:r="http://schemas.openxmlformats.org/officeDocument/2006/relationships" xmlns:p="http://schemas.openxmlformats.org/presentationml/2006/main">
   <p:cSld>
     <p:spTree>
@@ -10186,7 +10889,7 @@
           <p:cNvPr id="24" name="Rectangle 23">
             <a:extLst>
               <a:ext uri="{FF2B5EF4-FFF2-40B4-BE49-F238E27FC236}">
-                <a16:creationId xmlns:a16="http://schemas.microsoft.com/office/drawing/2014/main" xmlns="" id="{9AB1D167-998A-45D7-BA24-D81886C9ECB0}"/>
+                <a16:creationId xmlns="" xmlns:a16="http://schemas.microsoft.com/office/drawing/2014/main" id="{9AB1D167-998A-45D7-BA24-D81886C9ECB0}"/>
               </a:ext>
             </a:extLst>
           </p:cNvPr>
@@ -10244,7 +10947,7 @@
           <p:cNvPr id="8" name="Freeform: Shape 7">
             <a:extLst>
               <a:ext uri="{FF2B5EF4-FFF2-40B4-BE49-F238E27FC236}">
-                <a16:creationId xmlns:a16="http://schemas.microsoft.com/office/drawing/2014/main" xmlns="" id="{4BA40D94-E0A7-4C36-928C-B5FBF48FAA98}"/>
+                <a16:creationId xmlns="" xmlns:a16="http://schemas.microsoft.com/office/drawing/2014/main" id="{4BA40D94-E0A7-4C36-928C-B5FBF48FAA98}"/>
               </a:ext>
             </a:extLst>
           </p:cNvPr>
@@ -10378,7 +11081,7 @@
           <p:cNvPr id="9" name="Freeform: Shape 8">
             <a:extLst>
               <a:ext uri="{FF2B5EF4-FFF2-40B4-BE49-F238E27FC236}">
-                <a16:creationId xmlns:a16="http://schemas.microsoft.com/office/drawing/2014/main" xmlns="" id="{6A16AEE4-04D8-4FF7-AA27-E6A8BFBC114D}"/>
+                <a16:creationId xmlns="" xmlns:a16="http://schemas.microsoft.com/office/drawing/2014/main" id="{6A16AEE4-04D8-4FF7-AA27-E6A8BFBC114D}"/>
               </a:ext>
             </a:extLst>
           </p:cNvPr>
@@ -10537,7 +11240,7 @@
       </p:sp>
       <p:pic>
         <p:nvPicPr>
-          <p:cNvPr id="4" name="圖片 3"/>
+          <p:cNvPr id="3" name="圖片 2"/>
           <p:cNvPicPr>
             <a:picLocks/>
           </p:cNvPicPr>
@@ -10557,7 +11260,7 @@
         </p:blipFill>
         <p:spPr>
           <a:xfrm>
-            <a:off x="1018991" y="1682412"/>
+            <a:off x="735105" y="1858547"/>
             <a:ext cx="4964400" cy="3812400"/>
           </a:xfrm>
           <a:prstGeom prst="rect">
@@ -10567,7 +11270,7 @@
       </p:pic>
       <p:pic>
         <p:nvPicPr>
-          <p:cNvPr id="7" name="圖片 6"/>
+          <p:cNvPr id="6" name="圖片 5"/>
           <p:cNvPicPr>
             <a:picLocks/>
           </p:cNvPicPr>
@@ -10587,7 +11290,7 @@
         </p:blipFill>
         <p:spPr>
           <a:xfrm>
-            <a:off x="6803921" y="1682412"/>
+            <a:off x="6613365" y="1858547"/>
             <a:ext cx="4964400" cy="3812400"/>
           </a:xfrm>
           <a:prstGeom prst="rect">
@@ -10598,7 +11301,7 @@
     </p:spTree>
     <p:extLst>
       <p:ext uri="{BB962C8B-B14F-4D97-AF65-F5344CB8AC3E}">
-        <p14:creationId xmlns:p14="http://schemas.microsoft.com/office/powerpoint/2010/main" val="317729918"/>
+        <p14:creationId xmlns:p14="http://schemas.microsoft.com/office/powerpoint/2010/main" val="909869995"/>
       </p:ext>
     </p:extLst>
   </p:cSld>
@@ -10615,7 +11318,7 @@
 </p:sld>
 </file>
 
-<file path=ppt/slides/slide8.xml><?xml version="1.0" encoding="utf-8"?>
+<file path=ppt/slides/slide7.xml><?xml version="1.0" encoding="utf-8"?>
 <p:sld xmlns:a="http://schemas.openxmlformats.org/drawingml/2006/main" xmlns:r="http://schemas.openxmlformats.org/officeDocument/2006/relationships" xmlns:p="http://schemas.openxmlformats.org/presentationml/2006/main">
   <p:cSld>
     <p:spTree>
@@ -10637,7 +11340,7 @@
           <p:cNvPr id="24" name="Rectangle 23">
             <a:extLst>
               <a:ext uri="{FF2B5EF4-FFF2-40B4-BE49-F238E27FC236}">
-                <a16:creationId xmlns:a16="http://schemas.microsoft.com/office/drawing/2014/main" xmlns="" id="{9AB1D167-998A-45D7-BA24-D81886C9ECB0}"/>
+                <a16:creationId xmlns="" xmlns:a16="http://schemas.microsoft.com/office/drawing/2014/main" id="{9AB1D167-998A-45D7-BA24-D81886C9ECB0}"/>
               </a:ext>
             </a:extLst>
           </p:cNvPr>
@@ -10695,7 +11398,7 @@
           <p:cNvPr id="8" name="Freeform: Shape 7">
             <a:extLst>
               <a:ext uri="{FF2B5EF4-FFF2-40B4-BE49-F238E27FC236}">
-                <a16:creationId xmlns:a16="http://schemas.microsoft.com/office/drawing/2014/main" xmlns="" id="{4BA40D94-E0A7-4C36-928C-B5FBF48FAA98}"/>
+                <a16:creationId xmlns="" xmlns:a16="http://schemas.microsoft.com/office/drawing/2014/main" id="{4BA40D94-E0A7-4C36-928C-B5FBF48FAA98}"/>
               </a:ext>
             </a:extLst>
           </p:cNvPr>
@@ -10829,7 +11532,7 @@
           <p:cNvPr id="9" name="Freeform: Shape 8">
             <a:extLst>
               <a:ext uri="{FF2B5EF4-FFF2-40B4-BE49-F238E27FC236}">
-                <a16:creationId xmlns:a16="http://schemas.microsoft.com/office/drawing/2014/main" xmlns="" id="{6A16AEE4-04D8-4FF7-AA27-E6A8BFBC114D}"/>
+                <a16:creationId xmlns="" xmlns:a16="http://schemas.microsoft.com/office/drawing/2014/main" id="{6A16AEE4-04D8-4FF7-AA27-E6A8BFBC114D}"/>
               </a:ext>
             </a:extLst>
           </p:cNvPr>
@@ -10988,6 +11691,36 @@
       </p:sp>
       <p:pic>
         <p:nvPicPr>
+          <p:cNvPr id="4" name="圖片 3"/>
+          <p:cNvPicPr>
+            <a:picLocks/>
+          </p:cNvPicPr>
+          <p:nvPr/>
+        </p:nvPicPr>
+        <p:blipFill>
+          <a:blip r:embed="rId2">
+            <a:extLst>
+              <a:ext uri="{28A0092B-C50C-407E-A947-70E740481C1C}">
+                <a14:useLocalDpi xmlns:a14="http://schemas.microsoft.com/office/drawing/2010/main" val="0"/>
+              </a:ext>
+            </a:extLst>
+          </a:blip>
+          <a:stretch>
+            <a:fillRect/>
+          </a:stretch>
+        </p:blipFill>
+        <p:spPr>
+          <a:xfrm>
+            <a:off x="1018991" y="1682412"/>
+            <a:ext cx="4964400" cy="3812400"/>
+          </a:xfrm>
+          <a:prstGeom prst="rect">
+            <a:avLst/>
+          </a:prstGeom>
+        </p:spPr>
+      </p:pic>
+      <p:pic>
+        <p:nvPicPr>
           <p:cNvPr id="7" name="圖片 6"/>
           <p:cNvPicPr>
             <a:picLocks/>
@@ -10995,7 +11728,7 @@
           <p:nvPr/>
         </p:nvPicPr>
         <p:blipFill>
-          <a:blip r:embed="rId2">
+          <a:blip r:embed="rId3">
             <a:extLst>
               <a:ext uri="{28A0092B-C50C-407E-A947-70E740481C1C}">
                 <a14:useLocalDpi xmlns:a14="http://schemas.microsoft.com/office/drawing/2010/main" val="0"/>
@@ -11008,59 +11741,18 @@
         </p:blipFill>
         <p:spPr>
           <a:xfrm>
-            <a:off x="6449634" y="1415223"/>
+            <a:off x="6803921" y="1682412"/>
             <a:ext cx="4964400" cy="3812400"/>
           </a:xfrm>
           <a:prstGeom prst="rect">
             <a:avLst/>
           </a:prstGeom>
-        </p:spPr>
-      </p:pic>
-      <p:pic>
-        <p:nvPicPr>
-          <p:cNvPr id="1026" name="Picture 2" descr="C:\Users\李小羊\Desktop\圖片\蛇的初始.PNG"/>
-          <p:cNvPicPr>
-            <a:picLocks noChangeArrowheads="1"/>
-          </p:cNvPicPr>
-          <p:nvPr/>
-        </p:nvPicPr>
-        <p:blipFill>
-          <a:blip r:embed="rId3">
-            <a:extLst>
-              <a:ext uri="{28A0092B-C50C-407E-A947-70E740481C1C}">
-                <a14:useLocalDpi xmlns:a14="http://schemas.microsoft.com/office/drawing/2010/main" val="0"/>
-              </a:ext>
-            </a:extLst>
-          </a:blip>
-          <a:srcRect/>
-          <a:stretch>
-            <a:fillRect/>
-          </a:stretch>
-        </p:blipFill>
-        <p:spPr bwMode="auto">
-          <a:xfrm>
-            <a:off x="837728" y="1415223"/>
-            <a:ext cx="4964400" cy="3812400"/>
-          </a:xfrm>
-          <a:prstGeom prst="rect">
-            <a:avLst/>
-          </a:prstGeom>
-          <a:noFill/>
-          <a:extLst>
-            <a:ext uri="{909E8E84-426E-40DD-AFC4-6F175D3DCCD1}">
-              <a14:hiddenFill xmlns:a14="http://schemas.microsoft.com/office/drawing/2010/main">
-                <a:solidFill>
-                  <a:srgbClr val="FFFFFF"/>
-                </a:solidFill>
-              </a14:hiddenFill>
-            </a:ext>
-          </a:extLst>
         </p:spPr>
       </p:pic>
     </p:spTree>
     <p:extLst>
       <p:ext uri="{BB962C8B-B14F-4D97-AF65-F5344CB8AC3E}">
-        <p14:creationId xmlns:p14="http://schemas.microsoft.com/office/powerpoint/2010/main" val="1536256942"/>
+        <p14:creationId xmlns:p14="http://schemas.microsoft.com/office/powerpoint/2010/main" val="317729918"/>
       </p:ext>
     </p:extLst>
   </p:cSld>
@@ -11077,7 +11769,7 @@
 </p:sld>
 </file>
 
-<file path=ppt/slides/slide9.xml><?xml version="1.0" encoding="utf-8"?>
+<file path=ppt/slides/slide8.xml><?xml version="1.0" encoding="utf-8"?>
 <p:sld xmlns:a="http://schemas.openxmlformats.org/drawingml/2006/main" xmlns:r="http://schemas.openxmlformats.org/officeDocument/2006/relationships" xmlns:p="http://schemas.openxmlformats.org/presentationml/2006/main">
   <p:cSld>
     <p:spTree>
@@ -11099,7 +11791,7 @@
           <p:cNvPr id="24" name="Rectangle 23">
             <a:extLst>
               <a:ext uri="{FF2B5EF4-FFF2-40B4-BE49-F238E27FC236}">
-                <a16:creationId xmlns:a16="http://schemas.microsoft.com/office/drawing/2014/main" xmlns="" id="{9AB1D167-998A-45D7-BA24-D81886C9ECB0}"/>
+                <a16:creationId xmlns="" xmlns:a16="http://schemas.microsoft.com/office/drawing/2014/main" id="{9AB1D167-998A-45D7-BA24-D81886C9ECB0}"/>
               </a:ext>
             </a:extLst>
           </p:cNvPr>
@@ -11157,7 +11849,7 @@
           <p:cNvPr id="8" name="Freeform: Shape 7">
             <a:extLst>
               <a:ext uri="{FF2B5EF4-FFF2-40B4-BE49-F238E27FC236}">
-                <a16:creationId xmlns:a16="http://schemas.microsoft.com/office/drawing/2014/main" xmlns="" id="{4BA40D94-E0A7-4C36-928C-B5FBF48FAA98}"/>
+                <a16:creationId xmlns="" xmlns:a16="http://schemas.microsoft.com/office/drawing/2014/main" id="{4BA40D94-E0A7-4C36-928C-B5FBF48FAA98}"/>
               </a:ext>
             </a:extLst>
           </p:cNvPr>
@@ -11291,7 +11983,469 @@
           <p:cNvPr id="9" name="Freeform: Shape 8">
             <a:extLst>
               <a:ext uri="{FF2B5EF4-FFF2-40B4-BE49-F238E27FC236}">
-                <a16:creationId xmlns:a16="http://schemas.microsoft.com/office/drawing/2014/main" xmlns="" id="{6A16AEE4-04D8-4FF7-AA27-E6A8BFBC114D}"/>
+                <a16:creationId xmlns="" xmlns:a16="http://schemas.microsoft.com/office/drawing/2014/main" id="{6A16AEE4-04D8-4FF7-AA27-E6A8BFBC114D}"/>
+              </a:ext>
+            </a:extLst>
+          </p:cNvPr>
+          <p:cNvSpPr/>
+          <p:nvPr/>
+        </p:nvSpPr>
+        <p:spPr>
+          <a:xfrm flipH="1" flipV="1">
+            <a:off x="-591671" y="-197225"/>
+            <a:ext cx="7823199" cy="6857999"/>
+          </a:xfrm>
+          <a:custGeom>
+            <a:avLst/>
+            <a:gdLst>
+              <a:gd name="connsiteX0" fmla="*/ 0 w 7823199"/>
+              <a:gd name="connsiteY0" fmla="*/ 0 h 6858001"/>
+              <a:gd name="connsiteX1" fmla="*/ 7823199 w 7823199"/>
+              <a:gd name="connsiteY1" fmla="*/ 0 h 6858001"/>
+              <a:gd name="connsiteX2" fmla="*/ 7823199 w 7823199"/>
+              <a:gd name="connsiteY2" fmla="*/ 6858001 h 6858001"/>
+              <a:gd name="connsiteX3" fmla="*/ 6857999 w 7823199"/>
+              <a:gd name="connsiteY3" fmla="*/ 6858001 h 6858001"/>
+              <a:gd name="connsiteX4" fmla="*/ 0 w 7823199"/>
+              <a:gd name="connsiteY4" fmla="*/ 0 h 6858001"/>
+            </a:gdLst>
+            <a:ahLst/>
+            <a:cxnLst>
+              <a:cxn ang="0">
+                <a:pos x="connsiteX0" y="connsiteY0"/>
+              </a:cxn>
+              <a:cxn ang="0">
+                <a:pos x="connsiteX1" y="connsiteY1"/>
+              </a:cxn>
+              <a:cxn ang="0">
+                <a:pos x="connsiteX2" y="connsiteY2"/>
+              </a:cxn>
+              <a:cxn ang="0">
+                <a:pos x="connsiteX3" y="connsiteY3"/>
+              </a:cxn>
+              <a:cxn ang="0">
+                <a:pos x="connsiteX4" y="connsiteY4"/>
+              </a:cxn>
+            </a:cxnLst>
+            <a:rect l="l" t="t" r="r" b="b"/>
+            <a:pathLst>
+              <a:path w="7823199" h="6858001">
+                <a:moveTo>
+                  <a:pt x="0" y="0"/>
+                </a:moveTo>
+                <a:lnTo>
+                  <a:pt x="7823199" y="0"/>
+                </a:lnTo>
+                <a:lnTo>
+                  <a:pt x="7823199" y="6858001"/>
+                </a:lnTo>
+                <a:lnTo>
+                  <a:pt x="6857999" y="6858001"/>
+                </a:lnTo>
+                <a:lnTo>
+                  <a:pt x="0" y="0"/>
+                </a:lnTo>
+                <a:close/>
+              </a:path>
+            </a:pathLst>
+          </a:custGeom>
+          <a:solidFill>
+            <a:schemeClr val="bg1">
+              <a:lumMod val="95000"/>
+              <a:alpha val="20000"/>
+            </a:schemeClr>
+          </a:solidFill>
+          <a:ln>
+            <a:noFill/>
+          </a:ln>
+          <a:effectLst>
+            <a:outerShdw blurRad="152400" dist="38100" algn="l" rotWithShape="0">
+              <a:prstClr val="black">
+                <a:alpha val="40000"/>
+              </a:prstClr>
+            </a:outerShdw>
+          </a:effectLst>
+        </p:spPr>
+        <p:style>
+          <a:lnRef idx="2">
+            <a:schemeClr val="accent1">
+              <a:shade val="50000"/>
+            </a:schemeClr>
+          </a:lnRef>
+          <a:fillRef idx="1">
+            <a:schemeClr val="accent1"/>
+          </a:fillRef>
+          <a:effectRef idx="0">
+            <a:schemeClr val="accent1"/>
+          </a:effectRef>
+          <a:fontRef idx="minor">
+            <a:schemeClr val="lt1"/>
+          </a:fontRef>
+        </p:style>
+        <p:txBody>
+          <a:bodyPr rtlCol="0" anchor="ctr"/>
+          <a:lstStyle/>
+          <a:p>
+            <a:pPr algn="ctr"/>
+            <a:endParaRPr lang="en-US">
+              <a:solidFill>
+                <a:prstClr val="white"/>
+              </a:solidFill>
+            </a:endParaRPr>
+          </a:p>
+        </p:txBody>
+      </p:sp>
+      <p:sp>
+        <p:nvSpPr>
+          <p:cNvPr id="2" name="文字方塊 1"/>
+          <p:cNvSpPr txBox="1"/>
+          <p:nvPr/>
+        </p:nvSpPr>
+        <p:spPr>
+          <a:xfrm>
+            <a:off x="71718" y="69232"/>
+            <a:ext cx="4076412" cy="707886"/>
+          </a:xfrm>
+          <a:prstGeom prst="rect">
+            <a:avLst/>
+          </a:prstGeom>
+          <a:noFill/>
+        </p:spPr>
+        <p:txBody>
+          <a:bodyPr wrap="square" rtlCol="0">
+            <a:spAutoFit/>
+          </a:bodyPr>
+          <a:lstStyle/>
+          <a:p>
+            <a:pPr algn="ctr"/>
+            <a:r>
+              <a:rPr kumimoji="1" lang="zh-TW" altLang="en-US" sz="4000" dirty="0" smtClean="0">
+                <a:solidFill>
+                  <a:srgbClr val="4F5050"/>
+                </a:solidFill>
+                <a:latin typeface="微軟正黑體"/>
+                <a:ea typeface="微軟正黑體"/>
+                <a:cs typeface="微軟正黑體"/>
+              </a:rPr>
+              <a:t>程式介紹</a:t>
+            </a:r>
+            <a:endParaRPr kumimoji="1" lang="zh-TW" altLang="en-US" sz="4000" dirty="0">
+              <a:solidFill>
+                <a:srgbClr val="4F5050"/>
+              </a:solidFill>
+              <a:latin typeface="微軟正黑體"/>
+              <a:ea typeface="微軟正黑體"/>
+              <a:cs typeface="微軟正黑體"/>
+            </a:endParaRPr>
+          </a:p>
+        </p:txBody>
+      </p:sp>
+      <p:pic>
+        <p:nvPicPr>
+          <p:cNvPr id="7" name="圖片 6"/>
+          <p:cNvPicPr>
+            <a:picLocks/>
+          </p:cNvPicPr>
+          <p:nvPr/>
+        </p:nvPicPr>
+        <p:blipFill>
+          <a:blip r:embed="rId2">
+            <a:extLst>
+              <a:ext uri="{28A0092B-C50C-407E-A947-70E740481C1C}">
+                <a14:useLocalDpi xmlns:a14="http://schemas.microsoft.com/office/drawing/2010/main" val="0"/>
+              </a:ext>
+            </a:extLst>
+          </a:blip>
+          <a:stretch>
+            <a:fillRect/>
+          </a:stretch>
+        </p:blipFill>
+        <p:spPr>
+          <a:xfrm>
+            <a:off x="6449634" y="1415223"/>
+            <a:ext cx="4964400" cy="3812400"/>
+          </a:xfrm>
+          <a:prstGeom prst="rect">
+            <a:avLst/>
+          </a:prstGeom>
+        </p:spPr>
+      </p:pic>
+      <p:pic>
+        <p:nvPicPr>
+          <p:cNvPr id="1026" name="Picture 2" descr="C:\Users\李小羊\Desktop\圖片\蛇的初始.PNG"/>
+          <p:cNvPicPr>
+            <a:picLocks noChangeArrowheads="1"/>
+          </p:cNvPicPr>
+          <p:nvPr/>
+        </p:nvPicPr>
+        <p:blipFill>
+          <a:blip r:embed="rId3">
+            <a:extLst>
+              <a:ext uri="{28A0092B-C50C-407E-A947-70E740481C1C}">
+                <a14:useLocalDpi xmlns:a14="http://schemas.microsoft.com/office/drawing/2010/main" val="0"/>
+              </a:ext>
+            </a:extLst>
+          </a:blip>
+          <a:srcRect/>
+          <a:stretch>
+            <a:fillRect/>
+          </a:stretch>
+        </p:blipFill>
+        <p:spPr bwMode="auto">
+          <a:xfrm>
+            <a:off x="837728" y="1415223"/>
+            <a:ext cx="4964400" cy="3812400"/>
+          </a:xfrm>
+          <a:prstGeom prst="rect">
+            <a:avLst/>
+          </a:prstGeom>
+          <a:noFill/>
+          <a:extLst>
+            <a:ext uri="{909E8E84-426E-40DD-AFC4-6F175D3DCCD1}">
+              <a14:hiddenFill xmlns:a14="http://schemas.microsoft.com/office/drawing/2010/main">
+                <a:solidFill>
+                  <a:srgbClr val="FFFFFF"/>
+                </a:solidFill>
+              </a14:hiddenFill>
+            </a:ext>
+          </a:extLst>
+        </p:spPr>
+      </p:pic>
+    </p:spTree>
+    <p:extLst>
+      <p:ext uri="{BB962C8B-B14F-4D97-AF65-F5344CB8AC3E}">
+        <p14:creationId xmlns:p14="http://schemas.microsoft.com/office/powerpoint/2010/main" val="1536256942"/>
+      </p:ext>
+    </p:extLst>
+  </p:cSld>
+  <p:clrMapOvr>
+    <a:masterClrMapping/>
+  </p:clrMapOvr>
+  <p:timing>
+    <p:tnLst>
+      <p:par>
+        <p:cTn id="1" dur="indefinite" restart="never" nodeType="tmRoot"/>
+      </p:par>
+    </p:tnLst>
+  </p:timing>
+</p:sld>
+</file>
+
+<file path=ppt/slides/slide9.xml><?xml version="1.0" encoding="utf-8"?>
+<p:sld xmlns:a="http://schemas.openxmlformats.org/drawingml/2006/main" xmlns:r="http://schemas.openxmlformats.org/officeDocument/2006/relationships" xmlns:p="http://schemas.openxmlformats.org/presentationml/2006/main">
+  <p:cSld>
+    <p:spTree>
+      <p:nvGrpSpPr>
+        <p:cNvPr id="1" name=""/>
+        <p:cNvGrpSpPr/>
+        <p:nvPr/>
+      </p:nvGrpSpPr>
+      <p:grpSpPr>
+        <a:xfrm>
+          <a:off x="0" y="0"/>
+          <a:ext cx="0" cy="0"/>
+          <a:chOff x="0" y="0"/>
+          <a:chExt cx="0" cy="0"/>
+        </a:xfrm>
+      </p:grpSpPr>
+      <p:sp>
+        <p:nvSpPr>
+          <p:cNvPr id="24" name="Rectangle 23">
+            <a:extLst>
+              <a:ext uri="{FF2B5EF4-FFF2-40B4-BE49-F238E27FC236}">
+                <a16:creationId xmlns="" xmlns:a16="http://schemas.microsoft.com/office/drawing/2014/main" id="{9AB1D167-998A-45D7-BA24-D81886C9ECB0}"/>
+              </a:ext>
+            </a:extLst>
+          </p:cNvPr>
+          <p:cNvSpPr/>
+          <p:nvPr/>
+        </p:nvSpPr>
+        <p:spPr>
+          <a:xfrm>
+            <a:off x="0" y="-107577"/>
+            <a:ext cx="12192000" cy="6858000"/>
+          </a:xfrm>
+          <a:prstGeom prst="rect">
+            <a:avLst/>
+          </a:prstGeom>
+          <a:solidFill>
+            <a:schemeClr val="bg1">
+              <a:lumMod val="85000"/>
+            </a:schemeClr>
+          </a:solidFill>
+          <a:ln>
+            <a:noFill/>
+          </a:ln>
+        </p:spPr>
+        <p:style>
+          <a:lnRef idx="2">
+            <a:schemeClr val="accent1">
+              <a:shade val="50000"/>
+            </a:schemeClr>
+          </a:lnRef>
+          <a:fillRef idx="1">
+            <a:schemeClr val="accent1"/>
+          </a:fillRef>
+          <a:effectRef idx="0">
+            <a:schemeClr val="accent1"/>
+          </a:effectRef>
+          <a:fontRef idx="minor">
+            <a:schemeClr val="lt1"/>
+          </a:fontRef>
+        </p:style>
+        <p:txBody>
+          <a:bodyPr rtlCol="0" anchor="ctr"/>
+          <a:lstStyle/>
+          <a:p>
+            <a:pPr algn="ctr"/>
+            <a:endParaRPr lang="en-US" dirty="0">
+              <a:solidFill>
+                <a:prstClr val="white"/>
+              </a:solidFill>
+            </a:endParaRPr>
+          </a:p>
+        </p:txBody>
+      </p:sp>
+      <p:sp>
+        <p:nvSpPr>
+          <p:cNvPr id="8" name="Freeform: Shape 7">
+            <a:extLst>
+              <a:ext uri="{FF2B5EF4-FFF2-40B4-BE49-F238E27FC236}">
+                <a16:creationId xmlns="" xmlns:a16="http://schemas.microsoft.com/office/drawing/2014/main" id="{4BA40D94-E0A7-4C36-928C-B5FBF48FAA98}"/>
+              </a:ext>
+            </a:extLst>
+          </p:cNvPr>
+          <p:cNvSpPr/>
+          <p:nvPr/>
+        </p:nvSpPr>
+        <p:spPr>
+          <a:xfrm rot="10800000" flipH="1" flipV="1">
+            <a:off x="6380244" y="0"/>
+            <a:ext cx="5811755" cy="6857999"/>
+          </a:xfrm>
+          <a:custGeom>
+            <a:avLst/>
+            <a:gdLst>
+              <a:gd name="connsiteX0" fmla="*/ 5498487 w 5811756"/>
+              <a:gd name="connsiteY0" fmla="*/ 0 h 6858000"/>
+              <a:gd name="connsiteX1" fmla="*/ 5811756 w 5811756"/>
+              <a:gd name="connsiteY1" fmla="*/ 0 h 6858000"/>
+              <a:gd name="connsiteX2" fmla="*/ 5811756 w 5811756"/>
+              <a:gd name="connsiteY2" fmla="*/ 2889136 h 6858000"/>
+              <a:gd name="connsiteX3" fmla="*/ 1781734 w 5811756"/>
+              <a:gd name="connsiteY3" fmla="*/ 6858000 h 6858000"/>
+              <a:gd name="connsiteX4" fmla="*/ 1442956 w 5811756"/>
+              <a:gd name="connsiteY4" fmla="*/ 6858000 h 6858000"/>
+              <a:gd name="connsiteX5" fmla="*/ 0 w 5811756"/>
+              <a:gd name="connsiteY5" fmla="*/ 5415044 h 6858000"/>
+              <a:gd name="connsiteX6" fmla="*/ 5498487 w 5811756"/>
+              <a:gd name="connsiteY6" fmla="*/ 0 h 6858000"/>
+            </a:gdLst>
+            <a:ahLst/>
+            <a:cxnLst>
+              <a:cxn ang="0">
+                <a:pos x="connsiteX0" y="connsiteY0"/>
+              </a:cxn>
+              <a:cxn ang="0">
+                <a:pos x="connsiteX1" y="connsiteY1"/>
+              </a:cxn>
+              <a:cxn ang="0">
+                <a:pos x="connsiteX2" y="connsiteY2"/>
+              </a:cxn>
+              <a:cxn ang="0">
+                <a:pos x="connsiteX3" y="connsiteY3"/>
+              </a:cxn>
+              <a:cxn ang="0">
+                <a:pos x="connsiteX4" y="connsiteY4"/>
+              </a:cxn>
+              <a:cxn ang="0">
+                <a:pos x="connsiteX5" y="connsiteY5"/>
+              </a:cxn>
+              <a:cxn ang="0">
+                <a:pos x="connsiteX6" y="connsiteY6"/>
+              </a:cxn>
+            </a:cxnLst>
+            <a:rect l="l" t="t" r="r" b="b"/>
+            <a:pathLst>
+              <a:path w="5811756" h="6858000">
+                <a:moveTo>
+                  <a:pt x="5498487" y="0"/>
+                </a:moveTo>
+                <a:lnTo>
+                  <a:pt x="5811756" y="0"/>
+                </a:lnTo>
+                <a:lnTo>
+                  <a:pt x="5811756" y="2889136"/>
+                </a:lnTo>
+                <a:lnTo>
+                  <a:pt x="1781734" y="6858000"/>
+                </a:lnTo>
+                <a:lnTo>
+                  <a:pt x="1442956" y="6858000"/>
+                </a:lnTo>
+                <a:lnTo>
+                  <a:pt x="0" y="5415044"/>
+                </a:lnTo>
+                <a:lnTo>
+                  <a:pt x="5498487" y="0"/>
+                </a:lnTo>
+                <a:close/>
+              </a:path>
+            </a:pathLst>
+          </a:custGeom>
+          <a:solidFill>
+            <a:schemeClr val="bg2">
+              <a:lumMod val="20000"/>
+              <a:lumOff val="80000"/>
+              <a:alpha val="20000"/>
+            </a:schemeClr>
+          </a:solidFill>
+          <a:ln>
+            <a:noFill/>
+          </a:ln>
+          <a:effectLst>
+            <a:outerShdw blurRad="50800" dist="38100" dir="13500000" algn="br" rotWithShape="0">
+              <a:prstClr val="black">
+                <a:alpha val="22000"/>
+              </a:prstClr>
+            </a:outerShdw>
+          </a:effectLst>
+        </p:spPr>
+        <p:style>
+          <a:lnRef idx="2">
+            <a:schemeClr val="accent1">
+              <a:shade val="50000"/>
+            </a:schemeClr>
+          </a:lnRef>
+          <a:fillRef idx="1">
+            <a:schemeClr val="accent1"/>
+          </a:fillRef>
+          <a:effectRef idx="0">
+            <a:schemeClr val="accent1"/>
+          </a:effectRef>
+          <a:fontRef idx="minor">
+            <a:schemeClr val="lt1"/>
+          </a:fontRef>
+        </p:style>
+        <p:txBody>
+          <a:bodyPr rtlCol="0" anchor="ctr"/>
+          <a:lstStyle/>
+          <a:p>
+            <a:pPr algn="ctr"/>
+            <a:endParaRPr lang="en-US">
+              <a:solidFill>
+                <a:prstClr val="white"/>
+              </a:solidFill>
+            </a:endParaRPr>
+          </a:p>
+        </p:txBody>
+      </p:sp>
+      <p:sp>
+        <p:nvSpPr>
+          <p:cNvPr id="9" name="Freeform: Shape 8">
+            <a:extLst>
+              <a:ext uri="{FF2B5EF4-FFF2-40B4-BE49-F238E27FC236}">
+                <a16:creationId xmlns="" xmlns:a16="http://schemas.microsoft.com/office/drawing/2014/main" id="{6A16AEE4-04D8-4FF7-AA27-E6A8BFBC114D}"/>
               </a:ext>
             </a:extLst>
           </p:cNvPr>
@@ -11839,7 +12993,7 @@
   <a:extraClrSchemeLst/>
   <a:extLst>
     <a:ext uri="{05A4C25C-085E-4340-85A3-A5531E510DB2}">
-      <thm15:themeFamily xmlns:thm15="http://schemas.microsoft.com/office/thememl/2012/main" xmlns="" name="Office Theme" id="{62F939B6-93AF-4DB8-9C6B-D6C7DFDC589F}" vid="{4A3C46E8-61CC-4603-A589-7422A47A8E4A}"/>
+      <thm15:themeFamily xmlns="" xmlns:thm15="http://schemas.microsoft.com/office/thememl/2012/main" name="Office Theme" id="{62F939B6-93AF-4DB8-9C6B-D6C7DFDC589F}" vid="{4A3C46E8-61CC-4603-A589-7422A47A8E4A}"/>
     </a:ext>
   </a:extLst>
 </a:theme>
@@ -12134,7 +13288,7 @@
   <a:extraClrSchemeLst/>
   <a:extLst>
     <a:ext uri="{05A4C25C-085E-4340-85A3-A5531E510DB2}">
-      <thm15:themeFamily xmlns:thm15="http://schemas.microsoft.com/office/thememl/2012/main" xmlns="" name="Office Theme" id="{62F939B6-93AF-4DB8-9C6B-D6C7DFDC589F}" vid="{4A3C46E8-61CC-4603-A589-7422A47A8E4A}"/>
+      <thm15:themeFamily xmlns="" xmlns:thm15="http://schemas.microsoft.com/office/thememl/2012/main" name="Office Theme" id="{62F939B6-93AF-4DB8-9C6B-D6C7DFDC589F}" vid="{4A3C46E8-61CC-4603-A589-7422A47A8E4A}"/>
     </a:ext>
   </a:extLst>
 </a:theme>
@@ -12429,7 +13583,7 @@
   <a:extraClrSchemeLst/>
   <a:extLst>
     <a:ext uri="{05A4C25C-085E-4340-85A3-A5531E510DB2}">
-      <thm15:themeFamily xmlns:thm15="http://schemas.microsoft.com/office/thememl/2012/main" xmlns="" name="Office Theme" id="{62F939B6-93AF-4DB8-9C6B-D6C7DFDC589F}" vid="{4A3C46E8-61CC-4603-A589-7422A47A8E4A}"/>
+      <thm15:themeFamily xmlns="" xmlns:thm15="http://schemas.microsoft.com/office/thememl/2012/main" name="Office Theme" id="{62F939B6-93AF-4DB8-9C6B-D6C7DFDC589F}" vid="{4A3C46E8-61CC-4603-A589-7422A47A8E4A}"/>
     </a:ext>
   </a:extLst>
 </a:theme>

--- a/期末程式報告.pptx
+++ b/期末程式報告.pptx
@@ -124,10 +124,10 @@
   </p:defaultTextStyle>
   <p:extLst>
     <p:ext uri="{EFAFB233-063F-42B5-8137-9DF3F51BA10A}">
-      <p15:sldGuideLst xmlns="" xmlns:p15="http://schemas.microsoft.com/office/powerpoint/2012/main"/>
+      <p15:sldGuideLst xmlns:p15="http://schemas.microsoft.com/office/powerpoint/2012/main" xmlns=""/>
     </p:ext>
     <p:ext uri="{2D200454-40CA-4A62-9FC3-DE9A4176ACB9}">
-      <p15:notesGuideLst xmlns="" xmlns:p15="http://schemas.microsoft.com/office/powerpoint/2012/main"/>
+      <p15:notesGuideLst xmlns:p15="http://schemas.microsoft.com/office/powerpoint/2012/main" xmlns=""/>
     </p:ext>
   </p:extLst>
 </p:presentation>
@@ -164,7 +164,7 @@
           <p:cNvPr id="3" name="Date Placeholder 2">
             <a:extLst>
               <a:ext uri="{FF2B5EF4-FFF2-40B4-BE49-F238E27FC236}">
-                <a16:creationId xmlns="" xmlns:a16="http://schemas.microsoft.com/office/drawing/2014/main" id="{9F961A05-2721-40C2-B8C2-7BCE475E6AC0}"/>
+                <a16:creationId xmlns:a16="http://schemas.microsoft.com/office/drawing/2014/main" xmlns="" id="{9F961A05-2721-40C2-B8C2-7BCE475E6AC0}"/>
               </a:ext>
             </a:extLst>
           </p:cNvPr>
@@ -194,7 +194,7 @@
           <a:p>
             <a:fld id="{92ABB2FB-6345-45FF-A90E-A01D6AFF79C4}" type="datetimeFigureOut">
               <a:rPr lang="en-US" smtClean="0"/>
-              <a:t>12/26/2018</a:t>
+              <a:t>12/27/2018</a:t>
             </a:fld>
             <a:endParaRPr lang="en-US"/>
           </a:p>
@@ -205,7 +205,7 @@
           <p:cNvPr id="4" name="Footer Placeholder 3">
             <a:extLst>
               <a:ext uri="{FF2B5EF4-FFF2-40B4-BE49-F238E27FC236}">
-                <a16:creationId xmlns="" xmlns:a16="http://schemas.microsoft.com/office/drawing/2014/main" id="{994F89ED-19FF-448D-9637-AB3A68F3EEF8}"/>
+                <a16:creationId xmlns:a16="http://schemas.microsoft.com/office/drawing/2014/main" xmlns="" id="{994F89ED-19FF-448D-9637-AB3A68F3EEF8}"/>
               </a:ext>
             </a:extLst>
           </p:cNvPr>
@@ -242,7 +242,7 @@
           <p:cNvPr id="5" name="Slide Number Placeholder 4">
             <a:extLst>
               <a:ext uri="{FF2B5EF4-FFF2-40B4-BE49-F238E27FC236}">
-                <a16:creationId xmlns="" xmlns:a16="http://schemas.microsoft.com/office/drawing/2014/main" id="{E9C22E37-F0B4-44B7-8973-6E792D97CBB9}"/>
+                <a16:creationId xmlns:a16="http://schemas.microsoft.com/office/drawing/2014/main" xmlns="" id="{E9C22E37-F0B4-44B7-8973-6E792D97CBB9}"/>
               </a:ext>
             </a:extLst>
           </p:cNvPr>
@@ -371,7 +371,7 @@
           <a:p>
             <a:fld id="{DCC6978D-169D-4110-A16B-2595AC07B6B0}" type="datetimeFigureOut">
               <a:rPr lang="en-US" smtClean="0"/>
-              <a:t>12/26/2018</a:t>
+              <a:t>12/27/2018</a:t>
             </a:fld>
             <a:endParaRPr lang="en-US"/>
           </a:p>
@@ -660,7 +660,7 @@
           <p:cNvPr id="3" name="Subtitle 2">
             <a:extLst>
               <a:ext uri="{FF2B5EF4-FFF2-40B4-BE49-F238E27FC236}">
-                <a16:creationId xmlns="" xmlns:a16="http://schemas.microsoft.com/office/drawing/2014/main" id="{4B98249C-54A9-48C7-8E90-5D127DF45ADF}"/>
+                <a16:creationId xmlns:a16="http://schemas.microsoft.com/office/drawing/2014/main" xmlns="" id="{4B98249C-54A9-48C7-8E90-5D127DF45ADF}"/>
               </a:ext>
             </a:extLst>
           </p:cNvPr>
@@ -742,7 +742,7 @@
           <p:cNvPr id="8" name="Footer Placeholder 7">
             <a:extLst>
               <a:ext uri="{FF2B5EF4-FFF2-40B4-BE49-F238E27FC236}">
-                <a16:creationId xmlns="" xmlns:a16="http://schemas.microsoft.com/office/drawing/2014/main" id="{4552F197-B265-4A24-B3B2-579047097227}"/>
+                <a16:creationId xmlns:a16="http://schemas.microsoft.com/office/drawing/2014/main" xmlns="" id="{4552F197-B265-4A24-B3B2-579047097227}"/>
               </a:ext>
             </a:extLst>
           </p:cNvPr>
@@ -770,7 +770,7 @@
           <p:cNvPr id="9" name="Slide Number Placeholder 8">
             <a:extLst>
               <a:ext uri="{FF2B5EF4-FFF2-40B4-BE49-F238E27FC236}">
-                <a16:creationId xmlns="" xmlns:a16="http://schemas.microsoft.com/office/drawing/2014/main" id="{5CEA28D6-30E3-4853-9DDB-89073BC25F8D}"/>
+                <a16:creationId xmlns:a16="http://schemas.microsoft.com/office/drawing/2014/main" xmlns="" id="{5CEA28D6-30E3-4853-9DDB-89073BC25F8D}"/>
               </a:ext>
             </a:extLst>
           </p:cNvPr>
@@ -800,7 +800,7 @@
           <p:cNvPr id="2" name="Title 1">
             <a:extLst>
               <a:ext uri="{FF2B5EF4-FFF2-40B4-BE49-F238E27FC236}">
-                <a16:creationId xmlns="" xmlns:a16="http://schemas.microsoft.com/office/drawing/2014/main" id="{3F716540-A5BD-4AEC-AAD5-035D9A1A123C}"/>
+                <a16:creationId xmlns:a16="http://schemas.microsoft.com/office/drawing/2014/main" xmlns="" id="{3F716540-A5BD-4AEC-AAD5-035D9A1A123C}"/>
               </a:ext>
             </a:extLst>
           </p:cNvPr>
@@ -858,7 +858,7 @@
           <p:cNvPr id="7" name="Rectangle 6">
             <a:extLst>
               <a:ext uri="{FF2B5EF4-FFF2-40B4-BE49-F238E27FC236}">
-                <a16:creationId xmlns="" xmlns:a16="http://schemas.microsoft.com/office/drawing/2014/main" id="{D465B9C0-64E1-4F10-A420-57946092E904}"/>
+                <a16:creationId xmlns:a16="http://schemas.microsoft.com/office/drawing/2014/main" xmlns="" id="{D465B9C0-64E1-4F10-A420-57946092E904}"/>
               </a:ext>
             </a:extLst>
           </p:cNvPr>
@@ -940,7 +940,7 @@
           <p:cNvPr id="7" name="Rectangle 6">
             <a:extLst>
               <a:ext uri="{FF2B5EF4-FFF2-40B4-BE49-F238E27FC236}">
-                <a16:creationId xmlns="" xmlns:a16="http://schemas.microsoft.com/office/drawing/2014/main" id="{D465B9C0-64E1-4F10-A420-57946092E904}"/>
+                <a16:creationId xmlns:a16="http://schemas.microsoft.com/office/drawing/2014/main" xmlns="" id="{D465B9C0-64E1-4F10-A420-57946092E904}"/>
               </a:ext>
             </a:extLst>
           </p:cNvPr>
@@ -992,7 +992,7 @@
           <p:cNvPr id="5" name="Picture Placeholder 8">
             <a:extLst>
               <a:ext uri="{FF2B5EF4-FFF2-40B4-BE49-F238E27FC236}">
-                <a16:creationId xmlns="" xmlns:a16="http://schemas.microsoft.com/office/drawing/2014/main" id="{7D039519-A727-4FF2-8F74-0AF3845678C6}"/>
+                <a16:creationId xmlns:a16="http://schemas.microsoft.com/office/drawing/2014/main" xmlns="" id="{7D039519-A727-4FF2-8F74-0AF3845678C6}"/>
               </a:ext>
             </a:extLst>
           </p:cNvPr>
@@ -1040,7 +1040,7 @@
           <p:cNvPr id="6" name="Picture Placeholder 8">
             <a:extLst>
               <a:ext uri="{FF2B5EF4-FFF2-40B4-BE49-F238E27FC236}">
-                <a16:creationId xmlns="" xmlns:a16="http://schemas.microsoft.com/office/drawing/2014/main" id="{545FD064-C03C-4C2E-85E5-14614705C967}"/>
+                <a16:creationId xmlns:a16="http://schemas.microsoft.com/office/drawing/2014/main" xmlns="" id="{545FD064-C03C-4C2E-85E5-14614705C967}"/>
               </a:ext>
             </a:extLst>
           </p:cNvPr>
@@ -1118,7 +1118,7 @@
           <p:cNvPr id="7" name="Rectangle 6">
             <a:extLst>
               <a:ext uri="{FF2B5EF4-FFF2-40B4-BE49-F238E27FC236}">
-                <a16:creationId xmlns="" xmlns:a16="http://schemas.microsoft.com/office/drawing/2014/main" id="{D465B9C0-64E1-4F10-A420-57946092E904}"/>
+                <a16:creationId xmlns:a16="http://schemas.microsoft.com/office/drawing/2014/main" xmlns="" id="{D465B9C0-64E1-4F10-A420-57946092E904}"/>
               </a:ext>
             </a:extLst>
           </p:cNvPr>
@@ -1170,7 +1170,7 @@
           <p:cNvPr id="4" name="Picture Placeholder 8">
             <a:extLst>
               <a:ext uri="{FF2B5EF4-FFF2-40B4-BE49-F238E27FC236}">
-                <a16:creationId xmlns="" xmlns:a16="http://schemas.microsoft.com/office/drawing/2014/main" id="{D5FD3DBC-3546-4719-AA0A-93CB838582CB}"/>
+                <a16:creationId xmlns:a16="http://schemas.microsoft.com/office/drawing/2014/main" xmlns="" id="{D5FD3DBC-3546-4719-AA0A-93CB838582CB}"/>
               </a:ext>
             </a:extLst>
           </p:cNvPr>
@@ -1248,7 +1248,7 @@
           <p:cNvPr id="7" name="Rectangle 6">
             <a:extLst>
               <a:ext uri="{FF2B5EF4-FFF2-40B4-BE49-F238E27FC236}">
-                <a16:creationId xmlns="" xmlns:a16="http://schemas.microsoft.com/office/drawing/2014/main" id="{D465B9C0-64E1-4F10-A420-57946092E904}"/>
+                <a16:creationId xmlns:a16="http://schemas.microsoft.com/office/drawing/2014/main" xmlns="" id="{D465B9C0-64E1-4F10-A420-57946092E904}"/>
               </a:ext>
             </a:extLst>
           </p:cNvPr>
@@ -1300,7 +1300,7 @@
           <p:cNvPr id="4" name="Picture Placeholder 8">
             <a:extLst>
               <a:ext uri="{FF2B5EF4-FFF2-40B4-BE49-F238E27FC236}">
-                <a16:creationId xmlns="" xmlns:a16="http://schemas.microsoft.com/office/drawing/2014/main" id="{D5FD3DBC-3546-4719-AA0A-93CB838582CB}"/>
+                <a16:creationId xmlns:a16="http://schemas.microsoft.com/office/drawing/2014/main" xmlns="" id="{D5FD3DBC-3546-4719-AA0A-93CB838582CB}"/>
               </a:ext>
             </a:extLst>
           </p:cNvPr>
@@ -1378,7 +1378,7 @@
           <p:cNvPr id="7" name="Rectangle 6">
             <a:extLst>
               <a:ext uri="{FF2B5EF4-FFF2-40B4-BE49-F238E27FC236}">
-                <a16:creationId xmlns="" xmlns:a16="http://schemas.microsoft.com/office/drawing/2014/main" id="{D465B9C0-64E1-4F10-A420-57946092E904}"/>
+                <a16:creationId xmlns:a16="http://schemas.microsoft.com/office/drawing/2014/main" xmlns="" id="{D465B9C0-64E1-4F10-A420-57946092E904}"/>
               </a:ext>
             </a:extLst>
           </p:cNvPr>
@@ -1430,7 +1430,7 @@
           <p:cNvPr id="13" name="Picture Placeholder 12">
             <a:extLst>
               <a:ext uri="{FF2B5EF4-FFF2-40B4-BE49-F238E27FC236}">
-                <a16:creationId xmlns="" xmlns:a16="http://schemas.microsoft.com/office/drawing/2014/main" id="{A3E0B2AB-0616-41DC-8B9F-32CF68E061D8}"/>
+                <a16:creationId xmlns:a16="http://schemas.microsoft.com/office/drawing/2014/main" xmlns="" id="{A3E0B2AB-0616-41DC-8B9F-32CF68E061D8}"/>
               </a:ext>
             </a:extLst>
           </p:cNvPr>
@@ -1603,7 +1603,7 @@
           <p:cNvPr id="3" name="Subtitle 2">
             <a:extLst>
               <a:ext uri="{FF2B5EF4-FFF2-40B4-BE49-F238E27FC236}">
-                <a16:creationId xmlns="" xmlns:a16="http://schemas.microsoft.com/office/drawing/2014/main" id="{4B98249C-54A9-48C7-8E90-5D127DF45ADF}"/>
+                <a16:creationId xmlns:a16="http://schemas.microsoft.com/office/drawing/2014/main" xmlns="" id="{4B98249C-54A9-48C7-8E90-5D127DF45ADF}"/>
               </a:ext>
             </a:extLst>
           </p:cNvPr>
@@ -1685,7 +1685,7 @@
           <p:cNvPr id="8" name="Footer Placeholder 7">
             <a:extLst>
               <a:ext uri="{FF2B5EF4-FFF2-40B4-BE49-F238E27FC236}">
-                <a16:creationId xmlns="" xmlns:a16="http://schemas.microsoft.com/office/drawing/2014/main" id="{4552F197-B265-4A24-B3B2-579047097227}"/>
+                <a16:creationId xmlns:a16="http://schemas.microsoft.com/office/drawing/2014/main" xmlns="" id="{4552F197-B265-4A24-B3B2-579047097227}"/>
               </a:ext>
             </a:extLst>
           </p:cNvPr>
@@ -1713,7 +1713,7 @@
           <p:cNvPr id="9" name="Slide Number Placeholder 8">
             <a:extLst>
               <a:ext uri="{FF2B5EF4-FFF2-40B4-BE49-F238E27FC236}">
-                <a16:creationId xmlns="" xmlns:a16="http://schemas.microsoft.com/office/drawing/2014/main" id="{5CEA28D6-30E3-4853-9DDB-89073BC25F8D}"/>
+                <a16:creationId xmlns:a16="http://schemas.microsoft.com/office/drawing/2014/main" xmlns="" id="{5CEA28D6-30E3-4853-9DDB-89073BC25F8D}"/>
               </a:ext>
             </a:extLst>
           </p:cNvPr>
@@ -1743,7 +1743,7 @@
           <p:cNvPr id="2" name="Title 1">
             <a:extLst>
               <a:ext uri="{FF2B5EF4-FFF2-40B4-BE49-F238E27FC236}">
-                <a16:creationId xmlns="" xmlns:a16="http://schemas.microsoft.com/office/drawing/2014/main" id="{3F716540-A5BD-4AEC-AAD5-035D9A1A123C}"/>
+                <a16:creationId xmlns:a16="http://schemas.microsoft.com/office/drawing/2014/main" xmlns="" id="{3F716540-A5BD-4AEC-AAD5-035D9A1A123C}"/>
               </a:ext>
             </a:extLst>
           </p:cNvPr>
@@ -1771,7 +1771,7 @@
           <p:cNvPr id="6" name="Picture Placeholder 5">
             <a:extLst>
               <a:ext uri="{FF2B5EF4-FFF2-40B4-BE49-F238E27FC236}">
-                <a16:creationId xmlns="" xmlns:a16="http://schemas.microsoft.com/office/drawing/2014/main" id="{D8BCFB33-3647-4BF9-8FDF-27333E3F21DF}"/>
+                <a16:creationId xmlns:a16="http://schemas.microsoft.com/office/drawing/2014/main" xmlns="" id="{D8BCFB33-3647-4BF9-8FDF-27333E3F21DF}"/>
               </a:ext>
             </a:extLst>
           </p:cNvPr>
@@ -1881,7 +1881,7 @@
           <p:cNvPr id="7" name="Picture Placeholder 6">
             <a:extLst>
               <a:ext uri="{FF2B5EF4-FFF2-40B4-BE49-F238E27FC236}">
-                <a16:creationId xmlns="" xmlns:a16="http://schemas.microsoft.com/office/drawing/2014/main" id="{F09BA534-2A81-4355-9727-510CB23705E9}"/>
+                <a16:creationId xmlns:a16="http://schemas.microsoft.com/office/drawing/2014/main" xmlns="" id="{F09BA534-2A81-4355-9727-510CB23705E9}"/>
               </a:ext>
             </a:extLst>
           </p:cNvPr>
@@ -1991,7 +1991,7 @@
           <p:cNvPr id="10" name="Picture Placeholder 9">
             <a:extLst>
               <a:ext uri="{FF2B5EF4-FFF2-40B4-BE49-F238E27FC236}">
-                <a16:creationId xmlns="" xmlns:a16="http://schemas.microsoft.com/office/drawing/2014/main" id="{2BFA08BC-0A6F-4CF4-9C4F-8CDF503A5450}"/>
+                <a16:creationId xmlns:a16="http://schemas.microsoft.com/office/drawing/2014/main" xmlns="" id="{2BFA08BC-0A6F-4CF4-9C4F-8CDF503A5450}"/>
               </a:ext>
             </a:extLst>
           </p:cNvPr>
@@ -2131,7 +2131,7 @@
           <p:cNvPr id="14" name="Picture Placeholder 8">
             <a:extLst>
               <a:ext uri="{FF2B5EF4-FFF2-40B4-BE49-F238E27FC236}">
-                <a16:creationId xmlns="" xmlns:a16="http://schemas.microsoft.com/office/drawing/2014/main" id="{9A8D0AFE-6092-49C3-A838-187A0F3ABEE0}"/>
+                <a16:creationId xmlns:a16="http://schemas.microsoft.com/office/drawing/2014/main" xmlns="" id="{9A8D0AFE-6092-49C3-A838-187A0F3ABEE0}"/>
               </a:ext>
             </a:extLst>
           </p:cNvPr>
@@ -2179,7 +2179,7 @@
           <p:cNvPr id="15" name="Picture Placeholder 8">
             <a:extLst>
               <a:ext uri="{FF2B5EF4-FFF2-40B4-BE49-F238E27FC236}">
-                <a16:creationId xmlns="" xmlns:a16="http://schemas.microsoft.com/office/drawing/2014/main" id="{42E56542-5696-4A54-8F64-F829DBA217BD}"/>
+                <a16:creationId xmlns:a16="http://schemas.microsoft.com/office/drawing/2014/main" xmlns="" id="{42E56542-5696-4A54-8F64-F829DBA217BD}"/>
               </a:ext>
             </a:extLst>
           </p:cNvPr>
@@ -2227,7 +2227,7 @@
           <p:cNvPr id="16" name="Picture Placeholder 8">
             <a:extLst>
               <a:ext uri="{FF2B5EF4-FFF2-40B4-BE49-F238E27FC236}">
-                <a16:creationId xmlns="" xmlns:a16="http://schemas.microsoft.com/office/drawing/2014/main" id="{D593B9C8-165D-4543-8ED0-D4A78A0B6F7E}"/>
+                <a16:creationId xmlns:a16="http://schemas.microsoft.com/office/drawing/2014/main" xmlns="" id="{D593B9C8-165D-4543-8ED0-D4A78A0B6F7E}"/>
               </a:ext>
             </a:extLst>
           </p:cNvPr>
@@ -2275,7 +2275,7 @@
           <p:cNvPr id="3" name="Subtitle 2">
             <a:extLst>
               <a:ext uri="{FF2B5EF4-FFF2-40B4-BE49-F238E27FC236}">
-                <a16:creationId xmlns="" xmlns:a16="http://schemas.microsoft.com/office/drawing/2014/main" id="{4B98249C-54A9-48C7-8E90-5D127DF45ADF}"/>
+                <a16:creationId xmlns:a16="http://schemas.microsoft.com/office/drawing/2014/main" xmlns="" id="{4B98249C-54A9-48C7-8E90-5D127DF45ADF}"/>
               </a:ext>
             </a:extLst>
           </p:cNvPr>
@@ -2357,7 +2357,7 @@
           <p:cNvPr id="8" name="Footer Placeholder 7">
             <a:extLst>
               <a:ext uri="{FF2B5EF4-FFF2-40B4-BE49-F238E27FC236}">
-                <a16:creationId xmlns="" xmlns:a16="http://schemas.microsoft.com/office/drawing/2014/main" id="{4552F197-B265-4A24-B3B2-579047097227}"/>
+                <a16:creationId xmlns:a16="http://schemas.microsoft.com/office/drawing/2014/main" xmlns="" id="{4552F197-B265-4A24-B3B2-579047097227}"/>
               </a:ext>
             </a:extLst>
           </p:cNvPr>
@@ -2385,7 +2385,7 @@
           <p:cNvPr id="9" name="Slide Number Placeholder 8">
             <a:extLst>
               <a:ext uri="{FF2B5EF4-FFF2-40B4-BE49-F238E27FC236}">
-                <a16:creationId xmlns="" xmlns:a16="http://schemas.microsoft.com/office/drawing/2014/main" id="{5CEA28D6-30E3-4853-9DDB-89073BC25F8D}"/>
+                <a16:creationId xmlns:a16="http://schemas.microsoft.com/office/drawing/2014/main" xmlns="" id="{5CEA28D6-30E3-4853-9DDB-89073BC25F8D}"/>
               </a:ext>
             </a:extLst>
           </p:cNvPr>
@@ -2415,7 +2415,7 @@
           <p:cNvPr id="2" name="Title 1">
             <a:extLst>
               <a:ext uri="{FF2B5EF4-FFF2-40B4-BE49-F238E27FC236}">
-                <a16:creationId xmlns="" xmlns:a16="http://schemas.microsoft.com/office/drawing/2014/main" id="{3F716540-A5BD-4AEC-AAD5-035D9A1A123C}"/>
+                <a16:creationId xmlns:a16="http://schemas.microsoft.com/office/drawing/2014/main" xmlns="" id="{3F716540-A5BD-4AEC-AAD5-035D9A1A123C}"/>
               </a:ext>
             </a:extLst>
           </p:cNvPr>
@@ -2473,7 +2473,7 @@
           <p:cNvPr id="16" name="Picture Placeholder 8">
             <a:extLst>
               <a:ext uri="{FF2B5EF4-FFF2-40B4-BE49-F238E27FC236}">
-                <a16:creationId xmlns="" xmlns:a16="http://schemas.microsoft.com/office/drawing/2014/main" id="{D593B9C8-165D-4543-8ED0-D4A78A0B6F7E}"/>
+                <a16:creationId xmlns:a16="http://schemas.microsoft.com/office/drawing/2014/main" xmlns="" id="{D593B9C8-165D-4543-8ED0-D4A78A0B6F7E}"/>
               </a:ext>
             </a:extLst>
           </p:cNvPr>
@@ -2521,7 +2521,7 @@
           <p:cNvPr id="17" name="Picture Placeholder 8">
             <a:extLst>
               <a:ext uri="{FF2B5EF4-FFF2-40B4-BE49-F238E27FC236}">
-                <a16:creationId xmlns="" xmlns:a16="http://schemas.microsoft.com/office/drawing/2014/main" id="{9AFBF35A-ABCF-4A5C-8FEC-0FF0517160BE}"/>
+                <a16:creationId xmlns:a16="http://schemas.microsoft.com/office/drawing/2014/main" xmlns="" id="{9AFBF35A-ABCF-4A5C-8FEC-0FF0517160BE}"/>
               </a:ext>
             </a:extLst>
           </p:cNvPr>
@@ -2569,7 +2569,7 @@
           <p:cNvPr id="18" name="Picture Placeholder 8">
             <a:extLst>
               <a:ext uri="{FF2B5EF4-FFF2-40B4-BE49-F238E27FC236}">
-                <a16:creationId xmlns="" xmlns:a16="http://schemas.microsoft.com/office/drawing/2014/main" id="{1A333BC9-2C2C-4CB3-BE1F-9123563F1074}"/>
+                <a16:creationId xmlns:a16="http://schemas.microsoft.com/office/drawing/2014/main" xmlns="" id="{1A333BC9-2C2C-4CB3-BE1F-9123563F1074}"/>
               </a:ext>
             </a:extLst>
           </p:cNvPr>
@@ -2617,7 +2617,7 @@
           <p:cNvPr id="19" name="Picture Placeholder 8">
             <a:extLst>
               <a:ext uri="{FF2B5EF4-FFF2-40B4-BE49-F238E27FC236}">
-                <a16:creationId xmlns="" xmlns:a16="http://schemas.microsoft.com/office/drawing/2014/main" id="{7343F12E-DB52-4FE3-936E-776F48EDE8CC}"/>
+                <a16:creationId xmlns:a16="http://schemas.microsoft.com/office/drawing/2014/main" xmlns="" id="{7343F12E-DB52-4FE3-936E-776F48EDE8CC}"/>
               </a:ext>
             </a:extLst>
           </p:cNvPr>
@@ -2665,7 +2665,7 @@
           <p:cNvPr id="3" name="Subtitle 2">
             <a:extLst>
               <a:ext uri="{FF2B5EF4-FFF2-40B4-BE49-F238E27FC236}">
-                <a16:creationId xmlns="" xmlns:a16="http://schemas.microsoft.com/office/drawing/2014/main" id="{4B98249C-54A9-48C7-8E90-5D127DF45ADF}"/>
+                <a16:creationId xmlns:a16="http://schemas.microsoft.com/office/drawing/2014/main" xmlns="" id="{4B98249C-54A9-48C7-8E90-5D127DF45ADF}"/>
               </a:ext>
             </a:extLst>
           </p:cNvPr>
@@ -2747,7 +2747,7 @@
           <p:cNvPr id="8" name="Footer Placeholder 7">
             <a:extLst>
               <a:ext uri="{FF2B5EF4-FFF2-40B4-BE49-F238E27FC236}">
-                <a16:creationId xmlns="" xmlns:a16="http://schemas.microsoft.com/office/drawing/2014/main" id="{4552F197-B265-4A24-B3B2-579047097227}"/>
+                <a16:creationId xmlns:a16="http://schemas.microsoft.com/office/drawing/2014/main" xmlns="" id="{4552F197-B265-4A24-B3B2-579047097227}"/>
               </a:ext>
             </a:extLst>
           </p:cNvPr>
@@ -2775,7 +2775,7 @@
           <p:cNvPr id="9" name="Slide Number Placeholder 8">
             <a:extLst>
               <a:ext uri="{FF2B5EF4-FFF2-40B4-BE49-F238E27FC236}">
-                <a16:creationId xmlns="" xmlns:a16="http://schemas.microsoft.com/office/drawing/2014/main" id="{5CEA28D6-30E3-4853-9DDB-89073BC25F8D}"/>
+                <a16:creationId xmlns:a16="http://schemas.microsoft.com/office/drawing/2014/main" xmlns="" id="{5CEA28D6-30E3-4853-9DDB-89073BC25F8D}"/>
               </a:ext>
             </a:extLst>
           </p:cNvPr>
@@ -2805,7 +2805,7 @@
           <p:cNvPr id="2" name="Title 1">
             <a:extLst>
               <a:ext uri="{FF2B5EF4-FFF2-40B4-BE49-F238E27FC236}">
-                <a16:creationId xmlns="" xmlns:a16="http://schemas.microsoft.com/office/drawing/2014/main" id="{3F716540-A5BD-4AEC-AAD5-035D9A1A123C}"/>
+                <a16:creationId xmlns:a16="http://schemas.microsoft.com/office/drawing/2014/main" xmlns="" id="{3F716540-A5BD-4AEC-AAD5-035D9A1A123C}"/>
               </a:ext>
             </a:extLst>
           </p:cNvPr>
@@ -2863,7 +2863,7 @@
           <p:cNvPr id="3" name="Subtitle 2">
             <a:extLst>
               <a:ext uri="{FF2B5EF4-FFF2-40B4-BE49-F238E27FC236}">
-                <a16:creationId xmlns="" xmlns:a16="http://schemas.microsoft.com/office/drawing/2014/main" id="{4B98249C-54A9-48C7-8E90-5D127DF45ADF}"/>
+                <a16:creationId xmlns:a16="http://schemas.microsoft.com/office/drawing/2014/main" xmlns="" id="{4B98249C-54A9-48C7-8E90-5D127DF45ADF}"/>
               </a:ext>
             </a:extLst>
           </p:cNvPr>
@@ -2945,7 +2945,7 @@
           <p:cNvPr id="8" name="Footer Placeholder 7">
             <a:extLst>
               <a:ext uri="{FF2B5EF4-FFF2-40B4-BE49-F238E27FC236}">
-                <a16:creationId xmlns="" xmlns:a16="http://schemas.microsoft.com/office/drawing/2014/main" id="{4552F197-B265-4A24-B3B2-579047097227}"/>
+                <a16:creationId xmlns:a16="http://schemas.microsoft.com/office/drawing/2014/main" xmlns="" id="{4552F197-B265-4A24-B3B2-579047097227}"/>
               </a:ext>
             </a:extLst>
           </p:cNvPr>
@@ -2973,7 +2973,7 @@
           <p:cNvPr id="9" name="Slide Number Placeholder 8">
             <a:extLst>
               <a:ext uri="{FF2B5EF4-FFF2-40B4-BE49-F238E27FC236}">
-                <a16:creationId xmlns="" xmlns:a16="http://schemas.microsoft.com/office/drawing/2014/main" id="{5CEA28D6-30E3-4853-9DDB-89073BC25F8D}"/>
+                <a16:creationId xmlns:a16="http://schemas.microsoft.com/office/drawing/2014/main" xmlns="" id="{5CEA28D6-30E3-4853-9DDB-89073BC25F8D}"/>
               </a:ext>
             </a:extLst>
           </p:cNvPr>
@@ -3003,7 +3003,7 @@
           <p:cNvPr id="2" name="Title 1">
             <a:extLst>
               <a:ext uri="{FF2B5EF4-FFF2-40B4-BE49-F238E27FC236}">
-                <a16:creationId xmlns="" xmlns:a16="http://schemas.microsoft.com/office/drawing/2014/main" id="{3F716540-A5BD-4AEC-AAD5-035D9A1A123C}"/>
+                <a16:creationId xmlns:a16="http://schemas.microsoft.com/office/drawing/2014/main" xmlns="" id="{3F716540-A5BD-4AEC-AAD5-035D9A1A123C}"/>
               </a:ext>
             </a:extLst>
           </p:cNvPr>
@@ -3031,7 +3031,7 @@
           <p:cNvPr id="6" name="Picture Placeholder 8">
             <a:extLst>
               <a:ext uri="{FF2B5EF4-FFF2-40B4-BE49-F238E27FC236}">
-                <a16:creationId xmlns="" xmlns:a16="http://schemas.microsoft.com/office/drawing/2014/main" id="{3498751F-B73B-4503-BEE6-6CD3DFE8E472}"/>
+                <a16:creationId xmlns:a16="http://schemas.microsoft.com/office/drawing/2014/main" xmlns="" id="{3498751F-B73B-4503-BEE6-6CD3DFE8E472}"/>
               </a:ext>
             </a:extLst>
           </p:cNvPr>
@@ -3079,7 +3079,7 @@
           <p:cNvPr id="7" name="Picture Placeholder 8">
             <a:extLst>
               <a:ext uri="{FF2B5EF4-FFF2-40B4-BE49-F238E27FC236}">
-                <a16:creationId xmlns="" xmlns:a16="http://schemas.microsoft.com/office/drawing/2014/main" id="{4EEB3E60-30F3-4B70-9B7A-36401D24F103}"/>
+                <a16:creationId xmlns:a16="http://schemas.microsoft.com/office/drawing/2014/main" xmlns="" id="{4EEB3E60-30F3-4B70-9B7A-36401D24F103}"/>
               </a:ext>
             </a:extLst>
           </p:cNvPr>
@@ -3127,7 +3127,7 @@
           <p:cNvPr id="10" name="Picture Placeholder 8">
             <a:extLst>
               <a:ext uri="{FF2B5EF4-FFF2-40B4-BE49-F238E27FC236}">
-                <a16:creationId xmlns="" xmlns:a16="http://schemas.microsoft.com/office/drawing/2014/main" id="{BA9F6DAE-E6E4-4C7B-A7D7-E5D6012FE8AD}"/>
+                <a16:creationId xmlns:a16="http://schemas.microsoft.com/office/drawing/2014/main" xmlns="" id="{BA9F6DAE-E6E4-4C7B-A7D7-E5D6012FE8AD}"/>
               </a:ext>
             </a:extLst>
           </p:cNvPr>
@@ -3205,7 +3205,7 @@
           <p:cNvPr id="3" name="Subtitle 2">
             <a:extLst>
               <a:ext uri="{FF2B5EF4-FFF2-40B4-BE49-F238E27FC236}">
-                <a16:creationId xmlns="" xmlns:a16="http://schemas.microsoft.com/office/drawing/2014/main" id="{4B98249C-54A9-48C7-8E90-5D127DF45ADF}"/>
+                <a16:creationId xmlns:a16="http://schemas.microsoft.com/office/drawing/2014/main" xmlns="" id="{4B98249C-54A9-48C7-8E90-5D127DF45ADF}"/>
               </a:ext>
             </a:extLst>
           </p:cNvPr>
@@ -3287,7 +3287,7 @@
           <p:cNvPr id="8" name="Footer Placeholder 7">
             <a:extLst>
               <a:ext uri="{FF2B5EF4-FFF2-40B4-BE49-F238E27FC236}">
-                <a16:creationId xmlns="" xmlns:a16="http://schemas.microsoft.com/office/drawing/2014/main" id="{4552F197-B265-4A24-B3B2-579047097227}"/>
+                <a16:creationId xmlns:a16="http://schemas.microsoft.com/office/drawing/2014/main" xmlns="" id="{4552F197-B265-4A24-B3B2-579047097227}"/>
               </a:ext>
             </a:extLst>
           </p:cNvPr>
@@ -3315,7 +3315,7 @@
           <p:cNvPr id="9" name="Slide Number Placeholder 8">
             <a:extLst>
               <a:ext uri="{FF2B5EF4-FFF2-40B4-BE49-F238E27FC236}">
-                <a16:creationId xmlns="" xmlns:a16="http://schemas.microsoft.com/office/drawing/2014/main" id="{5CEA28D6-30E3-4853-9DDB-89073BC25F8D}"/>
+                <a16:creationId xmlns:a16="http://schemas.microsoft.com/office/drawing/2014/main" xmlns="" id="{5CEA28D6-30E3-4853-9DDB-89073BC25F8D}"/>
               </a:ext>
             </a:extLst>
           </p:cNvPr>
@@ -3345,7 +3345,7 @@
           <p:cNvPr id="2" name="Title 1">
             <a:extLst>
               <a:ext uri="{FF2B5EF4-FFF2-40B4-BE49-F238E27FC236}">
-                <a16:creationId xmlns="" xmlns:a16="http://schemas.microsoft.com/office/drawing/2014/main" id="{3F716540-A5BD-4AEC-AAD5-035D9A1A123C}"/>
+                <a16:creationId xmlns:a16="http://schemas.microsoft.com/office/drawing/2014/main" xmlns="" id="{3F716540-A5BD-4AEC-AAD5-035D9A1A123C}"/>
               </a:ext>
             </a:extLst>
           </p:cNvPr>
@@ -3407,7 +3407,7 @@
           <p:cNvPr id="3" name="Subtitle 2">
             <a:extLst>
               <a:ext uri="{FF2B5EF4-FFF2-40B4-BE49-F238E27FC236}">
-                <a16:creationId xmlns="" xmlns:a16="http://schemas.microsoft.com/office/drawing/2014/main" id="{4B98249C-54A9-48C7-8E90-5D127DF45ADF}"/>
+                <a16:creationId xmlns:a16="http://schemas.microsoft.com/office/drawing/2014/main" xmlns="" id="{4B98249C-54A9-48C7-8E90-5D127DF45ADF}"/>
               </a:ext>
             </a:extLst>
           </p:cNvPr>
@@ -3489,7 +3489,7 @@
           <p:cNvPr id="8" name="Footer Placeholder 7">
             <a:extLst>
               <a:ext uri="{FF2B5EF4-FFF2-40B4-BE49-F238E27FC236}">
-                <a16:creationId xmlns="" xmlns:a16="http://schemas.microsoft.com/office/drawing/2014/main" id="{4552F197-B265-4A24-B3B2-579047097227}"/>
+                <a16:creationId xmlns:a16="http://schemas.microsoft.com/office/drawing/2014/main" xmlns="" id="{4552F197-B265-4A24-B3B2-579047097227}"/>
               </a:ext>
             </a:extLst>
           </p:cNvPr>
@@ -3517,7 +3517,7 @@
           <p:cNvPr id="9" name="Slide Number Placeholder 8">
             <a:extLst>
               <a:ext uri="{FF2B5EF4-FFF2-40B4-BE49-F238E27FC236}">
-                <a16:creationId xmlns="" xmlns:a16="http://schemas.microsoft.com/office/drawing/2014/main" id="{5CEA28D6-30E3-4853-9DDB-89073BC25F8D}"/>
+                <a16:creationId xmlns:a16="http://schemas.microsoft.com/office/drawing/2014/main" xmlns="" id="{5CEA28D6-30E3-4853-9DDB-89073BC25F8D}"/>
               </a:ext>
             </a:extLst>
           </p:cNvPr>
@@ -3547,7 +3547,7 @@
           <p:cNvPr id="2" name="Title 1">
             <a:extLst>
               <a:ext uri="{FF2B5EF4-FFF2-40B4-BE49-F238E27FC236}">
-                <a16:creationId xmlns="" xmlns:a16="http://schemas.microsoft.com/office/drawing/2014/main" id="{3F716540-A5BD-4AEC-AAD5-035D9A1A123C}"/>
+                <a16:creationId xmlns:a16="http://schemas.microsoft.com/office/drawing/2014/main" xmlns="" id="{3F716540-A5BD-4AEC-AAD5-035D9A1A123C}"/>
               </a:ext>
             </a:extLst>
           </p:cNvPr>
@@ -3579,7 +3579,7 @@
           <p:cNvPr id="13" name="Picture Placeholder 12">
             <a:extLst>
               <a:ext uri="{FF2B5EF4-FFF2-40B4-BE49-F238E27FC236}">
-                <a16:creationId xmlns="" xmlns:a16="http://schemas.microsoft.com/office/drawing/2014/main" id="{63285DB2-16D4-4066-85DE-02C160F50027}"/>
+                <a16:creationId xmlns:a16="http://schemas.microsoft.com/office/drawing/2014/main" xmlns="" id="{63285DB2-16D4-4066-85DE-02C160F50027}"/>
               </a:ext>
             </a:extLst>
           </p:cNvPr>
@@ -3689,7 +3689,7 @@
           <p:cNvPr id="14" name="Picture Placeholder 13">
             <a:extLst>
               <a:ext uri="{FF2B5EF4-FFF2-40B4-BE49-F238E27FC236}">
-                <a16:creationId xmlns="" xmlns:a16="http://schemas.microsoft.com/office/drawing/2014/main" id="{94F06A3E-C574-42DC-8DF5-A3F8339BEFAC}"/>
+                <a16:creationId xmlns:a16="http://schemas.microsoft.com/office/drawing/2014/main" xmlns="" id="{94F06A3E-C574-42DC-8DF5-A3F8339BEFAC}"/>
               </a:ext>
             </a:extLst>
           </p:cNvPr>
@@ -3799,7 +3799,7 @@
           <p:cNvPr id="12" name="Picture Placeholder 11">
             <a:extLst>
               <a:ext uri="{FF2B5EF4-FFF2-40B4-BE49-F238E27FC236}">
-                <a16:creationId xmlns="" xmlns:a16="http://schemas.microsoft.com/office/drawing/2014/main" id="{72448CCE-F1A8-41AB-9BDB-BD336D83CDDE}"/>
+                <a16:creationId xmlns:a16="http://schemas.microsoft.com/office/drawing/2014/main" xmlns="" id="{72448CCE-F1A8-41AB-9BDB-BD336D83CDDE}"/>
               </a:ext>
             </a:extLst>
           </p:cNvPr>
@@ -3939,7 +3939,7 @@
           <p:cNvPr id="3" name="Subtitle 2">
             <a:extLst>
               <a:ext uri="{FF2B5EF4-FFF2-40B4-BE49-F238E27FC236}">
-                <a16:creationId xmlns="" xmlns:a16="http://schemas.microsoft.com/office/drawing/2014/main" id="{4B98249C-54A9-48C7-8E90-5D127DF45ADF}"/>
+                <a16:creationId xmlns:a16="http://schemas.microsoft.com/office/drawing/2014/main" xmlns="" id="{4B98249C-54A9-48C7-8E90-5D127DF45ADF}"/>
               </a:ext>
             </a:extLst>
           </p:cNvPr>
@@ -4021,7 +4021,7 @@
           <p:cNvPr id="8" name="Footer Placeholder 7">
             <a:extLst>
               <a:ext uri="{FF2B5EF4-FFF2-40B4-BE49-F238E27FC236}">
-                <a16:creationId xmlns="" xmlns:a16="http://schemas.microsoft.com/office/drawing/2014/main" id="{4552F197-B265-4A24-B3B2-579047097227}"/>
+                <a16:creationId xmlns:a16="http://schemas.microsoft.com/office/drawing/2014/main" xmlns="" id="{4552F197-B265-4A24-B3B2-579047097227}"/>
               </a:ext>
             </a:extLst>
           </p:cNvPr>
@@ -4049,7 +4049,7 @@
           <p:cNvPr id="9" name="Slide Number Placeholder 8">
             <a:extLst>
               <a:ext uri="{FF2B5EF4-FFF2-40B4-BE49-F238E27FC236}">
-                <a16:creationId xmlns="" xmlns:a16="http://schemas.microsoft.com/office/drawing/2014/main" id="{5CEA28D6-30E3-4853-9DDB-89073BC25F8D}"/>
+                <a16:creationId xmlns:a16="http://schemas.microsoft.com/office/drawing/2014/main" xmlns="" id="{5CEA28D6-30E3-4853-9DDB-89073BC25F8D}"/>
               </a:ext>
             </a:extLst>
           </p:cNvPr>
@@ -4079,7 +4079,7 @@
           <p:cNvPr id="2" name="Title 1">
             <a:extLst>
               <a:ext uri="{FF2B5EF4-FFF2-40B4-BE49-F238E27FC236}">
-                <a16:creationId xmlns="" xmlns:a16="http://schemas.microsoft.com/office/drawing/2014/main" id="{3F716540-A5BD-4AEC-AAD5-035D9A1A123C}"/>
+                <a16:creationId xmlns:a16="http://schemas.microsoft.com/office/drawing/2014/main" xmlns="" id="{3F716540-A5BD-4AEC-AAD5-035D9A1A123C}"/>
               </a:ext>
             </a:extLst>
           </p:cNvPr>
@@ -4107,7 +4107,7 @@
           <p:cNvPr id="11" name="Picture Placeholder 8">
             <a:extLst>
               <a:ext uri="{FF2B5EF4-FFF2-40B4-BE49-F238E27FC236}">
-                <a16:creationId xmlns="" xmlns:a16="http://schemas.microsoft.com/office/drawing/2014/main" id="{61EF1044-4E78-47EA-8224-81E06A6BCAF5}"/>
+                <a16:creationId xmlns:a16="http://schemas.microsoft.com/office/drawing/2014/main" xmlns="" id="{61EF1044-4E78-47EA-8224-81E06A6BCAF5}"/>
               </a:ext>
             </a:extLst>
           </p:cNvPr>
@@ -4155,7 +4155,7 @@
           <p:cNvPr id="12" name="Picture Placeholder 8">
             <a:extLst>
               <a:ext uri="{FF2B5EF4-FFF2-40B4-BE49-F238E27FC236}">
-                <a16:creationId xmlns="" xmlns:a16="http://schemas.microsoft.com/office/drawing/2014/main" id="{A05C934D-FD96-4400-992B-42B15F514B75}"/>
+                <a16:creationId xmlns:a16="http://schemas.microsoft.com/office/drawing/2014/main" xmlns="" id="{A05C934D-FD96-4400-992B-42B15F514B75}"/>
               </a:ext>
             </a:extLst>
           </p:cNvPr>
@@ -4203,7 +4203,7 @@
           <p:cNvPr id="13" name="Picture Placeholder 8">
             <a:extLst>
               <a:ext uri="{FF2B5EF4-FFF2-40B4-BE49-F238E27FC236}">
-                <a16:creationId xmlns="" xmlns:a16="http://schemas.microsoft.com/office/drawing/2014/main" id="{E27C15EC-0545-49BD-95FB-265B988A545D}"/>
+                <a16:creationId xmlns:a16="http://schemas.microsoft.com/office/drawing/2014/main" xmlns="" id="{E27C15EC-0545-49BD-95FB-265B988A545D}"/>
               </a:ext>
             </a:extLst>
           </p:cNvPr>
@@ -4281,7 +4281,7 @@
           <p:cNvPr id="8" name="Footer Placeholder 7">
             <a:extLst>
               <a:ext uri="{FF2B5EF4-FFF2-40B4-BE49-F238E27FC236}">
-                <a16:creationId xmlns="" xmlns:a16="http://schemas.microsoft.com/office/drawing/2014/main" id="{4552F197-B265-4A24-B3B2-579047097227}"/>
+                <a16:creationId xmlns:a16="http://schemas.microsoft.com/office/drawing/2014/main" xmlns="" id="{4552F197-B265-4A24-B3B2-579047097227}"/>
               </a:ext>
             </a:extLst>
           </p:cNvPr>
@@ -4309,7 +4309,7 @@
           <p:cNvPr id="9" name="Slide Number Placeholder 8">
             <a:extLst>
               <a:ext uri="{FF2B5EF4-FFF2-40B4-BE49-F238E27FC236}">
-                <a16:creationId xmlns="" xmlns:a16="http://schemas.microsoft.com/office/drawing/2014/main" id="{5CEA28D6-30E3-4853-9DDB-89073BC25F8D}"/>
+                <a16:creationId xmlns:a16="http://schemas.microsoft.com/office/drawing/2014/main" xmlns="" id="{5CEA28D6-30E3-4853-9DDB-89073BC25F8D}"/>
               </a:ext>
             </a:extLst>
           </p:cNvPr>
@@ -4369,7 +4369,7 @@
           <p:cNvPr id="8" name="Footer Placeholder 7">
             <a:extLst>
               <a:ext uri="{FF2B5EF4-FFF2-40B4-BE49-F238E27FC236}">
-                <a16:creationId xmlns="" xmlns:a16="http://schemas.microsoft.com/office/drawing/2014/main" id="{4552F197-B265-4A24-B3B2-579047097227}"/>
+                <a16:creationId xmlns:a16="http://schemas.microsoft.com/office/drawing/2014/main" xmlns="" id="{4552F197-B265-4A24-B3B2-579047097227}"/>
               </a:ext>
             </a:extLst>
           </p:cNvPr>
@@ -4397,7 +4397,7 @@
           <p:cNvPr id="9" name="Slide Number Placeholder 8">
             <a:extLst>
               <a:ext uri="{FF2B5EF4-FFF2-40B4-BE49-F238E27FC236}">
-                <a16:creationId xmlns="" xmlns:a16="http://schemas.microsoft.com/office/drawing/2014/main" id="{5CEA28D6-30E3-4853-9DDB-89073BC25F8D}"/>
+                <a16:creationId xmlns:a16="http://schemas.microsoft.com/office/drawing/2014/main" xmlns="" id="{5CEA28D6-30E3-4853-9DDB-89073BC25F8D}"/>
               </a:ext>
             </a:extLst>
           </p:cNvPr>
@@ -4427,7 +4427,7 @@
           <p:cNvPr id="7" name="Picture Placeholder 8">
             <a:extLst>
               <a:ext uri="{FF2B5EF4-FFF2-40B4-BE49-F238E27FC236}">
-                <a16:creationId xmlns="" xmlns:a16="http://schemas.microsoft.com/office/drawing/2014/main" id="{02645CC7-9008-43C7-9F6A-208D5C9AAEAD}"/>
+                <a16:creationId xmlns:a16="http://schemas.microsoft.com/office/drawing/2014/main" xmlns="" id="{02645CC7-9008-43C7-9F6A-208D5C9AAEAD}"/>
               </a:ext>
             </a:extLst>
           </p:cNvPr>
@@ -4475,7 +4475,7 @@
           <p:cNvPr id="10" name="Picture Placeholder 8">
             <a:extLst>
               <a:ext uri="{FF2B5EF4-FFF2-40B4-BE49-F238E27FC236}">
-                <a16:creationId xmlns="" xmlns:a16="http://schemas.microsoft.com/office/drawing/2014/main" id="{374C708F-FA3C-44DC-B88B-A0F13DD9CA38}"/>
+                <a16:creationId xmlns:a16="http://schemas.microsoft.com/office/drawing/2014/main" xmlns="" id="{374C708F-FA3C-44DC-B88B-A0F13DD9CA38}"/>
               </a:ext>
             </a:extLst>
           </p:cNvPr>
@@ -4523,7 +4523,7 @@
           <p:cNvPr id="11" name="Picture Placeholder 8">
             <a:extLst>
               <a:ext uri="{FF2B5EF4-FFF2-40B4-BE49-F238E27FC236}">
-                <a16:creationId xmlns="" xmlns:a16="http://schemas.microsoft.com/office/drawing/2014/main" id="{E18D6A70-DFB4-4667-A33D-962CF09D502A}"/>
+                <a16:creationId xmlns:a16="http://schemas.microsoft.com/office/drawing/2014/main" xmlns="" id="{E18D6A70-DFB4-4667-A33D-962CF09D502A}"/>
               </a:ext>
             </a:extLst>
           </p:cNvPr>
@@ -4601,7 +4601,7 @@
           <p:cNvPr id="14" name="Picture Placeholder 8">
             <a:extLst>
               <a:ext uri="{FF2B5EF4-FFF2-40B4-BE49-F238E27FC236}">
-                <a16:creationId xmlns="" xmlns:a16="http://schemas.microsoft.com/office/drawing/2014/main" id="{F55C59B5-C1A5-4D6C-B717-5B178B360DD5}"/>
+                <a16:creationId xmlns:a16="http://schemas.microsoft.com/office/drawing/2014/main" xmlns="" id="{F55C59B5-C1A5-4D6C-B717-5B178B360DD5}"/>
               </a:ext>
             </a:extLst>
           </p:cNvPr>
@@ -4649,7 +4649,7 @@
           <p:cNvPr id="15" name="Picture Placeholder 8">
             <a:extLst>
               <a:ext uri="{FF2B5EF4-FFF2-40B4-BE49-F238E27FC236}">
-                <a16:creationId xmlns="" xmlns:a16="http://schemas.microsoft.com/office/drawing/2014/main" id="{498DE3BD-A7E9-4BC1-93A6-48E11F9F1334}"/>
+                <a16:creationId xmlns:a16="http://schemas.microsoft.com/office/drawing/2014/main" xmlns="" id="{498DE3BD-A7E9-4BC1-93A6-48E11F9F1334}"/>
               </a:ext>
             </a:extLst>
           </p:cNvPr>
@@ -4697,7 +4697,7 @@
           <p:cNvPr id="16" name="Picture Placeholder 8">
             <a:extLst>
               <a:ext uri="{FF2B5EF4-FFF2-40B4-BE49-F238E27FC236}">
-                <a16:creationId xmlns="" xmlns:a16="http://schemas.microsoft.com/office/drawing/2014/main" id="{1012C6EC-E639-4792-994F-EA59C6570399}"/>
+                <a16:creationId xmlns:a16="http://schemas.microsoft.com/office/drawing/2014/main" xmlns="" id="{1012C6EC-E639-4792-994F-EA59C6570399}"/>
               </a:ext>
             </a:extLst>
           </p:cNvPr>
@@ -4745,7 +4745,7 @@
           <p:cNvPr id="17" name="Picture Placeholder 8">
             <a:extLst>
               <a:ext uri="{FF2B5EF4-FFF2-40B4-BE49-F238E27FC236}">
-                <a16:creationId xmlns="" xmlns:a16="http://schemas.microsoft.com/office/drawing/2014/main" id="{45F68E46-3D96-451B-9159-6192F0C2325E}"/>
+                <a16:creationId xmlns:a16="http://schemas.microsoft.com/office/drawing/2014/main" xmlns="" id="{45F68E46-3D96-451B-9159-6192F0C2325E}"/>
               </a:ext>
             </a:extLst>
           </p:cNvPr>
@@ -4793,7 +4793,7 @@
           <p:cNvPr id="18" name="Picture Placeholder 8">
             <a:extLst>
               <a:ext uri="{FF2B5EF4-FFF2-40B4-BE49-F238E27FC236}">
-                <a16:creationId xmlns="" xmlns:a16="http://schemas.microsoft.com/office/drawing/2014/main" id="{DA24B683-FF84-4D67-8A27-7BCA9369DF04}"/>
+                <a16:creationId xmlns:a16="http://schemas.microsoft.com/office/drawing/2014/main" xmlns="" id="{DA24B683-FF84-4D67-8A27-7BCA9369DF04}"/>
               </a:ext>
             </a:extLst>
           </p:cNvPr>
@@ -4841,7 +4841,7 @@
           <p:cNvPr id="19" name="Picture Placeholder 8">
             <a:extLst>
               <a:ext uri="{FF2B5EF4-FFF2-40B4-BE49-F238E27FC236}">
-                <a16:creationId xmlns="" xmlns:a16="http://schemas.microsoft.com/office/drawing/2014/main" id="{E6C2322D-54B9-477F-8EDE-4A2F6A754285}"/>
+                <a16:creationId xmlns:a16="http://schemas.microsoft.com/office/drawing/2014/main" xmlns="" id="{E6C2322D-54B9-477F-8EDE-4A2F6A754285}"/>
               </a:ext>
             </a:extLst>
           </p:cNvPr>
@@ -4889,7 +4889,7 @@
           <p:cNvPr id="20" name="Picture Placeholder 8">
             <a:extLst>
               <a:ext uri="{FF2B5EF4-FFF2-40B4-BE49-F238E27FC236}">
-                <a16:creationId xmlns="" xmlns:a16="http://schemas.microsoft.com/office/drawing/2014/main" id="{F00232C2-3442-48B1-B5C7-7965A5839695}"/>
+                <a16:creationId xmlns:a16="http://schemas.microsoft.com/office/drawing/2014/main" xmlns="" id="{F00232C2-3442-48B1-B5C7-7965A5839695}"/>
               </a:ext>
             </a:extLst>
           </p:cNvPr>
@@ -4937,7 +4937,7 @@
           <p:cNvPr id="21" name="Picture Placeholder 8">
             <a:extLst>
               <a:ext uri="{FF2B5EF4-FFF2-40B4-BE49-F238E27FC236}">
-                <a16:creationId xmlns="" xmlns:a16="http://schemas.microsoft.com/office/drawing/2014/main" id="{13D20D93-78CA-4269-B522-74E542A5B9C8}"/>
+                <a16:creationId xmlns:a16="http://schemas.microsoft.com/office/drawing/2014/main" xmlns="" id="{13D20D93-78CA-4269-B522-74E542A5B9C8}"/>
               </a:ext>
             </a:extLst>
           </p:cNvPr>
@@ -4985,7 +4985,7 @@
           <p:cNvPr id="8" name="Footer Placeholder 7">
             <a:extLst>
               <a:ext uri="{FF2B5EF4-FFF2-40B4-BE49-F238E27FC236}">
-                <a16:creationId xmlns="" xmlns:a16="http://schemas.microsoft.com/office/drawing/2014/main" id="{4552F197-B265-4A24-B3B2-579047097227}"/>
+                <a16:creationId xmlns:a16="http://schemas.microsoft.com/office/drawing/2014/main" xmlns="" id="{4552F197-B265-4A24-B3B2-579047097227}"/>
               </a:ext>
             </a:extLst>
           </p:cNvPr>
@@ -5013,7 +5013,7 @@
           <p:cNvPr id="9" name="Slide Number Placeholder 8">
             <a:extLst>
               <a:ext uri="{FF2B5EF4-FFF2-40B4-BE49-F238E27FC236}">
-                <a16:creationId xmlns="" xmlns:a16="http://schemas.microsoft.com/office/drawing/2014/main" id="{5CEA28D6-30E3-4853-9DDB-89073BC25F8D}"/>
+                <a16:creationId xmlns:a16="http://schemas.microsoft.com/office/drawing/2014/main" xmlns="" id="{5CEA28D6-30E3-4853-9DDB-89073BC25F8D}"/>
               </a:ext>
             </a:extLst>
           </p:cNvPr>
@@ -5073,7 +5073,7 @@
           <p:cNvPr id="7" name="Rectangle 6">
             <a:extLst>
               <a:ext uri="{FF2B5EF4-FFF2-40B4-BE49-F238E27FC236}">
-                <a16:creationId xmlns="" xmlns:a16="http://schemas.microsoft.com/office/drawing/2014/main" id="{D465B9C0-64E1-4F10-A420-57946092E904}"/>
+                <a16:creationId xmlns:a16="http://schemas.microsoft.com/office/drawing/2014/main" xmlns="" id="{D465B9C0-64E1-4F10-A420-57946092E904}"/>
               </a:ext>
             </a:extLst>
           </p:cNvPr>
@@ -5125,7 +5125,7 @@
           <p:cNvPr id="9" name="Picture Placeholder 8">
             <a:extLst>
               <a:ext uri="{FF2B5EF4-FFF2-40B4-BE49-F238E27FC236}">
-                <a16:creationId xmlns="" xmlns:a16="http://schemas.microsoft.com/office/drawing/2014/main" id="{C411D86D-6464-4193-B9C7-01E2210AF2C2}"/>
+                <a16:creationId xmlns:a16="http://schemas.microsoft.com/office/drawing/2014/main" xmlns="" id="{C411D86D-6464-4193-B9C7-01E2210AF2C2}"/>
               </a:ext>
             </a:extLst>
           </p:cNvPr>
@@ -5208,7 +5208,7 @@
           <p:cNvPr id="2" name="Title Placeholder 1">
             <a:extLst>
               <a:ext uri="{FF2B5EF4-FFF2-40B4-BE49-F238E27FC236}">
-                <a16:creationId xmlns="" xmlns:a16="http://schemas.microsoft.com/office/drawing/2014/main" id="{04B13DFB-4D42-49ED-89E4-4F0D5E151C4C}"/>
+                <a16:creationId xmlns:a16="http://schemas.microsoft.com/office/drawing/2014/main" xmlns="" id="{04B13DFB-4D42-49ED-89E4-4F0D5E151C4C}"/>
               </a:ext>
             </a:extLst>
           </p:cNvPr>
@@ -5246,7 +5246,7 @@
           <p:cNvPr id="3" name="Text Placeholder 2">
             <a:extLst>
               <a:ext uri="{FF2B5EF4-FFF2-40B4-BE49-F238E27FC236}">
-                <a16:creationId xmlns="" xmlns:a16="http://schemas.microsoft.com/office/drawing/2014/main" id="{AA8CE2F2-50B7-45A7-A752-331D60C05B56}"/>
+                <a16:creationId xmlns:a16="http://schemas.microsoft.com/office/drawing/2014/main" xmlns="" id="{AA8CE2F2-50B7-45A7-A752-331D60C05B56}"/>
               </a:ext>
             </a:extLst>
           </p:cNvPr>
@@ -5313,7 +5313,7 @@
           <p:cNvPr id="11" name="Oval 10">
             <a:extLst>
               <a:ext uri="{FF2B5EF4-FFF2-40B4-BE49-F238E27FC236}">
-                <a16:creationId xmlns="" xmlns:a16="http://schemas.microsoft.com/office/drawing/2014/main" id="{6B5FF849-AD70-4FFB-B722-87B9A2304A17}"/>
+                <a16:creationId xmlns:a16="http://schemas.microsoft.com/office/drawing/2014/main" xmlns="" id="{6B5FF849-AD70-4FFB-B722-87B9A2304A17}"/>
               </a:ext>
             </a:extLst>
           </p:cNvPr>
@@ -5369,7 +5369,7 @@
           <p:cNvPr id="12" name="Chevron 16">
             <a:extLst>
               <a:ext uri="{FF2B5EF4-FFF2-40B4-BE49-F238E27FC236}">
-                <a16:creationId xmlns="" xmlns:a16="http://schemas.microsoft.com/office/drawing/2014/main" id="{54D81A09-25D7-49A0-BFF0-B0FAA8FC9B85}"/>
+                <a16:creationId xmlns:a16="http://schemas.microsoft.com/office/drawing/2014/main" xmlns="" id="{54D81A09-25D7-49A0-BFF0-B0FAA8FC9B85}"/>
               </a:ext>
             </a:extLst>
           </p:cNvPr>
@@ -5427,7 +5427,7 @@
           <p:cNvPr id="13" name="Oval 12">
             <a:extLst>
               <a:ext uri="{FF2B5EF4-FFF2-40B4-BE49-F238E27FC236}">
-                <a16:creationId xmlns="" xmlns:a16="http://schemas.microsoft.com/office/drawing/2014/main" id="{0164A0E9-5313-4004-96D2-E9320B6987A5}"/>
+                <a16:creationId xmlns:a16="http://schemas.microsoft.com/office/drawing/2014/main" xmlns="" id="{0164A0E9-5313-4004-96D2-E9320B6987A5}"/>
               </a:ext>
             </a:extLst>
           </p:cNvPr>
@@ -5483,7 +5483,7 @@
           <p:cNvPr id="14" name="Chevron 19">
             <a:extLst>
               <a:ext uri="{FF2B5EF4-FFF2-40B4-BE49-F238E27FC236}">
-                <a16:creationId xmlns="" xmlns:a16="http://schemas.microsoft.com/office/drawing/2014/main" id="{087EA94F-9EE3-4BB4-A44F-9E30426305DC}"/>
+                <a16:creationId xmlns:a16="http://schemas.microsoft.com/office/drawing/2014/main" xmlns="" id="{087EA94F-9EE3-4BB4-A44F-9E30426305DC}"/>
               </a:ext>
             </a:extLst>
           </p:cNvPr>
@@ -5541,7 +5541,7 @@
           <p:cNvPr id="15" name="Rectangle 14">
             <a:extLst>
               <a:ext uri="{FF2B5EF4-FFF2-40B4-BE49-F238E27FC236}">
-                <a16:creationId xmlns="" xmlns:a16="http://schemas.microsoft.com/office/drawing/2014/main" id="{FEAF94C3-1D8C-42D8-A345-1034DB5DE3FB}"/>
+                <a16:creationId xmlns:a16="http://schemas.microsoft.com/office/drawing/2014/main" xmlns="" id="{FEAF94C3-1D8C-42D8-A345-1034DB5DE3FB}"/>
               </a:ext>
             </a:extLst>
           </p:cNvPr>
@@ -5593,7 +5593,7 @@
           <p:cNvPr id="16" name="Slide Number Placeholder 5">
             <a:extLst>
               <a:ext uri="{FF2B5EF4-FFF2-40B4-BE49-F238E27FC236}">
-                <a16:creationId xmlns="" xmlns:a16="http://schemas.microsoft.com/office/drawing/2014/main" id="{62DF5369-DAAC-4977-A00C-27A3C3821667}"/>
+                <a16:creationId xmlns:a16="http://schemas.microsoft.com/office/drawing/2014/main" xmlns="" id="{62DF5369-DAAC-4977-A00C-27A3C3821667}"/>
               </a:ext>
             </a:extLst>
           </p:cNvPr>
@@ -5729,7 +5729,7 @@
           <p:cNvPr id="6" name="Slide Number Placeholder 5">
             <a:extLst>
               <a:ext uri="{FF2B5EF4-FFF2-40B4-BE49-F238E27FC236}">
-                <a16:creationId xmlns="" xmlns:a16="http://schemas.microsoft.com/office/drawing/2014/main" id="{EEC439DD-3853-4254-9CC6-141635332CE3}"/>
+                <a16:creationId xmlns:a16="http://schemas.microsoft.com/office/drawing/2014/main" xmlns="" id="{EEC439DD-3853-4254-9CC6-141635332CE3}"/>
               </a:ext>
             </a:extLst>
           </p:cNvPr>
@@ -5778,7 +5778,7 @@
           <p:cNvPr id="5" name="Footer Placeholder 4">
             <a:extLst>
               <a:ext uri="{FF2B5EF4-FFF2-40B4-BE49-F238E27FC236}">
-                <a16:creationId xmlns="" xmlns:a16="http://schemas.microsoft.com/office/drawing/2014/main" id="{77E25A1A-F191-4308-9847-26E21CFF8B64}"/>
+                <a16:creationId xmlns:a16="http://schemas.microsoft.com/office/drawing/2014/main" xmlns="" id="{77E25A1A-F191-4308-9847-26E21CFF8B64}"/>
               </a:ext>
             </a:extLst>
           </p:cNvPr>
@@ -6153,7 +6153,7 @@
           <p:cNvPr id="24" name="Rectangle 23">
             <a:extLst>
               <a:ext uri="{FF2B5EF4-FFF2-40B4-BE49-F238E27FC236}">
-                <a16:creationId xmlns="" xmlns:a16="http://schemas.microsoft.com/office/drawing/2014/main" id="{9AB1D167-998A-45D7-BA24-D81886C9ECB0}"/>
+                <a16:creationId xmlns:a16="http://schemas.microsoft.com/office/drawing/2014/main" xmlns="" id="{9AB1D167-998A-45D7-BA24-D81886C9ECB0}"/>
               </a:ext>
             </a:extLst>
           </p:cNvPr>
@@ -6523,7 +6523,7 @@
           <p:cNvPr id="24" name="Rectangle 23">
             <a:extLst>
               <a:ext uri="{FF2B5EF4-FFF2-40B4-BE49-F238E27FC236}">
-                <a16:creationId xmlns="" xmlns:a16="http://schemas.microsoft.com/office/drawing/2014/main" id="{9AB1D167-998A-45D7-BA24-D81886C9ECB0}"/>
+                <a16:creationId xmlns:a16="http://schemas.microsoft.com/office/drawing/2014/main" xmlns="" id="{9AB1D167-998A-45D7-BA24-D81886C9ECB0}"/>
               </a:ext>
             </a:extLst>
           </p:cNvPr>
@@ -6581,7 +6581,7 @@
           <p:cNvPr id="8" name="Freeform: Shape 7">
             <a:extLst>
               <a:ext uri="{FF2B5EF4-FFF2-40B4-BE49-F238E27FC236}">
-                <a16:creationId xmlns="" xmlns:a16="http://schemas.microsoft.com/office/drawing/2014/main" id="{4BA40D94-E0A7-4C36-928C-B5FBF48FAA98}"/>
+                <a16:creationId xmlns:a16="http://schemas.microsoft.com/office/drawing/2014/main" xmlns="" id="{4BA40D94-E0A7-4C36-928C-B5FBF48FAA98}"/>
               </a:ext>
             </a:extLst>
           </p:cNvPr>
@@ -6715,7 +6715,7 @@
           <p:cNvPr id="9" name="Freeform: Shape 8">
             <a:extLst>
               <a:ext uri="{FF2B5EF4-FFF2-40B4-BE49-F238E27FC236}">
-                <a16:creationId xmlns="" xmlns:a16="http://schemas.microsoft.com/office/drawing/2014/main" id="{6A16AEE4-04D8-4FF7-AA27-E6A8BFBC114D}"/>
+                <a16:creationId xmlns:a16="http://schemas.microsoft.com/office/drawing/2014/main" xmlns="" id="{6A16AEE4-04D8-4FF7-AA27-E6A8BFBC114D}"/>
               </a:ext>
             </a:extLst>
           </p:cNvPr>
@@ -6985,7 +6985,7 @@
           <p:cNvPr id="24" name="Rectangle 23">
             <a:extLst>
               <a:ext uri="{FF2B5EF4-FFF2-40B4-BE49-F238E27FC236}">
-                <a16:creationId xmlns="" xmlns:a16="http://schemas.microsoft.com/office/drawing/2014/main" id="{9AB1D167-998A-45D7-BA24-D81886C9ECB0}"/>
+                <a16:creationId xmlns:a16="http://schemas.microsoft.com/office/drawing/2014/main" xmlns="" id="{9AB1D167-998A-45D7-BA24-D81886C9ECB0}"/>
               </a:ext>
             </a:extLst>
           </p:cNvPr>
@@ -7043,7 +7043,7 @@
           <p:cNvPr id="8" name="Freeform: Shape 7">
             <a:extLst>
               <a:ext uri="{FF2B5EF4-FFF2-40B4-BE49-F238E27FC236}">
-                <a16:creationId xmlns="" xmlns:a16="http://schemas.microsoft.com/office/drawing/2014/main" id="{4BA40D94-E0A7-4C36-928C-B5FBF48FAA98}"/>
+                <a16:creationId xmlns:a16="http://schemas.microsoft.com/office/drawing/2014/main" xmlns="" id="{4BA40D94-E0A7-4C36-928C-B5FBF48FAA98}"/>
               </a:ext>
             </a:extLst>
           </p:cNvPr>
@@ -7177,7 +7177,7 @@
           <p:cNvPr id="9" name="Freeform: Shape 8">
             <a:extLst>
               <a:ext uri="{FF2B5EF4-FFF2-40B4-BE49-F238E27FC236}">
-                <a16:creationId xmlns="" xmlns:a16="http://schemas.microsoft.com/office/drawing/2014/main" id="{6A16AEE4-04D8-4FF7-AA27-E6A8BFBC114D}"/>
+                <a16:creationId xmlns:a16="http://schemas.microsoft.com/office/drawing/2014/main" xmlns="" id="{6A16AEE4-04D8-4FF7-AA27-E6A8BFBC114D}"/>
               </a:ext>
             </a:extLst>
           </p:cNvPr>
@@ -7436,7 +7436,7 @@
           <p:cNvPr id="24" name="Rectangle 23">
             <a:extLst>
               <a:ext uri="{FF2B5EF4-FFF2-40B4-BE49-F238E27FC236}">
-                <a16:creationId xmlns="" xmlns:a16="http://schemas.microsoft.com/office/drawing/2014/main" id="{9AB1D167-998A-45D7-BA24-D81886C9ECB0}"/>
+                <a16:creationId xmlns:a16="http://schemas.microsoft.com/office/drawing/2014/main" xmlns="" id="{9AB1D167-998A-45D7-BA24-D81886C9ECB0}"/>
               </a:ext>
             </a:extLst>
           </p:cNvPr>
@@ -7494,7 +7494,7 @@
           <p:cNvPr id="8" name="Freeform: Shape 7">
             <a:extLst>
               <a:ext uri="{FF2B5EF4-FFF2-40B4-BE49-F238E27FC236}">
-                <a16:creationId xmlns="" xmlns:a16="http://schemas.microsoft.com/office/drawing/2014/main" id="{4BA40D94-E0A7-4C36-928C-B5FBF48FAA98}"/>
+                <a16:creationId xmlns:a16="http://schemas.microsoft.com/office/drawing/2014/main" xmlns="" id="{4BA40D94-E0A7-4C36-928C-B5FBF48FAA98}"/>
               </a:ext>
             </a:extLst>
           </p:cNvPr>
@@ -7628,7 +7628,7 @@
           <p:cNvPr id="9" name="Freeform: Shape 8">
             <a:extLst>
               <a:ext uri="{FF2B5EF4-FFF2-40B4-BE49-F238E27FC236}">
-                <a16:creationId xmlns="" xmlns:a16="http://schemas.microsoft.com/office/drawing/2014/main" id="{6A16AEE4-04D8-4FF7-AA27-E6A8BFBC114D}"/>
+                <a16:creationId xmlns:a16="http://schemas.microsoft.com/office/drawing/2014/main" xmlns="" id="{6A16AEE4-04D8-4FF7-AA27-E6A8BFBC114D}"/>
               </a:ext>
             </a:extLst>
           </p:cNvPr>
@@ -7887,7 +7887,7 @@
           <p:cNvPr id="24" name="Rectangle 23">
             <a:extLst>
               <a:ext uri="{FF2B5EF4-FFF2-40B4-BE49-F238E27FC236}">
-                <a16:creationId xmlns="" xmlns:a16="http://schemas.microsoft.com/office/drawing/2014/main" id="{9AB1D167-998A-45D7-BA24-D81886C9ECB0}"/>
+                <a16:creationId xmlns:a16="http://schemas.microsoft.com/office/drawing/2014/main" xmlns="" id="{9AB1D167-998A-45D7-BA24-D81886C9ECB0}"/>
               </a:ext>
             </a:extLst>
           </p:cNvPr>
@@ -7945,7 +7945,7 @@
           <p:cNvPr id="8" name="Freeform: Shape 7">
             <a:extLst>
               <a:ext uri="{FF2B5EF4-FFF2-40B4-BE49-F238E27FC236}">
-                <a16:creationId xmlns="" xmlns:a16="http://schemas.microsoft.com/office/drawing/2014/main" id="{4BA40D94-E0A7-4C36-928C-B5FBF48FAA98}"/>
+                <a16:creationId xmlns:a16="http://schemas.microsoft.com/office/drawing/2014/main" xmlns="" id="{4BA40D94-E0A7-4C36-928C-B5FBF48FAA98}"/>
               </a:ext>
             </a:extLst>
           </p:cNvPr>
@@ -8079,7 +8079,7 @@
           <p:cNvPr id="9" name="Freeform: Shape 8">
             <a:extLst>
               <a:ext uri="{FF2B5EF4-FFF2-40B4-BE49-F238E27FC236}">
-                <a16:creationId xmlns="" xmlns:a16="http://schemas.microsoft.com/office/drawing/2014/main" id="{6A16AEE4-04D8-4FF7-AA27-E6A8BFBC114D}"/>
+                <a16:creationId xmlns:a16="http://schemas.microsoft.com/office/drawing/2014/main" xmlns="" id="{6A16AEE4-04D8-4FF7-AA27-E6A8BFBC114D}"/>
               </a:ext>
             </a:extLst>
           </p:cNvPr>
@@ -8225,14 +8225,6 @@
               </a:rPr>
               <a:t>分工</a:t>
             </a:r>
-            <a:endParaRPr kumimoji="1" lang="zh-TW" altLang="en-US" sz="4000" dirty="0">
-              <a:solidFill>
-                <a:srgbClr val="4F5050"/>
-              </a:solidFill>
-              <a:latin typeface="微軟正黑體"/>
-              <a:ea typeface="微軟正黑體"/>
-              <a:cs typeface="微軟正黑體"/>
-            </a:endParaRPr>
           </a:p>
         </p:txBody>
       </p:sp>
@@ -8387,7 +8379,7 @@
           <p:cNvPr id="24" name="Rectangle 23">
             <a:extLst>
               <a:ext uri="{FF2B5EF4-FFF2-40B4-BE49-F238E27FC236}">
-                <a16:creationId xmlns="" xmlns:a16="http://schemas.microsoft.com/office/drawing/2014/main" id="{9AB1D167-998A-45D7-BA24-D81886C9ECB0}"/>
+                <a16:creationId xmlns:a16="http://schemas.microsoft.com/office/drawing/2014/main" xmlns="" id="{9AB1D167-998A-45D7-BA24-D81886C9ECB0}"/>
               </a:ext>
             </a:extLst>
           </p:cNvPr>
@@ -8441,7 +8433,7 @@
           <p:cNvPr id="8" name="Freeform: Shape 7">
             <a:extLst>
               <a:ext uri="{FF2B5EF4-FFF2-40B4-BE49-F238E27FC236}">
-                <a16:creationId xmlns="" xmlns:a16="http://schemas.microsoft.com/office/drawing/2014/main" id="{4BA40D94-E0A7-4C36-928C-B5FBF48FAA98}"/>
+                <a16:creationId xmlns:a16="http://schemas.microsoft.com/office/drawing/2014/main" xmlns="" id="{4BA40D94-E0A7-4C36-928C-B5FBF48FAA98}"/>
               </a:ext>
             </a:extLst>
           </p:cNvPr>
@@ -8571,7 +8563,7 @@
           <p:cNvPr id="9" name="Freeform: Shape 8">
             <a:extLst>
               <a:ext uri="{FF2B5EF4-FFF2-40B4-BE49-F238E27FC236}">
-                <a16:creationId xmlns="" xmlns:a16="http://schemas.microsoft.com/office/drawing/2014/main" id="{6A16AEE4-04D8-4FF7-AA27-E6A8BFBC114D}"/>
+                <a16:creationId xmlns:a16="http://schemas.microsoft.com/office/drawing/2014/main" xmlns="" id="{6A16AEE4-04D8-4FF7-AA27-E6A8BFBC114D}"/>
               </a:ext>
             </a:extLst>
           </p:cNvPr>
@@ -8951,7 +8943,7 @@
           <p:cNvPr id="24" name="Rectangle 23">
             <a:extLst>
               <a:ext uri="{FF2B5EF4-FFF2-40B4-BE49-F238E27FC236}">
-                <a16:creationId xmlns="" xmlns:a16="http://schemas.microsoft.com/office/drawing/2014/main" id="{9AB1D167-998A-45D7-BA24-D81886C9ECB0}"/>
+                <a16:creationId xmlns:a16="http://schemas.microsoft.com/office/drawing/2014/main" xmlns="" id="{9AB1D167-998A-45D7-BA24-D81886C9ECB0}"/>
               </a:ext>
             </a:extLst>
           </p:cNvPr>
@@ -9289,7 +9281,6 @@
               <a:rPr lang="zh-TW" altLang="en-US" dirty="0"/>
               <a:t>變長</a:t>
             </a:r>
-            <a:endParaRPr lang="zh-TW" altLang="en-US" dirty="0"/>
           </a:p>
         </p:txBody>
       </p:sp>
@@ -9597,7 +9588,6 @@
               <a:rPr lang="zh-TW" altLang="en-US" dirty="0"/>
               <a:t>撞到牆壁</a:t>
             </a:r>
-            <a:endParaRPr lang="zh-TW" altLang="en-US" dirty="0"/>
           </a:p>
         </p:txBody>
       </p:sp>
@@ -9919,7 +9909,6 @@
               <a:rPr lang="zh-TW" altLang="en-US" dirty="0"/>
               <a:t>繼續遊戲</a:t>
             </a:r>
-            <a:endParaRPr lang="zh-TW" altLang="en-US" dirty="0"/>
           </a:p>
         </p:txBody>
       </p:sp>
@@ -10025,7 +10014,7 @@
           <p:cNvPr id="24" name="Rectangle 23">
             <a:extLst>
               <a:ext uri="{FF2B5EF4-FFF2-40B4-BE49-F238E27FC236}">
-                <a16:creationId xmlns="" xmlns:a16="http://schemas.microsoft.com/office/drawing/2014/main" id="{9AB1D167-998A-45D7-BA24-D81886C9ECB0}"/>
+                <a16:creationId xmlns:a16="http://schemas.microsoft.com/office/drawing/2014/main" xmlns="" id="{9AB1D167-998A-45D7-BA24-D81886C9ECB0}"/>
               </a:ext>
             </a:extLst>
           </p:cNvPr>
@@ -10083,7 +10072,7 @@
           <p:cNvPr id="8" name="Freeform: Shape 7">
             <a:extLst>
               <a:ext uri="{FF2B5EF4-FFF2-40B4-BE49-F238E27FC236}">
-                <a16:creationId xmlns="" xmlns:a16="http://schemas.microsoft.com/office/drawing/2014/main" id="{4BA40D94-E0A7-4C36-928C-B5FBF48FAA98}"/>
+                <a16:creationId xmlns:a16="http://schemas.microsoft.com/office/drawing/2014/main" xmlns="" id="{4BA40D94-E0A7-4C36-928C-B5FBF48FAA98}"/>
               </a:ext>
             </a:extLst>
           </p:cNvPr>
@@ -10217,7 +10206,7 @@
           <p:cNvPr id="9" name="Freeform: Shape 8">
             <a:extLst>
               <a:ext uri="{FF2B5EF4-FFF2-40B4-BE49-F238E27FC236}">
-                <a16:creationId xmlns="" xmlns:a16="http://schemas.microsoft.com/office/drawing/2014/main" id="{6A16AEE4-04D8-4FF7-AA27-E6A8BFBC114D}"/>
+                <a16:creationId xmlns:a16="http://schemas.microsoft.com/office/drawing/2014/main" xmlns="" id="{6A16AEE4-04D8-4FF7-AA27-E6A8BFBC114D}"/>
               </a:ext>
             </a:extLst>
           </p:cNvPr>
@@ -10337,7 +10326,7 @@
         </p:nvSpPr>
         <p:spPr>
           <a:xfrm>
-            <a:off x="-164813" y="2579350"/>
+            <a:off x="-362037" y="2579350"/>
             <a:ext cx="4076412" cy="707886"/>
           </a:xfrm>
           <a:prstGeom prst="rect">
@@ -10438,7 +10427,7 @@
           <p:cNvPr id="24" name="Rectangle 23">
             <a:extLst>
               <a:ext uri="{FF2B5EF4-FFF2-40B4-BE49-F238E27FC236}">
-                <a16:creationId xmlns="" xmlns:a16="http://schemas.microsoft.com/office/drawing/2014/main" id="{9AB1D167-998A-45D7-BA24-D81886C9ECB0}"/>
+                <a16:creationId xmlns:a16="http://schemas.microsoft.com/office/drawing/2014/main" xmlns="" id="{9AB1D167-998A-45D7-BA24-D81886C9ECB0}"/>
               </a:ext>
             </a:extLst>
           </p:cNvPr>
@@ -10496,7 +10485,7 @@
           <p:cNvPr id="8" name="Freeform: Shape 7">
             <a:extLst>
               <a:ext uri="{FF2B5EF4-FFF2-40B4-BE49-F238E27FC236}">
-                <a16:creationId xmlns="" xmlns:a16="http://schemas.microsoft.com/office/drawing/2014/main" id="{4BA40D94-E0A7-4C36-928C-B5FBF48FAA98}"/>
+                <a16:creationId xmlns:a16="http://schemas.microsoft.com/office/drawing/2014/main" xmlns="" id="{4BA40D94-E0A7-4C36-928C-B5FBF48FAA98}"/>
               </a:ext>
             </a:extLst>
           </p:cNvPr>
@@ -10630,7 +10619,7 @@
           <p:cNvPr id="9" name="Freeform: Shape 8">
             <a:extLst>
               <a:ext uri="{FF2B5EF4-FFF2-40B4-BE49-F238E27FC236}">
-                <a16:creationId xmlns="" xmlns:a16="http://schemas.microsoft.com/office/drawing/2014/main" id="{6A16AEE4-04D8-4FF7-AA27-E6A8BFBC114D}"/>
+                <a16:creationId xmlns:a16="http://schemas.microsoft.com/office/drawing/2014/main" xmlns="" id="{6A16AEE4-04D8-4FF7-AA27-E6A8BFBC114D}"/>
               </a:ext>
             </a:extLst>
           </p:cNvPr>
@@ -10889,7 +10878,7 @@
           <p:cNvPr id="24" name="Rectangle 23">
             <a:extLst>
               <a:ext uri="{FF2B5EF4-FFF2-40B4-BE49-F238E27FC236}">
-                <a16:creationId xmlns="" xmlns:a16="http://schemas.microsoft.com/office/drawing/2014/main" id="{9AB1D167-998A-45D7-BA24-D81886C9ECB0}"/>
+                <a16:creationId xmlns:a16="http://schemas.microsoft.com/office/drawing/2014/main" xmlns="" id="{9AB1D167-998A-45D7-BA24-D81886C9ECB0}"/>
               </a:ext>
             </a:extLst>
           </p:cNvPr>
@@ -10947,7 +10936,7 @@
           <p:cNvPr id="8" name="Freeform: Shape 7">
             <a:extLst>
               <a:ext uri="{FF2B5EF4-FFF2-40B4-BE49-F238E27FC236}">
-                <a16:creationId xmlns="" xmlns:a16="http://schemas.microsoft.com/office/drawing/2014/main" id="{4BA40D94-E0A7-4C36-928C-B5FBF48FAA98}"/>
+                <a16:creationId xmlns:a16="http://schemas.microsoft.com/office/drawing/2014/main" xmlns="" id="{4BA40D94-E0A7-4C36-928C-B5FBF48FAA98}"/>
               </a:ext>
             </a:extLst>
           </p:cNvPr>
@@ -11081,7 +11070,7 @@
           <p:cNvPr id="9" name="Freeform: Shape 8">
             <a:extLst>
               <a:ext uri="{FF2B5EF4-FFF2-40B4-BE49-F238E27FC236}">
-                <a16:creationId xmlns="" xmlns:a16="http://schemas.microsoft.com/office/drawing/2014/main" id="{6A16AEE4-04D8-4FF7-AA27-E6A8BFBC114D}"/>
+                <a16:creationId xmlns:a16="http://schemas.microsoft.com/office/drawing/2014/main" xmlns="" id="{6A16AEE4-04D8-4FF7-AA27-E6A8BFBC114D}"/>
               </a:ext>
             </a:extLst>
           </p:cNvPr>
@@ -11340,7 +11329,7 @@
           <p:cNvPr id="24" name="Rectangle 23">
             <a:extLst>
               <a:ext uri="{FF2B5EF4-FFF2-40B4-BE49-F238E27FC236}">
-                <a16:creationId xmlns="" xmlns:a16="http://schemas.microsoft.com/office/drawing/2014/main" id="{9AB1D167-998A-45D7-BA24-D81886C9ECB0}"/>
+                <a16:creationId xmlns:a16="http://schemas.microsoft.com/office/drawing/2014/main" xmlns="" id="{9AB1D167-998A-45D7-BA24-D81886C9ECB0}"/>
               </a:ext>
             </a:extLst>
           </p:cNvPr>
@@ -11398,7 +11387,7 @@
           <p:cNvPr id="8" name="Freeform: Shape 7">
             <a:extLst>
               <a:ext uri="{FF2B5EF4-FFF2-40B4-BE49-F238E27FC236}">
-                <a16:creationId xmlns="" xmlns:a16="http://schemas.microsoft.com/office/drawing/2014/main" id="{4BA40D94-E0A7-4C36-928C-B5FBF48FAA98}"/>
+                <a16:creationId xmlns:a16="http://schemas.microsoft.com/office/drawing/2014/main" xmlns="" id="{4BA40D94-E0A7-4C36-928C-B5FBF48FAA98}"/>
               </a:ext>
             </a:extLst>
           </p:cNvPr>
@@ -11532,7 +11521,7 @@
           <p:cNvPr id="9" name="Freeform: Shape 8">
             <a:extLst>
               <a:ext uri="{FF2B5EF4-FFF2-40B4-BE49-F238E27FC236}">
-                <a16:creationId xmlns="" xmlns:a16="http://schemas.microsoft.com/office/drawing/2014/main" id="{6A16AEE4-04D8-4FF7-AA27-E6A8BFBC114D}"/>
+                <a16:creationId xmlns:a16="http://schemas.microsoft.com/office/drawing/2014/main" xmlns="" id="{6A16AEE4-04D8-4FF7-AA27-E6A8BFBC114D}"/>
               </a:ext>
             </a:extLst>
           </p:cNvPr>
@@ -11791,7 +11780,7 @@
           <p:cNvPr id="24" name="Rectangle 23">
             <a:extLst>
               <a:ext uri="{FF2B5EF4-FFF2-40B4-BE49-F238E27FC236}">
-                <a16:creationId xmlns="" xmlns:a16="http://schemas.microsoft.com/office/drawing/2014/main" id="{9AB1D167-998A-45D7-BA24-D81886C9ECB0}"/>
+                <a16:creationId xmlns:a16="http://schemas.microsoft.com/office/drawing/2014/main" xmlns="" id="{9AB1D167-998A-45D7-BA24-D81886C9ECB0}"/>
               </a:ext>
             </a:extLst>
           </p:cNvPr>
@@ -11849,7 +11838,7 @@
           <p:cNvPr id="8" name="Freeform: Shape 7">
             <a:extLst>
               <a:ext uri="{FF2B5EF4-FFF2-40B4-BE49-F238E27FC236}">
-                <a16:creationId xmlns="" xmlns:a16="http://schemas.microsoft.com/office/drawing/2014/main" id="{4BA40D94-E0A7-4C36-928C-B5FBF48FAA98}"/>
+                <a16:creationId xmlns:a16="http://schemas.microsoft.com/office/drawing/2014/main" xmlns="" id="{4BA40D94-E0A7-4C36-928C-B5FBF48FAA98}"/>
               </a:ext>
             </a:extLst>
           </p:cNvPr>
@@ -11983,7 +11972,7 @@
           <p:cNvPr id="9" name="Freeform: Shape 8">
             <a:extLst>
               <a:ext uri="{FF2B5EF4-FFF2-40B4-BE49-F238E27FC236}">
-                <a16:creationId xmlns="" xmlns:a16="http://schemas.microsoft.com/office/drawing/2014/main" id="{6A16AEE4-04D8-4FF7-AA27-E6A8BFBC114D}"/>
+                <a16:creationId xmlns:a16="http://schemas.microsoft.com/office/drawing/2014/main" xmlns="" id="{6A16AEE4-04D8-4FF7-AA27-E6A8BFBC114D}"/>
               </a:ext>
             </a:extLst>
           </p:cNvPr>
@@ -12253,7 +12242,7 @@
           <p:cNvPr id="24" name="Rectangle 23">
             <a:extLst>
               <a:ext uri="{FF2B5EF4-FFF2-40B4-BE49-F238E27FC236}">
-                <a16:creationId xmlns="" xmlns:a16="http://schemas.microsoft.com/office/drawing/2014/main" id="{9AB1D167-998A-45D7-BA24-D81886C9ECB0}"/>
+                <a16:creationId xmlns:a16="http://schemas.microsoft.com/office/drawing/2014/main" xmlns="" id="{9AB1D167-998A-45D7-BA24-D81886C9ECB0}"/>
               </a:ext>
             </a:extLst>
           </p:cNvPr>
@@ -12311,7 +12300,7 @@
           <p:cNvPr id="8" name="Freeform: Shape 7">
             <a:extLst>
               <a:ext uri="{FF2B5EF4-FFF2-40B4-BE49-F238E27FC236}">
-                <a16:creationId xmlns="" xmlns:a16="http://schemas.microsoft.com/office/drawing/2014/main" id="{4BA40D94-E0A7-4C36-928C-B5FBF48FAA98}"/>
+                <a16:creationId xmlns:a16="http://schemas.microsoft.com/office/drawing/2014/main" xmlns="" id="{4BA40D94-E0A7-4C36-928C-B5FBF48FAA98}"/>
               </a:ext>
             </a:extLst>
           </p:cNvPr>
@@ -12445,7 +12434,7 @@
           <p:cNvPr id="9" name="Freeform: Shape 8">
             <a:extLst>
               <a:ext uri="{FF2B5EF4-FFF2-40B4-BE49-F238E27FC236}">
-                <a16:creationId xmlns="" xmlns:a16="http://schemas.microsoft.com/office/drawing/2014/main" id="{6A16AEE4-04D8-4FF7-AA27-E6A8BFBC114D}"/>
+                <a16:creationId xmlns:a16="http://schemas.microsoft.com/office/drawing/2014/main" xmlns="" id="{6A16AEE4-04D8-4FF7-AA27-E6A8BFBC114D}"/>
               </a:ext>
             </a:extLst>
           </p:cNvPr>
@@ -12993,7 +12982,7 @@
   <a:extraClrSchemeLst/>
   <a:extLst>
     <a:ext uri="{05A4C25C-085E-4340-85A3-A5531E510DB2}">
-      <thm15:themeFamily xmlns="" xmlns:thm15="http://schemas.microsoft.com/office/thememl/2012/main" name="Office Theme" id="{62F939B6-93AF-4DB8-9C6B-D6C7DFDC589F}" vid="{4A3C46E8-61CC-4603-A589-7422A47A8E4A}"/>
+      <thm15:themeFamily xmlns:thm15="http://schemas.microsoft.com/office/thememl/2012/main" xmlns="" name="Office Theme" id="{62F939B6-93AF-4DB8-9C6B-D6C7DFDC589F}" vid="{4A3C46E8-61CC-4603-A589-7422A47A8E4A}"/>
     </a:ext>
   </a:extLst>
 </a:theme>
@@ -13288,7 +13277,7 @@
   <a:extraClrSchemeLst/>
   <a:extLst>
     <a:ext uri="{05A4C25C-085E-4340-85A3-A5531E510DB2}">
-      <thm15:themeFamily xmlns="" xmlns:thm15="http://schemas.microsoft.com/office/thememl/2012/main" name="Office Theme" id="{62F939B6-93AF-4DB8-9C6B-D6C7DFDC589F}" vid="{4A3C46E8-61CC-4603-A589-7422A47A8E4A}"/>
+      <thm15:themeFamily xmlns:thm15="http://schemas.microsoft.com/office/thememl/2012/main" xmlns="" name="Office Theme" id="{62F939B6-93AF-4DB8-9C6B-D6C7DFDC589F}" vid="{4A3C46E8-61CC-4603-A589-7422A47A8E4A}"/>
     </a:ext>
   </a:extLst>
 </a:theme>
@@ -13583,7 +13572,7 @@
   <a:extraClrSchemeLst/>
   <a:extLst>
     <a:ext uri="{05A4C25C-085E-4340-85A3-A5531E510DB2}">
-      <thm15:themeFamily xmlns="" xmlns:thm15="http://schemas.microsoft.com/office/thememl/2012/main" name="Office Theme" id="{62F939B6-93AF-4DB8-9C6B-D6C7DFDC589F}" vid="{4A3C46E8-61CC-4603-A589-7422A47A8E4A}"/>
+      <thm15:themeFamily xmlns:thm15="http://schemas.microsoft.com/office/thememl/2012/main" xmlns="" name="Office Theme" id="{62F939B6-93AF-4DB8-9C6B-D6C7DFDC589F}" vid="{4A3C46E8-61CC-4603-A589-7422A47A8E4A}"/>
     </a:ext>
   </a:extLst>
 </a:theme>
